--- a/presentations/02_cnn_anatomy.pptx
+++ b/presentations/02_cnn_anatomy.pptx
@@ -5,7 +5,7 @@
     <p:sldMasterId id="2147483648" r:id="rId1"/>
   </p:sldMasterIdLst>
   <p:notesMasterIdLst>
-    <p:notesMasterId r:id="rId27"/>
+    <p:notesMasterId r:id="rId26"/>
   </p:notesMasterIdLst>
   <p:sldIdLst>
     <p:sldId id="322" r:id="rId2"/>
@@ -29,10 +29,9 @@
     <p:sldId id="304" r:id="rId20"/>
     <p:sldId id="346" r:id="rId21"/>
     <p:sldId id="309" r:id="rId22"/>
-    <p:sldId id="323" r:id="rId23"/>
-    <p:sldId id="345" r:id="rId24"/>
-    <p:sldId id="344" r:id="rId25"/>
-    <p:sldId id="331" r:id="rId26"/>
+    <p:sldId id="345" r:id="rId23"/>
+    <p:sldId id="344" r:id="rId24"/>
+    <p:sldId id="331" r:id="rId25"/>
   </p:sldIdLst>
   <p:sldSz cx="12192000" cy="6858000"/>
   <p:notesSz cx="7077075" cy="9363075"/>
@@ -232,7 +231,7 @@
           <a:p>
             <a:fld id="{FD93C9B2-20F6-4DB1-B471-224337D0AC79}" type="datetimeFigureOut">
               <a:rPr lang="en-US" smtClean="0"/>
-              <a:t>2/4/2022</a:t>
+              <a:t>5/26/2022</a:t>
             </a:fld>
             <a:endParaRPr lang="en-US"/>
           </a:p>
@@ -786,24 +785,6 @@
             </a:pPr>
             <a:endParaRPr lang="en-US" dirty="0"/>
           </a:p>
-          <a:p>
-            <a:pPr defTabSz="939363">
-              <a:defRPr/>
-            </a:pPr>
-            <a:r>
-              <a:rPr lang="en-US" dirty="0"/>
-              <a:t>Students who have not yet validated their HiperGator account should work through the steps in this document:</a:t>
-            </a:r>
-          </a:p>
-          <a:p>
-            <a:pPr defTabSz="939363">
-              <a:defRPr/>
-            </a:pPr>
-            <a:r>
-              <a:rPr lang="en-US" b="1" i="1" dirty="0"/>
-              <a:t>https://github.com/PracticumAI-Test/HPG_Jupyter_Setup</a:t>
-            </a:r>
-          </a:p>
         </p:txBody>
       </p:sp>
       <p:sp>
@@ -2606,36 +2587,26 @@
           <a:bodyPr/>
           <a:lstStyle/>
           <a:p>
-            <a:pPr defTabSz="939363">
+            <a:pPr marL="0" marR="0" lvl="0" indent="0" algn="l" defTabSz="939363" rtl="0" eaLnBrk="1" fontAlgn="auto" latinLnBrk="0" hangingPunct="1">
+              <a:lnSpc>
+                <a:spcPct val="100000"/>
+              </a:lnSpc>
+              <a:spcBef>
+                <a:spcPts val="0"/>
+              </a:spcBef>
+              <a:spcAft>
+                <a:spcPts val="0"/>
+              </a:spcAft>
+              <a:buClrTx/>
+              <a:buSzTx/>
+              <a:buFontTx/>
+              <a:buNone/>
+              <a:tabLst/>
               <a:defRPr/>
             </a:pPr>
             <a:r>
               <a:rPr lang="en-US" dirty="0"/>
-              <a:t>The learning experience for this workshop starts on page 123 of the textbook.  </a:t>
-            </a:r>
-          </a:p>
-          <a:p>
-            <a:pPr defTabSz="939363">
-              <a:defRPr/>
-            </a:pPr>
-            <a:endParaRPr lang="en-US" dirty="0"/>
-          </a:p>
-          <a:p>
-            <a:pPr defTabSz="939363">
-              <a:defRPr/>
-            </a:pPr>
-            <a:r>
-              <a:rPr lang="en-US" dirty="0"/>
-              <a:t>Students who have not yet validated their HiperGator account should work through the steps in this document:</a:t>
-            </a:r>
-          </a:p>
-          <a:p>
-            <a:pPr defTabSz="939363">
-              <a:defRPr/>
-            </a:pPr>
-            <a:r>
-              <a:rPr lang="en-US" b="1" i="1" dirty="0"/>
-              <a:t>https://github.com/PracticumAI-Test/HPG_Jupyter_Setup</a:t>
+              <a:t>The learning experience for this exercise starts on page 130 of the textbook.  </a:t>
             </a:r>
           </a:p>
           <a:p>
@@ -2723,15 +2694,6 @@
           <a:bodyPr/>
           <a:lstStyle/>
           <a:p>
-            <a:pPr defTabSz="939363">
-              <a:defRPr/>
-            </a:pPr>
-            <a:r>
-              <a:rPr lang="en-US" dirty="0"/>
-              <a:t>The learning experience for this workshop starts on page 130 of the textbook.  For additional information, please watch the exercise 3.03 orientation video.</a:t>
-            </a:r>
-          </a:p>
-          <a:p>
             <a:endParaRPr lang="en-US" dirty="0"/>
           </a:p>
         </p:txBody>
@@ -2762,7 +2724,7 @@
     </p:spTree>
     <p:extLst>
       <p:ext uri="{BB962C8B-B14F-4D97-AF65-F5344CB8AC3E}">
-        <p14:creationId xmlns:p14="http://schemas.microsoft.com/office/powerpoint/2010/main" val="1974960137"/>
+        <p14:creationId xmlns:p14="http://schemas.microsoft.com/office/powerpoint/2010/main" val="1059485683"/>
       </p:ext>
     </p:extLst>
   </p:cSld>
@@ -2816,6 +2778,15 @@
           <a:bodyPr/>
           <a:lstStyle/>
           <a:p>
+            <a:pPr defTabSz="939363">
+              <a:defRPr/>
+            </a:pPr>
+            <a:r>
+              <a:rPr lang="en-US" dirty="0"/>
+              <a:t>Before we talk about padding, let’s quickly review the convolution operation.  For each input pixel, we imagine centering the three-by-three grid of weights over that pixel, applying the neuron, and creating a single output value, as shown here. We say that the pixel we’re centering the filter over is the anchor (or the reference point or zero point).  But this operation creates a problem…</a:t>
+            </a:r>
+          </a:p>
+          <a:p>
             <a:endParaRPr lang="en-US" dirty="0"/>
           </a:p>
         </p:txBody>
@@ -2846,7 +2817,7 @@
     </p:spTree>
     <p:extLst>
       <p:ext uri="{BB962C8B-B14F-4D97-AF65-F5344CB8AC3E}">
-        <p14:creationId xmlns:p14="http://schemas.microsoft.com/office/powerpoint/2010/main" val="1059485683"/>
+        <p14:creationId xmlns:p14="http://schemas.microsoft.com/office/powerpoint/2010/main" val="3682106829"/>
       </p:ext>
     </p:extLst>
   </p:cSld>
@@ -2900,12 +2871,18 @@
           <a:bodyPr/>
           <a:lstStyle/>
           <a:p>
-            <a:pPr defTabSz="939363">
-              <a:defRPr/>
-            </a:pPr>
             <a:r>
               <a:rPr lang="en-US" dirty="0"/>
-              <a:t>Before we talk about padding, let’s quickly review the convolution operation.  For each input pixel, we imagine centering the three-by-three grid of weights over that pixel, applying the neuron, and creating a single output value, as shown here. We say that the pixel we’re centering the filter over is the anchor (or the reference point or zero point).  But this operation creates a problem…</a:t>
+              <a:t>This figure provides another view of the convolution process from the perspective of a single neuron, with net input and activation functions.  Here we see how a single pixel is processed (shown in dark red).  We center the filter over the intended pixel and multiply each of the nine values in the input with its corresponding filter value. We add up all nine results in the net input function and then pass that sum through an activation function.</a:t>
+            </a:r>
+          </a:p>
+          <a:p>
+            <a:endParaRPr lang="en-US" dirty="0"/>
+          </a:p>
+          <a:p>
+            <a:r>
+              <a:rPr lang="en-US" dirty="0"/>
+              <a:t>Note that the neuron pictured here is just like any other neuron. It receives nine numbers as inputs, multiplies each one by its corresponding weight, adds the results together, and passes that number through an activation function. It doesn’t know or care that these nine numbers are coming from a square region of the input, or even that they’re coming from an image.</a:t>
             </a:r>
           </a:p>
           <a:p>
@@ -2931,105 +2908,6 @@
             <a:fld id="{3148858F-F1DB-4027-9C85-CCA6849540DD}" type="slidenum">
               <a:rPr lang="en-US" smtClean="0"/>
               <a:t>24</a:t>
-            </a:fld>
-            <a:endParaRPr lang="en-US"/>
-          </a:p>
-        </p:txBody>
-      </p:sp>
-    </p:spTree>
-    <p:extLst>
-      <p:ext uri="{BB962C8B-B14F-4D97-AF65-F5344CB8AC3E}">
-        <p14:creationId xmlns:p14="http://schemas.microsoft.com/office/powerpoint/2010/main" val="3682106829"/>
-      </p:ext>
-    </p:extLst>
-  </p:cSld>
-  <p:clrMapOvr>
-    <a:masterClrMapping/>
-  </p:clrMapOvr>
-</p:notes>
-</file>
-
-<file path=ppt/notesSlides/notesSlide25.xml><?xml version="1.0" encoding="utf-8"?>
-<p:notes xmlns:a="http://schemas.openxmlformats.org/drawingml/2006/main" xmlns:r="http://schemas.openxmlformats.org/officeDocument/2006/relationships" xmlns:p="http://schemas.openxmlformats.org/presentationml/2006/main">
-  <p:cSld>
-    <p:spTree>
-      <p:nvGrpSpPr>
-        <p:cNvPr id="1" name=""/>
-        <p:cNvGrpSpPr/>
-        <p:nvPr/>
-      </p:nvGrpSpPr>
-      <p:grpSpPr>
-        <a:xfrm>
-          <a:off x="0" y="0"/>
-          <a:ext cx="0" cy="0"/>
-          <a:chOff x="0" y="0"/>
-          <a:chExt cx="0" cy="0"/>
-        </a:xfrm>
-      </p:grpSpPr>
-      <p:sp>
-        <p:nvSpPr>
-          <p:cNvPr id="2" name="Slide Image Placeholder 1"/>
-          <p:cNvSpPr>
-            <a:spLocks noGrp="1" noRot="1" noChangeAspect="1"/>
-          </p:cNvSpPr>
-          <p:nvPr>
-            <p:ph type="sldImg"/>
-          </p:nvPr>
-        </p:nvSpPr>
-        <p:spPr/>
-      </p:sp>
-      <p:sp>
-        <p:nvSpPr>
-          <p:cNvPr id="3" name="Notes Placeholder 2"/>
-          <p:cNvSpPr>
-            <a:spLocks noGrp="1"/>
-          </p:cNvSpPr>
-          <p:nvPr>
-            <p:ph type="body" idx="1"/>
-          </p:nvPr>
-        </p:nvSpPr>
-        <p:spPr/>
-        <p:txBody>
-          <a:bodyPr/>
-          <a:lstStyle/>
-          <a:p>
-            <a:r>
-              <a:rPr lang="en-US" dirty="0"/>
-              <a:t>This figure provides another view of the convolution process from the perspective of a single neuron, with net input and activation functions.  Here we see how a single pixel is processed (shown in dark red).  We center the filter over the intended pixel and multiply each of the nine values in the input with its corresponding filter value. We add up all nine results in the net input function and then pass that sum through an activation function.</a:t>
-            </a:r>
-          </a:p>
-          <a:p>
-            <a:endParaRPr lang="en-US" dirty="0"/>
-          </a:p>
-          <a:p>
-            <a:r>
-              <a:rPr lang="en-US" dirty="0"/>
-              <a:t>Note that the neuron pictured here is just like any other neuron. It receives nine numbers as inputs, multiplies each one by its corresponding weight, adds the results together, and passes that number through an activation function. It doesn’t know or care that these nine numbers are coming from a square region of the input, or even that they’re coming from an image.</a:t>
-            </a:r>
-          </a:p>
-          <a:p>
-            <a:endParaRPr lang="en-US" dirty="0"/>
-          </a:p>
-        </p:txBody>
-      </p:sp>
-      <p:sp>
-        <p:nvSpPr>
-          <p:cNvPr id="4" name="Slide Number Placeholder 3"/>
-          <p:cNvSpPr>
-            <a:spLocks noGrp="1"/>
-          </p:cNvSpPr>
-          <p:nvPr>
-            <p:ph type="sldNum" sz="quarter" idx="5"/>
-          </p:nvPr>
-        </p:nvSpPr>
-        <p:spPr/>
-        <p:txBody>
-          <a:bodyPr/>
-          <a:lstStyle/>
-          <a:p>
-            <a:fld id="{3148858F-F1DB-4027-9C85-CCA6849540DD}" type="slidenum">
-              <a:rPr lang="en-US" smtClean="0"/>
-              <a:t>25</a:t>
             </a:fld>
             <a:endParaRPr lang="en-US"/>
           </a:p>
@@ -4356,7 +4234,7 @@
           <a:p>
             <a:fld id="{C3F78080-8D0A-4BE8-A5B4-CB115102D524}" type="datetimeFigureOut">
               <a:rPr lang="en-US" smtClean="0"/>
-              <a:t>2/4/2022</a:t>
+              <a:t>5/26/2022</a:t>
             </a:fld>
             <a:endParaRPr lang="en-US"/>
           </a:p>
@@ -4554,7 +4432,7 @@
           <a:p>
             <a:fld id="{C3F78080-8D0A-4BE8-A5B4-CB115102D524}" type="datetimeFigureOut">
               <a:rPr lang="en-US" smtClean="0"/>
-              <a:t>2/4/2022</a:t>
+              <a:t>5/26/2022</a:t>
             </a:fld>
             <a:endParaRPr lang="en-US"/>
           </a:p>
@@ -4762,7 +4640,7 @@
           <a:p>
             <a:fld id="{C3F78080-8D0A-4BE8-A5B4-CB115102D524}" type="datetimeFigureOut">
               <a:rPr lang="en-US" smtClean="0"/>
-              <a:t>2/4/2022</a:t>
+              <a:t>5/26/2022</a:t>
             </a:fld>
             <a:endParaRPr lang="en-US"/>
           </a:p>
@@ -4960,7 +4838,7 @@
           <a:p>
             <a:fld id="{C3F78080-8D0A-4BE8-A5B4-CB115102D524}" type="datetimeFigureOut">
               <a:rPr lang="en-US" smtClean="0"/>
-              <a:t>2/4/2022</a:t>
+              <a:t>5/26/2022</a:t>
             </a:fld>
             <a:endParaRPr lang="en-US"/>
           </a:p>
@@ -5235,7 +5113,7 @@
           <a:p>
             <a:fld id="{C3F78080-8D0A-4BE8-A5B4-CB115102D524}" type="datetimeFigureOut">
               <a:rPr lang="en-US" smtClean="0"/>
-              <a:t>2/4/2022</a:t>
+              <a:t>5/26/2022</a:t>
             </a:fld>
             <a:endParaRPr lang="en-US"/>
           </a:p>
@@ -5500,7 +5378,7 @@
           <a:p>
             <a:fld id="{C3F78080-8D0A-4BE8-A5B4-CB115102D524}" type="datetimeFigureOut">
               <a:rPr lang="en-US" smtClean="0"/>
-              <a:t>2/4/2022</a:t>
+              <a:t>5/26/2022</a:t>
             </a:fld>
             <a:endParaRPr lang="en-US"/>
           </a:p>
@@ -5912,7 +5790,7 @@
           <a:p>
             <a:fld id="{C3F78080-8D0A-4BE8-A5B4-CB115102D524}" type="datetimeFigureOut">
               <a:rPr lang="en-US" smtClean="0"/>
-              <a:t>2/4/2022</a:t>
+              <a:t>5/26/2022</a:t>
             </a:fld>
             <a:endParaRPr lang="en-US"/>
           </a:p>
@@ -6053,7 +5931,7 @@
           <a:p>
             <a:fld id="{C3F78080-8D0A-4BE8-A5B4-CB115102D524}" type="datetimeFigureOut">
               <a:rPr lang="en-US" smtClean="0"/>
-              <a:t>2/4/2022</a:t>
+              <a:t>5/26/2022</a:t>
             </a:fld>
             <a:endParaRPr lang="en-US"/>
           </a:p>
@@ -6166,7 +6044,7 @@
           <a:p>
             <a:fld id="{C3F78080-8D0A-4BE8-A5B4-CB115102D524}" type="datetimeFigureOut">
               <a:rPr lang="en-US" smtClean="0"/>
-              <a:t>2/4/2022</a:t>
+              <a:t>5/26/2022</a:t>
             </a:fld>
             <a:endParaRPr lang="en-US"/>
           </a:p>
@@ -6477,7 +6355,7 @@
           <a:p>
             <a:fld id="{C3F78080-8D0A-4BE8-A5B4-CB115102D524}" type="datetimeFigureOut">
               <a:rPr lang="en-US" smtClean="0"/>
-              <a:t>2/4/2022</a:t>
+              <a:t>5/26/2022</a:t>
             </a:fld>
             <a:endParaRPr lang="en-US"/>
           </a:p>
@@ -6765,7 +6643,7 @@
           <a:p>
             <a:fld id="{C3F78080-8D0A-4BE8-A5B4-CB115102D524}" type="datetimeFigureOut">
               <a:rPr lang="en-US" smtClean="0"/>
-              <a:t>2/4/2022</a:t>
+              <a:t>5/26/2022</a:t>
             </a:fld>
             <a:endParaRPr lang="en-US"/>
           </a:p>
@@ -7006,7 +6884,7 @@
           <a:p>
             <a:fld id="{C3F78080-8D0A-4BE8-A5B4-CB115102D524}" type="datetimeFigureOut">
               <a:rPr lang="en-US" smtClean="0"/>
-              <a:t>2/4/2022</a:t>
+              <a:t>5/26/2022</a:t>
             </a:fld>
             <a:endParaRPr lang="en-US"/>
           </a:p>
@@ -8574,149 +8452,6 @@
       </p:grpSpPr>
       <p:sp>
         <p:nvSpPr>
-          <p:cNvPr id="2" name="Title 1">
-            <a:extLst>
-              <a:ext uri="{FF2B5EF4-FFF2-40B4-BE49-F238E27FC236}">
-                <a16:creationId xmlns:a16="http://schemas.microsoft.com/office/drawing/2014/main" id="{0F853981-B13F-4917-804F-EBF0D4819E7E}"/>
-              </a:ext>
-            </a:extLst>
-          </p:cNvPr>
-          <p:cNvSpPr>
-            <a:spLocks noGrp="1"/>
-          </p:cNvSpPr>
-          <p:nvPr>
-            <p:ph type="title"/>
-          </p:nvPr>
-        </p:nvSpPr>
-        <p:spPr>
-          <a:xfrm>
-            <a:off x="0" y="3099643"/>
-            <a:ext cx="12192000" cy="805143"/>
-          </a:xfrm>
-          <a:noFill/>
-        </p:spPr>
-        <p:txBody>
-          <a:bodyPr>
-            <a:noAutofit/>
-          </a:bodyPr>
-          <a:lstStyle/>
-          <a:p>
-            <a:pPr algn="ctr"/>
-            <a:br>
-              <a:rPr lang="en-US" sz="3600" dirty="0">
-                <a:solidFill>
-                  <a:schemeClr val="tx1">
-                    <a:lumMod val="65000"/>
-                    <a:lumOff val="35000"/>
-                  </a:schemeClr>
-                </a:solidFill>
-                <a:latin typeface="Palatino Linotype" panose="02040502050505030304" pitchFamily="18" charset="0"/>
-              </a:rPr>
-            </a:br>
-            <a:br>
-              <a:rPr lang="en-US" sz="3600" dirty="0">
-                <a:solidFill>
-                  <a:schemeClr val="tx1">
-                    <a:lumMod val="65000"/>
-                    <a:lumOff val="35000"/>
-                  </a:schemeClr>
-                </a:solidFill>
-                <a:latin typeface="Palatino Linotype" panose="02040502050505030304" pitchFamily="18" charset="0"/>
-              </a:rPr>
-            </a:br>
-            <a:br>
-              <a:rPr lang="en-US" sz="3600" dirty="0">
-                <a:solidFill>
-                  <a:schemeClr val="tx1">
-                    <a:lumMod val="65000"/>
-                    <a:lumOff val="35000"/>
-                  </a:schemeClr>
-                </a:solidFill>
-                <a:latin typeface="Palatino Linotype" panose="02040502050505030304" pitchFamily="18" charset="0"/>
-              </a:rPr>
-            </a:br>
-            <a:br>
-              <a:rPr lang="en-US" sz="3600" dirty="0">
-                <a:solidFill>
-                  <a:schemeClr val="tx1">
-                    <a:lumMod val="65000"/>
-                    <a:lumOff val="35000"/>
-                  </a:schemeClr>
-                </a:solidFill>
-                <a:latin typeface="Palatino Linotype" panose="02040502050505030304" pitchFamily="18" charset="0"/>
-              </a:rPr>
-            </a:br>
-            <a:br>
-              <a:rPr lang="en-US" sz="3600" dirty="0">
-                <a:solidFill>
-                  <a:schemeClr val="tx1">
-                    <a:lumMod val="65000"/>
-                    <a:lumOff val="35000"/>
-                  </a:schemeClr>
-                </a:solidFill>
-                <a:latin typeface="Palatino Linotype" panose="02040502050505030304" pitchFamily="18" charset="0"/>
-              </a:rPr>
-            </a:br>
-            <a:br>
-              <a:rPr lang="en-US" sz="3600" dirty="0">
-                <a:solidFill>
-                  <a:schemeClr val="tx1">
-                    <a:lumMod val="65000"/>
-                    <a:lumOff val="35000"/>
-                  </a:schemeClr>
-                </a:solidFill>
-                <a:latin typeface="Palatino Linotype" panose="02040502050505030304" pitchFamily="18" charset="0"/>
-              </a:rPr>
-            </a:br>
-            <a:br>
-              <a:rPr lang="en-US" sz="3600" dirty="0">
-                <a:solidFill>
-                  <a:schemeClr val="tx1">
-                    <a:lumMod val="65000"/>
-                    <a:lumOff val="35000"/>
-                  </a:schemeClr>
-                </a:solidFill>
-                <a:latin typeface="Palatino Linotype" panose="02040502050505030304" pitchFamily="18" charset="0"/>
-              </a:rPr>
-            </a:br>
-            <a:br>
-              <a:rPr lang="en-US" sz="3600" dirty="0">
-                <a:solidFill>
-                  <a:schemeClr val="tx1">
-                    <a:lumMod val="65000"/>
-                    <a:lumOff val="35000"/>
-                  </a:schemeClr>
-                </a:solidFill>
-                <a:latin typeface="Palatino Linotype" panose="02040502050505030304" pitchFamily="18" charset="0"/>
-              </a:rPr>
-            </a:br>
-            <a:r>
-              <a:rPr lang="en-US" sz="3600" dirty="0">
-                <a:solidFill>
-                  <a:schemeClr val="tx1">
-                    <a:lumMod val="65000"/>
-                    <a:lumOff val="35000"/>
-                  </a:schemeClr>
-                </a:solidFill>
-                <a:latin typeface="Palatino Linotype" panose="02040502050505030304" pitchFamily="18" charset="0"/>
-              </a:rPr>
-              <a:t>     3.01 (Implementing a Convolution Operation)</a:t>
-            </a:r>
-            <a:endParaRPr lang="en-US" sz="3600" dirty="0">
-              <a:solidFill>
-                <a:schemeClr val="tx1">
-                  <a:lumMod val="65000"/>
-                  <a:lumOff val="35000"/>
-                </a:schemeClr>
-              </a:solidFill>
-              <a:latin typeface="Palatino Linotype" panose="02040502050505030304" pitchFamily="18" charset="0"/>
-              <a:cs typeface="Segoe UI Light" panose="020B0502040204020203" pitchFamily="34" charset="0"/>
-            </a:endParaRPr>
-          </a:p>
-        </p:txBody>
-      </p:sp>
-      <p:sp>
-        <p:nvSpPr>
           <p:cNvPr id="3" name="Text Placeholder 2">
             <a:extLst>
               <a:ext uri="{FF2B5EF4-FFF2-40B4-BE49-F238E27FC236}">
@@ -8804,6 +8539,66 @@
           </a:prstGeom>
         </p:spPr>
       </p:pic>
+      <p:sp>
+        <p:nvSpPr>
+          <p:cNvPr id="5" name="TextBox 4">
+            <a:extLst>
+              <a:ext uri="{FF2B5EF4-FFF2-40B4-BE49-F238E27FC236}">
+                <a16:creationId xmlns:a16="http://schemas.microsoft.com/office/drawing/2014/main" id="{3FB0C709-F873-4998-9262-CCFA219A0026}"/>
+              </a:ext>
+            </a:extLst>
+          </p:cNvPr>
+          <p:cNvSpPr txBox="1"/>
+          <p:nvPr/>
+        </p:nvSpPr>
+        <p:spPr>
+          <a:xfrm>
+            <a:off x="0" y="3291840"/>
+            <a:ext cx="12192000" cy="1200329"/>
+          </a:xfrm>
+          <a:prstGeom prst="rect">
+            <a:avLst/>
+          </a:prstGeom>
+          <a:noFill/>
+        </p:spPr>
+        <p:txBody>
+          <a:bodyPr wrap="square" rtlCol="0">
+            <a:spAutoFit/>
+          </a:bodyPr>
+          <a:lstStyle/>
+          <a:p>
+            <a:pPr algn="ctr"/>
+            <a:r>
+              <a:rPr lang="en-US" sz="3600" dirty="0">
+                <a:solidFill>
+                  <a:schemeClr val="tx1">
+                    <a:lumMod val="65000"/>
+                    <a:lumOff val="35000"/>
+                  </a:schemeClr>
+                </a:solidFill>
+                <a:latin typeface="Palatino Linotype" panose="02040502050505030304" pitchFamily="18" charset="0"/>
+              </a:rPr>
+              <a:t>Implementing a Convolution Operation</a:t>
+            </a:r>
+          </a:p>
+          <a:p>
+            <a:pPr algn="ctr"/>
+            <a:r>
+              <a:rPr lang="en-US" sz="3600" dirty="0">
+                <a:solidFill>
+                  <a:schemeClr val="tx1">
+                    <a:lumMod val="65000"/>
+                    <a:lumOff val="35000"/>
+                  </a:schemeClr>
+                </a:solidFill>
+                <a:latin typeface="Palatino Linotype" panose="02040502050505030304" pitchFamily="18" charset="0"/>
+              </a:rPr>
+              <a:t>02.1_convolution.ipynb</a:t>
+            </a:r>
+            <a:endParaRPr lang="en-US" sz="3600" dirty="0"/>
+          </a:p>
+        </p:txBody>
+      </p:sp>
     </p:spTree>
     <p:extLst>
       <p:ext uri="{BB962C8B-B14F-4D97-AF65-F5344CB8AC3E}">
@@ -13157,149 +12952,6 @@
       </p:grpSpPr>
       <p:sp>
         <p:nvSpPr>
-          <p:cNvPr id="2" name="Title 1">
-            <a:extLst>
-              <a:ext uri="{FF2B5EF4-FFF2-40B4-BE49-F238E27FC236}">
-                <a16:creationId xmlns:a16="http://schemas.microsoft.com/office/drawing/2014/main" id="{0F853981-B13F-4917-804F-EBF0D4819E7E}"/>
-              </a:ext>
-            </a:extLst>
-          </p:cNvPr>
-          <p:cNvSpPr>
-            <a:spLocks noGrp="1"/>
-          </p:cNvSpPr>
-          <p:nvPr>
-            <p:ph type="title"/>
-          </p:nvPr>
-        </p:nvSpPr>
-        <p:spPr>
-          <a:xfrm>
-            <a:off x="0" y="3099643"/>
-            <a:ext cx="12192000" cy="805143"/>
-          </a:xfrm>
-          <a:noFill/>
-        </p:spPr>
-        <p:txBody>
-          <a:bodyPr>
-            <a:noAutofit/>
-          </a:bodyPr>
-          <a:lstStyle/>
-          <a:p>
-            <a:pPr algn="ctr"/>
-            <a:br>
-              <a:rPr lang="en-US" sz="3600" dirty="0">
-                <a:solidFill>
-                  <a:schemeClr val="tx1">
-                    <a:lumMod val="65000"/>
-                    <a:lumOff val="35000"/>
-                  </a:schemeClr>
-                </a:solidFill>
-                <a:latin typeface="Palatino Linotype" panose="02040502050505030304" pitchFamily="18" charset="0"/>
-              </a:rPr>
-            </a:br>
-            <a:br>
-              <a:rPr lang="en-US" sz="3600" dirty="0">
-                <a:solidFill>
-                  <a:schemeClr val="tx1">
-                    <a:lumMod val="65000"/>
-                    <a:lumOff val="35000"/>
-                  </a:schemeClr>
-                </a:solidFill>
-                <a:latin typeface="Palatino Linotype" panose="02040502050505030304" pitchFamily="18" charset="0"/>
-              </a:rPr>
-            </a:br>
-            <a:br>
-              <a:rPr lang="en-US" sz="3600" dirty="0">
-                <a:solidFill>
-                  <a:schemeClr val="tx1">
-                    <a:lumMod val="65000"/>
-                    <a:lumOff val="35000"/>
-                  </a:schemeClr>
-                </a:solidFill>
-                <a:latin typeface="Palatino Linotype" panose="02040502050505030304" pitchFamily="18" charset="0"/>
-              </a:rPr>
-            </a:br>
-            <a:br>
-              <a:rPr lang="en-US" sz="3600" dirty="0">
-                <a:solidFill>
-                  <a:schemeClr val="tx1">
-                    <a:lumMod val="65000"/>
-                    <a:lumOff val="35000"/>
-                  </a:schemeClr>
-                </a:solidFill>
-                <a:latin typeface="Palatino Linotype" panose="02040502050505030304" pitchFamily="18" charset="0"/>
-              </a:rPr>
-            </a:br>
-            <a:br>
-              <a:rPr lang="en-US" sz="3600" dirty="0">
-                <a:solidFill>
-                  <a:schemeClr val="tx1">
-                    <a:lumMod val="65000"/>
-                    <a:lumOff val="35000"/>
-                  </a:schemeClr>
-                </a:solidFill>
-                <a:latin typeface="Palatino Linotype" panose="02040502050505030304" pitchFamily="18" charset="0"/>
-              </a:rPr>
-            </a:br>
-            <a:br>
-              <a:rPr lang="en-US" sz="3600" dirty="0">
-                <a:solidFill>
-                  <a:schemeClr val="tx1">
-                    <a:lumMod val="65000"/>
-                    <a:lumOff val="35000"/>
-                  </a:schemeClr>
-                </a:solidFill>
-                <a:latin typeface="Palatino Linotype" panose="02040502050505030304" pitchFamily="18" charset="0"/>
-              </a:rPr>
-            </a:br>
-            <a:br>
-              <a:rPr lang="en-US" sz="3600" dirty="0">
-                <a:solidFill>
-                  <a:schemeClr val="tx1">
-                    <a:lumMod val="65000"/>
-                    <a:lumOff val="35000"/>
-                  </a:schemeClr>
-                </a:solidFill>
-                <a:latin typeface="Palatino Linotype" panose="02040502050505030304" pitchFamily="18" charset="0"/>
-              </a:rPr>
-            </a:br>
-            <a:br>
-              <a:rPr lang="en-US" sz="3600" dirty="0">
-                <a:solidFill>
-                  <a:schemeClr val="tx1">
-                    <a:lumMod val="65000"/>
-                    <a:lumOff val="35000"/>
-                  </a:schemeClr>
-                </a:solidFill>
-                <a:latin typeface="Palatino Linotype" panose="02040502050505030304" pitchFamily="18" charset="0"/>
-              </a:rPr>
-            </a:br>
-            <a:r>
-              <a:rPr lang="en-US" sz="3600" dirty="0">
-                <a:solidFill>
-                  <a:schemeClr val="tx1">
-                    <a:lumMod val="65000"/>
-                    <a:lumOff val="35000"/>
-                  </a:schemeClr>
-                </a:solidFill>
-                <a:latin typeface="Palatino Linotype" panose="02040502050505030304" pitchFamily="18" charset="0"/>
-              </a:rPr>
-              <a:t>     3.02 (Recognizing Handwritten Digits with CNN)</a:t>
-            </a:r>
-            <a:endParaRPr lang="en-US" sz="3600" dirty="0">
-              <a:solidFill>
-                <a:schemeClr val="tx1">
-                  <a:lumMod val="65000"/>
-                  <a:lumOff val="35000"/>
-                </a:schemeClr>
-              </a:solidFill>
-              <a:latin typeface="Palatino Linotype" panose="02040502050505030304" pitchFamily="18" charset="0"/>
-              <a:cs typeface="Segoe UI Light" panose="020B0502040204020203" pitchFamily="34" charset="0"/>
-            </a:endParaRPr>
-          </a:p>
-        </p:txBody>
-      </p:sp>
-      <p:sp>
-        <p:nvSpPr>
           <p:cNvPr id="3" name="Text Placeholder 2">
             <a:extLst>
               <a:ext uri="{FF2B5EF4-FFF2-40B4-BE49-F238E27FC236}">
@@ -13387,6 +13039,66 @@
           </a:prstGeom>
         </p:spPr>
       </p:pic>
+      <p:sp>
+        <p:nvSpPr>
+          <p:cNvPr id="5" name="TextBox 4">
+            <a:extLst>
+              <a:ext uri="{FF2B5EF4-FFF2-40B4-BE49-F238E27FC236}">
+                <a16:creationId xmlns:a16="http://schemas.microsoft.com/office/drawing/2014/main" id="{8760F1F0-4F7C-4834-B8EC-922F9AF83899}"/>
+              </a:ext>
+            </a:extLst>
+          </p:cNvPr>
+          <p:cNvSpPr txBox="1"/>
+          <p:nvPr/>
+        </p:nvSpPr>
+        <p:spPr>
+          <a:xfrm>
+            <a:off x="0" y="3291840"/>
+            <a:ext cx="12192000" cy="1200329"/>
+          </a:xfrm>
+          <a:prstGeom prst="rect">
+            <a:avLst/>
+          </a:prstGeom>
+          <a:noFill/>
+        </p:spPr>
+        <p:txBody>
+          <a:bodyPr wrap="square" rtlCol="0">
+            <a:spAutoFit/>
+          </a:bodyPr>
+          <a:lstStyle/>
+          <a:p>
+            <a:pPr algn="ctr"/>
+            <a:r>
+              <a:rPr lang="en-US" sz="3600" dirty="0">
+                <a:solidFill>
+                  <a:schemeClr val="tx1">
+                    <a:lumMod val="65000"/>
+                    <a:lumOff val="35000"/>
+                  </a:schemeClr>
+                </a:solidFill>
+                <a:latin typeface="Palatino Linotype" panose="02040502050505030304" pitchFamily="18" charset="0"/>
+              </a:rPr>
+              <a:t>A Cat &amp; Dog Classifier</a:t>
+            </a:r>
+          </a:p>
+          <a:p>
+            <a:pPr algn="ctr"/>
+            <a:r>
+              <a:rPr lang="en-US" sz="3600" dirty="0">
+                <a:solidFill>
+                  <a:schemeClr val="tx1">
+                    <a:lumMod val="65000"/>
+                    <a:lumOff val="35000"/>
+                  </a:schemeClr>
+                </a:solidFill>
+                <a:latin typeface="Palatino Linotype" panose="02040502050505030304" pitchFamily="18" charset="0"/>
+              </a:rPr>
+              <a:t>02.2_catdog.ipynb</a:t>
+            </a:r>
+            <a:endParaRPr lang="en-US" sz="3600" dirty="0"/>
+          </a:p>
+        </p:txBody>
+      </p:sp>
     </p:spTree>
     <p:extLst>
       <p:ext uri="{BB962C8B-B14F-4D97-AF65-F5344CB8AC3E}">
@@ -13429,132 +13141,6 @@
           <a:chExt cx="0" cy="0"/>
         </a:xfrm>
       </p:grpSpPr>
-      <p:pic>
-        <p:nvPicPr>
-          <p:cNvPr id="3" name="Picture 2">
-            <a:extLst>
-              <a:ext uri="{FF2B5EF4-FFF2-40B4-BE49-F238E27FC236}">
-                <a16:creationId xmlns:a16="http://schemas.microsoft.com/office/drawing/2014/main" id="{239D0A82-7D34-4E48-BE20-B982B3990537}"/>
-              </a:ext>
-            </a:extLst>
-          </p:cNvPr>
-          <p:cNvPicPr>
-            <a:picLocks noChangeAspect="1"/>
-          </p:cNvPicPr>
-          <p:nvPr/>
-        </p:nvPicPr>
-        <p:blipFill>
-          <a:blip r:embed="rId3"/>
-          <a:stretch>
-            <a:fillRect/>
-          </a:stretch>
-        </p:blipFill>
-        <p:spPr>
-          <a:xfrm>
-            <a:off x="0" y="324192"/>
-            <a:ext cx="3233668" cy="840754"/>
-          </a:xfrm>
-          <a:prstGeom prst="rect">
-            <a:avLst/>
-          </a:prstGeom>
-        </p:spPr>
-      </p:pic>
-      <p:sp>
-        <p:nvSpPr>
-          <p:cNvPr id="8" name="Title 1">
-            <a:extLst>
-              <a:ext uri="{FF2B5EF4-FFF2-40B4-BE49-F238E27FC236}">
-                <a16:creationId xmlns:a16="http://schemas.microsoft.com/office/drawing/2014/main" id="{6F128DD7-C643-44B7-803E-11F67E24E0DE}"/>
-              </a:ext>
-            </a:extLst>
-          </p:cNvPr>
-          <p:cNvSpPr>
-            <a:spLocks noGrp="1"/>
-          </p:cNvSpPr>
-          <p:nvPr>
-            <p:ph type="title"/>
-          </p:nvPr>
-        </p:nvSpPr>
-        <p:spPr>
-          <a:xfrm>
-            <a:off x="0" y="2957422"/>
-            <a:ext cx="12192000" cy="685982"/>
-          </a:xfrm>
-          <a:noFill/>
-        </p:spPr>
-        <p:txBody>
-          <a:bodyPr>
-            <a:noAutofit/>
-          </a:bodyPr>
-          <a:lstStyle/>
-          <a:p>
-            <a:r>
-              <a:rPr lang="en-US" sz="3600" dirty="0">
-                <a:solidFill>
-                  <a:schemeClr val="tx1">
-                    <a:lumMod val="65000"/>
-                    <a:lumOff val="35000"/>
-                  </a:schemeClr>
-                </a:solidFill>
-                <a:latin typeface="Palatino Linotype" panose="02040502050505030304" pitchFamily="18" charset="0"/>
-              </a:rPr>
-              <a:t>	3.03 (Classifying Cats vs. Dogs)</a:t>
-            </a:r>
-            <a:endParaRPr lang="en-US" sz="3600" dirty="0">
-              <a:solidFill>
-                <a:schemeClr val="tx1">
-                  <a:lumMod val="65000"/>
-                  <a:lumOff val="35000"/>
-                </a:schemeClr>
-              </a:solidFill>
-              <a:latin typeface="Palatino Linotype" panose="02040502050505030304" pitchFamily="18" charset="0"/>
-              <a:cs typeface="Segoe UI Light" panose="020B0502040204020203" pitchFamily="34" charset="0"/>
-            </a:endParaRPr>
-          </a:p>
-        </p:txBody>
-      </p:sp>
-    </p:spTree>
-    <p:extLst>
-      <p:ext uri="{BB962C8B-B14F-4D97-AF65-F5344CB8AC3E}">
-        <p14:creationId xmlns:p14="http://schemas.microsoft.com/office/powerpoint/2010/main" val="994788979"/>
-      </p:ext>
-    </p:extLst>
-  </p:cSld>
-  <p:clrMapOvr>
-    <a:masterClrMapping/>
-  </p:clrMapOvr>
-  <mc:AlternateContent xmlns:mc="http://schemas.openxmlformats.org/markup-compatibility/2006" xmlns:p14="http://schemas.microsoft.com/office/powerpoint/2010/main">
-    <mc:Choice Requires="p14">
-      <p:transition spd="med" p14:dur="700">
-        <p:fade/>
-      </p:transition>
-    </mc:Choice>
-    <mc:Fallback xmlns="">
-      <p:transition spd="med">
-        <p:fade/>
-      </p:transition>
-    </mc:Fallback>
-  </mc:AlternateContent>
-</p:sld>
-</file>
-
-<file path=ppt/slides/slide23.xml><?xml version="1.0" encoding="utf-8"?>
-<p:sld xmlns:a="http://schemas.openxmlformats.org/drawingml/2006/main" xmlns:r="http://schemas.openxmlformats.org/officeDocument/2006/relationships" xmlns:p="http://schemas.openxmlformats.org/presentationml/2006/main">
-  <p:cSld>
-    <p:spTree>
-      <p:nvGrpSpPr>
-        <p:cNvPr id="1" name=""/>
-        <p:cNvGrpSpPr/>
-        <p:nvPr/>
-      </p:nvGrpSpPr>
-      <p:grpSpPr>
-        <a:xfrm>
-          <a:off x="0" y="0"/>
-          <a:ext cx="0" cy="0"/>
-          <a:chOff x="0" y="0"/>
-          <a:chExt cx="0" cy="0"/>
-        </a:xfrm>
-      </p:grpSpPr>
       <p:sp>
         <p:nvSpPr>
           <p:cNvPr id="4" name="Title 3">
@@ -13605,7 +13191,7 @@
 </p:sld>
 </file>
 
-<file path=ppt/slides/slide24.xml><?xml version="1.0" encoding="utf-8"?>
+<file path=ppt/slides/slide23.xml><?xml version="1.0" encoding="utf-8"?>
 <p:sld xmlns:a="http://schemas.openxmlformats.org/drawingml/2006/main" xmlns:r="http://schemas.openxmlformats.org/officeDocument/2006/relationships" xmlns:p="http://schemas.openxmlformats.org/presentationml/2006/main">
   <p:cSld>
     <p:spTree>
@@ -13788,7 +13374,7 @@
 </p:sld>
 </file>
 
-<file path=ppt/slides/slide25.xml><?xml version="1.0" encoding="utf-8"?>
+<file path=ppt/slides/slide24.xml><?xml version="1.0" encoding="utf-8"?>
 <p:sld xmlns:a="http://schemas.openxmlformats.org/drawingml/2006/main" xmlns:r="http://schemas.openxmlformats.org/officeDocument/2006/relationships" xmlns:p="http://schemas.openxmlformats.org/presentationml/2006/main">
   <p:cSld>
     <p:spTree>

--- a/presentations/02_cnn_anatomy.pptx
+++ b/presentations/02_cnn_anatomy.pptx
@@ -5,7 +5,7 @@
     <p:sldMasterId id="2147483648" r:id="rId1"/>
   </p:sldMasterIdLst>
   <p:notesMasterIdLst>
-    <p:notesMasterId r:id="rId26"/>
+    <p:notesMasterId r:id="rId30"/>
   </p:notesMasterIdLst>
   <p:sldIdLst>
     <p:sldId id="322" r:id="rId2"/>
@@ -18,20 +18,24 @@
     <p:sldId id="330" r:id="rId9"/>
     <p:sldId id="332" r:id="rId10"/>
     <p:sldId id="335" r:id="rId11"/>
-    <p:sldId id="324" r:id="rId12"/>
-    <p:sldId id="336" r:id="rId13"/>
-    <p:sldId id="295" r:id="rId14"/>
-    <p:sldId id="338" r:id="rId15"/>
-    <p:sldId id="343" r:id="rId16"/>
-    <p:sldId id="337" r:id="rId17"/>
-    <p:sldId id="340" r:id="rId18"/>
-    <p:sldId id="342" r:id="rId19"/>
-    <p:sldId id="304" r:id="rId20"/>
-    <p:sldId id="346" r:id="rId21"/>
-    <p:sldId id="309" r:id="rId22"/>
-    <p:sldId id="345" r:id="rId23"/>
-    <p:sldId id="344" r:id="rId24"/>
-    <p:sldId id="331" r:id="rId25"/>
+    <p:sldId id="348" r:id="rId12"/>
+    <p:sldId id="324" r:id="rId13"/>
+    <p:sldId id="336" r:id="rId14"/>
+    <p:sldId id="295" r:id="rId15"/>
+    <p:sldId id="338" r:id="rId16"/>
+    <p:sldId id="347" r:id="rId17"/>
+    <p:sldId id="343" r:id="rId18"/>
+    <p:sldId id="337" r:id="rId19"/>
+    <p:sldId id="271" r:id="rId20"/>
+    <p:sldId id="340" r:id="rId21"/>
+    <p:sldId id="342" r:id="rId22"/>
+    <p:sldId id="304" r:id="rId23"/>
+    <p:sldId id="346" r:id="rId24"/>
+    <p:sldId id="309" r:id="rId25"/>
+    <p:sldId id="345" r:id="rId26"/>
+    <p:sldId id="349" r:id="rId27"/>
+    <p:sldId id="344" r:id="rId28"/>
+    <p:sldId id="331" r:id="rId29"/>
   </p:sldIdLst>
   <p:sldSz cx="12192000" cy="6858000"/>
   <p:notesSz cx="7077075" cy="9363075"/>
@@ -231,7 +235,7 @@
           <a:p>
             <a:fld id="{FD93C9B2-20F6-4DB1-B471-224337D0AC79}" type="datetimeFigureOut">
               <a:rPr lang="en-US" smtClean="0"/>
-              <a:t>5/26/2022</a:t>
+              <a:t>6/6/2022</a:t>
             </a:fld>
             <a:endParaRPr lang="en-US"/>
           </a:p>
@@ -771,18 +775,6 @@
           <a:bodyPr/>
           <a:lstStyle/>
           <a:p>
-            <a:pPr defTabSz="939363">
-              <a:defRPr/>
-            </a:pPr>
-            <a:r>
-              <a:rPr lang="en-US" dirty="0"/>
-              <a:t>The exercise for this workshop starts on page 113 of the textbook. </a:t>
-            </a:r>
-          </a:p>
-          <a:p>
-            <a:pPr defTabSz="939363">
-              <a:defRPr/>
-            </a:pPr>
             <a:endParaRPr lang="en-US" dirty="0"/>
           </a:p>
         </p:txBody>
@@ -813,7 +805,7 @@
     </p:spTree>
     <p:extLst>
       <p:ext uri="{BB962C8B-B14F-4D97-AF65-F5344CB8AC3E}">
-        <p14:creationId xmlns:p14="http://schemas.microsoft.com/office/powerpoint/2010/main" val="1984289498"/>
+        <p14:creationId xmlns:p14="http://schemas.microsoft.com/office/powerpoint/2010/main" val="3991312023"/>
       </p:ext>
     </p:extLst>
   </p:cSld>
@@ -867,52 +859,19 @@
           <a:bodyPr/>
           <a:lstStyle/>
           <a:p>
+            <a:pPr defTabSz="939363">
+              <a:defRPr/>
+            </a:pPr>
             <a:r>
               <a:rPr lang="en-US" dirty="0"/>
-              <a:t>As we saw, during convolution we can imagine starting the filter in the upper-left pixel of the input image. The filter produces an output, then takes one step right, produces another output, moves another step right, and so on until it reaches the right edge of that row. Then it moves down one row and back to the left side, and the process repeats.  </a:t>
-            </a:r>
-          </a:p>
-          <a:p>
+              <a:t>The exercise for this workshop starts on page 113 of the textbook. </a:t>
+            </a:r>
+          </a:p>
+          <a:p>
+            <a:pPr defTabSz="939363">
+              <a:defRPr/>
+            </a:pPr>
             <a:endParaRPr lang="en-US" dirty="0"/>
-          </a:p>
-          <a:p>
-            <a:pPr marL="228600" indent="-228600">
-              <a:buAutoNum type="arabicPeriod"/>
-            </a:pPr>
-            <a:r>
-              <a:rPr lang="en-US" dirty="0"/>
-              <a:t>Simulation:  First click sequence – stride of 1, across and down</a:t>
-            </a:r>
-          </a:p>
-          <a:p>
-            <a:endParaRPr lang="en-US" dirty="0"/>
-          </a:p>
-          <a:p>
-            <a:r>
-              <a:rPr lang="en-US" dirty="0"/>
-              <a:t>But we don’t have to move in single steps. Suppose we move, or stride, more than one pixel to the right, or more than one pixel down, as we sweep our filter. Then our output will end up being smaller than the input. We usually use the word stride (and the related striding) only when we use steps greater than one in any dimension.  </a:t>
-            </a:r>
-          </a:p>
-          <a:p>
-            <a:endParaRPr lang="en-US" dirty="0"/>
-          </a:p>
-          <a:p>
-            <a:pPr marL="228600" indent="-228600">
-              <a:buAutoNum type="arabicPeriod"/>
-            </a:pPr>
-            <a:r>
-              <a:rPr lang="en-US" dirty="0"/>
-              <a:t>Simulation: Second click sequence – stride of 2, across and down</a:t>
-            </a:r>
-          </a:p>
-          <a:p>
-            <a:endParaRPr lang="en-US" dirty="0"/>
-          </a:p>
-          <a:p>
-            <a:r>
-              <a:rPr lang="en-US" dirty="0"/>
-              <a:t>In both simulations, the filter moves starting from the upper left. As the filter moves left to right, it produces a sequence of outputs, and those get placed one after the other, also left to right, in the output. When the filter moves down, the new outputs go on a new line of cells in the output.</a:t>
-            </a:r>
           </a:p>
         </p:txBody>
       </p:sp>
@@ -942,7 +901,7 @@
     </p:spTree>
     <p:extLst>
       <p:ext uri="{BB962C8B-B14F-4D97-AF65-F5344CB8AC3E}">
-        <p14:creationId xmlns:p14="http://schemas.microsoft.com/office/powerpoint/2010/main" val="531669300"/>
+        <p14:creationId xmlns:p14="http://schemas.microsoft.com/office/powerpoint/2010/main" val="1984289498"/>
       </p:ext>
     </p:extLst>
   </p:cSld>
@@ -996,118 +955,52 @@
           <a:bodyPr/>
           <a:lstStyle/>
           <a:p>
-            <a:pPr algn="l"/>
-            <a:r>
-              <a:rPr lang="en-US" b="0" i="0" dirty="0">
-                <a:solidFill>
-                  <a:srgbClr val="6D737D"/>
-                </a:solidFill>
-                <a:effectLst/>
-                <a:latin typeface="+mn-lt"/>
-              </a:rPr>
-              <a:t>Need for padding – minor issue w/convolution operation.  When we apply a convolution to an image, the output tensor has smaller dimensions than the input.  Let’s simulate the process.  </a:t>
-            </a:r>
-          </a:p>
-          <a:p>
-            <a:pPr algn="l"/>
-            <a:endParaRPr lang="en-US" b="0" i="0" dirty="0">
-              <a:solidFill>
-                <a:srgbClr val="6D737D"/>
-              </a:solidFill>
-              <a:effectLst/>
-              <a:latin typeface="+mn-lt"/>
-            </a:endParaRPr>
-          </a:p>
-          <a:p>
-            <a:pPr marL="228600" indent="-228600" algn="l">
+            <a:r>
+              <a:rPr lang="en-US" dirty="0"/>
+              <a:t>As we saw, during convolution we can imagine starting the filter in the upper-left pixel of the input image. The filter produces an output, then takes one step right, produces another output, moves another step right, and so on until it reaches the right edge of that row. Then it moves down one row and back to the left side, and the process repeats.  </a:t>
+            </a:r>
+          </a:p>
+          <a:p>
+            <a:endParaRPr lang="en-US" dirty="0"/>
+          </a:p>
+          <a:p>
+            <a:pPr marL="228600" indent="-228600">
               <a:buAutoNum type="arabicPeriod"/>
             </a:pPr>
             <a:r>
-              <a:rPr lang="en-US" b="0" i="0" dirty="0">
-                <a:solidFill>
-                  <a:srgbClr val="6D737D"/>
-                </a:solidFill>
-                <a:effectLst/>
-                <a:latin typeface="+mn-lt"/>
-              </a:rPr>
-              <a:t>We first apply a filter to our image.  </a:t>
-            </a:r>
-          </a:p>
-          <a:p>
-            <a:pPr marL="228600" indent="-228600" algn="l">
+              <a:rPr lang="en-US" dirty="0"/>
+              <a:t>Simulation:  First click sequence – stride of 1, across and down</a:t>
+            </a:r>
+          </a:p>
+          <a:p>
+            <a:endParaRPr lang="en-US" dirty="0"/>
+          </a:p>
+          <a:p>
+            <a:r>
+              <a:rPr lang="en-US" dirty="0"/>
+              <a:t>But we don’t have to move in single steps. Suppose we move, or stride, more than one pixel to the right, or more than one pixel down, as we sweep our filter. Then our output will end up being smaller than the input. We usually use the word stride (and the related striding) only when we use steps greater than one in any dimension.  </a:t>
+            </a:r>
+          </a:p>
+          <a:p>
+            <a:endParaRPr lang="en-US" dirty="0"/>
+          </a:p>
+          <a:p>
+            <a:pPr marL="228600" indent="-228600">
               <a:buAutoNum type="arabicPeriod"/>
             </a:pPr>
             <a:r>
-              <a:rPr lang="en-US" b="0" i="0" dirty="0">
-                <a:solidFill>
-                  <a:srgbClr val="6D737D"/>
-                </a:solidFill>
-                <a:effectLst/>
-                <a:latin typeface="+mn-lt"/>
-              </a:rPr>
-              <a:t>The pixel at the center of the filter becomes the anchor or reference point, pictured.</a:t>
-            </a:r>
-          </a:p>
-          <a:p>
-            <a:pPr marL="228600" indent="-228600" algn="l">
-              <a:buAutoNum type="arabicPeriod"/>
-            </a:pPr>
-            <a:r>
-              <a:rPr lang="en-US" b="0" i="0" dirty="0">
-                <a:solidFill>
-                  <a:srgbClr val="6D737D"/>
-                </a:solidFill>
-                <a:effectLst/>
-                <a:latin typeface="+mn-lt"/>
-              </a:rPr>
-              <a:t>The filter values are multiplied by the input values (the convolution is executed) and the output is inserted into the output tensor.</a:t>
-            </a:r>
-          </a:p>
-          <a:p>
-            <a:pPr marL="228600" indent="-228600" algn="l">
-              <a:buAutoNum type="arabicPeriod"/>
-            </a:pPr>
-            <a:r>
-              <a:rPr lang="en-US" b="0" i="0" dirty="0">
-                <a:solidFill>
-                  <a:srgbClr val="6D737D"/>
-                </a:solidFill>
-                <a:effectLst/>
-                <a:latin typeface="+mn-lt"/>
-              </a:rPr>
-              <a:t>However, this leads to an output tensor smaller than the original input.  Let’s visualize this by laying the output tensor on top of the input tensor, using the upper-right corner as our anchor point.  Here the light grey footprint is smaller by 1 square on all sides.</a:t>
-            </a:r>
-          </a:p>
-          <a:p>
-            <a:pPr marL="0" indent="0" algn="l">
-              <a:buNone/>
-            </a:pPr>
-            <a:endParaRPr lang="en-US" b="0" i="0" dirty="0">
-              <a:solidFill>
-                <a:srgbClr val="6D737D"/>
-              </a:solidFill>
-              <a:effectLst/>
-              <a:latin typeface="+mn-lt"/>
-            </a:endParaRPr>
-          </a:p>
-          <a:p>
-            <a:pPr marL="0" indent="0" algn="l">
-              <a:buNone/>
-            </a:pPr>
-            <a:r>
-              <a:rPr lang="en-US" b="0" i="0" dirty="0">
-                <a:solidFill>
-                  <a:srgbClr val="6D737D"/>
-                </a:solidFill>
-                <a:effectLst/>
-                <a:latin typeface="+mn-lt"/>
-              </a:rPr>
-              <a:t>So, how do we fix this problem?</a:t>
-            </a:r>
-          </a:p>
-          <a:p>
-            <a:pPr algn="l"/>
+              <a:rPr lang="en-US" dirty="0"/>
+              <a:t>Simulation: Second click sequence – stride of 2, across and down</a:t>
+            </a:r>
+          </a:p>
+          <a:p>
             <a:endParaRPr lang="en-US" dirty="0"/>
+          </a:p>
+          <a:p>
+            <a:r>
+              <a:rPr lang="en-US" dirty="0"/>
+              <a:t>In both simulations, the filter moves starting from the upper left. As the filter moves left to right, it produces a sequence of outputs, and those get placed one after the other, also left to right, in the output. When the filter moves down, the new outputs go on a new line of cells in the output.</a:t>
+            </a:r>
           </a:p>
         </p:txBody>
       </p:sp>
@@ -1137,7 +1030,7 @@
     </p:spTree>
     <p:extLst>
       <p:ext uri="{BB962C8B-B14F-4D97-AF65-F5344CB8AC3E}">
-        <p14:creationId xmlns:p14="http://schemas.microsoft.com/office/powerpoint/2010/main" val="388873883"/>
+        <p14:creationId xmlns:p14="http://schemas.microsoft.com/office/powerpoint/2010/main" val="531669300"/>
       </p:ext>
     </p:extLst>
   </p:cSld>
@@ -1200,7 +1093,7 @@
                 <a:effectLst/>
                 <a:latin typeface="+mn-lt"/>
               </a:rPr>
-              <a:t>Well, the answer is relatively simple.</a:t>
+              <a:t>Need for padding – minor issue w/convolution operation.  When we apply a convolution to an image, the output tensor has smaller dimensions than the input.  Let’s simulate the process.  </a:t>
             </a:r>
           </a:p>
           <a:p>
@@ -1225,7 +1118,7 @@
                 <a:effectLst/>
                 <a:latin typeface="+mn-lt"/>
               </a:rPr>
-              <a:t>We start with an input tensor.</a:t>
+              <a:t>We first apply a filter to our image.  </a:t>
             </a:r>
           </a:p>
           <a:p>
@@ -1240,11 +1133,43 @@
                 <a:effectLst/>
                 <a:latin typeface="+mn-lt"/>
               </a:rPr>
-              <a:t>… and simply add a layer of padding around it.</a:t>
-            </a:r>
-          </a:p>
-          <a:p>
-            <a:pPr algn="l"/>
+              <a:t>The pixel at the center of the filter becomes the anchor or reference point, pictured.</a:t>
+            </a:r>
+          </a:p>
+          <a:p>
+            <a:pPr marL="228600" indent="-228600" algn="l">
+              <a:buAutoNum type="arabicPeriod"/>
+            </a:pPr>
+            <a:r>
+              <a:rPr lang="en-US" b="0" i="0" dirty="0">
+                <a:solidFill>
+                  <a:srgbClr val="6D737D"/>
+                </a:solidFill>
+                <a:effectLst/>
+                <a:latin typeface="+mn-lt"/>
+              </a:rPr>
+              <a:t>The filter values are multiplied by the input values (the convolution is executed) and the output is inserted into the output tensor.</a:t>
+            </a:r>
+          </a:p>
+          <a:p>
+            <a:pPr marL="228600" indent="-228600" algn="l">
+              <a:buAutoNum type="arabicPeriod"/>
+            </a:pPr>
+            <a:r>
+              <a:rPr lang="en-US" b="0" i="0" dirty="0">
+                <a:solidFill>
+                  <a:srgbClr val="6D737D"/>
+                </a:solidFill>
+                <a:effectLst/>
+                <a:latin typeface="+mn-lt"/>
+              </a:rPr>
+              <a:t>However, this leads to an output tensor smaller than the original input.  Let’s visualize this by laying the output tensor on top of the input tensor, using the upper-right corner as our anchor point.  Here the light grey footprint is smaller by 1 square on all sides.</a:t>
+            </a:r>
+          </a:p>
+          <a:p>
+            <a:pPr marL="0" indent="0" algn="l">
+              <a:buNone/>
+            </a:pPr>
             <a:endParaRPr lang="en-US" b="0" i="0" dirty="0">
               <a:solidFill>
                 <a:srgbClr val="6D737D"/>
@@ -1254,33 +1179,23 @@
             </a:endParaRPr>
           </a:p>
           <a:p>
-            <a:pPr algn="l"/>
-            <a:r>
-              <a:rPr lang="en-US" dirty="0"/>
-              <a:t>Padding allows us create an output image of the same width and height as the input. The idea is that we add a border of extra elements around the outside of the input.  All the elements have the same value. If we place zeros in all the new elements, we call the technique zero-padding. In practice, we almost always use zeros, so people often refer to zero-padding as merely padding, with the understanding that if they mean to use any value other than zero, they say so explicitly.</a:t>
+            <a:pPr marL="0" indent="0" algn="l">
+              <a:buNone/>
+            </a:pPr>
+            <a:r>
+              <a:rPr lang="en-US" b="0" i="0" dirty="0">
+                <a:solidFill>
+                  <a:srgbClr val="6D737D"/>
+                </a:solidFill>
+                <a:effectLst/>
+                <a:latin typeface="+mn-lt"/>
+              </a:rPr>
+              <a:t>So, how do we fix this problem?</a:t>
             </a:r>
           </a:p>
           <a:p>
             <a:pPr algn="l"/>
             <a:endParaRPr lang="en-US" dirty="0"/>
-          </a:p>
-          <a:p>
-            <a:pPr algn="l"/>
-            <a:r>
-              <a:rPr lang="en-US" dirty="0"/>
-              <a:t>The thickness of the border depends on the size of the filter. We usually use just enough padding so that the filter can be centered on every element of the input. Every filter needs to have its input padded if we don’t want to lose information from the sides.</a:t>
-            </a:r>
-          </a:p>
-          <a:p>
-            <a:pPr algn="l"/>
-            <a:endParaRPr lang="en-US" dirty="0"/>
-          </a:p>
-          <a:p>
-            <a:pPr algn="l"/>
-            <a:r>
-              <a:rPr lang="en-US" dirty="0"/>
-              <a:t>Most deep learning libraries automatically calculate the necessary amount of padding so that our output has the same width and height as our input and apply it for us as a default.</a:t>
-            </a:r>
           </a:p>
         </p:txBody>
       </p:sp>
@@ -1310,7 +1225,7 @@
     </p:spTree>
     <p:extLst>
       <p:ext uri="{BB962C8B-B14F-4D97-AF65-F5344CB8AC3E}">
-        <p14:creationId xmlns:p14="http://schemas.microsoft.com/office/powerpoint/2010/main" val="1546276964"/>
+        <p14:creationId xmlns:p14="http://schemas.microsoft.com/office/powerpoint/2010/main" val="388873883"/>
       </p:ext>
     </p:extLst>
   </p:cSld>
@@ -1366,8 +1281,93 @@
           <a:p>
             <a:pPr algn="l"/>
             <a:r>
+              <a:rPr lang="en-US" b="0" i="0" dirty="0">
+                <a:solidFill>
+                  <a:srgbClr val="6D737D"/>
+                </a:solidFill>
+                <a:effectLst/>
+                <a:latin typeface="+mn-lt"/>
+              </a:rPr>
+              <a:t>Well, the answer is relatively simple.</a:t>
+            </a:r>
+          </a:p>
+          <a:p>
+            <a:pPr algn="l"/>
+            <a:endParaRPr lang="en-US" b="0" i="0" dirty="0">
+              <a:solidFill>
+                <a:srgbClr val="6D737D"/>
+              </a:solidFill>
+              <a:effectLst/>
+              <a:latin typeface="+mn-lt"/>
+            </a:endParaRPr>
+          </a:p>
+          <a:p>
+            <a:pPr marL="228600" indent="-228600" algn="l">
+              <a:buAutoNum type="arabicPeriod"/>
+            </a:pPr>
+            <a:r>
+              <a:rPr lang="en-US" b="0" i="0" dirty="0">
+                <a:solidFill>
+                  <a:srgbClr val="6D737D"/>
+                </a:solidFill>
+                <a:effectLst/>
+                <a:latin typeface="+mn-lt"/>
+              </a:rPr>
+              <a:t>We start with an input tensor.</a:t>
+            </a:r>
+          </a:p>
+          <a:p>
+            <a:pPr marL="228600" indent="-228600" algn="l">
+              <a:buAutoNum type="arabicPeriod"/>
+            </a:pPr>
+            <a:r>
+              <a:rPr lang="en-US" b="0" i="0" dirty="0">
+                <a:solidFill>
+                  <a:srgbClr val="6D737D"/>
+                </a:solidFill>
+                <a:effectLst/>
+                <a:latin typeface="+mn-lt"/>
+              </a:rPr>
+              <a:t>… and simply add a layer of padding around it.</a:t>
+            </a:r>
+          </a:p>
+          <a:p>
+            <a:pPr algn="l"/>
+            <a:endParaRPr lang="en-US" b="0" i="0" dirty="0">
+              <a:solidFill>
+                <a:srgbClr val="6D737D"/>
+              </a:solidFill>
+              <a:effectLst/>
+              <a:latin typeface="+mn-lt"/>
+            </a:endParaRPr>
+          </a:p>
+          <a:p>
+            <a:pPr algn="l"/>
+            <a:r>
               <a:rPr lang="en-US" dirty="0"/>
-              <a:t>As we have already discussed the convolution operation, let’s now take a closer look at pooling, starting with max pooling.</a:t>
+              <a:t>Padding allows us create an output image of the same width and height as the input. The idea is that we add a border of extra elements around the outside of the input.  All the elements have the same value. If we place zeros in all the new elements, we call the technique zero-padding. In practice, we almost always use zeros, so people often refer to zero-padding as merely padding, with the understanding that if they mean to use any value other than zero, they say so explicitly.</a:t>
+            </a:r>
+          </a:p>
+          <a:p>
+            <a:pPr algn="l"/>
+            <a:endParaRPr lang="en-US" dirty="0"/>
+          </a:p>
+          <a:p>
+            <a:pPr algn="l"/>
+            <a:r>
+              <a:rPr lang="en-US" dirty="0"/>
+              <a:t>The thickness of the border depends on the size of the filter. We usually use just enough padding so that the filter can be centered on every element of the input. Every filter needs to have its input padded if we don’t want to lose information from the sides.</a:t>
+            </a:r>
+          </a:p>
+          <a:p>
+            <a:pPr algn="l"/>
+            <a:endParaRPr lang="en-US" dirty="0"/>
+          </a:p>
+          <a:p>
+            <a:pPr algn="l"/>
+            <a:r>
+              <a:rPr lang="en-US" dirty="0"/>
+              <a:t>Most deep learning libraries automatically calculate the necessary amount of padding so that our output has the same width and height as our input and apply it for us as a default.</a:t>
             </a:r>
           </a:p>
         </p:txBody>
@@ -1398,7 +1398,7 @@
     </p:spTree>
     <p:extLst>
       <p:ext uri="{BB962C8B-B14F-4D97-AF65-F5344CB8AC3E}">
-        <p14:creationId xmlns:p14="http://schemas.microsoft.com/office/powerpoint/2010/main" val="1994588752"/>
+        <p14:creationId xmlns:p14="http://schemas.microsoft.com/office/powerpoint/2010/main" val="1546276964"/>
       </p:ext>
     </p:extLst>
   </p:cSld>
@@ -1452,175 +1452,10 @@
           <a:bodyPr/>
           <a:lstStyle/>
           <a:p>
-            <a:pPr algn="l"/>
-            <a:r>
-              <a:rPr lang="en-US" b="0" i="0" dirty="0">
-                <a:solidFill>
-                  <a:srgbClr val="6D737D"/>
-                </a:solidFill>
-                <a:effectLst/>
-                <a:latin typeface="+mn-lt"/>
-              </a:rPr>
-              <a:t>Pooling layers are used to reduce the dimensions of the feature maps of convolution layers. But why do we need to perform such down sampling</a:t>
-            </a:r>
-            <a:r>
-              <a:rPr lang="en-US" b="0" i="0">
-                <a:solidFill>
-                  <a:srgbClr val="6D737D"/>
-                </a:solidFill>
-                <a:effectLst/>
-                <a:latin typeface="+mn-lt"/>
-              </a:rPr>
-              <a:t>?  One </a:t>
-            </a:r>
-            <a:r>
-              <a:rPr lang="en-US" b="0" i="0" dirty="0">
-                <a:solidFill>
-                  <a:srgbClr val="6D737D"/>
-                </a:solidFill>
-                <a:effectLst/>
-                <a:latin typeface="+mn-lt"/>
-              </a:rPr>
-              <a:t>of the main reasons is to reduce the number of calculations that are performed in the networks. Adding multiple layers of convolution with different filters can have a significant impact on the training time. Also, reducing the dimensions of feature maps can eliminate some of the noise in the feature map and help us focus only on the detected pattern. It is quite typical to add a pooling layer after each convolutional layer in order to reduce the size of the feature maps.</a:t>
-            </a:r>
-          </a:p>
-          <a:p>
-            <a:pPr algn="l"/>
-            <a:endParaRPr lang="en-US" b="0" i="0" dirty="0">
-              <a:solidFill>
-                <a:srgbClr val="6D737D"/>
-              </a:solidFill>
-              <a:effectLst/>
-              <a:latin typeface="+mn-lt"/>
-            </a:endParaRPr>
-          </a:p>
-          <a:p>
-            <a:pPr algn="l"/>
-            <a:r>
-              <a:rPr lang="en-US" b="0" i="0" dirty="0">
-                <a:solidFill>
-                  <a:srgbClr val="6D737D"/>
-                </a:solidFill>
-                <a:effectLst/>
-                <a:latin typeface="+mn-lt"/>
-              </a:rPr>
-              <a:t>A pooling operation acts like a filter, but rather than performing a convolution operation, it uses an aggregation function such as average or max (max is the most widely used function in the current CNN architecture). For instance, </a:t>
-            </a:r>
-            <a:r>
-              <a:rPr lang="en-US" b="1" i="0" dirty="0">
-                <a:solidFill>
-                  <a:srgbClr val="6D737D"/>
-                </a:solidFill>
-                <a:effectLst/>
-                <a:latin typeface="+mn-lt"/>
-              </a:rPr>
-              <a:t>max pooling</a:t>
-            </a:r>
-            <a:r>
-              <a:rPr lang="en-US" b="0" i="0" dirty="0">
-                <a:solidFill>
-                  <a:srgbClr val="6D737D"/>
-                </a:solidFill>
-                <a:effectLst/>
-                <a:latin typeface="+mn-lt"/>
-              </a:rPr>
-              <a:t> will look at a specific area of the feature map and find the maximum values of its pixels. Then, it performs a stride and finds the maximum value among the neighbor pixels. It repeats this process until it processes the entire image.  </a:t>
-            </a:r>
-          </a:p>
-          <a:p>
-            <a:pPr algn="l"/>
-            <a:endParaRPr lang="en-US" b="0" i="0" dirty="0">
-              <a:solidFill>
-                <a:srgbClr val="6D737D"/>
-              </a:solidFill>
-              <a:effectLst/>
-              <a:latin typeface="+mn-lt"/>
-            </a:endParaRPr>
-          </a:p>
-          <a:p>
-            <a:pPr algn="l"/>
-            <a:r>
-              <a:rPr lang="en-US" b="0" i="0" dirty="0">
-                <a:solidFill>
-                  <a:srgbClr val="6D737D"/>
-                </a:solidFill>
-                <a:effectLst/>
-                <a:latin typeface="+mn-lt"/>
-              </a:rPr>
-              <a:t>Let’s simulate this process.</a:t>
-            </a:r>
-          </a:p>
-          <a:p>
-            <a:pPr algn="l"/>
-            <a:endParaRPr lang="en-US" b="0" i="0" dirty="0">
-              <a:solidFill>
-                <a:srgbClr val="6D737D"/>
-              </a:solidFill>
-              <a:effectLst/>
-              <a:latin typeface="+mn-lt"/>
-            </a:endParaRPr>
-          </a:p>
-          <a:p>
-            <a:pPr marL="228600" indent="-228600" algn="l">
-              <a:buAutoNum type="arabicPeriod"/>
-            </a:pPr>
-            <a:r>
-              <a:rPr lang="en-US" b="0" i="0" dirty="0">
-                <a:solidFill>
-                  <a:srgbClr val="6D737D"/>
-                </a:solidFill>
-                <a:effectLst/>
-                <a:latin typeface="+mn-lt"/>
-              </a:rPr>
-              <a:t>The max filter is applied and the largest (max) number in the input image is added to the output tensor.  The colors help us see the connections between the input and the corresponding output.</a:t>
-            </a:r>
-          </a:p>
-          <a:p>
-            <a:pPr marL="228600" indent="-228600" algn="l">
-              <a:buAutoNum type="arabicPeriod"/>
-            </a:pPr>
-            <a:r>
-              <a:rPr lang="en-US" b="0" i="0" dirty="0">
-                <a:solidFill>
-                  <a:srgbClr val="6D737D"/>
-                </a:solidFill>
-                <a:effectLst/>
-                <a:latin typeface="+mn-lt"/>
-              </a:rPr>
-              <a:t>In this example, our stride is two and the max pooling operation is once again applied, resulting in 7 as its output.</a:t>
-            </a:r>
-          </a:p>
-          <a:p>
-            <a:pPr marL="228600" indent="-228600" algn="l">
-              <a:buAutoNum type="arabicPeriod"/>
-            </a:pPr>
-            <a:endParaRPr lang="en-US" b="0" i="0" dirty="0">
-              <a:solidFill>
-                <a:srgbClr val="6D737D"/>
-              </a:solidFill>
-              <a:effectLst/>
-              <a:latin typeface="+mn-lt"/>
-            </a:endParaRPr>
-          </a:p>
-          <a:p>
-            <a:pPr algn="l"/>
-            <a:endParaRPr lang="en-US" b="0" i="0" dirty="0">
-              <a:solidFill>
-                <a:srgbClr val="6D737D"/>
-              </a:solidFill>
-              <a:effectLst/>
-              <a:latin typeface="+mn-lt"/>
-            </a:endParaRPr>
-          </a:p>
-          <a:p>
-            <a:pPr algn="l"/>
-            <a:endParaRPr lang="en-US" dirty="0">
-              <a:latin typeface="+mn-lt"/>
-            </a:endParaRPr>
-          </a:p>
-          <a:p>
-            <a:pPr algn="l"/>
-            <a:endParaRPr lang="en-US" dirty="0"/>
+            <a:r>
+              <a:rPr lang="en-US" dirty="0"/>
+              <a:t>Padding simulation.</a:t>
+            </a:r>
           </a:p>
         </p:txBody>
       </p:sp>
@@ -1650,7 +1485,7 @@
     </p:spTree>
     <p:extLst>
       <p:ext uri="{BB962C8B-B14F-4D97-AF65-F5344CB8AC3E}">
-        <p14:creationId xmlns:p14="http://schemas.microsoft.com/office/powerpoint/2010/main" val="2905873406"/>
+        <p14:creationId xmlns:p14="http://schemas.microsoft.com/office/powerpoint/2010/main" val="552238523"/>
       </p:ext>
     </p:extLst>
   </p:cSld>
@@ -1707,57 +1542,8 @@
             <a:pPr algn="l"/>
             <a:r>
               <a:rPr lang="en-US" dirty="0"/>
-              <a:t>Max pooling is not the only option available to us.  Here’s a simulation of average pooling. </a:t>
-            </a:r>
-          </a:p>
-          <a:p>
-            <a:pPr algn="l"/>
-            <a:endParaRPr lang="en-US" dirty="0"/>
-          </a:p>
-          <a:p>
-            <a:pPr marL="228600" indent="-228600" algn="l">
-              <a:buAutoNum type="arabicPeriod"/>
-            </a:pPr>
-            <a:r>
-              <a:rPr lang="en-US" dirty="0"/>
-              <a:t>As in the previous simulation, we apply the filter, take the average of the 4 cells and update the output tensor.</a:t>
-            </a:r>
-          </a:p>
-          <a:p>
-            <a:pPr marL="228600" marR="0" lvl="0" indent="-228600" algn="l" defTabSz="914400" rtl="0" eaLnBrk="1" fontAlgn="auto" latinLnBrk="0" hangingPunct="1">
-              <a:lnSpc>
-                <a:spcPct val="100000"/>
-              </a:lnSpc>
-              <a:spcBef>
-                <a:spcPts val="0"/>
-              </a:spcBef>
-              <a:spcAft>
-                <a:spcPts val="0"/>
-              </a:spcAft>
-              <a:buClrTx/>
-              <a:buSzTx/>
-              <a:buFontTx/>
-              <a:buAutoNum type="arabicPeriod"/>
-              <a:tabLst/>
-              <a:defRPr/>
-            </a:pPr>
-            <a:r>
-              <a:rPr lang="en-US" b="0" i="0" dirty="0">
-                <a:solidFill>
-                  <a:srgbClr val="6D737D"/>
-                </a:solidFill>
-                <a:effectLst/>
-                <a:latin typeface="+mn-lt"/>
-              </a:rPr>
-              <a:t>Once again, our stride is two and the average pooling operation is applied, resulting in 4.50 as the output (indicated in green)</a:t>
-            </a:r>
-            <a:endParaRPr lang="en-US" dirty="0"/>
-          </a:p>
-          <a:p>
-            <a:pPr marL="228600" indent="-228600" algn="l">
-              <a:buAutoNum type="arabicPeriod"/>
-            </a:pPr>
-            <a:endParaRPr lang="en-US" dirty="0"/>
+              <a:t>As we have already discussed the convolution operation, let’s now take a closer look at pooling, starting with max pooling.</a:t>
+            </a:r>
           </a:p>
         </p:txBody>
       </p:sp>
@@ -1787,7 +1573,7 @@
     </p:spTree>
     <p:extLst>
       <p:ext uri="{BB962C8B-B14F-4D97-AF65-F5344CB8AC3E}">
-        <p14:creationId xmlns:p14="http://schemas.microsoft.com/office/powerpoint/2010/main" val="1632607758"/>
+        <p14:creationId xmlns:p14="http://schemas.microsoft.com/office/powerpoint/2010/main" val="1994588752"/>
       </p:ext>
     </p:extLst>
   </p:cSld>
@@ -1841,20 +1627,127 @@
           <a:bodyPr/>
           <a:lstStyle/>
           <a:p>
+            <a:pPr algn="l"/>
+            <a:r>
+              <a:rPr lang="en-US" b="0" i="0" dirty="0">
+                <a:solidFill>
+                  <a:srgbClr val="6D737D"/>
+                </a:solidFill>
+                <a:effectLst/>
+                <a:latin typeface="+mn-lt"/>
+              </a:rPr>
+              <a:t>Pooling layers are used to reduce the dimensions of the feature maps of convolution layers. But why do we need to perform such down sampling</a:t>
+            </a:r>
+            <a:r>
+              <a:rPr lang="en-US" b="0" i="0">
+                <a:solidFill>
+                  <a:srgbClr val="6D737D"/>
+                </a:solidFill>
+                <a:effectLst/>
+                <a:latin typeface="+mn-lt"/>
+              </a:rPr>
+              <a:t>?  One </a:t>
+            </a:r>
+            <a:r>
+              <a:rPr lang="en-US" b="0" i="0" dirty="0">
+                <a:solidFill>
+                  <a:srgbClr val="6D737D"/>
+                </a:solidFill>
+                <a:effectLst/>
+                <a:latin typeface="+mn-lt"/>
+              </a:rPr>
+              <a:t>of the main reasons is to reduce the number of calculations that are performed in the networks. Adding multiple layers of convolution with different filters can have a significant impact on the training time. Also, reducing the dimensions of feature maps can eliminate some of the noise in the feature map and help us focus only on the detected pattern. It is quite typical to add a pooling layer after each convolutional layer in order to reduce the size of the feature maps.</a:t>
+            </a:r>
+          </a:p>
+          <a:p>
+            <a:pPr algn="l"/>
+            <a:endParaRPr lang="en-US" b="0" i="0" dirty="0">
+              <a:solidFill>
+                <a:srgbClr val="6D737D"/>
+              </a:solidFill>
+              <a:effectLst/>
+              <a:latin typeface="+mn-lt"/>
+            </a:endParaRPr>
+          </a:p>
+          <a:p>
+            <a:pPr algn="l"/>
+            <a:r>
+              <a:rPr lang="en-US" b="0" i="0" dirty="0">
+                <a:solidFill>
+                  <a:srgbClr val="6D737D"/>
+                </a:solidFill>
+                <a:effectLst/>
+                <a:latin typeface="+mn-lt"/>
+              </a:rPr>
+              <a:t>A pooling operation acts like a filter, but rather than performing a convolution operation, it uses an aggregation function such as average or max (max is the most widely used function in the current CNN architecture). For instance, </a:t>
+            </a:r>
+            <a:r>
+              <a:rPr lang="en-US" b="1" i="0" dirty="0">
+                <a:solidFill>
+                  <a:srgbClr val="6D737D"/>
+                </a:solidFill>
+                <a:effectLst/>
+                <a:latin typeface="+mn-lt"/>
+              </a:rPr>
+              <a:t>max pooling</a:t>
+            </a:r>
+            <a:r>
+              <a:rPr lang="en-US" b="0" i="0" dirty="0">
+                <a:solidFill>
+                  <a:srgbClr val="6D737D"/>
+                </a:solidFill>
+                <a:effectLst/>
+                <a:latin typeface="+mn-lt"/>
+              </a:rPr>
+              <a:t> will look at a specific area of the feature map and find the maximum values of its pixels. Then, it performs a stride and finds the maximum value among the neighbor pixels. It repeats this process until it processes the entire image.  </a:t>
+            </a:r>
+          </a:p>
+          <a:p>
+            <a:pPr algn="l"/>
+            <a:endParaRPr lang="en-US" b="0" i="0" dirty="0">
+              <a:solidFill>
+                <a:srgbClr val="6D737D"/>
+              </a:solidFill>
+              <a:effectLst/>
+              <a:latin typeface="+mn-lt"/>
+            </a:endParaRPr>
+          </a:p>
+          <a:p>
+            <a:pPr algn="l"/>
+            <a:r>
+              <a:rPr lang="en-US" b="0" i="0" dirty="0">
+                <a:solidFill>
+                  <a:srgbClr val="6D737D"/>
+                </a:solidFill>
+                <a:effectLst/>
+                <a:latin typeface="+mn-lt"/>
+              </a:rPr>
+              <a:t>Let’s simulate this process.</a:t>
+            </a:r>
+          </a:p>
+          <a:p>
+            <a:pPr algn="l"/>
+            <a:endParaRPr lang="en-US" b="0" i="0" dirty="0">
+              <a:solidFill>
+                <a:srgbClr val="6D737D"/>
+              </a:solidFill>
+              <a:effectLst/>
+              <a:latin typeface="+mn-lt"/>
+            </a:endParaRPr>
+          </a:p>
+          <a:p>
             <a:pPr marL="228600" indent="-228600" algn="l">
               <a:buAutoNum type="arabicPeriod"/>
             </a:pPr>
             <a:r>
-              <a:rPr lang="en-US" dirty="0"/>
-              <a:t>Focus on last fully connected layer </a:t>
-            </a:r>
-            <a:r>
-              <a:rPr lang="en-US"/>
-              <a:t>– specifically output </a:t>
-            </a:r>
-            <a:r>
-              <a:rPr lang="en-US" dirty="0"/>
-              <a:t>in relation to activation function.</a:t>
+              <a:rPr lang="en-US" b="0" i="0" dirty="0">
+                <a:solidFill>
+                  <a:srgbClr val="6D737D"/>
+                </a:solidFill>
+                <a:effectLst/>
+                <a:latin typeface="+mn-lt"/>
+              </a:rPr>
+              <a:t>The max filter is applied and the largest (max) number in the input image is added to the output tensor.  The colors help us see the connections between the input and the corresponding output.</a:t>
             </a:r>
           </a:p>
           <a:p>
@@ -1862,39 +1755,43 @@
               <a:buAutoNum type="arabicPeriod"/>
             </a:pPr>
             <a:r>
-              <a:rPr lang="en-US" dirty="0"/>
-              <a:t>For that last layer, activation function will vary, depending on desired final output.</a:t>
+              <a:rPr lang="en-US" b="0" i="0" dirty="0">
+                <a:solidFill>
+                  <a:srgbClr val="6D737D"/>
+                </a:solidFill>
+                <a:effectLst/>
+                <a:latin typeface="+mn-lt"/>
+              </a:rPr>
+              <a:t>In this example, our stride is two and the max pooling operation is once again applied, resulting in 7 as its output.</a:t>
             </a:r>
           </a:p>
           <a:p>
             <a:pPr marL="228600" indent="-228600" algn="l">
               <a:buAutoNum type="arabicPeriod"/>
             </a:pPr>
-            <a:endParaRPr lang="en-US" dirty="0"/>
-          </a:p>
-          <a:p>
-            <a:pPr marL="0" indent="0" algn="l">
-              <a:buNone/>
-            </a:pPr>
-            <a:r>
-              <a:rPr lang="en-US" dirty="0"/>
-              <a:t>=====</a:t>
-            </a:r>
+            <a:endParaRPr lang="en-US" b="0" i="0" dirty="0">
+              <a:solidFill>
+                <a:srgbClr val="6D737D"/>
+              </a:solidFill>
+              <a:effectLst/>
+              <a:latin typeface="+mn-lt"/>
+            </a:endParaRPr>
           </a:p>
           <a:p>
             <a:pPr algn="l"/>
-            <a:r>
-              <a:rPr lang="en-US" dirty="0"/>
-              <a:t>Now – before concluding this presentation – we need to take a closer look at that last fully connected layer, specifically its output in relation to its activation function.  Indeed, the activation function you select will vary, depending on what the network is designed to do.</a:t>
-            </a:r>
+            <a:endParaRPr lang="en-US" b="0" i="0" dirty="0">
+              <a:solidFill>
+                <a:srgbClr val="6D737D"/>
+              </a:solidFill>
+              <a:effectLst/>
+              <a:latin typeface="+mn-lt"/>
+            </a:endParaRPr>
           </a:p>
           <a:p>
             <a:pPr algn="l"/>
-            <a:endParaRPr lang="en-US" dirty="0"/>
-          </a:p>
-          <a:p>
-            <a:pPr algn="l"/>
-            <a:endParaRPr lang="en-US" dirty="0"/>
+            <a:endParaRPr lang="en-US" dirty="0">
+              <a:latin typeface="+mn-lt"/>
+            </a:endParaRPr>
           </a:p>
           <a:p>
             <a:pPr algn="l"/>
@@ -1928,7 +1825,7 @@
     </p:spTree>
     <p:extLst>
       <p:ext uri="{BB962C8B-B14F-4D97-AF65-F5344CB8AC3E}">
-        <p14:creationId xmlns:p14="http://schemas.microsoft.com/office/powerpoint/2010/main" val="3301850937"/>
+        <p14:creationId xmlns:p14="http://schemas.microsoft.com/office/powerpoint/2010/main" val="2905873406"/>
       </p:ext>
     </p:extLst>
   </p:cSld>
@@ -1982,169 +1879,10 @@
           <a:bodyPr/>
           <a:lstStyle/>
           <a:p>
-            <a:pPr marL="228600" indent="-228600" algn="l">
-              <a:buAutoNum type="arabicPeriod"/>
-            </a:pPr>
-            <a:r>
-              <a:rPr lang="en-US" b="0" i="0" dirty="0">
-                <a:solidFill>
-                  <a:srgbClr val="6D737D"/>
-                </a:solidFill>
-                <a:effectLst/>
-                <a:latin typeface="+mn-lt"/>
-              </a:rPr>
-              <a:t>CNNs frequently used for image classification – two types:</a:t>
-            </a:r>
-          </a:p>
-          <a:p>
-            <a:pPr marL="685800" lvl="1" indent="-228600" algn="l">
-              <a:buAutoNum type="arabicPeriod"/>
-            </a:pPr>
-            <a:r>
-              <a:rPr lang="en-US" b="0" i="0" dirty="0">
-                <a:solidFill>
-                  <a:srgbClr val="6D737D"/>
-                </a:solidFill>
-                <a:effectLst/>
-                <a:latin typeface="+mn-lt"/>
-              </a:rPr>
-              <a:t>Binary – 2 classes – ex. dogs vs. cats</a:t>
-            </a:r>
-          </a:p>
-          <a:p>
-            <a:pPr marL="685800" lvl="1" indent="-228600" algn="l">
-              <a:buAutoNum type="arabicPeriod"/>
-            </a:pPr>
-            <a:r>
-              <a:rPr lang="en-US" b="0" i="0" dirty="0">
-                <a:solidFill>
-                  <a:srgbClr val="6D737D"/>
-                </a:solidFill>
-                <a:effectLst/>
-                <a:latin typeface="+mn-lt"/>
-              </a:rPr>
-              <a:t>Multi-class – &gt; 2 classes – ex. 20 different kinds of fruits</a:t>
-            </a:r>
-          </a:p>
-          <a:p>
-            <a:pPr marL="228600" lvl="0" indent="-228600" algn="l">
-              <a:buAutoNum type="arabicPeriod"/>
-            </a:pPr>
-            <a:r>
-              <a:rPr lang="en-US" b="0" i="0" dirty="0">
-                <a:solidFill>
-                  <a:srgbClr val="6D737D"/>
-                </a:solidFill>
-                <a:effectLst/>
-                <a:latin typeface="+mn-lt"/>
-              </a:rPr>
-              <a:t>For predictions, last layer fully connected w/appropriate activation function – see list here</a:t>
-            </a:r>
-          </a:p>
-          <a:p>
-            <a:pPr marL="685800" lvl="1" indent="-228600" algn="l">
-              <a:buAutoNum type="arabicPeriod"/>
-            </a:pPr>
-            <a:endParaRPr lang="en-US" b="0" i="0" dirty="0">
-              <a:solidFill>
-                <a:srgbClr val="6D737D"/>
-              </a:solidFill>
-              <a:effectLst/>
-              <a:latin typeface="+mn-lt"/>
-            </a:endParaRPr>
-          </a:p>
-          <a:p>
-            <a:pPr algn="l"/>
-            <a:r>
-              <a:rPr lang="en-US" b="0" i="0" dirty="0">
-                <a:solidFill>
-                  <a:srgbClr val="6D737D"/>
-                </a:solidFill>
-                <a:effectLst/>
-                <a:latin typeface="+mn-lt"/>
-              </a:rPr>
-              <a:t>=====</a:t>
-            </a:r>
-          </a:p>
-          <a:p>
-            <a:pPr algn="l"/>
-            <a:r>
-              <a:rPr lang="en-US" b="0" i="0" dirty="0">
-                <a:solidFill>
-                  <a:srgbClr val="6D737D"/>
-                </a:solidFill>
-                <a:effectLst/>
-                <a:latin typeface="+mn-lt"/>
-              </a:rPr>
-              <a:t>CNNs are widely used for image classification, where the network predicts the right class for a given input.  In fact, there are traditional machine learning algorithms that do the same thing.  If the output is only from two different classes, it’s a </a:t>
-            </a:r>
-            <a:r>
-              <a:rPr lang="en-US" b="1" i="0" dirty="0">
-                <a:solidFill>
-                  <a:srgbClr val="6D737D"/>
-                </a:solidFill>
-                <a:effectLst/>
-                <a:latin typeface="+mn-lt"/>
-              </a:rPr>
-              <a:t>binary classification</a:t>
-            </a:r>
-            <a:r>
-              <a:rPr lang="en-US" b="0" i="0" dirty="0">
-                <a:solidFill>
-                  <a:srgbClr val="6D737D"/>
-                </a:solidFill>
-                <a:effectLst/>
-                <a:latin typeface="+mn-lt"/>
-              </a:rPr>
-              <a:t>, such as recognizing dogs versus cats. If the output can be more than two classes, it’s a </a:t>
-            </a:r>
-            <a:r>
-              <a:rPr lang="en-US" b="1" i="0" dirty="0">
-                <a:solidFill>
-                  <a:srgbClr val="6D737D"/>
-                </a:solidFill>
-                <a:effectLst/>
-                <a:latin typeface="+mn-lt"/>
-              </a:rPr>
-              <a:t>multi-class classification</a:t>
-            </a:r>
-            <a:r>
-              <a:rPr lang="en-US" b="0" i="0" dirty="0">
-                <a:solidFill>
-                  <a:srgbClr val="6D737D"/>
-                </a:solidFill>
-                <a:effectLst/>
-                <a:latin typeface="+mn-lt"/>
-              </a:rPr>
-              <a:t> task, such as recognizing 20 different sorts of fruits.</a:t>
-            </a:r>
-          </a:p>
-          <a:p>
-            <a:pPr algn="l"/>
-            <a:endParaRPr lang="en-US" b="0" i="0" dirty="0">
-              <a:solidFill>
-                <a:srgbClr val="6D737D"/>
-              </a:solidFill>
-              <a:effectLst/>
-              <a:latin typeface="+mn-lt"/>
-            </a:endParaRPr>
-          </a:p>
-          <a:p>
-            <a:pPr algn="l"/>
-            <a:r>
-              <a:rPr lang="en-US" b="0" i="0" dirty="0">
-                <a:solidFill>
-                  <a:srgbClr val="6D737D"/>
-                </a:solidFill>
-                <a:effectLst/>
-                <a:latin typeface="+mn-lt"/>
-              </a:rPr>
-              <a:t>In order to make such predictions, the last layer of a CNN model needs to be a fully connected and use the appropriate activation function for a given prediction task.  Use the following list of activation functions as a rule of thumb</a:t>
-            </a:r>
-          </a:p>
-          <a:p>
-            <a:pPr algn="l"/>
-            <a:endParaRPr lang="en-US" dirty="0"/>
+            <a:r>
+              <a:rPr lang="en-US" dirty="0"/>
+              <a:t>Simulation of max pooling with a stride of 2.</a:t>
+            </a:r>
           </a:p>
         </p:txBody>
       </p:sp>
@@ -2174,7 +1912,7 @@
     </p:spTree>
     <p:extLst>
       <p:ext uri="{BB962C8B-B14F-4D97-AF65-F5344CB8AC3E}">
-        <p14:creationId xmlns:p14="http://schemas.microsoft.com/office/powerpoint/2010/main" val="4018769285"/>
+        <p14:creationId xmlns:p14="http://schemas.microsoft.com/office/powerpoint/2010/main" val="83312787"/>
       </p:ext>
     </p:extLst>
   </p:cSld>
@@ -2485,24 +2223,59 @@
           <a:bodyPr/>
           <a:lstStyle/>
           <a:p>
-            <a:pPr marL="228600" indent="-228600">
+            <a:pPr algn="l"/>
+            <a:r>
+              <a:rPr lang="en-US" dirty="0"/>
+              <a:t>Max pooling is not the only option available to us.  Here’s a simulation of average pooling. </a:t>
+            </a:r>
+          </a:p>
+          <a:p>
+            <a:pPr algn="l"/>
+            <a:endParaRPr lang="en-US" dirty="0"/>
+          </a:p>
+          <a:p>
+            <a:pPr marL="228600" indent="-228600" algn="l">
               <a:buAutoNum type="arabicPeriod"/>
             </a:pPr>
             <a:r>
               <a:rPr lang="en-US" dirty="0"/>
-              <a:t>Post general questions (entire class) in Chat…</a:t>
-            </a:r>
-          </a:p>
-          <a:p>
-            <a:pPr marL="228600" indent="-228600">
+              <a:t>As in the previous simulation, we apply the filter, take the average of the 4 cells and update the output tensor.</a:t>
+            </a:r>
+          </a:p>
+          <a:p>
+            <a:pPr marL="228600" marR="0" lvl="0" indent="-228600" algn="l" defTabSz="914400" rtl="0" eaLnBrk="1" fontAlgn="auto" latinLnBrk="0" hangingPunct="1">
+              <a:lnSpc>
+                <a:spcPct val="100000"/>
+              </a:lnSpc>
+              <a:spcBef>
+                <a:spcPts val="0"/>
+              </a:spcBef>
+              <a:spcAft>
+                <a:spcPts val="0"/>
+              </a:spcAft>
+              <a:buClrTx/>
+              <a:buSzTx/>
+              <a:buFontTx/>
+              <a:buAutoNum type="arabicPeriod"/>
+              <a:tabLst/>
+              <a:defRPr/>
+            </a:pPr>
+            <a:r>
+              <a:rPr lang="en-US" b="0" i="0" dirty="0">
+                <a:solidFill>
+                  <a:srgbClr val="6D737D"/>
+                </a:solidFill>
+                <a:effectLst/>
+                <a:latin typeface="+mn-lt"/>
+              </a:rPr>
+              <a:t>Once again, our stride is two and the average pooling operation is applied, resulting in 4.50 as the output (indicated in green)</a:t>
+            </a:r>
+            <a:endParaRPr lang="en-US" dirty="0"/>
+          </a:p>
+          <a:p>
+            <a:pPr marL="228600" indent="-228600" algn="l">
               <a:buAutoNum type="arabicPeriod"/>
             </a:pPr>
-            <a:r>
-              <a:rPr lang="en-US" dirty="0"/>
-              <a:t>Discuss specific implementation questions at the Help table during exercise…</a:t>
-            </a:r>
-          </a:p>
-          <a:p>
             <a:endParaRPr lang="en-US" dirty="0"/>
           </a:p>
         </p:txBody>
@@ -2533,7 +2306,7 @@
     </p:spTree>
     <p:extLst>
       <p:ext uri="{BB962C8B-B14F-4D97-AF65-F5344CB8AC3E}">
-        <p14:creationId xmlns:p14="http://schemas.microsoft.com/office/powerpoint/2010/main" val="851494294"/>
+        <p14:creationId xmlns:p14="http://schemas.microsoft.com/office/powerpoint/2010/main" val="1632607758"/>
       </p:ext>
     </p:extLst>
   </p:cSld>
@@ -2587,29 +2360,63 @@
           <a:bodyPr/>
           <a:lstStyle/>
           <a:p>
-            <a:pPr marL="0" marR="0" lvl="0" indent="0" algn="l" defTabSz="939363" rtl="0" eaLnBrk="1" fontAlgn="auto" latinLnBrk="0" hangingPunct="1">
-              <a:lnSpc>
-                <a:spcPct val="100000"/>
-              </a:lnSpc>
-              <a:spcBef>
-                <a:spcPts val="0"/>
-              </a:spcBef>
-              <a:spcAft>
-                <a:spcPts val="0"/>
-              </a:spcAft>
-              <a:buClrTx/>
-              <a:buSzTx/>
-              <a:buFontTx/>
+            <a:pPr marL="228600" indent="-228600" algn="l">
+              <a:buAutoNum type="arabicPeriod"/>
+            </a:pPr>
+            <a:r>
+              <a:rPr lang="en-US" dirty="0"/>
+              <a:t>Focus on last fully connected layer </a:t>
+            </a:r>
+            <a:r>
+              <a:rPr lang="en-US"/>
+              <a:t>– specifically output </a:t>
+            </a:r>
+            <a:r>
+              <a:rPr lang="en-US" dirty="0"/>
+              <a:t>in relation to activation function.</a:t>
+            </a:r>
+          </a:p>
+          <a:p>
+            <a:pPr marL="228600" indent="-228600" algn="l">
+              <a:buAutoNum type="arabicPeriod"/>
+            </a:pPr>
+            <a:r>
+              <a:rPr lang="en-US" dirty="0"/>
+              <a:t>For that last layer, activation function will vary, depending on desired final output.</a:t>
+            </a:r>
+          </a:p>
+          <a:p>
+            <a:pPr marL="228600" indent="-228600" algn="l">
+              <a:buAutoNum type="arabicPeriod"/>
+            </a:pPr>
+            <a:endParaRPr lang="en-US" dirty="0"/>
+          </a:p>
+          <a:p>
+            <a:pPr marL="0" indent="0" algn="l">
               <a:buNone/>
-              <a:tabLst/>
-              <a:defRPr/>
             </a:pPr>
             <a:r>
               <a:rPr lang="en-US" dirty="0"/>
-              <a:t>The learning experience for this exercise starts on page 130 of the textbook.  </a:t>
-            </a:r>
-          </a:p>
-          <a:p>
+              <a:t>=====</a:t>
+            </a:r>
+          </a:p>
+          <a:p>
+            <a:pPr algn="l"/>
+            <a:r>
+              <a:rPr lang="en-US" dirty="0"/>
+              <a:t>Now – before concluding this presentation – we need to take a closer look at that last fully connected layer, specifically its output in relation to its activation function.  Indeed, the activation function you select will vary, depending on what the network is designed to do.</a:t>
+            </a:r>
+          </a:p>
+          <a:p>
+            <a:pPr algn="l"/>
+            <a:endParaRPr lang="en-US" dirty="0"/>
+          </a:p>
+          <a:p>
+            <a:pPr algn="l"/>
+            <a:endParaRPr lang="en-US" dirty="0"/>
+          </a:p>
+          <a:p>
+            <a:pPr algn="l"/>
             <a:endParaRPr lang="en-US" dirty="0"/>
           </a:p>
         </p:txBody>
@@ -2640,7 +2447,7 @@
     </p:spTree>
     <p:extLst>
       <p:ext uri="{BB962C8B-B14F-4D97-AF65-F5344CB8AC3E}">
-        <p14:creationId xmlns:p14="http://schemas.microsoft.com/office/powerpoint/2010/main" val="1401395996"/>
+        <p14:creationId xmlns:p14="http://schemas.microsoft.com/office/powerpoint/2010/main" val="3301850937"/>
       </p:ext>
     </p:extLst>
   </p:cSld>
@@ -2694,6 +2501,168 @@
           <a:bodyPr/>
           <a:lstStyle/>
           <a:p>
+            <a:pPr marL="228600" indent="-228600" algn="l">
+              <a:buAutoNum type="arabicPeriod"/>
+            </a:pPr>
+            <a:r>
+              <a:rPr lang="en-US" b="0" i="0" dirty="0">
+                <a:solidFill>
+                  <a:srgbClr val="6D737D"/>
+                </a:solidFill>
+                <a:effectLst/>
+                <a:latin typeface="+mn-lt"/>
+              </a:rPr>
+              <a:t>CNNs frequently used for image classification – two types:</a:t>
+            </a:r>
+          </a:p>
+          <a:p>
+            <a:pPr marL="685800" lvl="1" indent="-228600" algn="l">
+              <a:buAutoNum type="arabicPeriod"/>
+            </a:pPr>
+            <a:r>
+              <a:rPr lang="en-US" b="0" i="0" dirty="0">
+                <a:solidFill>
+                  <a:srgbClr val="6D737D"/>
+                </a:solidFill>
+                <a:effectLst/>
+                <a:latin typeface="+mn-lt"/>
+              </a:rPr>
+              <a:t>Binary – 2 classes – ex. dogs vs. cats</a:t>
+            </a:r>
+          </a:p>
+          <a:p>
+            <a:pPr marL="685800" lvl="1" indent="-228600" algn="l">
+              <a:buAutoNum type="arabicPeriod"/>
+            </a:pPr>
+            <a:r>
+              <a:rPr lang="en-US" b="0" i="0" dirty="0">
+                <a:solidFill>
+                  <a:srgbClr val="6D737D"/>
+                </a:solidFill>
+                <a:effectLst/>
+                <a:latin typeface="+mn-lt"/>
+              </a:rPr>
+              <a:t>Multi-class – &gt; 2 classes – ex. 20 different kinds of fruits</a:t>
+            </a:r>
+          </a:p>
+          <a:p>
+            <a:pPr marL="228600" lvl="0" indent="-228600" algn="l">
+              <a:buAutoNum type="arabicPeriod"/>
+            </a:pPr>
+            <a:r>
+              <a:rPr lang="en-US" b="0" i="0" dirty="0">
+                <a:solidFill>
+                  <a:srgbClr val="6D737D"/>
+                </a:solidFill>
+                <a:effectLst/>
+                <a:latin typeface="+mn-lt"/>
+              </a:rPr>
+              <a:t>For predictions, last layer fully connected w/appropriate activation function – see list here</a:t>
+            </a:r>
+          </a:p>
+          <a:p>
+            <a:pPr marL="685800" lvl="1" indent="-228600" algn="l">
+              <a:buAutoNum type="arabicPeriod"/>
+            </a:pPr>
+            <a:endParaRPr lang="en-US" b="0" i="0" dirty="0">
+              <a:solidFill>
+                <a:srgbClr val="6D737D"/>
+              </a:solidFill>
+              <a:effectLst/>
+              <a:latin typeface="+mn-lt"/>
+            </a:endParaRPr>
+          </a:p>
+          <a:p>
+            <a:pPr algn="l"/>
+            <a:r>
+              <a:rPr lang="en-US" b="0" i="0" dirty="0">
+                <a:solidFill>
+                  <a:srgbClr val="6D737D"/>
+                </a:solidFill>
+                <a:effectLst/>
+                <a:latin typeface="+mn-lt"/>
+              </a:rPr>
+              <a:t>=====</a:t>
+            </a:r>
+          </a:p>
+          <a:p>
+            <a:pPr algn="l"/>
+            <a:r>
+              <a:rPr lang="en-US" b="0" i="0" dirty="0">
+                <a:solidFill>
+                  <a:srgbClr val="6D737D"/>
+                </a:solidFill>
+                <a:effectLst/>
+                <a:latin typeface="+mn-lt"/>
+              </a:rPr>
+              <a:t>CNNs are widely used for image classification, where the network predicts the right class for a given input.  In fact, there are traditional machine learning algorithms that do the same thing.  If the output is only from two different classes, it’s a </a:t>
+            </a:r>
+            <a:r>
+              <a:rPr lang="en-US" b="1" i="0" dirty="0">
+                <a:solidFill>
+                  <a:srgbClr val="6D737D"/>
+                </a:solidFill>
+                <a:effectLst/>
+                <a:latin typeface="+mn-lt"/>
+              </a:rPr>
+              <a:t>binary classification</a:t>
+            </a:r>
+            <a:r>
+              <a:rPr lang="en-US" b="0" i="0" dirty="0">
+                <a:solidFill>
+                  <a:srgbClr val="6D737D"/>
+                </a:solidFill>
+                <a:effectLst/>
+                <a:latin typeface="+mn-lt"/>
+              </a:rPr>
+              <a:t>, such as recognizing dogs versus cats. If the output can be more than two classes, it’s a </a:t>
+            </a:r>
+            <a:r>
+              <a:rPr lang="en-US" b="1" i="0" dirty="0">
+                <a:solidFill>
+                  <a:srgbClr val="6D737D"/>
+                </a:solidFill>
+                <a:effectLst/>
+                <a:latin typeface="+mn-lt"/>
+              </a:rPr>
+              <a:t>multi-class classification</a:t>
+            </a:r>
+            <a:r>
+              <a:rPr lang="en-US" b="0" i="0" dirty="0">
+                <a:solidFill>
+                  <a:srgbClr val="6D737D"/>
+                </a:solidFill>
+                <a:effectLst/>
+                <a:latin typeface="+mn-lt"/>
+              </a:rPr>
+              <a:t> task, such as recognizing 20 different sorts of fruits.</a:t>
+            </a:r>
+          </a:p>
+          <a:p>
+            <a:pPr algn="l"/>
+            <a:endParaRPr lang="en-US" b="0" i="0" dirty="0">
+              <a:solidFill>
+                <a:srgbClr val="6D737D"/>
+              </a:solidFill>
+              <a:effectLst/>
+              <a:latin typeface="+mn-lt"/>
+            </a:endParaRPr>
+          </a:p>
+          <a:p>
+            <a:pPr algn="l"/>
+            <a:r>
+              <a:rPr lang="en-US" b="0" i="0" dirty="0">
+                <a:solidFill>
+                  <a:srgbClr val="6D737D"/>
+                </a:solidFill>
+                <a:effectLst/>
+                <a:latin typeface="+mn-lt"/>
+              </a:rPr>
+              <a:t>In order to make such predictions, the last layer of a CNN model needs to be a fully connected and use the appropriate activation function for a given prediction task.  Use the following list of activation functions as a rule of thumb</a:t>
+            </a:r>
+          </a:p>
+          <a:p>
+            <a:pPr algn="l"/>
             <a:endParaRPr lang="en-US" dirty="0"/>
           </a:p>
         </p:txBody>
@@ -2724,7 +2693,7 @@
     </p:spTree>
     <p:extLst>
       <p:ext uri="{BB962C8B-B14F-4D97-AF65-F5344CB8AC3E}">
-        <p14:creationId xmlns:p14="http://schemas.microsoft.com/office/powerpoint/2010/main" val="1059485683"/>
+        <p14:creationId xmlns:p14="http://schemas.microsoft.com/office/powerpoint/2010/main" val="4018769285"/>
       </p:ext>
     </p:extLst>
   </p:cSld>
@@ -2778,12 +2747,21 @@
           <a:bodyPr/>
           <a:lstStyle/>
           <a:p>
-            <a:pPr defTabSz="939363">
-              <a:defRPr/>
+            <a:pPr marL="228600" indent="-228600">
+              <a:buAutoNum type="arabicPeriod"/>
             </a:pPr>
             <a:r>
               <a:rPr lang="en-US" dirty="0"/>
-              <a:t>Before we talk about padding, let’s quickly review the convolution operation.  For each input pixel, we imagine centering the three-by-three grid of weights over that pixel, applying the neuron, and creating a single output value, as shown here. We say that the pixel we’re centering the filter over is the anchor (or the reference point or zero point).  But this operation creates a problem…</a:t>
+              <a:t>Post general questions (entire class) in Chat…</a:t>
+            </a:r>
+          </a:p>
+          <a:p>
+            <a:pPr marL="228600" indent="-228600">
+              <a:buAutoNum type="arabicPeriod"/>
+            </a:pPr>
+            <a:r>
+              <a:rPr lang="en-US" dirty="0"/>
+              <a:t>Discuss specific implementation questions at the Help table during exercise…</a:t>
             </a:r>
           </a:p>
           <a:p>
@@ -2817,7 +2795,7 @@
     </p:spTree>
     <p:extLst>
       <p:ext uri="{BB962C8B-B14F-4D97-AF65-F5344CB8AC3E}">
-        <p14:creationId xmlns:p14="http://schemas.microsoft.com/office/powerpoint/2010/main" val="3682106829"/>
+        <p14:creationId xmlns:p14="http://schemas.microsoft.com/office/powerpoint/2010/main" val="851494294"/>
       </p:ext>
     </p:extLst>
   </p:cSld>
@@ -2871,18 +2849,26 @@
           <a:bodyPr/>
           <a:lstStyle/>
           <a:p>
+            <a:pPr marL="0" marR="0" lvl="0" indent="0" algn="l" defTabSz="939363" rtl="0" eaLnBrk="1" fontAlgn="auto" latinLnBrk="0" hangingPunct="1">
+              <a:lnSpc>
+                <a:spcPct val="100000"/>
+              </a:lnSpc>
+              <a:spcBef>
+                <a:spcPts val="0"/>
+              </a:spcBef>
+              <a:spcAft>
+                <a:spcPts val="0"/>
+              </a:spcAft>
+              <a:buClrTx/>
+              <a:buSzTx/>
+              <a:buFontTx/>
+              <a:buNone/>
+              <a:tabLst/>
+              <a:defRPr/>
+            </a:pPr>
             <a:r>
               <a:rPr lang="en-US" dirty="0"/>
-              <a:t>This figure provides another view of the convolution process from the perspective of a single neuron, with net input and activation functions.  Here we see how a single pixel is processed (shown in dark red).  We center the filter over the intended pixel and multiply each of the nine values in the input with its corresponding filter value. We add up all nine results in the net input function and then pass that sum through an activation function.</a:t>
-            </a:r>
-          </a:p>
-          <a:p>
-            <a:endParaRPr lang="en-US" dirty="0"/>
-          </a:p>
-          <a:p>
-            <a:r>
-              <a:rPr lang="en-US" dirty="0"/>
-              <a:t>Note that the neuron pictured here is just like any other neuron. It receives nine numbers as inputs, multiplies each one by its corresponding weight, adds the results together, and passes that number through an activation function. It doesn’t know or care that these nine numbers are coming from a square region of the input, or even that they’re coming from an image.</a:t>
+              <a:t>The learning experience for this exercise starts on page 130 of the textbook.  </a:t>
             </a:r>
           </a:p>
           <a:p>
@@ -2908,6 +2894,366 @@
             <a:fld id="{3148858F-F1DB-4027-9C85-CCA6849540DD}" type="slidenum">
               <a:rPr lang="en-US" smtClean="0"/>
               <a:t>24</a:t>
+            </a:fld>
+            <a:endParaRPr lang="en-US"/>
+          </a:p>
+        </p:txBody>
+      </p:sp>
+    </p:spTree>
+    <p:extLst>
+      <p:ext uri="{BB962C8B-B14F-4D97-AF65-F5344CB8AC3E}">
+        <p14:creationId xmlns:p14="http://schemas.microsoft.com/office/powerpoint/2010/main" val="1401395996"/>
+      </p:ext>
+    </p:extLst>
+  </p:cSld>
+  <p:clrMapOvr>
+    <a:masterClrMapping/>
+  </p:clrMapOvr>
+</p:notes>
+</file>
+
+<file path=ppt/notesSlides/notesSlide25.xml><?xml version="1.0" encoding="utf-8"?>
+<p:notes xmlns:a="http://schemas.openxmlformats.org/drawingml/2006/main" xmlns:r="http://schemas.openxmlformats.org/officeDocument/2006/relationships" xmlns:p="http://schemas.openxmlformats.org/presentationml/2006/main">
+  <p:cSld>
+    <p:spTree>
+      <p:nvGrpSpPr>
+        <p:cNvPr id="1" name=""/>
+        <p:cNvGrpSpPr/>
+        <p:nvPr/>
+      </p:nvGrpSpPr>
+      <p:grpSpPr>
+        <a:xfrm>
+          <a:off x="0" y="0"/>
+          <a:ext cx="0" cy="0"/>
+          <a:chOff x="0" y="0"/>
+          <a:chExt cx="0" cy="0"/>
+        </a:xfrm>
+      </p:grpSpPr>
+      <p:sp>
+        <p:nvSpPr>
+          <p:cNvPr id="2" name="Slide Image Placeholder 1"/>
+          <p:cNvSpPr>
+            <a:spLocks noGrp="1" noRot="1" noChangeAspect="1"/>
+          </p:cNvSpPr>
+          <p:nvPr>
+            <p:ph type="sldImg"/>
+          </p:nvPr>
+        </p:nvSpPr>
+        <p:spPr/>
+      </p:sp>
+      <p:sp>
+        <p:nvSpPr>
+          <p:cNvPr id="3" name="Notes Placeholder 2"/>
+          <p:cNvSpPr>
+            <a:spLocks noGrp="1"/>
+          </p:cNvSpPr>
+          <p:nvPr>
+            <p:ph type="body" idx="1"/>
+          </p:nvPr>
+        </p:nvSpPr>
+        <p:spPr/>
+        <p:txBody>
+          <a:bodyPr/>
+          <a:lstStyle/>
+          <a:p>
+            <a:endParaRPr lang="en-US" dirty="0"/>
+          </a:p>
+        </p:txBody>
+      </p:sp>
+      <p:sp>
+        <p:nvSpPr>
+          <p:cNvPr id="4" name="Slide Number Placeholder 3"/>
+          <p:cNvSpPr>
+            <a:spLocks noGrp="1"/>
+          </p:cNvSpPr>
+          <p:nvPr>
+            <p:ph type="sldNum" sz="quarter" idx="5"/>
+          </p:nvPr>
+        </p:nvSpPr>
+        <p:spPr/>
+        <p:txBody>
+          <a:bodyPr/>
+          <a:lstStyle/>
+          <a:p>
+            <a:fld id="{3148858F-F1DB-4027-9C85-CCA6849540DD}" type="slidenum">
+              <a:rPr lang="en-US" smtClean="0"/>
+              <a:t>25</a:t>
+            </a:fld>
+            <a:endParaRPr lang="en-US"/>
+          </a:p>
+        </p:txBody>
+      </p:sp>
+    </p:spTree>
+    <p:extLst>
+      <p:ext uri="{BB962C8B-B14F-4D97-AF65-F5344CB8AC3E}">
+        <p14:creationId xmlns:p14="http://schemas.microsoft.com/office/powerpoint/2010/main" val="1059485683"/>
+      </p:ext>
+    </p:extLst>
+  </p:cSld>
+  <p:clrMapOvr>
+    <a:masterClrMapping/>
+  </p:clrMapOvr>
+</p:notes>
+</file>
+
+<file path=ppt/notesSlides/notesSlide26.xml><?xml version="1.0" encoding="utf-8"?>
+<p:notes xmlns:a="http://schemas.openxmlformats.org/drawingml/2006/main" xmlns:r="http://schemas.openxmlformats.org/officeDocument/2006/relationships" xmlns:p="http://schemas.openxmlformats.org/presentationml/2006/main">
+  <p:cSld>
+    <p:spTree>
+      <p:nvGrpSpPr>
+        <p:cNvPr id="1" name=""/>
+        <p:cNvGrpSpPr/>
+        <p:nvPr/>
+      </p:nvGrpSpPr>
+      <p:grpSpPr>
+        <a:xfrm>
+          <a:off x="0" y="0"/>
+          <a:ext cx="0" cy="0"/>
+          <a:chOff x="0" y="0"/>
+          <a:chExt cx="0" cy="0"/>
+        </a:xfrm>
+      </p:grpSpPr>
+      <p:sp>
+        <p:nvSpPr>
+          <p:cNvPr id="2" name="Slide Image Placeholder 1"/>
+          <p:cNvSpPr>
+            <a:spLocks noGrp="1" noRot="1" noChangeAspect="1"/>
+          </p:cNvSpPr>
+          <p:nvPr>
+            <p:ph type="sldImg"/>
+          </p:nvPr>
+        </p:nvSpPr>
+        <p:spPr/>
+      </p:sp>
+      <p:sp>
+        <p:nvSpPr>
+          <p:cNvPr id="3" name="Notes Placeholder 2"/>
+          <p:cNvSpPr>
+            <a:spLocks noGrp="1"/>
+          </p:cNvSpPr>
+          <p:nvPr>
+            <p:ph type="body" idx="1"/>
+          </p:nvPr>
+        </p:nvSpPr>
+        <p:spPr/>
+        <p:txBody>
+          <a:bodyPr/>
+          <a:lstStyle/>
+          <a:p>
+            <a:endParaRPr lang="en-US" dirty="0"/>
+          </a:p>
+        </p:txBody>
+      </p:sp>
+      <p:sp>
+        <p:nvSpPr>
+          <p:cNvPr id="4" name="Slide Number Placeholder 3"/>
+          <p:cNvSpPr>
+            <a:spLocks noGrp="1"/>
+          </p:cNvSpPr>
+          <p:nvPr>
+            <p:ph type="sldNum" sz="quarter" idx="5"/>
+          </p:nvPr>
+        </p:nvSpPr>
+        <p:spPr/>
+        <p:txBody>
+          <a:bodyPr/>
+          <a:lstStyle/>
+          <a:p>
+            <a:fld id="{3148858F-F1DB-4027-9C85-CCA6849540DD}" type="slidenum">
+              <a:rPr lang="en-US" smtClean="0"/>
+              <a:t>26</a:t>
+            </a:fld>
+            <a:endParaRPr lang="en-US"/>
+          </a:p>
+        </p:txBody>
+      </p:sp>
+    </p:spTree>
+    <p:extLst>
+      <p:ext uri="{BB962C8B-B14F-4D97-AF65-F5344CB8AC3E}">
+        <p14:creationId xmlns:p14="http://schemas.microsoft.com/office/powerpoint/2010/main" val="2135372995"/>
+      </p:ext>
+    </p:extLst>
+  </p:cSld>
+  <p:clrMapOvr>
+    <a:masterClrMapping/>
+  </p:clrMapOvr>
+</p:notes>
+</file>
+
+<file path=ppt/notesSlides/notesSlide27.xml><?xml version="1.0" encoding="utf-8"?>
+<p:notes xmlns:a="http://schemas.openxmlformats.org/drawingml/2006/main" xmlns:r="http://schemas.openxmlformats.org/officeDocument/2006/relationships" xmlns:p="http://schemas.openxmlformats.org/presentationml/2006/main">
+  <p:cSld>
+    <p:spTree>
+      <p:nvGrpSpPr>
+        <p:cNvPr id="1" name=""/>
+        <p:cNvGrpSpPr/>
+        <p:nvPr/>
+      </p:nvGrpSpPr>
+      <p:grpSpPr>
+        <a:xfrm>
+          <a:off x="0" y="0"/>
+          <a:ext cx="0" cy="0"/>
+          <a:chOff x="0" y="0"/>
+          <a:chExt cx="0" cy="0"/>
+        </a:xfrm>
+      </p:grpSpPr>
+      <p:sp>
+        <p:nvSpPr>
+          <p:cNvPr id="2" name="Slide Image Placeholder 1"/>
+          <p:cNvSpPr>
+            <a:spLocks noGrp="1" noRot="1" noChangeAspect="1"/>
+          </p:cNvSpPr>
+          <p:nvPr>
+            <p:ph type="sldImg"/>
+          </p:nvPr>
+        </p:nvSpPr>
+        <p:spPr/>
+      </p:sp>
+      <p:sp>
+        <p:nvSpPr>
+          <p:cNvPr id="3" name="Notes Placeholder 2"/>
+          <p:cNvSpPr>
+            <a:spLocks noGrp="1"/>
+          </p:cNvSpPr>
+          <p:nvPr>
+            <p:ph type="body" idx="1"/>
+          </p:nvPr>
+        </p:nvSpPr>
+        <p:spPr/>
+        <p:txBody>
+          <a:bodyPr/>
+          <a:lstStyle/>
+          <a:p>
+            <a:pPr defTabSz="939363">
+              <a:defRPr/>
+            </a:pPr>
+            <a:r>
+              <a:rPr lang="en-US" dirty="0"/>
+              <a:t>Before we talk about padding, let’s quickly review the convolution operation.  For each input pixel, we imagine centering the three-by-three grid of weights over that pixel, applying the neuron, and creating a single output value, as shown here. We say that the pixel we’re centering the filter over is the anchor (or the reference point or zero point).  But this operation creates a problem…</a:t>
+            </a:r>
+          </a:p>
+          <a:p>
+            <a:endParaRPr lang="en-US" dirty="0"/>
+          </a:p>
+        </p:txBody>
+      </p:sp>
+      <p:sp>
+        <p:nvSpPr>
+          <p:cNvPr id="4" name="Slide Number Placeholder 3"/>
+          <p:cNvSpPr>
+            <a:spLocks noGrp="1"/>
+          </p:cNvSpPr>
+          <p:nvPr>
+            <p:ph type="sldNum" sz="quarter" idx="5"/>
+          </p:nvPr>
+        </p:nvSpPr>
+        <p:spPr/>
+        <p:txBody>
+          <a:bodyPr/>
+          <a:lstStyle/>
+          <a:p>
+            <a:fld id="{3148858F-F1DB-4027-9C85-CCA6849540DD}" type="slidenum">
+              <a:rPr lang="en-US" smtClean="0"/>
+              <a:t>27</a:t>
+            </a:fld>
+            <a:endParaRPr lang="en-US"/>
+          </a:p>
+        </p:txBody>
+      </p:sp>
+    </p:spTree>
+    <p:extLst>
+      <p:ext uri="{BB962C8B-B14F-4D97-AF65-F5344CB8AC3E}">
+        <p14:creationId xmlns:p14="http://schemas.microsoft.com/office/powerpoint/2010/main" val="3682106829"/>
+      </p:ext>
+    </p:extLst>
+  </p:cSld>
+  <p:clrMapOvr>
+    <a:masterClrMapping/>
+  </p:clrMapOvr>
+</p:notes>
+</file>
+
+<file path=ppt/notesSlides/notesSlide28.xml><?xml version="1.0" encoding="utf-8"?>
+<p:notes xmlns:a="http://schemas.openxmlformats.org/drawingml/2006/main" xmlns:r="http://schemas.openxmlformats.org/officeDocument/2006/relationships" xmlns:p="http://schemas.openxmlformats.org/presentationml/2006/main">
+  <p:cSld>
+    <p:spTree>
+      <p:nvGrpSpPr>
+        <p:cNvPr id="1" name=""/>
+        <p:cNvGrpSpPr/>
+        <p:nvPr/>
+      </p:nvGrpSpPr>
+      <p:grpSpPr>
+        <a:xfrm>
+          <a:off x="0" y="0"/>
+          <a:ext cx="0" cy="0"/>
+          <a:chOff x="0" y="0"/>
+          <a:chExt cx="0" cy="0"/>
+        </a:xfrm>
+      </p:grpSpPr>
+      <p:sp>
+        <p:nvSpPr>
+          <p:cNvPr id="2" name="Slide Image Placeholder 1"/>
+          <p:cNvSpPr>
+            <a:spLocks noGrp="1" noRot="1" noChangeAspect="1"/>
+          </p:cNvSpPr>
+          <p:nvPr>
+            <p:ph type="sldImg"/>
+          </p:nvPr>
+        </p:nvSpPr>
+        <p:spPr/>
+      </p:sp>
+      <p:sp>
+        <p:nvSpPr>
+          <p:cNvPr id="3" name="Notes Placeholder 2"/>
+          <p:cNvSpPr>
+            <a:spLocks noGrp="1"/>
+          </p:cNvSpPr>
+          <p:nvPr>
+            <p:ph type="body" idx="1"/>
+          </p:nvPr>
+        </p:nvSpPr>
+        <p:spPr/>
+        <p:txBody>
+          <a:bodyPr/>
+          <a:lstStyle/>
+          <a:p>
+            <a:r>
+              <a:rPr lang="en-US" dirty="0"/>
+              <a:t>This figure provides another view of the convolution process from the perspective of a single neuron, with net input and activation functions.  Here we see how a single pixel is processed (shown in dark red).  We center the filter over the intended pixel and multiply each of the nine values in the input with its corresponding filter value. We add up all nine results in the net input function and then pass that sum through an activation function.</a:t>
+            </a:r>
+          </a:p>
+          <a:p>
+            <a:endParaRPr lang="en-US" dirty="0"/>
+          </a:p>
+          <a:p>
+            <a:r>
+              <a:rPr lang="en-US" dirty="0"/>
+              <a:t>Note that the neuron pictured here is just like any other neuron. It receives nine numbers as inputs, multiplies each one by its corresponding weight, adds the results together, and passes that number through an activation function. It doesn’t know or care that these nine numbers are coming from a square region of the input, or even that they’re coming from an image.</a:t>
+            </a:r>
+          </a:p>
+          <a:p>
+            <a:endParaRPr lang="en-US" dirty="0"/>
+          </a:p>
+        </p:txBody>
+      </p:sp>
+      <p:sp>
+        <p:nvSpPr>
+          <p:cNvPr id="4" name="Slide Number Placeholder 3"/>
+          <p:cNvSpPr>
+            <a:spLocks noGrp="1"/>
+          </p:cNvSpPr>
+          <p:nvPr>
+            <p:ph type="sldNum" sz="quarter" idx="5"/>
+          </p:nvPr>
+        </p:nvSpPr>
+        <p:spPr/>
+        <p:txBody>
+          <a:bodyPr/>
+          <a:lstStyle/>
+          <a:p>
+            <a:fld id="{3148858F-F1DB-4027-9C85-CCA6849540DD}" type="slidenum">
+              <a:rPr lang="en-US" smtClean="0"/>
+              <a:t>28</a:t>
             </a:fld>
             <a:endParaRPr lang="en-US"/>
           </a:p>
@@ -4234,7 +4580,7 @@
           <a:p>
             <a:fld id="{C3F78080-8D0A-4BE8-A5B4-CB115102D524}" type="datetimeFigureOut">
               <a:rPr lang="en-US" smtClean="0"/>
-              <a:t>5/26/2022</a:t>
+              <a:t>6/6/2022</a:t>
             </a:fld>
             <a:endParaRPr lang="en-US"/>
           </a:p>
@@ -4432,7 +4778,7 @@
           <a:p>
             <a:fld id="{C3F78080-8D0A-4BE8-A5B4-CB115102D524}" type="datetimeFigureOut">
               <a:rPr lang="en-US" smtClean="0"/>
-              <a:t>5/26/2022</a:t>
+              <a:t>6/6/2022</a:t>
             </a:fld>
             <a:endParaRPr lang="en-US"/>
           </a:p>
@@ -4640,7 +4986,7 @@
           <a:p>
             <a:fld id="{C3F78080-8D0A-4BE8-A5B4-CB115102D524}" type="datetimeFigureOut">
               <a:rPr lang="en-US" smtClean="0"/>
-              <a:t>5/26/2022</a:t>
+              <a:t>6/6/2022</a:t>
             </a:fld>
             <a:endParaRPr lang="en-US"/>
           </a:p>
@@ -4838,7 +5184,7 @@
           <a:p>
             <a:fld id="{C3F78080-8D0A-4BE8-A5B4-CB115102D524}" type="datetimeFigureOut">
               <a:rPr lang="en-US" smtClean="0"/>
-              <a:t>5/26/2022</a:t>
+              <a:t>6/6/2022</a:t>
             </a:fld>
             <a:endParaRPr lang="en-US"/>
           </a:p>
@@ -5113,7 +5459,7 @@
           <a:p>
             <a:fld id="{C3F78080-8D0A-4BE8-A5B4-CB115102D524}" type="datetimeFigureOut">
               <a:rPr lang="en-US" smtClean="0"/>
-              <a:t>5/26/2022</a:t>
+              <a:t>6/6/2022</a:t>
             </a:fld>
             <a:endParaRPr lang="en-US"/>
           </a:p>
@@ -5378,7 +5724,7 @@
           <a:p>
             <a:fld id="{C3F78080-8D0A-4BE8-A5B4-CB115102D524}" type="datetimeFigureOut">
               <a:rPr lang="en-US" smtClean="0"/>
-              <a:t>5/26/2022</a:t>
+              <a:t>6/6/2022</a:t>
             </a:fld>
             <a:endParaRPr lang="en-US"/>
           </a:p>
@@ -5790,7 +6136,7 @@
           <a:p>
             <a:fld id="{C3F78080-8D0A-4BE8-A5B4-CB115102D524}" type="datetimeFigureOut">
               <a:rPr lang="en-US" smtClean="0"/>
-              <a:t>5/26/2022</a:t>
+              <a:t>6/6/2022</a:t>
             </a:fld>
             <a:endParaRPr lang="en-US"/>
           </a:p>
@@ -5931,7 +6277,7 @@
           <a:p>
             <a:fld id="{C3F78080-8D0A-4BE8-A5B4-CB115102D524}" type="datetimeFigureOut">
               <a:rPr lang="en-US" smtClean="0"/>
-              <a:t>5/26/2022</a:t>
+              <a:t>6/6/2022</a:t>
             </a:fld>
             <a:endParaRPr lang="en-US"/>
           </a:p>
@@ -6044,7 +6390,7 @@
           <a:p>
             <a:fld id="{C3F78080-8D0A-4BE8-A5B4-CB115102D524}" type="datetimeFigureOut">
               <a:rPr lang="en-US" smtClean="0"/>
-              <a:t>5/26/2022</a:t>
+              <a:t>6/6/2022</a:t>
             </a:fld>
             <a:endParaRPr lang="en-US"/>
           </a:p>
@@ -6355,7 +6701,7 @@
           <a:p>
             <a:fld id="{C3F78080-8D0A-4BE8-A5B4-CB115102D524}" type="datetimeFigureOut">
               <a:rPr lang="en-US" smtClean="0"/>
-              <a:t>5/26/2022</a:t>
+              <a:t>6/6/2022</a:t>
             </a:fld>
             <a:endParaRPr lang="en-US"/>
           </a:p>
@@ -6643,7 +6989,7 @@
           <a:p>
             <a:fld id="{C3F78080-8D0A-4BE8-A5B4-CB115102D524}" type="datetimeFigureOut">
               <a:rPr lang="en-US" smtClean="0"/>
-              <a:t>5/26/2022</a:t>
+              <a:t>6/6/2022</a:t>
             </a:fld>
             <a:endParaRPr lang="en-US"/>
           </a:p>
@@ -6884,7 +7230,7 @@
           <a:p>
             <a:fld id="{C3F78080-8D0A-4BE8-A5B4-CB115102D524}" type="datetimeFigureOut">
               <a:rPr lang="en-US" smtClean="0"/>
-              <a:t>5/26/2022</a:t>
+              <a:t>6/6/2022</a:t>
             </a:fld>
             <a:endParaRPr lang="en-US"/>
           </a:p>
@@ -8450,6 +8796,140 @@
           <a:chExt cx="0" cy="0"/>
         </a:xfrm>
       </p:grpSpPr>
+      <p:pic>
+        <p:nvPicPr>
+          <p:cNvPr id="3" name="Picture 2" descr="A picture containing diagram&#10;&#10;Description automatically generated">
+            <a:extLst>
+              <a:ext uri="{FF2B5EF4-FFF2-40B4-BE49-F238E27FC236}">
+                <a16:creationId xmlns:a16="http://schemas.microsoft.com/office/drawing/2014/main" id="{CA71E4BF-5F28-45CD-BB8C-D2C6FDCA3515}"/>
+              </a:ext>
+            </a:extLst>
+          </p:cNvPr>
+          <p:cNvPicPr>
+            <a:picLocks noChangeAspect="1"/>
+          </p:cNvPicPr>
+          <p:nvPr/>
+        </p:nvPicPr>
+        <p:blipFill>
+          <a:blip r:embed="rId3">
+            <a:extLst>
+              <a:ext uri="{28A0092B-C50C-407E-A947-70E740481C1C}">
+                <a14:useLocalDpi xmlns:a14="http://schemas.microsoft.com/office/drawing/2010/main" val="0"/>
+              </a:ext>
+            </a:extLst>
+          </a:blip>
+          <a:stretch>
+            <a:fillRect/>
+          </a:stretch>
+        </p:blipFill>
+        <p:spPr>
+          <a:xfrm>
+            <a:off x="619594" y="348521"/>
+            <a:ext cx="10952812" cy="6160957"/>
+          </a:xfrm>
+          <a:prstGeom prst="rect">
+            <a:avLst/>
+          </a:prstGeom>
+        </p:spPr>
+      </p:pic>
+      <p:sp>
+        <p:nvSpPr>
+          <p:cNvPr id="5" name="TextBox 4">
+            <a:extLst>
+              <a:ext uri="{FF2B5EF4-FFF2-40B4-BE49-F238E27FC236}">
+                <a16:creationId xmlns:a16="http://schemas.microsoft.com/office/drawing/2014/main" id="{DB065433-0719-434E-85C3-2CC91E896A10}"/>
+              </a:ext>
+            </a:extLst>
+          </p:cNvPr>
+          <p:cNvSpPr txBox="1"/>
+          <p:nvPr/>
+        </p:nvSpPr>
+        <p:spPr>
+          <a:xfrm>
+            <a:off x="0" y="6550223"/>
+            <a:ext cx="12192000" cy="307777"/>
+          </a:xfrm>
+          <a:prstGeom prst="rect">
+            <a:avLst/>
+          </a:prstGeom>
+          <a:noFill/>
+        </p:spPr>
+        <p:txBody>
+          <a:bodyPr wrap="square" rtlCol="0">
+            <a:spAutoFit/>
+          </a:bodyPr>
+          <a:lstStyle/>
+          <a:p>
+            <a:r>
+              <a:rPr lang="en-US" sz="1400" dirty="0">
+                <a:solidFill>
+                  <a:schemeClr val="tx1">
+                    <a:lumMod val="65000"/>
+                    <a:lumOff val="35000"/>
+                  </a:schemeClr>
+                </a:solidFill>
+                <a:latin typeface="+mj-lt"/>
+                <a:ea typeface="Verdana" panose="020B0604030504040204" pitchFamily="34" charset="0"/>
+              </a:rPr>
+              <a:t>Image Credit: </a:t>
+            </a:r>
+            <a:r>
+              <a:rPr lang="en-US" sz="1400" dirty="0">
+                <a:solidFill>
+                  <a:schemeClr val="tx1">
+                    <a:lumMod val="65000"/>
+                    <a:lumOff val="35000"/>
+                  </a:schemeClr>
+                </a:solidFill>
+                <a:latin typeface="+mj-lt"/>
+              </a:rPr>
+              <a:t>https://cognitivetruth.wordpress.com/2019/02/01/convolutional-neural-networks/</a:t>
+            </a:r>
+          </a:p>
+        </p:txBody>
+      </p:sp>
+    </p:spTree>
+    <p:extLst>
+      <p:ext uri="{BB962C8B-B14F-4D97-AF65-F5344CB8AC3E}">
+        <p14:creationId xmlns:p14="http://schemas.microsoft.com/office/powerpoint/2010/main" val="2352554216"/>
+      </p:ext>
+    </p:extLst>
+  </p:cSld>
+  <p:clrMapOvr>
+    <a:masterClrMapping/>
+  </p:clrMapOvr>
+  <mc:AlternateContent xmlns:mc="http://schemas.openxmlformats.org/markup-compatibility/2006" xmlns:p14="http://schemas.microsoft.com/office/powerpoint/2010/main">
+    <mc:Choice Requires="p14">
+      <p:transition spd="med" p14:dur="700">
+        <p:fade/>
+      </p:transition>
+    </mc:Choice>
+    <mc:Fallback xmlns="">
+      <p:transition spd="med">
+        <p:fade/>
+      </p:transition>
+    </mc:Fallback>
+  </mc:AlternateContent>
+</p:sld>
+</file>
+
+<file path=ppt/slides/slide12.xml><?xml version="1.0" encoding="utf-8"?>
+<p:sld xmlns:a="http://schemas.openxmlformats.org/drawingml/2006/main" xmlns:r="http://schemas.openxmlformats.org/officeDocument/2006/relationships" xmlns:p="http://schemas.openxmlformats.org/presentationml/2006/main">
+  <p:cSld>
+    <p:spTree>
+      <p:nvGrpSpPr>
+        <p:cNvPr id="1" name=""/>
+        <p:cNvGrpSpPr/>
+        <p:nvPr/>
+      </p:nvGrpSpPr>
+      <p:grpSpPr>
+        <a:xfrm>
+          <a:off x="0" y="0"/>
+          <a:ext cx="0" cy="0"/>
+          <a:chOff x="0" y="0"/>
+          <a:chExt cx="0" cy="0"/>
+        </a:xfrm>
+      </p:grpSpPr>
       <p:sp>
         <p:nvSpPr>
           <p:cNvPr id="3" name="Text Placeholder 2">
@@ -8624,7 +9104,7 @@
 </p:sld>
 </file>
 
-<file path=ppt/slides/slide12.xml><?xml version="1.0" encoding="utf-8"?>
+<file path=ppt/slides/slide13.xml><?xml version="1.0" encoding="utf-8"?>
 <p:sld xmlns:a="http://schemas.openxmlformats.org/drawingml/2006/main" xmlns:r="http://schemas.openxmlformats.org/officeDocument/2006/relationships" xmlns:p="http://schemas.openxmlformats.org/presentationml/2006/main">
   <p:cSld>
     <p:spTree>
@@ -10038,7 +10518,7 @@
 </p:sld>
 </file>
 
-<file path=ppt/slides/slide13.xml><?xml version="1.0" encoding="utf-8"?>
+<file path=ppt/slides/slide14.xml><?xml version="1.0" encoding="utf-8"?>
 <p:sld xmlns:a="http://schemas.openxmlformats.org/drawingml/2006/main" xmlns:r="http://schemas.openxmlformats.org/officeDocument/2006/relationships" xmlns:p="http://schemas.openxmlformats.org/presentationml/2006/main">
   <p:cSld>
     <p:spTree>
@@ -10776,7 +11256,7 @@
 </p:sld>
 </file>
 
-<file path=ppt/slides/slide14.xml><?xml version="1.0" encoding="utf-8"?>
+<file path=ppt/slides/slide15.xml><?xml version="1.0" encoding="utf-8"?>
 <p:sld xmlns:a="http://schemas.openxmlformats.org/drawingml/2006/main" xmlns:r="http://schemas.openxmlformats.org/officeDocument/2006/relationships" xmlns:p="http://schemas.openxmlformats.org/presentationml/2006/main">
   <p:cSld>
     <p:spTree>
@@ -11065,7 +11545,141 @@
 </p:sld>
 </file>
 
-<file path=ppt/slides/slide15.xml><?xml version="1.0" encoding="utf-8"?>
+<file path=ppt/slides/slide16.xml><?xml version="1.0" encoding="utf-8"?>
+<p:sld xmlns:a="http://schemas.openxmlformats.org/drawingml/2006/main" xmlns:r="http://schemas.openxmlformats.org/officeDocument/2006/relationships" xmlns:p="http://schemas.openxmlformats.org/presentationml/2006/main">
+  <p:cSld>
+    <p:spTree>
+      <p:nvGrpSpPr>
+        <p:cNvPr id="1" name=""/>
+        <p:cNvGrpSpPr/>
+        <p:nvPr/>
+      </p:nvGrpSpPr>
+      <p:grpSpPr>
+        <a:xfrm>
+          <a:off x="0" y="0"/>
+          <a:ext cx="0" cy="0"/>
+          <a:chOff x="0" y="0"/>
+          <a:chExt cx="0" cy="0"/>
+        </a:xfrm>
+      </p:grpSpPr>
+      <p:pic>
+        <p:nvPicPr>
+          <p:cNvPr id="3" name="Picture 2" descr="A picture containing shape&#10;&#10;Description automatically generated">
+            <a:extLst>
+              <a:ext uri="{FF2B5EF4-FFF2-40B4-BE49-F238E27FC236}">
+                <a16:creationId xmlns:a16="http://schemas.microsoft.com/office/drawing/2014/main" id="{D3FB6520-F5AB-43EE-85CE-11151ED5779E}"/>
+              </a:ext>
+            </a:extLst>
+          </p:cNvPr>
+          <p:cNvPicPr>
+            <a:picLocks noChangeAspect="1"/>
+          </p:cNvPicPr>
+          <p:nvPr/>
+        </p:nvPicPr>
+        <p:blipFill>
+          <a:blip r:embed="rId3">
+            <a:extLst>
+              <a:ext uri="{28A0092B-C50C-407E-A947-70E740481C1C}">
+                <a14:useLocalDpi xmlns:a14="http://schemas.microsoft.com/office/drawing/2010/main" val="0"/>
+              </a:ext>
+            </a:extLst>
+          </a:blip>
+          <a:stretch>
+            <a:fillRect/>
+          </a:stretch>
+        </p:blipFill>
+        <p:spPr>
+          <a:xfrm>
+            <a:off x="3738562" y="685800"/>
+            <a:ext cx="4714875" cy="5486400"/>
+          </a:xfrm>
+          <a:prstGeom prst="rect">
+            <a:avLst/>
+          </a:prstGeom>
+        </p:spPr>
+      </p:pic>
+      <p:sp>
+        <p:nvSpPr>
+          <p:cNvPr id="5" name="TextBox 4">
+            <a:extLst>
+              <a:ext uri="{FF2B5EF4-FFF2-40B4-BE49-F238E27FC236}">
+                <a16:creationId xmlns:a16="http://schemas.microsoft.com/office/drawing/2014/main" id="{12EFF087-0C45-4A29-9014-1E16B05D8C7A}"/>
+              </a:ext>
+            </a:extLst>
+          </p:cNvPr>
+          <p:cNvSpPr txBox="1"/>
+          <p:nvPr/>
+        </p:nvSpPr>
+        <p:spPr>
+          <a:xfrm>
+            <a:off x="0" y="6550223"/>
+            <a:ext cx="12192000" cy="307777"/>
+          </a:xfrm>
+          <a:prstGeom prst="rect">
+            <a:avLst/>
+          </a:prstGeom>
+          <a:noFill/>
+        </p:spPr>
+        <p:txBody>
+          <a:bodyPr wrap="square" rtlCol="0">
+            <a:spAutoFit/>
+          </a:bodyPr>
+          <a:lstStyle/>
+          <a:p>
+            <a:r>
+              <a:rPr lang="en-US" sz="1400" dirty="0">
+                <a:solidFill>
+                  <a:schemeClr val="tx1">
+                    <a:lumMod val="65000"/>
+                    <a:lumOff val="35000"/>
+                  </a:schemeClr>
+                </a:solidFill>
+                <a:latin typeface="+mj-lt"/>
+                <a:ea typeface="Verdana" panose="020B0604030504040204" pitchFamily="34" charset="0"/>
+              </a:rPr>
+              <a:t>Image Credit: </a:t>
+            </a:r>
+            <a:r>
+              <a:rPr lang="en-US" sz="1400" dirty="0">
+                <a:solidFill>
+                  <a:schemeClr val="tx1">
+                    <a:lumMod val="65000"/>
+                    <a:lumOff val="35000"/>
+                  </a:schemeClr>
+                </a:solidFill>
+                <a:latin typeface="+mj-lt"/>
+              </a:rPr>
+              <a:t>https://cognitivetruth.wordpress.com/2019/02/01/convolutional-neural-networks/</a:t>
+            </a:r>
+          </a:p>
+        </p:txBody>
+      </p:sp>
+    </p:spTree>
+    <p:extLst>
+      <p:ext uri="{BB962C8B-B14F-4D97-AF65-F5344CB8AC3E}">
+        <p14:creationId xmlns:p14="http://schemas.microsoft.com/office/powerpoint/2010/main" val="819091"/>
+      </p:ext>
+    </p:extLst>
+  </p:cSld>
+  <p:clrMapOvr>
+    <a:masterClrMapping/>
+  </p:clrMapOvr>
+  <mc:AlternateContent xmlns:mc="http://schemas.openxmlformats.org/markup-compatibility/2006" xmlns:p14="http://schemas.microsoft.com/office/powerpoint/2010/main">
+    <mc:Choice Requires="p14">
+      <p:transition spd="med" p14:dur="700">
+        <p:fade/>
+      </p:transition>
+    </mc:Choice>
+    <mc:Fallback xmlns="">
+      <p:transition spd="med">
+        <p:fade/>
+      </p:transition>
+    </mc:Fallback>
+  </mc:AlternateContent>
+</p:sld>
+</file>
+
+<file path=ppt/slides/slide17.xml><?xml version="1.0" encoding="utf-8"?>
 <p:sld xmlns:a="http://schemas.openxmlformats.org/drawingml/2006/main" xmlns:r="http://schemas.openxmlformats.org/officeDocument/2006/relationships" xmlns:p="http://schemas.openxmlformats.org/presentationml/2006/main">
   <p:cSld>
     <p:spTree>
@@ -11182,7 +11796,7 @@
 </p:sld>
 </file>
 
-<file path=ppt/slides/slide16.xml><?xml version="1.0" encoding="utf-8"?>
+<file path=ppt/slides/slide18.xml><?xml version="1.0" encoding="utf-8"?>
 <p:sld xmlns:a="http://schemas.openxmlformats.org/drawingml/2006/main" xmlns:r="http://schemas.openxmlformats.org/officeDocument/2006/relationships" xmlns:p="http://schemas.openxmlformats.org/presentationml/2006/main">
   <p:cSld>
     <p:spTree>
@@ -11864,7 +12478,233 @@
 </p:sld>
 </file>
 
-<file path=ppt/slides/slide17.xml><?xml version="1.0" encoding="utf-8"?>
+<file path=ppt/slides/slide19.xml><?xml version="1.0" encoding="utf-8"?>
+<p:sld xmlns:a="http://schemas.openxmlformats.org/drawingml/2006/main" xmlns:r="http://schemas.openxmlformats.org/officeDocument/2006/relationships" xmlns:p="http://schemas.openxmlformats.org/presentationml/2006/main">
+  <p:cSld>
+    <p:spTree>
+      <p:nvGrpSpPr>
+        <p:cNvPr id="1" name=""/>
+        <p:cNvGrpSpPr/>
+        <p:nvPr/>
+      </p:nvGrpSpPr>
+      <p:grpSpPr>
+        <a:xfrm>
+          <a:off x="0" y="0"/>
+          <a:ext cx="0" cy="0"/>
+          <a:chOff x="0" y="0"/>
+          <a:chExt cx="0" cy="0"/>
+        </a:xfrm>
+      </p:grpSpPr>
+      <p:pic>
+        <p:nvPicPr>
+          <p:cNvPr id="7" name="Picture 6">
+            <a:extLst>
+              <a:ext uri="{FF2B5EF4-FFF2-40B4-BE49-F238E27FC236}">
+                <a16:creationId xmlns:a16="http://schemas.microsoft.com/office/drawing/2014/main" id="{F0DD10B3-04DA-EEDA-0082-4150BE6D51A5}"/>
+              </a:ext>
+            </a:extLst>
+          </p:cNvPr>
+          <p:cNvPicPr>
+            <a:picLocks noChangeAspect="1"/>
+          </p:cNvPicPr>
+          <p:nvPr/>
+        </p:nvPicPr>
+        <p:blipFill>
+          <a:blip r:embed="rId3"/>
+          <a:stretch>
+            <a:fillRect/>
+          </a:stretch>
+        </p:blipFill>
+        <p:spPr>
+          <a:xfrm>
+            <a:off x="2580443" y="1864384"/>
+            <a:ext cx="7031114" cy="3129232"/>
+          </a:xfrm>
+          <a:prstGeom prst="rect">
+            <a:avLst/>
+          </a:prstGeom>
+        </p:spPr>
+      </p:pic>
+      <p:sp>
+        <p:nvSpPr>
+          <p:cNvPr id="8" name="Title 4">
+            <a:extLst>
+              <a:ext uri="{FF2B5EF4-FFF2-40B4-BE49-F238E27FC236}">
+                <a16:creationId xmlns:a16="http://schemas.microsoft.com/office/drawing/2014/main" id="{C747190E-96F8-48B9-BC33-0CAC798566FF}"/>
+              </a:ext>
+            </a:extLst>
+          </p:cNvPr>
+          <p:cNvSpPr>
+            <a:spLocks noGrp="1"/>
+          </p:cNvSpPr>
+          <p:nvPr>
+            <p:ph type="title"/>
+          </p:nvPr>
+        </p:nvSpPr>
+        <p:spPr>
+          <a:xfrm>
+            <a:off x="0" y="0"/>
+            <a:ext cx="12192000" cy="1325563"/>
+          </a:xfrm>
+        </p:spPr>
+        <p:txBody>
+          <a:bodyPr>
+            <a:normAutofit/>
+          </a:bodyPr>
+          <a:lstStyle/>
+          <a:p>
+            <a:pPr algn="ctr"/>
+            <a:r>
+              <a:rPr lang="en-US" sz="4400" dirty="0">
+                <a:latin typeface="Palatino Linotype" panose="02040502050505030304" pitchFamily="18" charset="0"/>
+              </a:rPr>
+              <a:t>Max Pooling</a:t>
+            </a:r>
+          </a:p>
+        </p:txBody>
+      </p:sp>
+      <p:sp>
+        <p:nvSpPr>
+          <p:cNvPr id="9" name="TextBox 8">
+            <a:extLst>
+              <a:ext uri="{FF2B5EF4-FFF2-40B4-BE49-F238E27FC236}">
+                <a16:creationId xmlns:a16="http://schemas.microsoft.com/office/drawing/2014/main" id="{5CCAC125-C557-4CD7-8898-5378E34CE4A2}"/>
+              </a:ext>
+            </a:extLst>
+          </p:cNvPr>
+          <p:cNvSpPr txBox="1"/>
+          <p:nvPr/>
+        </p:nvSpPr>
+        <p:spPr>
+          <a:xfrm>
+            <a:off x="0" y="6550223"/>
+            <a:ext cx="12192000" cy="307777"/>
+          </a:xfrm>
+          <a:prstGeom prst="rect">
+            <a:avLst/>
+          </a:prstGeom>
+          <a:noFill/>
+        </p:spPr>
+        <p:txBody>
+          <a:bodyPr wrap="square" rtlCol="0">
+            <a:spAutoFit/>
+          </a:bodyPr>
+          <a:lstStyle/>
+          <a:p>
+            <a:r>
+              <a:rPr lang="en-US" sz="1400" dirty="0">
+                <a:solidFill>
+                  <a:schemeClr val="tx1">
+                    <a:lumMod val="65000"/>
+                    <a:lumOff val="35000"/>
+                  </a:schemeClr>
+                </a:solidFill>
+                <a:latin typeface="+mj-lt"/>
+                <a:ea typeface="Verdana" panose="020B0604030504040204" pitchFamily="34" charset="0"/>
+              </a:rPr>
+              <a:t>Image Credit: </a:t>
+            </a:r>
+            <a:r>
+              <a:rPr lang="en-US" sz="1400" dirty="0">
+                <a:solidFill>
+                  <a:schemeClr val="tx1">
+                    <a:lumMod val="65000"/>
+                    <a:lumOff val="35000"/>
+                  </a:schemeClr>
+                </a:solidFill>
+                <a:latin typeface="+mj-lt"/>
+              </a:rPr>
+              <a:t>https://cognitivetruth.wordpress.com/2019/02/01/convolutional-neural-networks/</a:t>
+            </a:r>
+          </a:p>
+        </p:txBody>
+      </p:sp>
+    </p:spTree>
+    <p:extLst>
+      <p:ext uri="{BB962C8B-B14F-4D97-AF65-F5344CB8AC3E}">
+        <p14:creationId xmlns:p14="http://schemas.microsoft.com/office/powerpoint/2010/main" val="4051109081"/>
+      </p:ext>
+    </p:extLst>
+  </p:cSld>
+  <p:clrMapOvr>
+    <a:masterClrMapping/>
+  </p:clrMapOvr>
+</p:sld>
+</file>
+
+<file path=ppt/slides/slide2.xml><?xml version="1.0" encoding="utf-8"?>
+<p:sld xmlns:a="http://schemas.openxmlformats.org/drawingml/2006/main" xmlns:r="http://schemas.openxmlformats.org/officeDocument/2006/relationships" xmlns:p="http://schemas.openxmlformats.org/presentationml/2006/main">
+  <p:cSld>
+    <p:spTree>
+      <p:nvGrpSpPr>
+        <p:cNvPr id="1" name=""/>
+        <p:cNvGrpSpPr/>
+        <p:nvPr/>
+      </p:nvGrpSpPr>
+      <p:grpSpPr>
+        <a:xfrm>
+          <a:off x="0" y="0"/>
+          <a:ext cx="0" cy="0"/>
+          <a:chOff x="0" y="0"/>
+          <a:chExt cx="0" cy="0"/>
+        </a:xfrm>
+      </p:grpSpPr>
+      <p:pic>
+        <p:nvPicPr>
+          <p:cNvPr id="3" name="Picture 2">
+            <a:extLst>
+              <a:ext uri="{FF2B5EF4-FFF2-40B4-BE49-F238E27FC236}">
+                <a16:creationId xmlns:a16="http://schemas.microsoft.com/office/drawing/2014/main" id="{DEFE0AA7-599F-47D5-8772-72921880F8E6}"/>
+              </a:ext>
+            </a:extLst>
+          </p:cNvPr>
+          <p:cNvPicPr>
+            <a:picLocks noChangeAspect="1"/>
+          </p:cNvPicPr>
+          <p:nvPr/>
+        </p:nvPicPr>
+        <p:blipFill>
+          <a:blip r:embed="rId3"/>
+          <a:stretch>
+            <a:fillRect/>
+          </a:stretch>
+        </p:blipFill>
+        <p:spPr>
+          <a:xfrm>
+            <a:off x="1581150" y="1395412"/>
+            <a:ext cx="9029700" cy="4067175"/>
+          </a:xfrm>
+          <a:prstGeom prst="rect">
+            <a:avLst/>
+          </a:prstGeom>
+        </p:spPr>
+      </p:pic>
+    </p:spTree>
+    <p:extLst>
+      <p:ext uri="{BB962C8B-B14F-4D97-AF65-F5344CB8AC3E}">
+        <p14:creationId xmlns:p14="http://schemas.microsoft.com/office/powerpoint/2010/main" val="1777948658"/>
+      </p:ext>
+    </p:extLst>
+  </p:cSld>
+  <p:clrMapOvr>
+    <a:masterClrMapping/>
+  </p:clrMapOvr>
+  <mc:AlternateContent xmlns:mc="http://schemas.openxmlformats.org/markup-compatibility/2006" xmlns:p14="http://schemas.microsoft.com/office/powerpoint/2010/main">
+    <mc:Choice Requires="p14">
+      <p:transition spd="med" p14:dur="700">
+        <p:fade/>
+      </p:transition>
+    </mc:Choice>
+    <mc:Fallback xmlns="">
+      <p:transition spd="med">
+        <p:fade/>
+      </p:transition>
+    </mc:Fallback>
+  </mc:AlternateContent>
+</p:sld>
+</file>
+
+<file path=ppt/slides/slide20.xml><?xml version="1.0" encoding="utf-8"?>
 <p:sld xmlns:a="http://schemas.openxmlformats.org/drawingml/2006/main" xmlns:r="http://schemas.openxmlformats.org/officeDocument/2006/relationships" xmlns:p="http://schemas.openxmlformats.org/presentationml/2006/main">
   <p:cSld>
     <p:spTree>
@@ -12546,7 +13386,7 @@
 </p:sld>
 </file>
 
-<file path=ppt/slides/slide18.xml><?xml version="1.0" encoding="utf-8"?>
+<file path=ppt/slides/slide21.xml><?xml version="1.0" encoding="utf-8"?>
 <p:sld xmlns:a="http://schemas.openxmlformats.org/drawingml/2006/main" xmlns:r="http://schemas.openxmlformats.org/officeDocument/2006/relationships" xmlns:p="http://schemas.openxmlformats.org/presentationml/2006/main">
   <p:cSld>
     <p:spTree>
@@ -12663,7 +13503,7 @@
 </p:sld>
 </file>
 
-<file path=ppt/slides/slide19.xml><?xml version="1.0" encoding="utf-8"?>
+<file path=ppt/slides/slide22.xml><?xml version="1.0" encoding="utf-8"?>
 <p:sld xmlns:a="http://schemas.openxmlformats.org/drawingml/2006/main" xmlns:r="http://schemas.openxmlformats.org/officeDocument/2006/relationships" xmlns:p="http://schemas.openxmlformats.org/presentationml/2006/main">
   <p:cSld>
     <p:spTree>
@@ -12735,79 +13575,7 @@
 </p:sld>
 </file>
 
-<file path=ppt/slides/slide2.xml><?xml version="1.0" encoding="utf-8"?>
-<p:sld xmlns:a="http://schemas.openxmlformats.org/drawingml/2006/main" xmlns:r="http://schemas.openxmlformats.org/officeDocument/2006/relationships" xmlns:p="http://schemas.openxmlformats.org/presentationml/2006/main">
-  <p:cSld>
-    <p:spTree>
-      <p:nvGrpSpPr>
-        <p:cNvPr id="1" name=""/>
-        <p:cNvGrpSpPr/>
-        <p:nvPr/>
-      </p:nvGrpSpPr>
-      <p:grpSpPr>
-        <a:xfrm>
-          <a:off x="0" y="0"/>
-          <a:ext cx="0" cy="0"/>
-          <a:chOff x="0" y="0"/>
-          <a:chExt cx="0" cy="0"/>
-        </a:xfrm>
-      </p:grpSpPr>
-      <p:pic>
-        <p:nvPicPr>
-          <p:cNvPr id="3" name="Picture 2">
-            <a:extLst>
-              <a:ext uri="{FF2B5EF4-FFF2-40B4-BE49-F238E27FC236}">
-                <a16:creationId xmlns:a16="http://schemas.microsoft.com/office/drawing/2014/main" id="{DEFE0AA7-599F-47D5-8772-72921880F8E6}"/>
-              </a:ext>
-            </a:extLst>
-          </p:cNvPr>
-          <p:cNvPicPr>
-            <a:picLocks noChangeAspect="1"/>
-          </p:cNvPicPr>
-          <p:nvPr/>
-        </p:nvPicPr>
-        <p:blipFill>
-          <a:blip r:embed="rId3"/>
-          <a:stretch>
-            <a:fillRect/>
-          </a:stretch>
-        </p:blipFill>
-        <p:spPr>
-          <a:xfrm>
-            <a:off x="1581150" y="1395412"/>
-            <a:ext cx="9029700" cy="4067175"/>
-          </a:xfrm>
-          <a:prstGeom prst="rect">
-            <a:avLst/>
-          </a:prstGeom>
-        </p:spPr>
-      </p:pic>
-    </p:spTree>
-    <p:extLst>
-      <p:ext uri="{BB962C8B-B14F-4D97-AF65-F5344CB8AC3E}">
-        <p14:creationId xmlns:p14="http://schemas.microsoft.com/office/powerpoint/2010/main" val="1777948658"/>
-      </p:ext>
-    </p:extLst>
-  </p:cSld>
-  <p:clrMapOvr>
-    <a:masterClrMapping/>
-  </p:clrMapOvr>
-  <mc:AlternateContent xmlns:mc="http://schemas.openxmlformats.org/markup-compatibility/2006" xmlns:p14="http://schemas.microsoft.com/office/powerpoint/2010/main">
-    <mc:Choice Requires="p14">
-      <p:transition spd="med" p14:dur="700">
-        <p:fade/>
-      </p:transition>
-    </mc:Choice>
-    <mc:Fallback xmlns="">
-      <p:transition spd="med">
-        <p:fade/>
-      </p:transition>
-    </mc:Fallback>
-  </mc:AlternateContent>
-</p:sld>
-</file>
-
-<file path=ppt/slides/slide20.xml><?xml version="1.0" encoding="utf-8"?>
+<file path=ppt/slides/slide23.xml><?xml version="1.0" encoding="utf-8"?>
 <p:sld xmlns:a="http://schemas.openxmlformats.org/drawingml/2006/main" xmlns:r="http://schemas.openxmlformats.org/officeDocument/2006/relationships" xmlns:p="http://schemas.openxmlformats.org/presentationml/2006/main">
   <p:cSld>
     <p:spTree>
@@ -12933,7 +13701,7 @@
 </p:sld>
 </file>
 
-<file path=ppt/slides/slide21.xml><?xml version="1.0" encoding="utf-8"?>
+<file path=ppt/slides/slide24.xml><?xml version="1.0" encoding="utf-8"?>
 <p:sld xmlns:a="http://schemas.openxmlformats.org/drawingml/2006/main" xmlns:r="http://schemas.openxmlformats.org/officeDocument/2006/relationships" xmlns:p="http://schemas.openxmlformats.org/presentationml/2006/main">
   <p:cSld>
     <p:spTree>
@@ -13124,7 +13892,7 @@
 </p:sld>
 </file>
 
-<file path=ppt/slides/slide22.xml><?xml version="1.0" encoding="utf-8"?>
+<file path=ppt/slides/slide25.xml><?xml version="1.0" encoding="utf-8"?>
 <p:sld xmlns:a="http://schemas.openxmlformats.org/drawingml/2006/main" xmlns:r="http://schemas.openxmlformats.org/officeDocument/2006/relationships" xmlns:p="http://schemas.openxmlformats.org/presentationml/2006/main">
   <p:cSld>
     <p:spTree>
@@ -13191,7 +13959,152 @@
 </p:sld>
 </file>
 
-<file path=ppt/slides/slide23.xml><?xml version="1.0" encoding="utf-8"?>
+<file path=ppt/slides/slide26.xml><?xml version="1.0" encoding="utf-8"?>
+<p:sld xmlns:a="http://schemas.openxmlformats.org/drawingml/2006/main" xmlns:r="http://schemas.openxmlformats.org/officeDocument/2006/relationships" xmlns:p="http://schemas.openxmlformats.org/presentationml/2006/main">
+  <p:cSld>
+    <p:spTree>
+      <p:nvGrpSpPr>
+        <p:cNvPr id="1" name=""/>
+        <p:cNvGrpSpPr/>
+        <p:nvPr/>
+      </p:nvGrpSpPr>
+      <p:grpSpPr>
+        <a:xfrm>
+          <a:off x="0" y="0"/>
+          <a:ext cx="0" cy="0"/>
+          <a:chOff x="0" y="0"/>
+          <a:chExt cx="0" cy="0"/>
+        </a:xfrm>
+      </p:grpSpPr>
+      <p:pic>
+        <p:nvPicPr>
+          <p:cNvPr id="1026" name="Picture 2" descr="Convolution_schematic">
+            <a:extLst>
+              <a:ext uri="{FF2B5EF4-FFF2-40B4-BE49-F238E27FC236}">
+                <a16:creationId xmlns:a16="http://schemas.microsoft.com/office/drawing/2014/main" id="{664CE962-988E-4B48-BA27-6822CF19E01F}"/>
+              </a:ext>
+            </a:extLst>
+          </p:cNvPr>
+          <p:cNvPicPr>
+            <a:picLocks noChangeAspect="1" noChangeArrowheads="1" noCrop="1"/>
+          </p:cNvPicPr>
+          <p:nvPr/>
+        </p:nvPicPr>
+        <p:blipFill>
+          <a:blip r:embed="rId3">
+            <a:extLst>
+              <a:ext uri="{28A0092B-C50C-407E-A947-70E740481C1C}">
+                <a14:useLocalDpi xmlns:a14="http://schemas.microsoft.com/office/drawing/2010/main" val="0"/>
+              </a:ext>
+            </a:extLst>
+          </a:blip>
+          <a:srcRect/>
+          <a:stretch>
+            <a:fillRect/>
+          </a:stretch>
+        </p:blipFill>
+        <p:spPr bwMode="auto">
+          <a:xfrm>
+            <a:off x="3590925" y="1600200"/>
+            <a:ext cx="5010150" cy="3657600"/>
+          </a:xfrm>
+          <a:prstGeom prst="rect">
+            <a:avLst/>
+          </a:prstGeom>
+          <a:noFill/>
+          <a:extLst>
+            <a:ext uri="{909E8E84-426E-40DD-AFC4-6F175D3DCCD1}">
+              <a14:hiddenFill xmlns:a14="http://schemas.microsoft.com/office/drawing/2010/main">
+                <a:solidFill>
+                  <a:srgbClr val="FFFFFF"/>
+                </a:solidFill>
+              </a14:hiddenFill>
+            </a:ext>
+          </a:extLst>
+        </p:spPr>
+      </p:pic>
+      <p:sp>
+        <p:nvSpPr>
+          <p:cNvPr id="5" name="TextBox 4">
+            <a:extLst>
+              <a:ext uri="{FF2B5EF4-FFF2-40B4-BE49-F238E27FC236}">
+                <a16:creationId xmlns:a16="http://schemas.microsoft.com/office/drawing/2014/main" id="{052D78C7-D2BA-49D6-A8C5-519F3F67A36B}"/>
+              </a:ext>
+            </a:extLst>
+          </p:cNvPr>
+          <p:cNvSpPr txBox="1"/>
+          <p:nvPr/>
+        </p:nvSpPr>
+        <p:spPr>
+          <a:xfrm>
+            <a:off x="0" y="6550223"/>
+            <a:ext cx="12192000" cy="307777"/>
+          </a:xfrm>
+          <a:prstGeom prst="rect">
+            <a:avLst/>
+          </a:prstGeom>
+          <a:noFill/>
+        </p:spPr>
+        <p:txBody>
+          <a:bodyPr wrap="square" rtlCol="0">
+            <a:spAutoFit/>
+          </a:bodyPr>
+          <a:lstStyle/>
+          <a:p>
+            <a:r>
+              <a:rPr lang="en-US" sz="1400" dirty="0">
+                <a:solidFill>
+                  <a:schemeClr val="tx1">
+                    <a:lumMod val="65000"/>
+                    <a:lumOff val="35000"/>
+                  </a:schemeClr>
+                </a:solidFill>
+                <a:latin typeface="+mj-lt"/>
+                <a:ea typeface="Verdana" panose="020B0604030504040204" pitchFamily="34" charset="0"/>
+              </a:rPr>
+              <a:t>Image Credit: </a:t>
+            </a:r>
+            <a:r>
+              <a:rPr lang="en-US" sz="1400" dirty="0">
+                <a:solidFill>
+                  <a:schemeClr val="tx1">
+                    <a:lumMod val="65000"/>
+                    <a:lumOff val="35000"/>
+                  </a:schemeClr>
+                </a:solidFill>
+                <a:latin typeface="+mj-lt"/>
+              </a:rPr>
+              <a:t>https://cognitivetruth.wordpress.com/2019/02/01/convolutional-neural-networks/</a:t>
+            </a:r>
+          </a:p>
+        </p:txBody>
+      </p:sp>
+    </p:spTree>
+    <p:extLst>
+      <p:ext uri="{BB962C8B-B14F-4D97-AF65-F5344CB8AC3E}">
+        <p14:creationId xmlns:p14="http://schemas.microsoft.com/office/powerpoint/2010/main" val="1095395968"/>
+      </p:ext>
+    </p:extLst>
+  </p:cSld>
+  <p:clrMapOvr>
+    <a:masterClrMapping/>
+  </p:clrMapOvr>
+  <mc:AlternateContent xmlns:mc="http://schemas.openxmlformats.org/markup-compatibility/2006" xmlns:p14="http://schemas.microsoft.com/office/powerpoint/2010/main">
+    <mc:Choice Requires="p14">
+      <p:transition spd="med" p14:dur="700">
+        <p:fade/>
+      </p:transition>
+    </mc:Choice>
+    <mc:Fallback xmlns="">
+      <p:transition spd="med">
+        <p:fade/>
+      </p:transition>
+    </mc:Fallback>
+  </mc:AlternateContent>
+</p:sld>
+</file>
+
+<file path=ppt/slides/slide27.xml><?xml version="1.0" encoding="utf-8"?>
 <p:sld xmlns:a="http://schemas.openxmlformats.org/drawingml/2006/main" xmlns:r="http://schemas.openxmlformats.org/officeDocument/2006/relationships" xmlns:p="http://schemas.openxmlformats.org/presentationml/2006/main">
   <p:cSld>
     <p:spTree>
@@ -13374,7 +14287,7 @@
 </p:sld>
 </file>
 
-<file path=ppt/slides/slide24.xml><?xml version="1.0" encoding="utf-8"?>
+<file path=ppt/slides/slide28.xml><?xml version="1.0" encoding="utf-8"?>
 <p:sld xmlns:a="http://schemas.openxmlformats.org/drawingml/2006/main" xmlns:r="http://schemas.openxmlformats.org/officeDocument/2006/relationships" xmlns:p="http://schemas.openxmlformats.org/presentationml/2006/main">
   <p:cSld>
     <p:spTree>

--- a/presentations/02_cnn_anatomy.pptx
+++ b/presentations/02_cnn_anatomy.pptx
@@ -5,37 +5,38 @@
     <p:sldMasterId id="2147483648" r:id="rId1"/>
   </p:sldMasterIdLst>
   <p:notesMasterIdLst>
-    <p:notesMasterId r:id="rId30"/>
+    <p:notesMasterId r:id="rId31"/>
   </p:notesMasterIdLst>
   <p:sldIdLst>
     <p:sldId id="322" r:id="rId2"/>
-    <p:sldId id="333" r:id="rId3"/>
-    <p:sldId id="326" r:id="rId4"/>
-    <p:sldId id="327" r:id="rId5"/>
-    <p:sldId id="328" r:id="rId6"/>
-    <p:sldId id="329" r:id="rId7"/>
-    <p:sldId id="325" r:id="rId8"/>
-    <p:sldId id="330" r:id="rId9"/>
-    <p:sldId id="332" r:id="rId10"/>
-    <p:sldId id="335" r:id="rId11"/>
-    <p:sldId id="348" r:id="rId12"/>
-    <p:sldId id="324" r:id="rId13"/>
-    <p:sldId id="336" r:id="rId14"/>
-    <p:sldId id="295" r:id="rId15"/>
-    <p:sldId id="338" r:id="rId16"/>
-    <p:sldId id="347" r:id="rId17"/>
-    <p:sldId id="343" r:id="rId18"/>
-    <p:sldId id="337" r:id="rId19"/>
-    <p:sldId id="271" r:id="rId20"/>
-    <p:sldId id="340" r:id="rId21"/>
-    <p:sldId id="342" r:id="rId22"/>
-    <p:sldId id="304" r:id="rId23"/>
-    <p:sldId id="346" r:id="rId24"/>
-    <p:sldId id="309" r:id="rId25"/>
-    <p:sldId id="345" r:id="rId26"/>
-    <p:sldId id="349" r:id="rId27"/>
-    <p:sldId id="344" r:id="rId28"/>
-    <p:sldId id="331" r:id="rId29"/>
+    <p:sldId id="352" r:id="rId3"/>
+    <p:sldId id="333" r:id="rId4"/>
+    <p:sldId id="326" r:id="rId5"/>
+    <p:sldId id="327" r:id="rId6"/>
+    <p:sldId id="328" r:id="rId7"/>
+    <p:sldId id="329" r:id="rId8"/>
+    <p:sldId id="325" r:id="rId9"/>
+    <p:sldId id="330" r:id="rId10"/>
+    <p:sldId id="332" r:id="rId11"/>
+    <p:sldId id="335" r:id="rId12"/>
+    <p:sldId id="348" r:id="rId13"/>
+    <p:sldId id="324" r:id="rId14"/>
+    <p:sldId id="336" r:id="rId15"/>
+    <p:sldId id="295" r:id="rId16"/>
+    <p:sldId id="338" r:id="rId17"/>
+    <p:sldId id="347" r:id="rId18"/>
+    <p:sldId id="343" r:id="rId19"/>
+    <p:sldId id="337" r:id="rId20"/>
+    <p:sldId id="271" r:id="rId21"/>
+    <p:sldId id="340" r:id="rId22"/>
+    <p:sldId id="342" r:id="rId23"/>
+    <p:sldId id="304" r:id="rId24"/>
+    <p:sldId id="346" r:id="rId25"/>
+    <p:sldId id="309" r:id="rId26"/>
+    <p:sldId id="345" r:id="rId27"/>
+    <p:sldId id="349" r:id="rId28"/>
+    <p:sldId id="344" r:id="rId29"/>
+    <p:sldId id="331" r:id="rId30"/>
   </p:sldIdLst>
   <p:sldSz cx="12192000" cy="6858000"/>
   <p:notesSz cx="7077075" cy="9363075"/>
@@ -235,7 +236,7 @@
           <a:p>
             <a:fld id="{FD93C9B2-20F6-4DB1-B471-224337D0AC79}" type="datetimeFigureOut">
               <a:rPr lang="en-US" smtClean="0"/>
-              <a:t>6/6/2022</a:t>
+              <a:t>8/25/2022</a:t>
             </a:fld>
             <a:endParaRPr lang="en-US"/>
           </a:p>
@@ -712,7 +713,7 @@
           <a:p>
             <a:fld id="{3148858F-F1DB-4027-9C85-CCA6849540DD}" type="slidenum">
               <a:rPr lang="en-US" smtClean="0"/>
-              <a:t>10</a:t>
+              <a:t>11</a:t>
             </a:fld>
             <a:endParaRPr lang="en-US"/>
           </a:p>
@@ -796,7 +797,7 @@
           <a:p>
             <a:fld id="{3148858F-F1DB-4027-9C85-CCA6849540DD}" type="slidenum">
               <a:rPr lang="en-US" smtClean="0"/>
-              <a:t>11</a:t>
+              <a:t>12</a:t>
             </a:fld>
             <a:endParaRPr lang="en-US"/>
           </a:p>
@@ -892,7 +893,7 @@
           <a:p>
             <a:fld id="{3148858F-F1DB-4027-9C85-CCA6849540DD}" type="slidenum">
               <a:rPr lang="en-US" smtClean="0"/>
-              <a:t>12</a:t>
+              <a:t>13</a:t>
             </a:fld>
             <a:endParaRPr lang="en-US"/>
           </a:p>
@@ -1021,7 +1022,7 @@
           <a:p>
             <a:fld id="{3148858F-F1DB-4027-9C85-CCA6849540DD}" type="slidenum">
               <a:rPr lang="en-US" smtClean="0"/>
-              <a:t>13</a:t>
+              <a:t>14</a:t>
             </a:fld>
             <a:endParaRPr lang="en-US"/>
           </a:p>
@@ -1216,7 +1217,7 @@
           <a:p>
             <a:fld id="{3148858F-F1DB-4027-9C85-CCA6849540DD}" type="slidenum">
               <a:rPr lang="en-US" smtClean="0"/>
-              <a:t>14</a:t>
+              <a:t>15</a:t>
             </a:fld>
             <a:endParaRPr lang="en-US"/>
           </a:p>
@@ -1389,7 +1390,7 @@
           <a:p>
             <a:fld id="{3148858F-F1DB-4027-9C85-CCA6849540DD}" type="slidenum">
               <a:rPr lang="en-US" smtClean="0"/>
-              <a:t>15</a:t>
+              <a:t>16</a:t>
             </a:fld>
             <a:endParaRPr lang="en-US"/>
           </a:p>
@@ -1476,7 +1477,7 @@
           <a:p>
             <a:fld id="{3148858F-F1DB-4027-9C85-CCA6849540DD}" type="slidenum">
               <a:rPr lang="en-US" smtClean="0"/>
-              <a:t>16</a:t>
+              <a:t>17</a:t>
             </a:fld>
             <a:endParaRPr lang="en-US"/>
           </a:p>
@@ -1564,7 +1565,7 @@
           <a:p>
             <a:fld id="{3148858F-F1DB-4027-9C85-CCA6849540DD}" type="slidenum">
               <a:rPr lang="en-US" smtClean="0"/>
-              <a:t>17</a:t>
+              <a:t>18</a:t>
             </a:fld>
             <a:endParaRPr lang="en-US"/>
           </a:p>
@@ -1816,7 +1817,7 @@
           <a:p>
             <a:fld id="{3148858F-F1DB-4027-9C85-CCA6849540DD}" type="slidenum">
               <a:rPr lang="en-US" smtClean="0"/>
-              <a:t>18</a:t>
+              <a:t>19</a:t>
             </a:fld>
             <a:endParaRPr lang="en-US"/>
           </a:p>
@@ -1903,7 +1904,7 @@
           <a:p>
             <a:fld id="{3148858F-F1DB-4027-9C85-CCA6849540DD}" type="slidenum">
               <a:rPr lang="en-US" smtClean="0"/>
-              <a:t>19</a:t>
+              <a:t>20</a:t>
             </a:fld>
             <a:endParaRPr lang="en-US"/>
           </a:p>
@@ -2160,7 +2161,7 @@
           <a:p>
             <a:fld id="{3148858F-F1DB-4027-9C85-CCA6849540DD}" type="slidenum">
               <a:rPr lang="en-US" smtClean="0"/>
-              <a:t>2</a:t>
+              <a:t>3</a:t>
             </a:fld>
             <a:endParaRPr lang="en-US"/>
           </a:p>
@@ -2297,7 +2298,7 @@
           <a:p>
             <a:fld id="{3148858F-F1DB-4027-9C85-CCA6849540DD}" type="slidenum">
               <a:rPr lang="en-US" smtClean="0"/>
-              <a:t>20</a:t>
+              <a:t>21</a:t>
             </a:fld>
             <a:endParaRPr lang="en-US"/>
           </a:p>
@@ -2438,7 +2439,7 @@
           <a:p>
             <a:fld id="{3148858F-F1DB-4027-9C85-CCA6849540DD}" type="slidenum">
               <a:rPr lang="en-US" smtClean="0"/>
-              <a:t>21</a:t>
+              <a:t>22</a:t>
             </a:fld>
             <a:endParaRPr lang="en-US"/>
           </a:p>
@@ -2684,7 +2685,7 @@
           <a:p>
             <a:fld id="{3148858F-F1DB-4027-9C85-CCA6849540DD}" type="slidenum">
               <a:rPr lang="en-US" smtClean="0"/>
-              <a:t>22</a:t>
+              <a:t>23</a:t>
             </a:fld>
             <a:endParaRPr lang="en-US"/>
           </a:p>
@@ -2786,7 +2787,7 @@
           <a:p>
             <a:fld id="{3148858F-F1DB-4027-9C85-CCA6849540DD}" type="slidenum">
               <a:rPr lang="en-US" smtClean="0"/>
-              <a:t>23</a:t>
+              <a:t>24</a:t>
             </a:fld>
             <a:endParaRPr lang="en-US"/>
           </a:p>
@@ -2893,7 +2894,7 @@
           <a:p>
             <a:fld id="{3148858F-F1DB-4027-9C85-CCA6849540DD}" type="slidenum">
               <a:rPr lang="en-US" smtClean="0"/>
-              <a:t>24</a:t>
+              <a:t>25</a:t>
             </a:fld>
             <a:endParaRPr lang="en-US"/>
           </a:p>
@@ -2977,7 +2978,7 @@
           <a:p>
             <a:fld id="{3148858F-F1DB-4027-9C85-CCA6849540DD}" type="slidenum">
               <a:rPr lang="en-US" smtClean="0"/>
-              <a:t>25</a:t>
+              <a:t>26</a:t>
             </a:fld>
             <a:endParaRPr lang="en-US"/>
           </a:p>
@@ -3061,7 +3062,7 @@
           <a:p>
             <a:fld id="{3148858F-F1DB-4027-9C85-CCA6849540DD}" type="slidenum">
               <a:rPr lang="en-US" smtClean="0"/>
-              <a:t>26</a:t>
+              <a:t>27</a:t>
             </a:fld>
             <a:endParaRPr lang="en-US"/>
           </a:p>
@@ -3154,7 +3155,7 @@
           <a:p>
             <a:fld id="{3148858F-F1DB-4027-9C85-CCA6849540DD}" type="slidenum">
               <a:rPr lang="en-US" smtClean="0"/>
-              <a:t>27</a:t>
+              <a:t>28</a:t>
             </a:fld>
             <a:endParaRPr lang="en-US"/>
           </a:p>
@@ -3253,7 +3254,7 @@
           <a:p>
             <a:fld id="{3148858F-F1DB-4027-9C85-CCA6849540DD}" type="slidenum">
               <a:rPr lang="en-US" smtClean="0"/>
-              <a:t>28</a:t>
+              <a:t>29</a:t>
             </a:fld>
             <a:endParaRPr lang="en-US"/>
           </a:p>
@@ -3526,7 +3527,7 @@
           <a:p>
             <a:fld id="{3148858F-F1DB-4027-9C85-CCA6849540DD}" type="slidenum">
               <a:rPr lang="en-US" smtClean="0"/>
-              <a:t>3</a:t>
+              <a:t>4</a:t>
             </a:fld>
             <a:endParaRPr lang="en-US"/>
           </a:p>
@@ -3706,7 +3707,7 @@
           <a:p>
             <a:fld id="{3148858F-F1DB-4027-9C85-CCA6849540DD}" type="slidenum">
               <a:rPr lang="en-US" smtClean="0"/>
-              <a:t>4</a:t>
+              <a:t>5</a:t>
             </a:fld>
             <a:endParaRPr lang="en-US"/>
           </a:p>
@@ -3826,7 +3827,7 @@
           <a:p>
             <a:fld id="{3148858F-F1DB-4027-9C85-CCA6849540DD}" type="slidenum">
               <a:rPr lang="en-US" smtClean="0"/>
-              <a:t>5</a:t>
+              <a:t>6</a:t>
             </a:fld>
             <a:endParaRPr lang="en-US"/>
           </a:p>
@@ -3937,7 +3938,7 @@
           <a:p>
             <a:fld id="{3148858F-F1DB-4027-9C85-CCA6849540DD}" type="slidenum">
               <a:rPr lang="en-US" smtClean="0"/>
-              <a:t>6</a:t>
+              <a:t>7</a:t>
             </a:fld>
             <a:endParaRPr lang="en-US"/>
           </a:p>
@@ -4126,7 +4127,7 @@
           <a:p>
             <a:fld id="{3148858F-F1DB-4027-9C85-CCA6849540DD}" type="slidenum">
               <a:rPr lang="en-US" smtClean="0"/>
-              <a:t>7</a:t>
+              <a:t>8</a:t>
             </a:fld>
             <a:endParaRPr lang="en-US"/>
           </a:p>
@@ -4258,7 +4259,7 @@
           <a:p>
             <a:fld id="{3148858F-F1DB-4027-9C85-CCA6849540DD}" type="slidenum">
               <a:rPr lang="en-US" smtClean="0"/>
-              <a:t>8</a:t>
+              <a:t>9</a:t>
             </a:fld>
             <a:endParaRPr lang="en-US"/>
           </a:p>
@@ -4414,7 +4415,7 @@
           <a:p>
             <a:fld id="{3148858F-F1DB-4027-9C85-CCA6849540DD}" type="slidenum">
               <a:rPr lang="en-US" smtClean="0"/>
-              <a:t>9</a:t>
+              <a:t>10</a:t>
             </a:fld>
             <a:endParaRPr lang="en-US"/>
           </a:p>
@@ -4580,7 +4581,7 @@
           <a:p>
             <a:fld id="{C3F78080-8D0A-4BE8-A5B4-CB115102D524}" type="datetimeFigureOut">
               <a:rPr lang="en-US" smtClean="0"/>
-              <a:t>6/6/2022</a:t>
+              <a:t>8/25/2022</a:t>
             </a:fld>
             <a:endParaRPr lang="en-US"/>
           </a:p>
@@ -4778,7 +4779,7 @@
           <a:p>
             <a:fld id="{C3F78080-8D0A-4BE8-A5B4-CB115102D524}" type="datetimeFigureOut">
               <a:rPr lang="en-US" smtClean="0"/>
-              <a:t>6/6/2022</a:t>
+              <a:t>8/25/2022</a:t>
             </a:fld>
             <a:endParaRPr lang="en-US"/>
           </a:p>
@@ -4986,7 +4987,7 @@
           <a:p>
             <a:fld id="{C3F78080-8D0A-4BE8-A5B4-CB115102D524}" type="datetimeFigureOut">
               <a:rPr lang="en-US" smtClean="0"/>
-              <a:t>6/6/2022</a:t>
+              <a:t>8/25/2022</a:t>
             </a:fld>
             <a:endParaRPr lang="en-US"/>
           </a:p>
@@ -5184,7 +5185,7 @@
           <a:p>
             <a:fld id="{C3F78080-8D0A-4BE8-A5B4-CB115102D524}" type="datetimeFigureOut">
               <a:rPr lang="en-US" smtClean="0"/>
-              <a:t>6/6/2022</a:t>
+              <a:t>8/25/2022</a:t>
             </a:fld>
             <a:endParaRPr lang="en-US"/>
           </a:p>
@@ -5459,7 +5460,7 @@
           <a:p>
             <a:fld id="{C3F78080-8D0A-4BE8-A5B4-CB115102D524}" type="datetimeFigureOut">
               <a:rPr lang="en-US" smtClean="0"/>
-              <a:t>6/6/2022</a:t>
+              <a:t>8/25/2022</a:t>
             </a:fld>
             <a:endParaRPr lang="en-US"/>
           </a:p>
@@ -5724,7 +5725,7 @@
           <a:p>
             <a:fld id="{C3F78080-8D0A-4BE8-A5B4-CB115102D524}" type="datetimeFigureOut">
               <a:rPr lang="en-US" smtClean="0"/>
-              <a:t>6/6/2022</a:t>
+              <a:t>8/25/2022</a:t>
             </a:fld>
             <a:endParaRPr lang="en-US"/>
           </a:p>
@@ -6136,7 +6137,7 @@
           <a:p>
             <a:fld id="{C3F78080-8D0A-4BE8-A5B4-CB115102D524}" type="datetimeFigureOut">
               <a:rPr lang="en-US" smtClean="0"/>
-              <a:t>6/6/2022</a:t>
+              <a:t>8/25/2022</a:t>
             </a:fld>
             <a:endParaRPr lang="en-US"/>
           </a:p>
@@ -6277,7 +6278,7 @@
           <a:p>
             <a:fld id="{C3F78080-8D0A-4BE8-A5B4-CB115102D524}" type="datetimeFigureOut">
               <a:rPr lang="en-US" smtClean="0"/>
-              <a:t>6/6/2022</a:t>
+              <a:t>8/25/2022</a:t>
             </a:fld>
             <a:endParaRPr lang="en-US"/>
           </a:p>
@@ -6390,7 +6391,7 @@
           <a:p>
             <a:fld id="{C3F78080-8D0A-4BE8-A5B4-CB115102D524}" type="datetimeFigureOut">
               <a:rPr lang="en-US" smtClean="0"/>
-              <a:t>6/6/2022</a:t>
+              <a:t>8/25/2022</a:t>
             </a:fld>
             <a:endParaRPr lang="en-US"/>
           </a:p>
@@ -6701,7 +6702,7 @@
           <a:p>
             <a:fld id="{C3F78080-8D0A-4BE8-A5B4-CB115102D524}" type="datetimeFigureOut">
               <a:rPr lang="en-US" smtClean="0"/>
-              <a:t>6/6/2022</a:t>
+              <a:t>8/25/2022</a:t>
             </a:fld>
             <a:endParaRPr lang="en-US"/>
           </a:p>
@@ -6989,7 +6990,7 @@
           <a:p>
             <a:fld id="{C3F78080-8D0A-4BE8-A5B4-CB115102D524}" type="datetimeFigureOut">
               <a:rPr lang="en-US" smtClean="0"/>
-              <a:t>6/6/2022</a:t>
+              <a:t>8/25/2022</a:t>
             </a:fld>
             <a:endParaRPr lang="en-US"/>
           </a:p>
@@ -7230,7 +7231,7 @@
           <a:p>
             <a:fld id="{C3F78080-8D0A-4BE8-A5B4-CB115102D524}" type="datetimeFigureOut">
               <a:rPr lang="en-US" smtClean="0"/>
-              <a:t>6/6/2022</a:t>
+              <a:t>8/25/2022</a:t>
             </a:fld>
             <a:endParaRPr lang="en-US"/>
           </a:p>
@@ -7745,6 +7746,189 @@
 </file>
 
 <file path=ppt/slides/slide10.xml><?xml version="1.0" encoding="utf-8"?>
+<p:sld xmlns:a="http://schemas.openxmlformats.org/drawingml/2006/main" xmlns:r="http://schemas.openxmlformats.org/officeDocument/2006/relationships" xmlns:p="http://schemas.openxmlformats.org/presentationml/2006/main">
+  <p:cSld>
+    <p:spTree>
+      <p:nvGrpSpPr>
+        <p:cNvPr id="1" name=""/>
+        <p:cNvGrpSpPr/>
+        <p:nvPr/>
+      </p:nvGrpSpPr>
+      <p:grpSpPr>
+        <a:xfrm>
+          <a:off x="0" y="0"/>
+          <a:ext cx="0" cy="0"/>
+          <a:chOff x="0" y="0"/>
+          <a:chExt cx="0" cy="0"/>
+        </a:xfrm>
+      </p:grpSpPr>
+      <p:sp>
+        <p:nvSpPr>
+          <p:cNvPr id="4" name="TextBox 3">
+            <a:extLst>
+              <a:ext uri="{FF2B5EF4-FFF2-40B4-BE49-F238E27FC236}">
+                <a16:creationId xmlns:a16="http://schemas.microsoft.com/office/drawing/2014/main" id="{749C7923-C536-48CC-8E45-5459E73CC683}"/>
+              </a:ext>
+            </a:extLst>
+          </p:cNvPr>
+          <p:cNvSpPr txBox="1"/>
+          <p:nvPr/>
+        </p:nvSpPr>
+        <p:spPr>
+          <a:xfrm>
+            <a:off x="0" y="6550223"/>
+            <a:ext cx="12192000" cy="307777"/>
+          </a:xfrm>
+          <a:prstGeom prst="rect">
+            <a:avLst/>
+          </a:prstGeom>
+          <a:noFill/>
+        </p:spPr>
+        <p:txBody>
+          <a:bodyPr wrap="square" rtlCol="0">
+            <a:spAutoFit/>
+          </a:bodyPr>
+          <a:lstStyle/>
+          <a:p>
+            <a:r>
+              <a:rPr lang="en-US" sz="1400" dirty="0">
+                <a:solidFill>
+                  <a:schemeClr val="tx1">
+                    <a:lumMod val="65000"/>
+                    <a:lumOff val="35000"/>
+                  </a:schemeClr>
+                </a:solidFill>
+                <a:latin typeface="+mj-lt"/>
+                <a:ea typeface="Verdana" panose="020B0604030504040204" pitchFamily="34" charset="0"/>
+              </a:rPr>
+              <a:t>Source: Glassner, A. (2021). </a:t>
+            </a:r>
+            <a:r>
+              <a:rPr lang="en-US" sz="1400" i="1" dirty="0">
+                <a:solidFill>
+                  <a:schemeClr val="tx1">
+                    <a:lumMod val="65000"/>
+                    <a:lumOff val="35000"/>
+                  </a:schemeClr>
+                </a:solidFill>
+                <a:latin typeface="+mj-lt"/>
+                <a:ea typeface="Verdana" panose="020B0604030504040204" pitchFamily="34" charset="0"/>
+              </a:rPr>
+              <a:t>Deep learning: A visual approach</a:t>
+            </a:r>
+            <a:r>
+              <a:rPr lang="en-US" sz="1400" dirty="0">
+                <a:solidFill>
+                  <a:schemeClr val="tx1">
+                    <a:lumMod val="65000"/>
+                    <a:lumOff val="35000"/>
+                  </a:schemeClr>
+                </a:solidFill>
+                <a:latin typeface="+mj-lt"/>
+                <a:ea typeface="Verdana" panose="020B0604030504040204" pitchFamily="34" charset="0"/>
+              </a:rPr>
+              <a:t>. </a:t>
+            </a:r>
+            <a:r>
+              <a:rPr lang="en-US" sz="1400" b="0" i="0" dirty="0">
+                <a:solidFill>
+                  <a:schemeClr val="tx1">
+                    <a:lumMod val="65000"/>
+                    <a:lumOff val="35000"/>
+                  </a:schemeClr>
+                </a:solidFill>
+                <a:effectLst/>
+                <a:latin typeface="+mj-lt"/>
+                <a:ea typeface="Verdana" panose="020B0604030504040204" pitchFamily="34" charset="0"/>
+              </a:rPr>
+              <a:t>San Francisco, CA: No Starch Press. (Chapter 16)</a:t>
+            </a:r>
+            <a:endParaRPr lang="en-US" sz="1400" dirty="0">
+              <a:solidFill>
+                <a:schemeClr val="tx1">
+                  <a:lumMod val="65000"/>
+                  <a:lumOff val="35000"/>
+                </a:schemeClr>
+              </a:solidFill>
+              <a:latin typeface="+mj-lt"/>
+              <a:ea typeface="Verdana" panose="020B0604030504040204" pitchFamily="34" charset="0"/>
+            </a:endParaRPr>
+          </a:p>
+        </p:txBody>
+      </p:sp>
+      <p:pic>
+        <p:nvPicPr>
+          <p:cNvPr id="8194" name="Picture 2" descr="F16009">
+            <a:extLst>
+              <a:ext uri="{FF2B5EF4-FFF2-40B4-BE49-F238E27FC236}">
+                <a16:creationId xmlns:a16="http://schemas.microsoft.com/office/drawing/2014/main" id="{1DC4E2DC-5327-427C-AB88-2BF6CA228D3F}"/>
+              </a:ext>
+            </a:extLst>
+          </p:cNvPr>
+          <p:cNvPicPr>
+            <a:picLocks noChangeAspect="1" noChangeArrowheads="1"/>
+          </p:cNvPicPr>
+          <p:nvPr/>
+        </p:nvPicPr>
+        <p:blipFill>
+          <a:blip r:embed="rId3">
+            <a:extLst>
+              <a:ext uri="{28A0092B-C50C-407E-A947-70E740481C1C}">
+                <a14:useLocalDpi xmlns:a14="http://schemas.microsoft.com/office/drawing/2010/main" val="0"/>
+              </a:ext>
+            </a:extLst>
+          </a:blip>
+          <a:srcRect/>
+          <a:stretch>
+            <a:fillRect/>
+          </a:stretch>
+        </p:blipFill>
+        <p:spPr bwMode="auto">
+          <a:xfrm>
+            <a:off x="3971925" y="2014538"/>
+            <a:ext cx="4248150" cy="2828925"/>
+          </a:xfrm>
+          <a:prstGeom prst="rect">
+            <a:avLst/>
+          </a:prstGeom>
+          <a:noFill/>
+          <a:extLst>
+            <a:ext uri="{909E8E84-426E-40DD-AFC4-6F175D3DCCD1}">
+              <a14:hiddenFill xmlns:a14="http://schemas.microsoft.com/office/drawing/2010/main">
+                <a:solidFill>
+                  <a:srgbClr val="FFFFFF"/>
+                </a:solidFill>
+              </a14:hiddenFill>
+            </a:ext>
+          </a:extLst>
+        </p:spPr>
+      </p:pic>
+    </p:spTree>
+    <p:extLst>
+      <p:ext uri="{BB962C8B-B14F-4D97-AF65-F5344CB8AC3E}">
+        <p14:creationId xmlns:p14="http://schemas.microsoft.com/office/powerpoint/2010/main" val="970965800"/>
+      </p:ext>
+    </p:extLst>
+  </p:cSld>
+  <p:clrMapOvr>
+    <a:masterClrMapping/>
+  </p:clrMapOvr>
+  <mc:AlternateContent xmlns:mc="http://schemas.openxmlformats.org/markup-compatibility/2006" xmlns:p14="http://schemas.microsoft.com/office/powerpoint/2010/main">
+    <mc:Choice Requires="p14">
+      <p:transition spd="med" p14:dur="700">
+        <p:fade/>
+      </p:transition>
+    </mc:Choice>
+    <mc:Fallback xmlns="">
+      <p:transition spd="med">
+        <p:fade/>
+      </p:transition>
+    </mc:Fallback>
+  </mc:AlternateContent>
+</p:sld>
+</file>
+
+<file path=ppt/slides/slide11.xml><?xml version="1.0" encoding="utf-8"?>
 <p:sld xmlns:a="http://schemas.openxmlformats.org/drawingml/2006/main" xmlns:r="http://schemas.openxmlformats.org/officeDocument/2006/relationships" xmlns:p="http://schemas.openxmlformats.org/presentationml/2006/main">
   <p:cSld>
     <p:spTree>
@@ -8779,7 +8963,7 @@
 </p:sld>
 </file>
 
-<file path=ppt/slides/slide11.xml><?xml version="1.0" encoding="utf-8"?>
+<file path=ppt/slides/slide12.xml><?xml version="1.0" encoding="utf-8"?>
 <p:sld xmlns:a="http://schemas.openxmlformats.org/drawingml/2006/main" xmlns:r="http://schemas.openxmlformats.org/officeDocument/2006/relationships" xmlns:p="http://schemas.openxmlformats.org/presentationml/2006/main">
   <p:cSld>
     <p:spTree>
@@ -8913,7 +9097,7 @@
 </p:sld>
 </file>
 
-<file path=ppt/slides/slide12.xml><?xml version="1.0" encoding="utf-8"?>
+<file path=ppt/slides/slide13.xml><?xml version="1.0" encoding="utf-8"?>
 <p:sld xmlns:a="http://schemas.openxmlformats.org/drawingml/2006/main" xmlns:r="http://schemas.openxmlformats.org/officeDocument/2006/relationships" xmlns:p="http://schemas.openxmlformats.org/presentationml/2006/main">
   <p:cSld>
     <p:spTree>
@@ -9104,7 +9288,7 @@
 </p:sld>
 </file>
 
-<file path=ppt/slides/slide13.xml><?xml version="1.0" encoding="utf-8"?>
+<file path=ppt/slides/slide14.xml><?xml version="1.0" encoding="utf-8"?>
 <p:sld xmlns:a="http://schemas.openxmlformats.org/drawingml/2006/main" xmlns:r="http://schemas.openxmlformats.org/officeDocument/2006/relationships" xmlns:p="http://schemas.openxmlformats.org/presentationml/2006/main">
   <p:cSld>
     <p:spTree>
@@ -10518,7 +10702,7 @@
 </p:sld>
 </file>
 
-<file path=ppt/slides/slide14.xml><?xml version="1.0" encoding="utf-8"?>
+<file path=ppt/slides/slide15.xml><?xml version="1.0" encoding="utf-8"?>
 <p:sld xmlns:a="http://schemas.openxmlformats.org/drawingml/2006/main" xmlns:r="http://schemas.openxmlformats.org/officeDocument/2006/relationships" xmlns:p="http://schemas.openxmlformats.org/presentationml/2006/main">
   <p:cSld>
     <p:spTree>
@@ -11256,7 +11440,7 @@
 </p:sld>
 </file>
 
-<file path=ppt/slides/slide15.xml><?xml version="1.0" encoding="utf-8"?>
+<file path=ppt/slides/slide16.xml><?xml version="1.0" encoding="utf-8"?>
 <p:sld xmlns:a="http://schemas.openxmlformats.org/drawingml/2006/main" xmlns:r="http://schemas.openxmlformats.org/officeDocument/2006/relationships" xmlns:p="http://schemas.openxmlformats.org/presentationml/2006/main">
   <p:cSld>
     <p:spTree>
@@ -11545,7 +11729,7 @@
 </p:sld>
 </file>
 
-<file path=ppt/slides/slide16.xml><?xml version="1.0" encoding="utf-8"?>
+<file path=ppt/slides/slide17.xml><?xml version="1.0" encoding="utf-8"?>
 <p:sld xmlns:a="http://schemas.openxmlformats.org/drawingml/2006/main" xmlns:r="http://schemas.openxmlformats.org/officeDocument/2006/relationships" xmlns:p="http://schemas.openxmlformats.org/presentationml/2006/main">
   <p:cSld>
     <p:spTree>
@@ -11679,7 +11863,7 @@
 </p:sld>
 </file>
 
-<file path=ppt/slides/slide17.xml><?xml version="1.0" encoding="utf-8"?>
+<file path=ppt/slides/slide18.xml><?xml version="1.0" encoding="utf-8"?>
 <p:sld xmlns:a="http://schemas.openxmlformats.org/drawingml/2006/main" xmlns:r="http://schemas.openxmlformats.org/officeDocument/2006/relationships" xmlns:p="http://schemas.openxmlformats.org/presentationml/2006/main">
   <p:cSld>
     <p:spTree>
@@ -11796,7 +11980,7 @@
 </p:sld>
 </file>
 
-<file path=ppt/slides/slide18.xml><?xml version="1.0" encoding="utf-8"?>
+<file path=ppt/slides/slide19.xml><?xml version="1.0" encoding="utf-8"?>
 <p:sld xmlns:a="http://schemas.openxmlformats.org/drawingml/2006/main" xmlns:r="http://schemas.openxmlformats.org/officeDocument/2006/relationships" xmlns:p="http://schemas.openxmlformats.org/presentationml/2006/main">
   <p:cSld>
     <p:spTree>
@@ -12478,7 +12662,795 @@
 </p:sld>
 </file>
 
-<file path=ppt/slides/slide19.xml><?xml version="1.0" encoding="utf-8"?>
+<file path=ppt/slides/slide2.xml><?xml version="1.0" encoding="utf-8"?>
+<p:sld xmlns:a="http://schemas.openxmlformats.org/drawingml/2006/main" xmlns:r="http://schemas.openxmlformats.org/officeDocument/2006/relationships" xmlns:p="http://schemas.openxmlformats.org/presentationml/2006/main">
+  <p:cSld>
+    <p:spTree>
+      <p:nvGrpSpPr>
+        <p:cNvPr id="1" name=""/>
+        <p:cNvGrpSpPr/>
+        <p:nvPr/>
+      </p:nvGrpSpPr>
+      <p:grpSpPr>
+        <a:xfrm>
+          <a:off x="0" y="0"/>
+          <a:ext cx="0" cy="0"/>
+          <a:chOff x="0" y="0"/>
+          <a:chExt cx="0" cy="0"/>
+        </a:xfrm>
+      </p:grpSpPr>
+      <p:sp>
+        <p:nvSpPr>
+          <p:cNvPr id="2" name="Title 1">
+            <a:extLst>
+              <a:ext uri="{FF2B5EF4-FFF2-40B4-BE49-F238E27FC236}">
+                <a16:creationId xmlns:a16="http://schemas.microsoft.com/office/drawing/2014/main" id="{0E138177-E2EE-ACAC-A57C-F03FA29EC836}"/>
+              </a:ext>
+            </a:extLst>
+          </p:cNvPr>
+          <p:cNvSpPr>
+            <a:spLocks noGrp="1"/>
+          </p:cNvSpPr>
+          <p:nvPr>
+            <p:ph type="title"/>
+          </p:nvPr>
+        </p:nvSpPr>
+        <p:spPr/>
+        <p:txBody>
+          <a:bodyPr/>
+          <a:lstStyle/>
+          <a:p>
+            <a:r>
+              <a:rPr lang="en-US" dirty="0">
+                <a:solidFill>
+                  <a:schemeClr val="tx1">
+                    <a:lumMod val="75000"/>
+                    <a:lumOff val="25000"/>
+                  </a:schemeClr>
+                </a:solidFill>
+                <a:latin typeface="Palatino Linotype" panose="02040502050505030304" pitchFamily="18" charset="0"/>
+              </a:rPr>
+              <a:t>Lesson Overview</a:t>
+            </a:r>
+          </a:p>
+        </p:txBody>
+      </p:sp>
+      <p:sp>
+        <p:nvSpPr>
+          <p:cNvPr id="3" name="Content Placeholder 2">
+            <a:extLst>
+              <a:ext uri="{FF2B5EF4-FFF2-40B4-BE49-F238E27FC236}">
+                <a16:creationId xmlns:a16="http://schemas.microsoft.com/office/drawing/2014/main" id="{8626DB86-54B4-A1E2-6C25-C049F364ED25}"/>
+              </a:ext>
+            </a:extLst>
+          </p:cNvPr>
+          <p:cNvSpPr>
+            <a:spLocks noGrp="1"/>
+          </p:cNvSpPr>
+          <p:nvPr>
+            <p:ph idx="1"/>
+          </p:nvPr>
+        </p:nvSpPr>
+        <p:spPr>
+          <a:xfrm>
+            <a:off x="1013564" y="1825626"/>
+            <a:ext cx="10515600" cy="504215"/>
+          </a:xfrm>
+        </p:spPr>
+        <p:txBody>
+          <a:bodyPr/>
+          <a:lstStyle/>
+          <a:p>
+            <a:pPr>
+              <a:buFont typeface="Wingdings" panose="05000000000000000000" pitchFamily="2" charset="2"/>
+              <a:buChar char="Ø"/>
+            </a:pPr>
+            <a:r>
+              <a:rPr lang="en-US" dirty="0">
+                <a:solidFill>
+                  <a:schemeClr val="tx1">
+                    <a:lumMod val="75000"/>
+                    <a:lumOff val="25000"/>
+                  </a:schemeClr>
+                </a:solidFill>
+              </a:rPr>
+              <a:t> </a:t>
+            </a:r>
+            <a:r>
+              <a:rPr lang="en-US" dirty="0">
+                <a:solidFill>
+                  <a:schemeClr val="tx1">
+                    <a:lumMod val="75000"/>
+                    <a:lumOff val="25000"/>
+                  </a:schemeClr>
+                </a:solidFill>
+                <a:latin typeface="Palatino Linotype" panose="02040502050505030304" pitchFamily="18" charset="0"/>
+              </a:rPr>
+              <a:t>Learning Objective 1</a:t>
+            </a:r>
+          </a:p>
+        </p:txBody>
+      </p:sp>
+      <p:sp>
+        <p:nvSpPr>
+          <p:cNvPr id="5" name="Content Placeholder 2">
+            <a:extLst>
+              <a:ext uri="{FF2B5EF4-FFF2-40B4-BE49-F238E27FC236}">
+                <a16:creationId xmlns:a16="http://schemas.microsoft.com/office/drawing/2014/main" id="{7070644F-62DF-8674-4A8A-C2FA1554028E}"/>
+              </a:ext>
+            </a:extLst>
+          </p:cNvPr>
+          <p:cNvSpPr txBox="1">
+            <a:spLocks/>
+          </p:cNvSpPr>
+          <p:nvPr/>
+        </p:nvSpPr>
+        <p:spPr>
+          <a:xfrm>
+            <a:off x="1013564" y="2464778"/>
+            <a:ext cx="10515600" cy="504215"/>
+          </a:xfrm>
+          <a:prstGeom prst="rect">
+            <a:avLst/>
+          </a:prstGeom>
+        </p:spPr>
+        <p:txBody>
+          <a:bodyPr vert="horz" lIns="91440" tIns="45720" rIns="91440" bIns="45720" rtlCol="0">
+            <a:normAutofit/>
+          </a:bodyPr>
+          <a:lstStyle>
+            <a:lvl1pPr marL="228600" indent="-228600" algn="l" defTabSz="914400" rtl="0" eaLnBrk="1" latinLnBrk="0" hangingPunct="1">
+              <a:lnSpc>
+                <a:spcPct val="90000"/>
+              </a:lnSpc>
+              <a:spcBef>
+                <a:spcPts val="1000"/>
+              </a:spcBef>
+              <a:buFont typeface="Arial" panose="020B0604020202020204" pitchFamily="34" charset="0"/>
+              <a:buChar char="•"/>
+              <a:defRPr sz="2800" kern="1200">
+                <a:solidFill>
+                  <a:schemeClr val="tx1"/>
+                </a:solidFill>
+                <a:latin typeface="+mn-lt"/>
+                <a:ea typeface="+mn-ea"/>
+                <a:cs typeface="+mn-cs"/>
+              </a:defRPr>
+            </a:lvl1pPr>
+            <a:lvl2pPr marL="685800" indent="-228600" algn="l" defTabSz="914400" rtl="0" eaLnBrk="1" latinLnBrk="0" hangingPunct="1">
+              <a:lnSpc>
+                <a:spcPct val="90000"/>
+              </a:lnSpc>
+              <a:spcBef>
+                <a:spcPts val="500"/>
+              </a:spcBef>
+              <a:buFont typeface="Arial" panose="020B0604020202020204" pitchFamily="34" charset="0"/>
+              <a:buChar char="•"/>
+              <a:defRPr sz="2400" kern="1200">
+                <a:solidFill>
+                  <a:schemeClr val="tx1"/>
+                </a:solidFill>
+                <a:latin typeface="+mn-lt"/>
+                <a:ea typeface="+mn-ea"/>
+                <a:cs typeface="+mn-cs"/>
+              </a:defRPr>
+            </a:lvl2pPr>
+            <a:lvl3pPr marL="1143000" indent="-228600" algn="l" defTabSz="914400" rtl="0" eaLnBrk="1" latinLnBrk="0" hangingPunct="1">
+              <a:lnSpc>
+                <a:spcPct val="90000"/>
+              </a:lnSpc>
+              <a:spcBef>
+                <a:spcPts val="500"/>
+              </a:spcBef>
+              <a:buFont typeface="Arial" panose="020B0604020202020204" pitchFamily="34" charset="0"/>
+              <a:buChar char="•"/>
+              <a:defRPr sz="2000" kern="1200">
+                <a:solidFill>
+                  <a:schemeClr val="tx1"/>
+                </a:solidFill>
+                <a:latin typeface="+mn-lt"/>
+                <a:ea typeface="+mn-ea"/>
+                <a:cs typeface="+mn-cs"/>
+              </a:defRPr>
+            </a:lvl3pPr>
+            <a:lvl4pPr marL="1600200" indent="-228600" algn="l" defTabSz="914400" rtl="0" eaLnBrk="1" latinLnBrk="0" hangingPunct="1">
+              <a:lnSpc>
+                <a:spcPct val="90000"/>
+              </a:lnSpc>
+              <a:spcBef>
+                <a:spcPts val="500"/>
+              </a:spcBef>
+              <a:buFont typeface="Arial" panose="020B0604020202020204" pitchFamily="34" charset="0"/>
+              <a:buChar char="•"/>
+              <a:defRPr sz="1800" kern="1200">
+                <a:solidFill>
+                  <a:schemeClr val="tx1"/>
+                </a:solidFill>
+                <a:latin typeface="+mn-lt"/>
+                <a:ea typeface="+mn-ea"/>
+                <a:cs typeface="+mn-cs"/>
+              </a:defRPr>
+            </a:lvl4pPr>
+            <a:lvl5pPr marL="2057400" indent="-228600" algn="l" defTabSz="914400" rtl="0" eaLnBrk="1" latinLnBrk="0" hangingPunct="1">
+              <a:lnSpc>
+                <a:spcPct val="90000"/>
+              </a:lnSpc>
+              <a:spcBef>
+                <a:spcPts val="500"/>
+              </a:spcBef>
+              <a:buFont typeface="Arial" panose="020B0604020202020204" pitchFamily="34" charset="0"/>
+              <a:buChar char="•"/>
+              <a:defRPr sz="1800" kern="1200">
+                <a:solidFill>
+                  <a:schemeClr val="tx1"/>
+                </a:solidFill>
+                <a:latin typeface="+mn-lt"/>
+                <a:ea typeface="+mn-ea"/>
+                <a:cs typeface="+mn-cs"/>
+              </a:defRPr>
+            </a:lvl5pPr>
+            <a:lvl6pPr marL="2514600" indent="-228600" algn="l" defTabSz="914400" rtl="0" eaLnBrk="1" latinLnBrk="0" hangingPunct="1">
+              <a:lnSpc>
+                <a:spcPct val="90000"/>
+              </a:lnSpc>
+              <a:spcBef>
+                <a:spcPts val="500"/>
+              </a:spcBef>
+              <a:buFont typeface="Arial" panose="020B0604020202020204" pitchFamily="34" charset="0"/>
+              <a:buChar char="•"/>
+              <a:defRPr sz="1800" kern="1200">
+                <a:solidFill>
+                  <a:schemeClr val="tx1"/>
+                </a:solidFill>
+                <a:latin typeface="+mn-lt"/>
+                <a:ea typeface="+mn-ea"/>
+                <a:cs typeface="+mn-cs"/>
+              </a:defRPr>
+            </a:lvl6pPr>
+            <a:lvl7pPr marL="2971800" indent="-228600" algn="l" defTabSz="914400" rtl="0" eaLnBrk="1" latinLnBrk="0" hangingPunct="1">
+              <a:lnSpc>
+                <a:spcPct val="90000"/>
+              </a:lnSpc>
+              <a:spcBef>
+                <a:spcPts val="500"/>
+              </a:spcBef>
+              <a:buFont typeface="Arial" panose="020B0604020202020204" pitchFamily="34" charset="0"/>
+              <a:buChar char="•"/>
+              <a:defRPr sz="1800" kern="1200">
+                <a:solidFill>
+                  <a:schemeClr val="tx1"/>
+                </a:solidFill>
+                <a:latin typeface="+mn-lt"/>
+                <a:ea typeface="+mn-ea"/>
+                <a:cs typeface="+mn-cs"/>
+              </a:defRPr>
+            </a:lvl7pPr>
+            <a:lvl8pPr marL="3429000" indent="-228600" algn="l" defTabSz="914400" rtl="0" eaLnBrk="1" latinLnBrk="0" hangingPunct="1">
+              <a:lnSpc>
+                <a:spcPct val="90000"/>
+              </a:lnSpc>
+              <a:spcBef>
+                <a:spcPts val="500"/>
+              </a:spcBef>
+              <a:buFont typeface="Arial" panose="020B0604020202020204" pitchFamily="34" charset="0"/>
+              <a:buChar char="•"/>
+              <a:defRPr sz="1800" kern="1200">
+                <a:solidFill>
+                  <a:schemeClr val="tx1"/>
+                </a:solidFill>
+                <a:latin typeface="+mn-lt"/>
+                <a:ea typeface="+mn-ea"/>
+                <a:cs typeface="+mn-cs"/>
+              </a:defRPr>
+            </a:lvl8pPr>
+            <a:lvl9pPr marL="3886200" indent="-228600" algn="l" defTabSz="914400" rtl="0" eaLnBrk="1" latinLnBrk="0" hangingPunct="1">
+              <a:lnSpc>
+                <a:spcPct val="90000"/>
+              </a:lnSpc>
+              <a:spcBef>
+                <a:spcPts val="500"/>
+              </a:spcBef>
+              <a:buFont typeface="Arial" panose="020B0604020202020204" pitchFamily="34" charset="0"/>
+              <a:buChar char="•"/>
+              <a:defRPr sz="1800" kern="1200">
+                <a:solidFill>
+                  <a:schemeClr val="tx1"/>
+                </a:solidFill>
+                <a:latin typeface="+mn-lt"/>
+                <a:ea typeface="+mn-ea"/>
+                <a:cs typeface="+mn-cs"/>
+              </a:defRPr>
+            </a:lvl9pPr>
+          </a:lstStyle>
+          <a:p>
+            <a:pPr>
+              <a:buFont typeface="Wingdings" panose="05000000000000000000" pitchFamily="2" charset="2"/>
+              <a:buChar char="Ø"/>
+            </a:pPr>
+            <a:r>
+              <a:rPr lang="en-US" dirty="0">
+                <a:solidFill>
+                  <a:schemeClr val="tx1">
+                    <a:lumMod val="75000"/>
+                    <a:lumOff val="25000"/>
+                  </a:schemeClr>
+                </a:solidFill>
+              </a:rPr>
+              <a:t> </a:t>
+            </a:r>
+            <a:r>
+              <a:rPr lang="en-US" dirty="0">
+                <a:solidFill>
+                  <a:schemeClr val="tx1">
+                    <a:lumMod val="75000"/>
+                    <a:lumOff val="25000"/>
+                  </a:schemeClr>
+                </a:solidFill>
+                <a:latin typeface="Palatino Linotype" panose="02040502050505030304" pitchFamily="18" charset="0"/>
+              </a:rPr>
+              <a:t>Learning Objective 1</a:t>
+            </a:r>
+          </a:p>
+        </p:txBody>
+      </p:sp>
+      <p:sp>
+        <p:nvSpPr>
+          <p:cNvPr id="6" name="Content Placeholder 2">
+            <a:extLst>
+              <a:ext uri="{FF2B5EF4-FFF2-40B4-BE49-F238E27FC236}">
+                <a16:creationId xmlns:a16="http://schemas.microsoft.com/office/drawing/2014/main" id="{FF2490E1-D7A0-7027-6DCC-60BB6819CD9E}"/>
+              </a:ext>
+            </a:extLst>
+          </p:cNvPr>
+          <p:cNvSpPr txBox="1">
+            <a:spLocks/>
+          </p:cNvSpPr>
+          <p:nvPr/>
+        </p:nvSpPr>
+        <p:spPr>
+          <a:xfrm>
+            <a:off x="1013564" y="3103930"/>
+            <a:ext cx="10515600" cy="504215"/>
+          </a:xfrm>
+          <a:prstGeom prst="rect">
+            <a:avLst/>
+          </a:prstGeom>
+        </p:spPr>
+        <p:txBody>
+          <a:bodyPr vert="horz" lIns="91440" tIns="45720" rIns="91440" bIns="45720" rtlCol="0">
+            <a:normAutofit/>
+          </a:bodyPr>
+          <a:lstStyle>
+            <a:lvl1pPr marL="228600" indent="-228600" algn="l" defTabSz="914400" rtl="0" eaLnBrk="1" latinLnBrk="0" hangingPunct="1">
+              <a:lnSpc>
+                <a:spcPct val="90000"/>
+              </a:lnSpc>
+              <a:spcBef>
+                <a:spcPts val="1000"/>
+              </a:spcBef>
+              <a:buFont typeface="Arial" panose="020B0604020202020204" pitchFamily="34" charset="0"/>
+              <a:buChar char="•"/>
+              <a:defRPr sz="2800" kern="1200">
+                <a:solidFill>
+                  <a:schemeClr val="tx1"/>
+                </a:solidFill>
+                <a:latin typeface="+mn-lt"/>
+                <a:ea typeface="+mn-ea"/>
+                <a:cs typeface="+mn-cs"/>
+              </a:defRPr>
+            </a:lvl1pPr>
+            <a:lvl2pPr marL="685800" indent="-228600" algn="l" defTabSz="914400" rtl="0" eaLnBrk="1" latinLnBrk="0" hangingPunct="1">
+              <a:lnSpc>
+                <a:spcPct val="90000"/>
+              </a:lnSpc>
+              <a:spcBef>
+                <a:spcPts val="500"/>
+              </a:spcBef>
+              <a:buFont typeface="Arial" panose="020B0604020202020204" pitchFamily="34" charset="0"/>
+              <a:buChar char="•"/>
+              <a:defRPr sz="2400" kern="1200">
+                <a:solidFill>
+                  <a:schemeClr val="tx1"/>
+                </a:solidFill>
+                <a:latin typeface="+mn-lt"/>
+                <a:ea typeface="+mn-ea"/>
+                <a:cs typeface="+mn-cs"/>
+              </a:defRPr>
+            </a:lvl2pPr>
+            <a:lvl3pPr marL="1143000" indent="-228600" algn="l" defTabSz="914400" rtl="0" eaLnBrk="1" latinLnBrk="0" hangingPunct="1">
+              <a:lnSpc>
+                <a:spcPct val="90000"/>
+              </a:lnSpc>
+              <a:spcBef>
+                <a:spcPts val="500"/>
+              </a:spcBef>
+              <a:buFont typeface="Arial" panose="020B0604020202020204" pitchFamily="34" charset="0"/>
+              <a:buChar char="•"/>
+              <a:defRPr sz="2000" kern="1200">
+                <a:solidFill>
+                  <a:schemeClr val="tx1"/>
+                </a:solidFill>
+                <a:latin typeface="+mn-lt"/>
+                <a:ea typeface="+mn-ea"/>
+                <a:cs typeface="+mn-cs"/>
+              </a:defRPr>
+            </a:lvl3pPr>
+            <a:lvl4pPr marL="1600200" indent="-228600" algn="l" defTabSz="914400" rtl="0" eaLnBrk="1" latinLnBrk="0" hangingPunct="1">
+              <a:lnSpc>
+                <a:spcPct val="90000"/>
+              </a:lnSpc>
+              <a:spcBef>
+                <a:spcPts val="500"/>
+              </a:spcBef>
+              <a:buFont typeface="Arial" panose="020B0604020202020204" pitchFamily="34" charset="0"/>
+              <a:buChar char="•"/>
+              <a:defRPr sz="1800" kern="1200">
+                <a:solidFill>
+                  <a:schemeClr val="tx1"/>
+                </a:solidFill>
+                <a:latin typeface="+mn-lt"/>
+                <a:ea typeface="+mn-ea"/>
+                <a:cs typeface="+mn-cs"/>
+              </a:defRPr>
+            </a:lvl4pPr>
+            <a:lvl5pPr marL="2057400" indent="-228600" algn="l" defTabSz="914400" rtl="0" eaLnBrk="1" latinLnBrk="0" hangingPunct="1">
+              <a:lnSpc>
+                <a:spcPct val="90000"/>
+              </a:lnSpc>
+              <a:spcBef>
+                <a:spcPts val="500"/>
+              </a:spcBef>
+              <a:buFont typeface="Arial" panose="020B0604020202020204" pitchFamily="34" charset="0"/>
+              <a:buChar char="•"/>
+              <a:defRPr sz="1800" kern="1200">
+                <a:solidFill>
+                  <a:schemeClr val="tx1"/>
+                </a:solidFill>
+                <a:latin typeface="+mn-lt"/>
+                <a:ea typeface="+mn-ea"/>
+                <a:cs typeface="+mn-cs"/>
+              </a:defRPr>
+            </a:lvl5pPr>
+            <a:lvl6pPr marL="2514600" indent="-228600" algn="l" defTabSz="914400" rtl="0" eaLnBrk="1" latinLnBrk="0" hangingPunct="1">
+              <a:lnSpc>
+                <a:spcPct val="90000"/>
+              </a:lnSpc>
+              <a:spcBef>
+                <a:spcPts val="500"/>
+              </a:spcBef>
+              <a:buFont typeface="Arial" panose="020B0604020202020204" pitchFamily="34" charset="0"/>
+              <a:buChar char="•"/>
+              <a:defRPr sz="1800" kern="1200">
+                <a:solidFill>
+                  <a:schemeClr val="tx1"/>
+                </a:solidFill>
+                <a:latin typeface="+mn-lt"/>
+                <a:ea typeface="+mn-ea"/>
+                <a:cs typeface="+mn-cs"/>
+              </a:defRPr>
+            </a:lvl6pPr>
+            <a:lvl7pPr marL="2971800" indent="-228600" algn="l" defTabSz="914400" rtl="0" eaLnBrk="1" latinLnBrk="0" hangingPunct="1">
+              <a:lnSpc>
+                <a:spcPct val="90000"/>
+              </a:lnSpc>
+              <a:spcBef>
+                <a:spcPts val="500"/>
+              </a:spcBef>
+              <a:buFont typeface="Arial" panose="020B0604020202020204" pitchFamily="34" charset="0"/>
+              <a:buChar char="•"/>
+              <a:defRPr sz="1800" kern="1200">
+                <a:solidFill>
+                  <a:schemeClr val="tx1"/>
+                </a:solidFill>
+                <a:latin typeface="+mn-lt"/>
+                <a:ea typeface="+mn-ea"/>
+                <a:cs typeface="+mn-cs"/>
+              </a:defRPr>
+            </a:lvl7pPr>
+            <a:lvl8pPr marL="3429000" indent="-228600" algn="l" defTabSz="914400" rtl="0" eaLnBrk="1" latinLnBrk="0" hangingPunct="1">
+              <a:lnSpc>
+                <a:spcPct val="90000"/>
+              </a:lnSpc>
+              <a:spcBef>
+                <a:spcPts val="500"/>
+              </a:spcBef>
+              <a:buFont typeface="Arial" panose="020B0604020202020204" pitchFamily="34" charset="0"/>
+              <a:buChar char="•"/>
+              <a:defRPr sz="1800" kern="1200">
+                <a:solidFill>
+                  <a:schemeClr val="tx1"/>
+                </a:solidFill>
+                <a:latin typeface="+mn-lt"/>
+                <a:ea typeface="+mn-ea"/>
+                <a:cs typeface="+mn-cs"/>
+              </a:defRPr>
+            </a:lvl8pPr>
+            <a:lvl9pPr marL="3886200" indent="-228600" algn="l" defTabSz="914400" rtl="0" eaLnBrk="1" latinLnBrk="0" hangingPunct="1">
+              <a:lnSpc>
+                <a:spcPct val="90000"/>
+              </a:lnSpc>
+              <a:spcBef>
+                <a:spcPts val="500"/>
+              </a:spcBef>
+              <a:buFont typeface="Arial" panose="020B0604020202020204" pitchFamily="34" charset="0"/>
+              <a:buChar char="•"/>
+              <a:defRPr sz="1800" kern="1200">
+                <a:solidFill>
+                  <a:schemeClr val="tx1"/>
+                </a:solidFill>
+                <a:latin typeface="+mn-lt"/>
+                <a:ea typeface="+mn-ea"/>
+                <a:cs typeface="+mn-cs"/>
+              </a:defRPr>
+            </a:lvl9pPr>
+          </a:lstStyle>
+          <a:p>
+            <a:pPr>
+              <a:buFont typeface="Wingdings" panose="05000000000000000000" pitchFamily="2" charset="2"/>
+              <a:buChar char="Ø"/>
+            </a:pPr>
+            <a:r>
+              <a:rPr lang="en-US" dirty="0">
+                <a:solidFill>
+                  <a:schemeClr val="tx1">
+                    <a:lumMod val="75000"/>
+                    <a:lumOff val="25000"/>
+                  </a:schemeClr>
+                </a:solidFill>
+              </a:rPr>
+              <a:t> </a:t>
+            </a:r>
+            <a:r>
+              <a:rPr lang="en-US" dirty="0">
+                <a:solidFill>
+                  <a:schemeClr val="tx1">
+                    <a:lumMod val="75000"/>
+                    <a:lumOff val="25000"/>
+                  </a:schemeClr>
+                </a:solidFill>
+                <a:latin typeface="Palatino Linotype" panose="02040502050505030304" pitchFamily="18" charset="0"/>
+              </a:rPr>
+              <a:t>Learning Objective 1</a:t>
+            </a:r>
+          </a:p>
+        </p:txBody>
+      </p:sp>
+      <p:sp>
+        <p:nvSpPr>
+          <p:cNvPr id="7" name="Content Placeholder 2">
+            <a:extLst>
+              <a:ext uri="{FF2B5EF4-FFF2-40B4-BE49-F238E27FC236}">
+                <a16:creationId xmlns:a16="http://schemas.microsoft.com/office/drawing/2014/main" id="{6D3279E5-D518-B484-9FCF-B12663A4E8FF}"/>
+              </a:ext>
+            </a:extLst>
+          </p:cNvPr>
+          <p:cNvSpPr txBox="1">
+            <a:spLocks/>
+          </p:cNvSpPr>
+          <p:nvPr/>
+        </p:nvSpPr>
+        <p:spPr>
+          <a:xfrm>
+            <a:off x="1013564" y="3743082"/>
+            <a:ext cx="10515600" cy="504215"/>
+          </a:xfrm>
+          <a:prstGeom prst="rect">
+            <a:avLst/>
+          </a:prstGeom>
+        </p:spPr>
+        <p:txBody>
+          <a:bodyPr vert="horz" lIns="91440" tIns="45720" rIns="91440" bIns="45720" rtlCol="0">
+            <a:normAutofit/>
+          </a:bodyPr>
+          <a:lstStyle>
+            <a:lvl1pPr marL="228600" indent="-228600" algn="l" defTabSz="914400" rtl="0" eaLnBrk="1" latinLnBrk="0" hangingPunct="1">
+              <a:lnSpc>
+                <a:spcPct val="90000"/>
+              </a:lnSpc>
+              <a:spcBef>
+                <a:spcPts val="1000"/>
+              </a:spcBef>
+              <a:buFont typeface="Arial" panose="020B0604020202020204" pitchFamily="34" charset="0"/>
+              <a:buChar char="•"/>
+              <a:defRPr sz="2800" kern="1200">
+                <a:solidFill>
+                  <a:schemeClr val="tx1"/>
+                </a:solidFill>
+                <a:latin typeface="+mn-lt"/>
+                <a:ea typeface="+mn-ea"/>
+                <a:cs typeface="+mn-cs"/>
+              </a:defRPr>
+            </a:lvl1pPr>
+            <a:lvl2pPr marL="685800" indent="-228600" algn="l" defTabSz="914400" rtl="0" eaLnBrk="1" latinLnBrk="0" hangingPunct="1">
+              <a:lnSpc>
+                <a:spcPct val="90000"/>
+              </a:lnSpc>
+              <a:spcBef>
+                <a:spcPts val="500"/>
+              </a:spcBef>
+              <a:buFont typeface="Arial" panose="020B0604020202020204" pitchFamily="34" charset="0"/>
+              <a:buChar char="•"/>
+              <a:defRPr sz="2400" kern="1200">
+                <a:solidFill>
+                  <a:schemeClr val="tx1"/>
+                </a:solidFill>
+                <a:latin typeface="+mn-lt"/>
+                <a:ea typeface="+mn-ea"/>
+                <a:cs typeface="+mn-cs"/>
+              </a:defRPr>
+            </a:lvl2pPr>
+            <a:lvl3pPr marL="1143000" indent="-228600" algn="l" defTabSz="914400" rtl="0" eaLnBrk="1" latinLnBrk="0" hangingPunct="1">
+              <a:lnSpc>
+                <a:spcPct val="90000"/>
+              </a:lnSpc>
+              <a:spcBef>
+                <a:spcPts val="500"/>
+              </a:spcBef>
+              <a:buFont typeface="Arial" panose="020B0604020202020204" pitchFamily="34" charset="0"/>
+              <a:buChar char="•"/>
+              <a:defRPr sz="2000" kern="1200">
+                <a:solidFill>
+                  <a:schemeClr val="tx1"/>
+                </a:solidFill>
+                <a:latin typeface="+mn-lt"/>
+                <a:ea typeface="+mn-ea"/>
+                <a:cs typeface="+mn-cs"/>
+              </a:defRPr>
+            </a:lvl3pPr>
+            <a:lvl4pPr marL="1600200" indent="-228600" algn="l" defTabSz="914400" rtl="0" eaLnBrk="1" latinLnBrk="0" hangingPunct="1">
+              <a:lnSpc>
+                <a:spcPct val="90000"/>
+              </a:lnSpc>
+              <a:spcBef>
+                <a:spcPts val="500"/>
+              </a:spcBef>
+              <a:buFont typeface="Arial" panose="020B0604020202020204" pitchFamily="34" charset="0"/>
+              <a:buChar char="•"/>
+              <a:defRPr sz="1800" kern="1200">
+                <a:solidFill>
+                  <a:schemeClr val="tx1"/>
+                </a:solidFill>
+                <a:latin typeface="+mn-lt"/>
+                <a:ea typeface="+mn-ea"/>
+                <a:cs typeface="+mn-cs"/>
+              </a:defRPr>
+            </a:lvl4pPr>
+            <a:lvl5pPr marL="2057400" indent="-228600" algn="l" defTabSz="914400" rtl="0" eaLnBrk="1" latinLnBrk="0" hangingPunct="1">
+              <a:lnSpc>
+                <a:spcPct val="90000"/>
+              </a:lnSpc>
+              <a:spcBef>
+                <a:spcPts val="500"/>
+              </a:spcBef>
+              <a:buFont typeface="Arial" panose="020B0604020202020204" pitchFamily="34" charset="0"/>
+              <a:buChar char="•"/>
+              <a:defRPr sz="1800" kern="1200">
+                <a:solidFill>
+                  <a:schemeClr val="tx1"/>
+                </a:solidFill>
+                <a:latin typeface="+mn-lt"/>
+                <a:ea typeface="+mn-ea"/>
+                <a:cs typeface="+mn-cs"/>
+              </a:defRPr>
+            </a:lvl5pPr>
+            <a:lvl6pPr marL="2514600" indent="-228600" algn="l" defTabSz="914400" rtl="0" eaLnBrk="1" latinLnBrk="0" hangingPunct="1">
+              <a:lnSpc>
+                <a:spcPct val="90000"/>
+              </a:lnSpc>
+              <a:spcBef>
+                <a:spcPts val="500"/>
+              </a:spcBef>
+              <a:buFont typeface="Arial" panose="020B0604020202020204" pitchFamily="34" charset="0"/>
+              <a:buChar char="•"/>
+              <a:defRPr sz="1800" kern="1200">
+                <a:solidFill>
+                  <a:schemeClr val="tx1"/>
+                </a:solidFill>
+                <a:latin typeface="+mn-lt"/>
+                <a:ea typeface="+mn-ea"/>
+                <a:cs typeface="+mn-cs"/>
+              </a:defRPr>
+            </a:lvl6pPr>
+            <a:lvl7pPr marL="2971800" indent="-228600" algn="l" defTabSz="914400" rtl="0" eaLnBrk="1" latinLnBrk="0" hangingPunct="1">
+              <a:lnSpc>
+                <a:spcPct val="90000"/>
+              </a:lnSpc>
+              <a:spcBef>
+                <a:spcPts val="500"/>
+              </a:spcBef>
+              <a:buFont typeface="Arial" panose="020B0604020202020204" pitchFamily="34" charset="0"/>
+              <a:buChar char="•"/>
+              <a:defRPr sz="1800" kern="1200">
+                <a:solidFill>
+                  <a:schemeClr val="tx1"/>
+                </a:solidFill>
+                <a:latin typeface="+mn-lt"/>
+                <a:ea typeface="+mn-ea"/>
+                <a:cs typeface="+mn-cs"/>
+              </a:defRPr>
+            </a:lvl7pPr>
+            <a:lvl8pPr marL="3429000" indent="-228600" algn="l" defTabSz="914400" rtl="0" eaLnBrk="1" latinLnBrk="0" hangingPunct="1">
+              <a:lnSpc>
+                <a:spcPct val="90000"/>
+              </a:lnSpc>
+              <a:spcBef>
+                <a:spcPts val="500"/>
+              </a:spcBef>
+              <a:buFont typeface="Arial" panose="020B0604020202020204" pitchFamily="34" charset="0"/>
+              <a:buChar char="•"/>
+              <a:defRPr sz="1800" kern="1200">
+                <a:solidFill>
+                  <a:schemeClr val="tx1"/>
+                </a:solidFill>
+                <a:latin typeface="+mn-lt"/>
+                <a:ea typeface="+mn-ea"/>
+                <a:cs typeface="+mn-cs"/>
+              </a:defRPr>
+            </a:lvl8pPr>
+            <a:lvl9pPr marL="3886200" indent="-228600" algn="l" defTabSz="914400" rtl="0" eaLnBrk="1" latinLnBrk="0" hangingPunct="1">
+              <a:lnSpc>
+                <a:spcPct val="90000"/>
+              </a:lnSpc>
+              <a:spcBef>
+                <a:spcPts val="500"/>
+              </a:spcBef>
+              <a:buFont typeface="Arial" panose="020B0604020202020204" pitchFamily="34" charset="0"/>
+              <a:buChar char="•"/>
+              <a:defRPr sz="1800" kern="1200">
+                <a:solidFill>
+                  <a:schemeClr val="tx1"/>
+                </a:solidFill>
+                <a:latin typeface="+mn-lt"/>
+                <a:ea typeface="+mn-ea"/>
+                <a:cs typeface="+mn-cs"/>
+              </a:defRPr>
+            </a:lvl9pPr>
+          </a:lstStyle>
+          <a:p>
+            <a:pPr>
+              <a:buFont typeface="Wingdings" panose="05000000000000000000" pitchFamily="2" charset="2"/>
+              <a:buChar char="Ø"/>
+            </a:pPr>
+            <a:r>
+              <a:rPr lang="en-US" dirty="0">
+                <a:solidFill>
+                  <a:schemeClr val="tx1">
+                    <a:lumMod val="75000"/>
+                    <a:lumOff val="25000"/>
+                  </a:schemeClr>
+                </a:solidFill>
+              </a:rPr>
+              <a:t> </a:t>
+            </a:r>
+            <a:r>
+              <a:rPr lang="en-US" dirty="0">
+                <a:solidFill>
+                  <a:schemeClr val="tx1">
+                    <a:lumMod val="75000"/>
+                    <a:lumOff val="25000"/>
+                  </a:schemeClr>
+                </a:solidFill>
+                <a:latin typeface="Palatino Linotype" panose="02040502050505030304" pitchFamily="18" charset="0"/>
+              </a:rPr>
+              <a:t>Learning Objective 1</a:t>
+            </a:r>
+          </a:p>
+        </p:txBody>
+      </p:sp>
+    </p:spTree>
+    <p:extLst>
+      <p:ext uri="{BB962C8B-B14F-4D97-AF65-F5344CB8AC3E}">
+        <p14:creationId xmlns:p14="http://schemas.microsoft.com/office/powerpoint/2010/main" val="1416141381"/>
+      </p:ext>
+    </p:extLst>
+  </p:cSld>
+  <p:clrMapOvr>
+    <a:masterClrMapping/>
+  </p:clrMapOvr>
+</p:sld>
+</file>
+
+<file path=ppt/slides/slide20.xml><?xml version="1.0" encoding="utf-8"?>
 <p:sld xmlns:a="http://schemas.openxmlformats.org/drawingml/2006/main" xmlns:r="http://schemas.openxmlformats.org/officeDocument/2006/relationships" xmlns:p="http://schemas.openxmlformats.org/presentationml/2006/main">
   <p:cSld>
     <p:spTree>
@@ -12632,79 +13604,7 @@
 </p:sld>
 </file>
 
-<file path=ppt/slides/slide2.xml><?xml version="1.0" encoding="utf-8"?>
-<p:sld xmlns:a="http://schemas.openxmlformats.org/drawingml/2006/main" xmlns:r="http://schemas.openxmlformats.org/officeDocument/2006/relationships" xmlns:p="http://schemas.openxmlformats.org/presentationml/2006/main">
-  <p:cSld>
-    <p:spTree>
-      <p:nvGrpSpPr>
-        <p:cNvPr id="1" name=""/>
-        <p:cNvGrpSpPr/>
-        <p:nvPr/>
-      </p:nvGrpSpPr>
-      <p:grpSpPr>
-        <a:xfrm>
-          <a:off x="0" y="0"/>
-          <a:ext cx="0" cy="0"/>
-          <a:chOff x="0" y="0"/>
-          <a:chExt cx="0" cy="0"/>
-        </a:xfrm>
-      </p:grpSpPr>
-      <p:pic>
-        <p:nvPicPr>
-          <p:cNvPr id="3" name="Picture 2">
-            <a:extLst>
-              <a:ext uri="{FF2B5EF4-FFF2-40B4-BE49-F238E27FC236}">
-                <a16:creationId xmlns:a16="http://schemas.microsoft.com/office/drawing/2014/main" id="{DEFE0AA7-599F-47D5-8772-72921880F8E6}"/>
-              </a:ext>
-            </a:extLst>
-          </p:cNvPr>
-          <p:cNvPicPr>
-            <a:picLocks noChangeAspect="1"/>
-          </p:cNvPicPr>
-          <p:nvPr/>
-        </p:nvPicPr>
-        <p:blipFill>
-          <a:blip r:embed="rId3"/>
-          <a:stretch>
-            <a:fillRect/>
-          </a:stretch>
-        </p:blipFill>
-        <p:spPr>
-          <a:xfrm>
-            <a:off x="1581150" y="1395412"/>
-            <a:ext cx="9029700" cy="4067175"/>
-          </a:xfrm>
-          <a:prstGeom prst="rect">
-            <a:avLst/>
-          </a:prstGeom>
-        </p:spPr>
-      </p:pic>
-    </p:spTree>
-    <p:extLst>
-      <p:ext uri="{BB962C8B-B14F-4D97-AF65-F5344CB8AC3E}">
-        <p14:creationId xmlns:p14="http://schemas.microsoft.com/office/powerpoint/2010/main" val="1777948658"/>
-      </p:ext>
-    </p:extLst>
-  </p:cSld>
-  <p:clrMapOvr>
-    <a:masterClrMapping/>
-  </p:clrMapOvr>
-  <mc:AlternateContent xmlns:mc="http://schemas.openxmlformats.org/markup-compatibility/2006" xmlns:p14="http://schemas.microsoft.com/office/powerpoint/2010/main">
-    <mc:Choice Requires="p14">
-      <p:transition spd="med" p14:dur="700">
-        <p:fade/>
-      </p:transition>
-    </mc:Choice>
-    <mc:Fallback xmlns="">
-      <p:transition spd="med">
-        <p:fade/>
-      </p:transition>
-    </mc:Fallback>
-  </mc:AlternateContent>
-</p:sld>
-</file>
-
-<file path=ppt/slides/slide20.xml><?xml version="1.0" encoding="utf-8"?>
+<file path=ppt/slides/slide21.xml><?xml version="1.0" encoding="utf-8"?>
 <p:sld xmlns:a="http://schemas.openxmlformats.org/drawingml/2006/main" xmlns:r="http://schemas.openxmlformats.org/officeDocument/2006/relationships" xmlns:p="http://schemas.openxmlformats.org/presentationml/2006/main">
   <p:cSld>
     <p:spTree>
@@ -13386,7 +14286,7 @@
 </p:sld>
 </file>
 
-<file path=ppt/slides/slide21.xml><?xml version="1.0" encoding="utf-8"?>
+<file path=ppt/slides/slide22.xml><?xml version="1.0" encoding="utf-8"?>
 <p:sld xmlns:a="http://schemas.openxmlformats.org/drawingml/2006/main" xmlns:r="http://schemas.openxmlformats.org/officeDocument/2006/relationships" xmlns:p="http://schemas.openxmlformats.org/presentationml/2006/main">
   <p:cSld>
     <p:spTree>
@@ -13503,7 +14403,7 @@
 </p:sld>
 </file>
 
-<file path=ppt/slides/slide22.xml><?xml version="1.0" encoding="utf-8"?>
+<file path=ppt/slides/slide23.xml><?xml version="1.0" encoding="utf-8"?>
 <p:sld xmlns:a="http://schemas.openxmlformats.org/drawingml/2006/main" xmlns:r="http://schemas.openxmlformats.org/officeDocument/2006/relationships" xmlns:p="http://schemas.openxmlformats.org/presentationml/2006/main">
   <p:cSld>
     <p:spTree>
@@ -13575,7 +14475,7 @@
 </p:sld>
 </file>
 
-<file path=ppt/slides/slide23.xml><?xml version="1.0" encoding="utf-8"?>
+<file path=ppt/slides/slide24.xml><?xml version="1.0" encoding="utf-8"?>
 <p:sld xmlns:a="http://schemas.openxmlformats.org/drawingml/2006/main" xmlns:r="http://schemas.openxmlformats.org/officeDocument/2006/relationships" xmlns:p="http://schemas.openxmlformats.org/presentationml/2006/main">
   <p:cSld>
     <p:spTree>
@@ -13701,7 +14601,7 @@
 </p:sld>
 </file>
 
-<file path=ppt/slides/slide24.xml><?xml version="1.0" encoding="utf-8"?>
+<file path=ppt/slides/slide25.xml><?xml version="1.0" encoding="utf-8"?>
 <p:sld xmlns:a="http://schemas.openxmlformats.org/drawingml/2006/main" xmlns:r="http://schemas.openxmlformats.org/officeDocument/2006/relationships" xmlns:p="http://schemas.openxmlformats.org/presentationml/2006/main">
   <p:cSld>
     <p:spTree>
@@ -13871,73 +14771,6 @@
     <p:extLst>
       <p:ext uri="{BB962C8B-B14F-4D97-AF65-F5344CB8AC3E}">
         <p14:creationId xmlns:p14="http://schemas.microsoft.com/office/powerpoint/2010/main" val="4096204018"/>
-      </p:ext>
-    </p:extLst>
-  </p:cSld>
-  <p:clrMapOvr>
-    <a:masterClrMapping/>
-  </p:clrMapOvr>
-  <mc:AlternateContent xmlns:mc="http://schemas.openxmlformats.org/markup-compatibility/2006" xmlns:p14="http://schemas.microsoft.com/office/powerpoint/2010/main">
-    <mc:Choice Requires="p14">
-      <p:transition spd="med" p14:dur="700">
-        <p:fade/>
-      </p:transition>
-    </mc:Choice>
-    <mc:Fallback xmlns="">
-      <p:transition spd="med">
-        <p:fade/>
-      </p:transition>
-    </mc:Fallback>
-  </mc:AlternateContent>
-</p:sld>
-</file>
-
-<file path=ppt/slides/slide25.xml><?xml version="1.0" encoding="utf-8"?>
-<p:sld xmlns:a="http://schemas.openxmlformats.org/drawingml/2006/main" xmlns:r="http://schemas.openxmlformats.org/officeDocument/2006/relationships" xmlns:p="http://schemas.openxmlformats.org/presentationml/2006/main">
-  <p:cSld>
-    <p:spTree>
-      <p:nvGrpSpPr>
-        <p:cNvPr id="1" name=""/>
-        <p:cNvGrpSpPr/>
-        <p:nvPr/>
-      </p:nvGrpSpPr>
-      <p:grpSpPr>
-        <a:xfrm>
-          <a:off x="0" y="0"/>
-          <a:ext cx="0" cy="0"/>
-          <a:chOff x="0" y="0"/>
-          <a:chExt cx="0" cy="0"/>
-        </a:xfrm>
-      </p:grpSpPr>
-      <p:sp>
-        <p:nvSpPr>
-          <p:cNvPr id="4" name="Title 3">
-            <a:extLst>
-              <a:ext uri="{FF2B5EF4-FFF2-40B4-BE49-F238E27FC236}">
-                <a16:creationId xmlns:a16="http://schemas.microsoft.com/office/drawing/2014/main" id="{E9928119-558D-47F3-9F44-B2C33419FD3C}"/>
-              </a:ext>
-            </a:extLst>
-          </p:cNvPr>
-          <p:cNvSpPr>
-            <a:spLocks noGrp="1"/>
-          </p:cNvSpPr>
-          <p:nvPr>
-            <p:ph type="title"/>
-          </p:nvPr>
-        </p:nvSpPr>
-        <p:spPr/>
-        <p:txBody>
-          <a:bodyPr/>
-          <a:lstStyle/>
-          <a:p>
-            <a:endParaRPr lang="en-US"/>
-          </a:p>
-        </p:txBody>
-      </p:sp>
-    </p:spTree>
-    <p:extLst>
-      <p:ext uri="{BB962C8B-B14F-4D97-AF65-F5344CB8AC3E}">
-        <p14:creationId xmlns:p14="http://schemas.microsoft.com/office/powerpoint/2010/main" val="969265018"/>
       </p:ext>
     </p:extLst>
   </p:cSld>
@@ -13976,6 +14809,73 @@
           <a:chExt cx="0" cy="0"/>
         </a:xfrm>
       </p:grpSpPr>
+      <p:sp>
+        <p:nvSpPr>
+          <p:cNvPr id="4" name="Title 3">
+            <a:extLst>
+              <a:ext uri="{FF2B5EF4-FFF2-40B4-BE49-F238E27FC236}">
+                <a16:creationId xmlns:a16="http://schemas.microsoft.com/office/drawing/2014/main" id="{E9928119-558D-47F3-9F44-B2C33419FD3C}"/>
+              </a:ext>
+            </a:extLst>
+          </p:cNvPr>
+          <p:cNvSpPr>
+            <a:spLocks noGrp="1"/>
+          </p:cNvSpPr>
+          <p:nvPr>
+            <p:ph type="title"/>
+          </p:nvPr>
+        </p:nvSpPr>
+        <p:spPr/>
+        <p:txBody>
+          <a:bodyPr/>
+          <a:lstStyle/>
+          <a:p>
+            <a:endParaRPr lang="en-US"/>
+          </a:p>
+        </p:txBody>
+      </p:sp>
+    </p:spTree>
+    <p:extLst>
+      <p:ext uri="{BB962C8B-B14F-4D97-AF65-F5344CB8AC3E}">
+        <p14:creationId xmlns:p14="http://schemas.microsoft.com/office/powerpoint/2010/main" val="969265018"/>
+      </p:ext>
+    </p:extLst>
+  </p:cSld>
+  <p:clrMapOvr>
+    <a:masterClrMapping/>
+  </p:clrMapOvr>
+  <mc:AlternateContent xmlns:mc="http://schemas.openxmlformats.org/markup-compatibility/2006" xmlns:p14="http://schemas.microsoft.com/office/powerpoint/2010/main">
+    <mc:Choice Requires="p14">
+      <p:transition spd="med" p14:dur="700">
+        <p:fade/>
+      </p:transition>
+    </mc:Choice>
+    <mc:Fallback xmlns="">
+      <p:transition spd="med">
+        <p:fade/>
+      </p:transition>
+    </mc:Fallback>
+  </mc:AlternateContent>
+</p:sld>
+</file>
+
+<file path=ppt/slides/slide27.xml><?xml version="1.0" encoding="utf-8"?>
+<p:sld xmlns:a="http://schemas.openxmlformats.org/drawingml/2006/main" xmlns:r="http://schemas.openxmlformats.org/officeDocument/2006/relationships" xmlns:p="http://schemas.openxmlformats.org/presentationml/2006/main">
+  <p:cSld>
+    <p:spTree>
+      <p:nvGrpSpPr>
+        <p:cNvPr id="1" name=""/>
+        <p:cNvGrpSpPr/>
+        <p:nvPr/>
+      </p:nvGrpSpPr>
+      <p:grpSpPr>
+        <a:xfrm>
+          <a:off x="0" y="0"/>
+          <a:ext cx="0" cy="0"/>
+          <a:chOff x="0" y="0"/>
+          <a:chExt cx="0" cy="0"/>
+        </a:xfrm>
+      </p:grpSpPr>
       <p:pic>
         <p:nvPicPr>
           <p:cNvPr id="1026" name="Picture 2" descr="Convolution_schematic">
@@ -14104,7 +15004,7 @@
 </p:sld>
 </file>
 
-<file path=ppt/slides/slide27.xml><?xml version="1.0" encoding="utf-8"?>
+<file path=ppt/slides/slide28.xml><?xml version="1.0" encoding="utf-8"?>
 <p:sld xmlns:a="http://schemas.openxmlformats.org/drawingml/2006/main" xmlns:r="http://schemas.openxmlformats.org/officeDocument/2006/relationships" xmlns:p="http://schemas.openxmlformats.org/presentationml/2006/main">
   <p:cSld>
     <p:spTree>
@@ -14287,7 +15187,7 @@
 </p:sld>
 </file>
 
-<file path=ppt/slides/slide28.xml><?xml version="1.0" encoding="utf-8"?>
+<file path=ppt/slides/slide29.xml><?xml version="1.0" encoding="utf-8"?>
 <p:sld xmlns:a="http://schemas.openxmlformats.org/drawingml/2006/main" xmlns:r="http://schemas.openxmlformats.org/officeDocument/2006/relationships" xmlns:p="http://schemas.openxmlformats.org/presentationml/2006/main">
   <p:cSld>
     <p:spTree>
@@ -14489,149 +15389,38 @@
       </p:grpSpPr>
       <p:pic>
         <p:nvPicPr>
-          <p:cNvPr id="1026" name="Picture 2" descr="F16001">
-            <a:extLst>
-              <a:ext uri="{FF2B5EF4-FFF2-40B4-BE49-F238E27FC236}">
-                <a16:creationId xmlns:a16="http://schemas.microsoft.com/office/drawing/2014/main" id="{C7B22DE8-D319-44D5-970A-A930A4BA4E01}"/>
+          <p:cNvPr id="3" name="Picture 2">
+            <a:extLst>
+              <a:ext uri="{FF2B5EF4-FFF2-40B4-BE49-F238E27FC236}">
+                <a16:creationId xmlns:a16="http://schemas.microsoft.com/office/drawing/2014/main" id="{DEFE0AA7-599F-47D5-8772-72921880F8E6}"/>
               </a:ext>
             </a:extLst>
           </p:cNvPr>
           <p:cNvPicPr>
-            <a:picLocks noChangeAspect="1" noChangeArrowheads="1"/>
+            <a:picLocks noChangeAspect="1"/>
           </p:cNvPicPr>
           <p:nvPr/>
         </p:nvPicPr>
         <p:blipFill>
-          <a:blip r:embed="rId3">
-            <a:extLst>
-              <a:ext uri="{28A0092B-C50C-407E-A947-70E740481C1C}">
-                <a14:useLocalDpi xmlns:a14="http://schemas.microsoft.com/office/drawing/2010/main" val="0"/>
-              </a:ext>
-            </a:extLst>
-          </a:blip>
-          <a:srcRect/>
+          <a:blip r:embed="rId3"/>
           <a:stretch>
             <a:fillRect/>
           </a:stretch>
         </p:blipFill>
-        <p:spPr bwMode="auto">
+        <p:spPr>
           <a:xfrm>
-            <a:off x="2045363" y="2355056"/>
-            <a:ext cx="8101273" cy="2147888"/>
+            <a:off x="1581150" y="1395412"/>
+            <a:ext cx="9029700" cy="4067175"/>
           </a:xfrm>
           <a:prstGeom prst="rect">
             <a:avLst/>
           </a:prstGeom>
-          <a:noFill/>
-          <a:extLst>
-            <a:ext uri="{909E8E84-426E-40DD-AFC4-6F175D3DCCD1}">
-              <a14:hiddenFill xmlns:a14="http://schemas.microsoft.com/office/drawing/2010/main">
-                <a:solidFill>
-                  <a:srgbClr val="FFFFFF"/>
-                </a:solidFill>
-              </a14:hiddenFill>
-            </a:ext>
-          </a:extLst>
         </p:spPr>
       </p:pic>
-      <p:sp>
-        <p:nvSpPr>
-          <p:cNvPr id="3" name="TextBox 2">
-            <a:extLst>
-              <a:ext uri="{FF2B5EF4-FFF2-40B4-BE49-F238E27FC236}">
-                <a16:creationId xmlns:a16="http://schemas.microsoft.com/office/drawing/2014/main" id="{88D27826-ABA4-41B4-9A9B-109678211BA8}"/>
-              </a:ext>
-            </a:extLst>
-          </p:cNvPr>
-          <p:cNvSpPr txBox="1"/>
-          <p:nvPr/>
-        </p:nvSpPr>
-        <p:spPr>
-          <a:xfrm>
-            <a:off x="0" y="6550223"/>
-            <a:ext cx="12192000" cy="307777"/>
-          </a:xfrm>
-          <a:prstGeom prst="rect">
-            <a:avLst/>
-          </a:prstGeom>
-          <a:noFill/>
-        </p:spPr>
-        <p:txBody>
-          <a:bodyPr wrap="square" rtlCol="0">
-            <a:spAutoFit/>
-          </a:bodyPr>
-          <a:lstStyle/>
-          <a:p>
-            <a:r>
-              <a:rPr lang="en-US" sz="1400" dirty="0">
-                <a:solidFill>
-                  <a:schemeClr val="tx1">
-                    <a:lumMod val="65000"/>
-                    <a:lumOff val="35000"/>
-                  </a:schemeClr>
-                </a:solidFill>
-                <a:latin typeface="+mj-lt"/>
-                <a:ea typeface="Verdana" panose="020B0604030504040204" pitchFamily="34" charset="0"/>
-              </a:rPr>
-              <a:t>Source: Glassner, A. (2021). </a:t>
-            </a:r>
-            <a:r>
-              <a:rPr lang="en-US" sz="1400" i="1" dirty="0">
-                <a:solidFill>
-                  <a:schemeClr val="tx1">
-                    <a:lumMod val="65000"/>
-                    <a:lumOff val="35000"/>
-                  </a:schemeClr>
-                </a:solidFill>
-                <a:latin typeface="+mj-lt"/>
-                <a:ea typeface="Verdana" panose="020B0604030504040204" pitchFamily="34" charset="0"/>
-              </a:rPr>
-              <a:t>Deep learning: A visual approach</a:t>
-            </a:r>
-            <a:r>
-              <a:rPr lang="en-US" sz="1400" dirty="0">
-                <a:solidFill>
-                  <a:schemeClr val="tx1">
-                    <a:lumMod val="65000"/>
-                    <a:lumOff val="35000"/>
-                  </a:schemeClr>
-                </a:solidFill>
-                <a:latin typeface="+mj-lt"/>
-                <a:ea typeface="Verdana" panose="020B0604030504040204" pitchFamily="34" charset="0"/>
-              </a:rPr>
-              <a:t>. </a:t>
-            </a:r>
-            <a:r>
-              <a:rPr lang="en-US" sz="1400" b="0" i="0" dirty="0">
-                <a:solidFill>
-                  <a:schemeClr val="tx1">
-                    <a:lumMod val="65000"/>
-                    <a:lumOff val="35000"/>
-                  </a:schemeClr>
-                </a:solidFill>
-                <a:effectLst/>
-                <a:latin typeface="+mj-lt"/>
-                <a:ea typeface="Verdana" panose="020B0604030504040204" pitchFamily="34" charset="0"/>
-              </a:rPr>
-              <a:t>San Francisco, CA: No Starch Press. (Chapter 16)</a:t>
-            </a:r>
-            <a:endParaRPr lang="en-US" sz="1400" dirty="0">
-              <a:solidFill>
-                <a:schemeClr val="tx1">
-                  <a:lumMod val="65000"/>
-                  <a:lumOff val="35000"/>
-                </a:schemeClr>
-              </a:solidFill>
-              <a:latin typeface="+mj-lt"/>
-              <a:ea typeface="Verdana" panose="020B0604030504040204" pitchFamily="34" charset="0"/>
-            </a:endParaRPr>
-          </a:p>
-        </p:txBody>
-      </p:sp>
     </p:spTree>
     <p:extLst>
       <p:ext uri="{BB962C8B-B14F-4D97-AF65-F5344CB8AC3E}">
-        <p14:creationId xmlns:p14="http://schemas.microsoft.com/office/powerpoint/2010/main" val="3174290277"/>
+        <p14:creationId xmlns:p14="http://schemas.microsoft.com/office/powerpoint/2010/main" val="1777948658"/>
       </p:ext>
     </p:extLst>
   </p:cSld>
@@ -14672,10 +15461,10 @@
       </p:grpSpPr>
       <p:pic>
         <p:nvPicPr>
-          <p:cNvPr id="2050" name="Picture 2" descr="F16002">
-            <a:extLst>
-              <a:ext uri="{FF2B5EF4-FFF2-40B4-BE49-F238E27FC236}">
-                <a16:creationId xmlns:a16="http://schemas.microsoft.com/office/drawing/2014/main" id="{7D6EE558-83B9-4802-AC40-8B64E21168D6}"/>
+          <p:cNvPr id="1026" name="Picture 2" descr="F16001">
+            <a:extLst>
+              <a:ext uri="{FF2B5EF4-FFF2-40B4-BE49-F238E27FC236}">
+                <a16:creationId xmlns:a16="http://schemas.microsoft.com/office/drawing/2014/main" id="{C7B22DE8-D319-44D5-970A-A930A4BA4E01}"/>
               </a:ext>
             </a:extLst>
           </p:cNvPr>
@@ -14699,8 +15488,8 @@
         </p:blipFill>
         <p:spPr bwMode="auto">
           <a:xfrm>
-            <a:off x="2790825" y="804863"/>
-            <a:ext cx="6610350" cy="5248275"/>
+            <a:off x="2045363" y="2355056"/>
+            <a:ext cx="8101273" cy="2147888"/>
           </a:xfrm>
           <a:prstGeom prst="rect">
             <a:avLst/>
@@ -14719,10 +15508,10 @@
       </p:pic>
       <p:sp>
         <p:nvSpPr>
-          <p:cNvPr id="4" name="TextBox 3">
-            <a:extLst>
-              <a:ext uri="{FF2B5EF4-FFF2-40B4-BE49-F238E27FC236}">
-                <a16:creationId xmlns:a16="http://schemas.microsoft.com/office/drawing/2014/main" id="{11D1FE89-FDFB-428E-87CE-C3D41E98741D}"/>
+          <p:cNvPr id="3" name="TextBox 2">
+            <a:extLst>
+              <a:ext uri="{FF2B5EF4-FFF2-40B4-BE49-F238E27FC236}">
+                <a16:creationId xmlns:a16="http://schemas.microsoft.com/office/drawing/2014/main" id="{88D27826-ABA4-41B4-9A9B-109678211BA8}"/>
               </a:ext>
             </a:extLst>
           </p:cNvPr>
@@ -14814,7 +15603,7 @@
     </p:spTree>
     <p:extLst>
       <p:ext uri="{BB962C8B-B14F-4D97-AF65-F5344CB8AC3E}">
-        <p14:creationId xmlns:p14="http://schemas.microsoft.com/office/powerpoint/2010/main" val="1800929916"/>
+        <p14:creationId xmlns:p14="http://schemas.microsoft.com/office/powerpoint/2010/main" val="3174290277"/>
       </p:ext>
     </p:extLst>
   </p:cSld>
@@ -14855,10 +15644,10 @@
       </p:grpSpPr>
       <p:pic>
         <p:nvPicPr>
-          <p:cNvPr id="2052" name="Picture 4" descr="F16003">
-            <a:extLst>
-              <a:ext uri="{FF2B5EF4-FFF2-40B4-BE49-F238E27FC236}">
-                <a16:creationId xmlns:a16="http://schemas.microsoft.com/office/drawing/2014/main" id="{3B1B0F19-5AFE-490F-BF03-39FF85C15B46}"/>
+          <p:cNvPr id="2050" name="Picture 2" descr="F16002">
+            <a:extLst>
+              <a:ext uri="{FF2B5EF4-FFF2-40B4-BE49-F238E27FC236}">
+                <a16:creationId xmlns:a16="http://schemas.microsoft.com/office/drawing/2014/main" id="{7D6EE558-83B9-4802-AC40-8B64E21168D6}"/>
               </a:ext>
             </a:extLst>
           </p:cNvPr>
@@ -14882,8 +15671,8 @@
         </p:blipFill>
         <p:spPr bwMode="auto">
           <a:xfrm>
-            <a:off x="2795587" y="671512"/>
-            <a:ext cx="6600825" cy="5514975"/>
+            <a:off x="2790825" y="804863"/>
+            <a:ext cx="6610350" cy="5248275"/>
           </a:xfrm>
           <a:prstGeom prst="rect">
             <a:avLst/>
@@ -14905,7 +15694,7 @@
           <p:cNvPr id="4" name="TextBox 3">
             <a:extLst>
               <a:ext uri="{FF2B5EF4-FFF2-40B4-BE49-F238E27FC236}">
-                <a16:creationId xmlns:a16="http://schemas.microsoft.com/office/drawing/2014/main" id="{400A9EAF-887F-46C8-8192-4AFEF6ABBFD4}"/>
+                <a16:creationId xmlns:a16="http://schemas.microsoft.com/office/drawing/2014/main" id="{11D1FE89-FDFB-428E-87CE-C3D41E98741D}"/>
               </a:ext>
             </a:extLst>
           </p:cNvPr>
@@ -14997,7 +15786,7 @@
     </p:spTree>
     <p:extLst>
       <p:ext uri="{BB962C8B-B14F-4D97-AF65-F5344CB8AC3E}">
-        <p14:creationId xmlns:p14="http://schemas.microsoft.com/office/powerpoint/2010/main" val="4263767127"/>
+        <p14:creationId xmlns:p14="http://schemas.microsoft.com/office/powerpoint/2010/main" val="1800929916"/>
       </p:ext>
     </p:extLst>
   </p:cSld>
@@ -15038,10 +15827,10 @@
       </p:grpSpPr>
       <p:pic>
         <p:nvPicPr>
-          <p:cNvPr id="3074" name="Picture 2" descr="F16004">
-            <a:extLst>
-              <a:ext uri="{FF2B5EF4-FFF2-40B4-BE49-F238E27FC236}">
-                <a16:creationId xmlns:a16="http://schemas.microsoft.com/office/drawing/2014/main" id="{BE352915-61B8-4F43-B389-E1DB0AFE6829}"/>
+          <p:cNvPr id="2052" name="Picture 4" descr="F16003">
+            <a:extLst>
+              <a:ext uri="{FF2B5EF4-FFF2-40B4-BE49-F238E27FC236}">
+                <a16:creationId xmlns:a16="http://schemas.microsoft.com/office/drawing/2014/main" id="{3B1B0F19-5AFE-490F-BF03-39FF85C15B46}"/>
               </a:ext>
             </a:extLst>
           </p:cNvPr>
@@ -15065,8 +15854,8 @@
         </p:blipFill>
         <p:spPr bwMode="auto">
           <a:xfrm>
-            <a:off x="2814638" y="1671638"/>
-            <a:ext cx="6562725" cy="3514725"/>
+            <a:off x="2795587" y="671512"/>
+            <a:ext cx="6600825" cy="5514975"/>
           </a:xfrm>
           <a:prstGeom prst="rect">
             <a:avLst/>
@@ -15085,10 +15874,10 @@
       </p:pic>
       <p:sp>
         <p:nvSpPr>
-          <p:cNvPr id="3" name="TextBox 2">
-            <a:extLst>
-              <a:ext uri="{FF2B5EF4-FFF2-40B4-BE49-F238E27FC236}">
-                <a16:creationId xmlns:a16="http://schemas.microsoft.com/office/drawing/2014/main" id="{B2E1B2B1-323E-42BA-A8AD-1EB02B490DEF}"/>
+          <p:cNvPr id="4" name="TextBox 3">
+            <a:extLst>
+              <a:ext uri="{FF2B5EF4-FFF2-40B4-BE49-F238E27FC236}">
+                <a16:creationId xmlns:a16="http://schemas.microsoft.com/office/drawing/2014/main" id="{400A9EAF-887F-46C8-8192-4AFEF6ABBFD4}"/>
               </a:ext>
             </a:extLst>
           </p:cNvPr>
@@ -15180,7 +15969,7 @@
     </p:spTree>
     <p:extLst>
       <p:ext uri="{BB962C8B-B14F-4D97-AF65-F5344CB8AC3E}">
-        <p14:creationId xmlns:p14="http://schemas.microsoft.com/office/powerpoint/2010/main" val="2551641966"/>
+        <p14:creationId xmlns:p14="http://schemas.microsoft.com/office/powerpoint/2010/main" val="4263767127"/>
       </p:ext>
     </p:extLst>
   </p:cSld>
@@ -15221,6 +16010,189 @@
       </p:grpSpPr>
       <p:pic>
         <p:nvPicPr>
+          <p:cNvPr id="3074" name="Picture 2" descr="F16004">
+            <a:extLst>
+              <a:ext uri="{FF2B5EF4-FFF2-40B4-BE49-F238E27FC236}">
+                <a16:creationId xmlns:a16="http://schemas.microsoft.com/office/drawing/2014/main" id="{BE352915-61B8-4F43-B389-E1DB0AFE6829}"/>
+              </a:ext>
+            </a:extLst>
+          </p:cNvPr>
+          <p:cNvPicPr>
+            <a:picLocks noChangeAspect="1" noChangeArrowheads="1"/>
+          </p:cNvPicPr>
+          <p:nvPr/>
+        </p:nvPicPr>
+        <p:blipFill>
+          <a:blip r:embed="rId3">
+            <a:extLst>
+              <a:ext uri="{28A0092B-C50C-407E-A947-70E740481C1C}">
+                <a14:useLocalDpi xmlns:a14="http://schemas.microsoft.com/office/drawing/2010/main" val="0"/>
+              </a:ext>
+            </a:extLst>
+          </a:blip>
+          <a:srcRect/>
+          <a:stretch>
+            <a:fillRect/>
+          </a:stretch>
+        </p:blipFill>
+        <p:spPr bwMode="auto">
+          <a:xfrm>
+            <a:off x="2814638" y="1671638"/>
+            <a:ext cx="6562725" cy="3514725"/>
+          </a:xfrm>
+          <a:prstGeom prst="rect">
+            <a:avLst/>
+          </a:prstGeom>
+          <a:noFill/>
+          <a:extLst>
+            <a:ext uri="{909E8E84-426E-40DD-AFC4-6F175D3DCCD1}">
+              <a14:hiddenFill xmlns:a14="http://schemas.microsoft.com/office/drawing/2010/main">
+                <a:solidFill>
+                  <a:srgbClr val="FFFFFF"/>
+                </a:solidFill>
+              </a14:hiddenFill>
+            </a:ext>
+          </a:extLst>
+        </p:spPr>
+      </p:pic>
+      <p:sp>
+        <p:nvSpPr>
+          <p:cNvPr id="3" name="TextBox 2">
+            <a:extLst>
+              <a:ext uri="{FF2B5EF4-FFF2-40B4-BE49-F238E27FC236}">
+                <a16:creationId xmlns:a16="http://schemas.microsoft.com/office/drawing/2014/main" id="{B2E1B2B1-323E-42BA-A8AD-1EB02B490DEF}"/>
+              </a:ext>
+            </a:extLst>
+          </p:cNvPr>
+          <p:cNvSpPr txBox="1"/>
+          <p:nvPr/>
+        </p:nvSpPr>
+        <p:spPr>
+          <a:xfrm>
+            <a:off x="0" y="6550223"/>
+            <a:ext cx="12192000" cy="307777"/>
+          </a:xfrm>
+          <a:prstGeom prst="rect">
+            <a:avLst/>
+          </a:prstGeom>
+          <a:noFill/>
+        </p:spPr>
+        <p:txBody>
+          <a:bodyPr wrap="square" rtlCol="0">
+            <a:spAutoFit/>
+          </a:bodyPr>
+          <a:lstStyle/>
+          <a:p>
+            <a:r>
+              <a:rPr lang="en-US" sz="1400" dirty="0">
+                <a:solidFill>
+                  <a:schemeClr val="tx1">
+                    <a:lumMod val="65000"/>
+                    <a:lumOff val="35000"/>
+                  </a:schemeClr>
+                </a:solidFill>
+                <a:latin typeface="+mj-lt"/>
+                <a:ea typeface="Verdana" panose="020B0604030504040204" pitchFamily="34" charset="0"/>
+              </a:rPr>
+              <a:t>Source: Glassner, A. (2021). </a:t>
+            </a:r>
+            <a:r>
+              <a:rPr lang="en-US" sz="1400" i="1" dirty="0">
+                <a:solidFill>
+                  <a:schemeClr val="tx1">
+                    <a:lumMod val="65000"/>
+                    <a:lumOff val="35000"/>
+                  </a:schemeClr>
+                </a:solidFill>
+                <a:latin typeface="+mj-lt"/>
+                <a:ea typeface="Verdana" panose="020B0604030504040204" pitchFamily="34" charset="0"/>
+              </a:rPr>
+              <a:t>Deep learning: A visual approach</a:t>
+            </a:r>
+            <a:r>
+              <a:rPr lang="en-US" sz="1400" dirty="0">
+                <a:solidFill>
+                  <a:schemeClr val="tx1">
+                    <a:lumMod val="65000"/>
+                    <a:lumOff val="35000"/>
+                  </a:schemeClr>
+                </a:solidFill>
+                <a:latin typeface="+mj-lt"/>
+                <a:ea typeface="Verdana" panose="020B0604030504040204" pitchFamily="34" charset="0"/>
+              </a:rPr>
+              <a:t>. </a:t>
+            </a:r>
+            <a:r>
+              <a:rPr lang="en-US" sz="1400" b="0" i="0" dirty="0">
+                <a:solidFill>
+                  <a:schemeClr val="tx1">
+                    <a:lumMod val="65000"/>
+                    <a:lumOff val="35000"/>
+                  </a:schemeClr>
+                </a:solidFill>
+                <a:effectLst/>
+                <a:latin typeface="+mj-lt"/>
+                <a:ea typeface="Verdana" panose="020B0604030504040204" pitchFamily="34" charset="0"/>
+              </a:rPr>
+              <a:t>San Francisco, CA: No Starch Press. (Chapter 16)</a:t>
+            </a:r>
+            <a:endParaRPr lang="en-US" sz="1400" dirty="0">
+              <a:solidFill>
+                <a:schemeClr val="tx1">
+                  <a:lumMod val="65000"/>
+                  <a:lumOff val="35000"/>
+                </a:schemeClr>
+              </a:solidFill>
+              <a:latin typeface="+mj-lt"/>
+              <a:ea typeface="Verdana" panose="020B0604030504040204" pitchFamily="34" charset="0"/>
+            </a:endParaRPr>
+          </a:p>
+        </p:txBody>
+      </p:sp>
+    </p:spTree>
+    <p:extLst>
+      <p:ext uri="{BB962C8B-B14F-4D97-AF65-F5344CB8AC3E}">
+        <p14:creationId xmlns:p14="http://schemas.microsoft.com/office/powerpoint/2010/main" val="2551641966"/>
+      </p:ext>
+    </p:extLst>
+  </p:cSld>
+  <p:clrMapOvr>
+    <a:masterClrMapping/>
+  </p:clrMapOvr>
+  <mc:AlternateContent xmlns:mc="http://schemas.openxmlformats.org/markup-compatibility/2006" xmlns:p14="http://schemas.microsoft.com/office/powerpoint/2010/main">
+    <mc:Choice Requires="p14">
+      <p:transition spd="med" p14:dur="700">
+        <p:fade/>
+      </p:transition>
+    </mc:Choice>
+    <mc:Fallback xmlns="">
+      <p:transition spd="med">
+        <p:fade/>
+      </p:transition>
+    </mc:Fallback>
+  </mc:AlternateContent>
+</p:sld>
+</file>
+
+<file path=ppt/slides/slide8.xml><?xml version="1.0" encoding="utf-8"?>
+<p:sld xmlns:a="http://schemas.openxmlformats.org/drawingml/2006/main" xmlns:r="http://schemas.openxmlformats.org/officeDocument/2006/relationships" xmlns:p="http://schemas.openxmlformats.org/presentationml/2006/main">
+  <p:cSld>
+    <p:spTree>
+      <p:nvGrpSpPr>
+        <p:cNvPr id="1" name=""/>
+        <p:cNvGrpSpPr/>
+        <p:nvPr/>
+      </p:nvGrpSpPr>
+      <p:grpSpPr>
+        <a:xfrm>
+          <a:off x="0" y="0"/>
+          <a:ext cx="0" cy="0"/>
+          <a:chOff x="0" y="0"/>
+          <a:chExt cx="0" cy="0"/>
+        </a:xfrm>
+      </p:grpSpPr>
+      <p:pic>
+        <p:nvPicPr>
           <p:cNvPr id="5122" name="Picture 2" descr="F16005">
             <a:extLst>
               <a:ext uri="{FF2B5EF4-FFF2-40B4-BE49-F238E27FC236}">
@@ -15385,7 +16357,7 @@
 </p:sld>
 </file>
 
-<file path=ppt/slides/slide8.xml><?xml version="1.0" encoding="utf-8"?>
+<file path=ppt/slides/slide9.xml><?xml version="1.0" encoding="utf-8"?>
 <p:sld xmlns:a="http://schemas.openxmlformats.org/drawingml/2006/main" xmlns:r="http://schemas.openxmlformats.org/officeDocument/2006/relationships" xmlns:p="http://schemas.openxmlformats.org/presentationml/2006/main">
   <p:cSld>
     <p:spTree>
@@ -15864,189 +16836,6 @@
       <p:bldP spid="6" grpId="0"/>
     </p:bldLst>
   </p:timing>
-</p:sld>
-</file>
-
-<file path=ppt/slides/slide9.xml><?xml version="1.0" encoding="utf-8"?>
-<p:sld xmlns:a="http://schemas.openxmlformats.org/drawingml/2006/main" xmlns:r="http://schemas.openxmlformats.org/officeDocument/2006/relationships" xmlns:p="http://schemas.openxmlformats.org/presentationml/2006/main">
-  <p:cSld>
-    <p:spTree>
-      <p:nvGrpSpPr>
-        <p:cNvPr id="1" name=""/>
-        <p:cNvGrpSpPr/>
-        <p:nvPr/>
-      </p:nvGrpSpPr>
-      <p:grpSpPr>
-        <a:xfrm>
-          <a:off x="0" y="0"/>
-          <a:ext cx="0" cy="0"/>
-          <a:chOff x="0" y="0"/>
-          <a:chExt cx="0" cy="0"/>
-        </a:xfrm>
-      </p:grpSpPr>
-      <p:sp>
-        <p:nvSpPr>
-          <p:cNvPr id="4" name="TextBox 3">
-            <a:extLst>
-              <a:ext uri="{FF2B5EF4-FFF2-40B4-BE49-F238E27FC236}">
-                <a16:creationId xmlns:a16="http://schemas.microsoft.com/office/drawing/2014/main" id="{749C7923-C536-48CC-8E45-5459E73CC683}"/>
-              </a:ext>
-            </a:extLst>
-          </p:cNvPr>
-          <p:cNvSpPr txBox="1"/>
-          <p:nvPr/>
-        </p:nvSpPr>
-        <p:spPr>
-          <a:xfrm>
-            <a:off x="0" y="6550223"/>
-            <a:ext cx="12192000" cy="307777"/>
-          </a:xfrm>
-          <a:prstGeom prst="rect">
-            <a:avLst/>
-          </a:prstGeom>
-          <a:noFill/>
-        </p:spPr>
-        <p:txBody>
-          <a:bodyPr wrap="square" rtlCol="0">
-            <a:spAutoFit/>
-          </a:bodyPr>
-          <a:lstStyle/>
-          <a:p>
-            <a:r>
-              <a:rPr lang="en-US" sz="1400" dirty="0">
-                <a:solidFill>
-                  <a:schemeClr val="tx1">
-                    <a:lumMod val="65000"/>
-                    <a:lumOff val="35000"/>
-                  </a:schemeClr>
-                </a:solidFill>
-                <a:latin typeface="+mj-lt"/>
-                <a:ea typeface="Verdana" panose="020B0604030504040204" pitchFamily="34" charset="0"/>
-              </a:rPr>
-              <a:t>Source: Glassner, A. (2021). </a:t>
-            </a:r>
-            <a:r>
-              <a:rPr lang="en-US" sz="1400" i="1" dirty="0">
-                <a:solidFill>
-                  <a:schemeClr val="tx1">
-                    <a:lumMod val="65000"/>
-                    <a:lumOff val="35000"/>
-                  </a:schemeClr>
-                </a:solidFill>
-                <a:latin typeface="+mj-lt"/>
-                <a:ea typeface="Verdana" panose="020B0604030504040204" pitchFamily="34" charset="0"/>
-              </a:rPr>
-              <a:t>Deep learning: A visual approach</a:t>
-            </a:r>
-            <a:r>
-              <a:rPr lang="en-US" sz="1400" dirty="0">
-                <a:solidFill>
-                  <a:schemeClr val="tx1">
-                    <a:lumMod val="65000"/>
-                    <a:lumOff val="35000"/>
-                  </a:schemeClr>
-                </a:solidFill>
-                <a:latin typeface="+mj-lt"/>
-                <a:ea typeface="Verdana" panose="020B0604030504040204" pitchFamily="34" charset="0"/>
-              </a:rPr>
-              <a:t>. </a:t>
-            </a:r>
-            <a:r>
-              <a:rPr lang="en-US" sz="1400" b="0" i="0" dirty="0">
-                <a:solidFill>
-                  <a:schemeClr val="tx1">
-                    <a:lumMod val="65000"/>
-                    <a:lumOff val="35000"/>
-                  </a:schemeClr>
-                </a:solidFill>
-                <a:effectLst/>
-                <a:latin typeface="+mj-lt"/>
-                <a:ea typeface="Verdana" panose="020B0604030504040204" pitchFamily="34" charset="0"/>
-              </a:rPr>
-              <a:t>San Francisco, CA: No Starch Press. (Chapter 16)</a:t>
-            </a:r>
-            <a:endParaRPr lang="en-US" sz="1400" dirty="0">
-              <a:solidFill>
-                <a:schemeClr val="tx1">
-                  <a:lumMod val="65000"/>
-                  <a:lumOff val="35000"/>
-                </a:schemeClr>
-              </a:solidFill>
-              <a:latin typeface="+mj-lt"/>
-              <a:ea typeface="Verdana" panose="020B0604030504040204" pitchFamily="34" charset="0"/>
-            </a:endParaRPr>
-          </a:p>
-        </p:txBody>
-      </p:sp>
-      <p:pic>
-        <p:nvPicPr>
-          <p:cNvPr id="8194" name="Picture 2" descr="F16009">
-            <a:extLst>
-              <a:ext uri="{FF2B5EF4-FFF2-40B4-BE49-F238E27FC236}">
-                <a16:creationId xmlns:a16="http://schemas.microsoft.com/office/drawing/2014/main" id="{1DC4E2DC-5327-427C-AB88-2BF6CA228D3F}"/>
-              </a:ext>
-            </a:extLst>
-          </p:cNvPr>
-          <p:cNvPicPr>
-            <a:picLocks noChangeAspect="1" noChangeArrowheads="1"/>
-          </p:cNvPicPr>
-          <p:nvPr/>
-        </p:nvPicPr>
-        <p:blipFill>
-          <a:blip r:embed="rId3">
-            <a:extLst>
-              <a:ext uri="{28A0092B-C50C-407E-A947-70E740481C1C}">
-                <a14:useLocalDpi xmlns:a14="http://schemas.microsoft.com/office/drawing/2010/main" val="0"/>
-              </a:ext>
-            </a:extLst>
-          </a:blip>
-          <a:srcRect/>
-          <a:stretch>
-            <a:fillRect/>
-          </a:stretch>
-        </p:blipFill>
-        <p:spPr bwMode="auto">
-          <a:xfrm>
-            <a:off x="3971925" y="2014538"/>
-            <a:ext cx="4248150" cy="2828925"/>
-          </a:xfrm>
-          <a:prstGeom prst="rect">
-            <a:avLst/>
-          </a:prstGeom>
-          <a:noFill/>
-          <a:extLst>
-            <a:ext uri="{909E8E84-426E-40DD-AFC4-6F175D3DCCD1}">
-              <a14:hiddenFill xmlns:a14="http://schemas.microsoft.com/office/drawing/2010/main">
-                <a:solidFill>
-                  <a:srgbClr val="FFFFFF"/>
-                </a:solidFill>
-              </a14:hiddenFill>
-            </a:ext>
-          </a:extLst>
-        </p:spPr>
-      </p:pic>
-    </p:spTree>
-    <p:extLst>
-      <p:ext uri="{BB962C8B-B14F-4D97-AF65-F5344CB8AC3E}">
-        <p14:creationId xmlns:p14="http://schemas.microsoft.com/office/powerpoint/2010/main" val="970965800"/>
-      </p:ext>
-    </p:extLst>
-  </p:cSld>
-  <p:clrMapOvr>
-    <a:masterClrMapping/>
-  </p:clrMapOvr>
-  <mc:AlternateContent xmlns:mc="http://schemas.openxmlformats.org/markup-compatibility/2006" xmlns:p14="http://schemas.microsoft.com/office/powerpoint/2010/main">
-    <mc:Choice Requires="p14">
-      <p:transition spd="med" p14:dur="700">
-        <p:fade/>
-      </p:transition>
-    </mc:Choice>
-    <mc:Fallback xmlns="">
-      <p:transition spd="med">
-        <p:fade/>
-      </p:transition>
-    </mc:Fallback>
-  </mc:AlternateContent>
 </p:sld>
 </file>
 

--- a/presentations/02_cnn_anatomy.pptx
+++ b/presentations/02_cnn_anatomy.pptx
@@ -236,7 +236,7 @@
           <a:p>
             <a:fld id="{FD93C9B2-20F6-4DB1-B471-224337D0AC79}" type="datetimeFigureOut">
               <a:rPr lang="en-US" smtClean="0"/>
-              <a:t>8/25/2022</a:t>
+              <a:t>9/12/2022</a:t>
             </a:fld>
             <a:endParaRPr lang="en-US"/>
           </a:p>
@@ -547,41 +547,6 @@
           <a:bodyPr/>
           <a:lstStyle/>
           <a:p>
-            <a:r>
-              <a:rPr lang="en-US" dirty="0">
-                <a:latin typeface="Palatino Linotype" panose="02040502050505030304" pitchFamily="18" charset="0"/>
-              </a:rPr>
-              <a:t>Two learning objectives –</a:t>
-            </a:r>
-          </a:p>
-          <a:p>
-            <a:endParaRPr lang="en-US" dirty="0">
-              <a:latin typeface="Palatino Linotype" panose="02040502050505030304" pitchFamily="18" charset="0"/>
-            </a:endParaRPr>
-          </a:p>
-          <a:p>
-            <a:pPr marL="228600" indent="-228600">
-              <a:buAutoNum type="arabicPeriod"/>
-            </a:pPr>
-            <a:r>
-              <a:rPr lang="en-US" dirty="0">
-                <a:latin typeface="Palatino Linotype" panose="02040502050505030304" pitchFamily="18" charset="0"/>
-              </a:rPr>
-              <a:t>Many kinds of layers – some specific to CNN</a:t>
-            </a:r>
-          </a:p>
-          <a:p>
-            <a:pPr marL="228600" indent="-228600">
-              <a:buAutoNum type="arabicPeriod"/>
-            </a:pPr>
-            <a:r>
-              <a:rPr lang="en-US" dirty="0">
-                <a:latin typeface="Palatino Linotype" panose="02040502050505030304" pitchFamily="18" charset="0"/>
-              </a:rPr>
-              <a:t>Dig into the details of CNN specific operations and layers</a:t>
-            </a:r>
-          </a:p>
-          <a:p>
             <a:endParaRPr lang="en-US" dirty="0">
               <a:latin typeface="Palatino Linotype" panose="02040502050505030304" pitchFamily="18" charset="0"/>
             </a:endParaRPr>
@@ -668,31 +633,79 @@
           <a:bodyPr/>
           <a:lstStyle/>
           <a:p>
-            <a:pPr marL="234841" indent="-234841">
+            <a:pPr marL="228600" indent="-228600" defTabSz="939363">
               <a:buAutoNum type="arabicPeriod"/>
+              <a:defRPr/>
             </a:pPr>
             <a:r>
               <a:rPr lang="en-US" dirty="0"/>
-              <a:t>Okay -- we start off with an input image, a filter or kernel, and an output tensor waiting to be filled.  Note: the asterisk is the mathematical symbol for convolution.  Unfortunately – in Python – this is also the multiplication operator.  </a:t>
-            </a:r>
-          </a:p>
-          <a:p>
-            <a:pPr marL="234841" indent="-234841">
+              <a:t>Apply a 3 x 3 filter to an image by convolving it with that image, sweeping left to right, top to bottom</a:t>
+            </a:r>
+          </a:p>
+          <a:p>
+            <a:pPr marL="228600" indent="-228600" defTabSz="939363">
               <a:buAutoNum type="arabicPeriod"/>
+              <a:defRPr/>
             </a:pPr>
             <a:r>
               <a:rPr lang="en-US" dirty="0"/>
-              <a:t>We start by applying our filter to the upper left corner of our input – now shaded in light blue.  As we can see, the filter’s values appear as superscripts.  The convolution operation is simple.  Multiply each input value by its corresponding filter value.  And then, add everything up to arrive at a single output number – in this case -5.  The addition and multiplication is shown.</a:t>
-            </a:r>
-          </a:p>
-          <a:p>
-            <a:pPr marL="234841" indent="-234841">
+              <a:t>Center the 3 x 3 grid of weights over each pixel – apply neuron to create single output.</a:t>
+            </a:r>
+          </a:p>
+          <a:p>
+            <a:pPr marL="228600" indent="-228600" defTabSz="939363">
               <a:buAutoNum type="arabicPeriod"/>
+              <a:defRPr/>
             </a:pPr>
             <a:r>
               <a:rPr lang="en-US" dirty="0"/>
-              <a:t>We then slide the filter / kernel over by 1 and repeat the process.  The result this time is a -4, as shown in the output tensor.  Keep in mind: the convolution operation sweeps the kernel from left to right, top to bottom.  And continues until it reaches the bottom right-hand corner.  There are variations we will discuss later. </a:t>
-            </a:r>
+              <a:t>The underlying pixel at the center of the filter is the </a:t>
+            </a:r>
+            <a:r>
+              <a:rPr lang="en-US" b="1" dirty="0"/>
+              <a:t>anchor</a:t>
+            </a:r>
+            <a:r>
+              <a:rPr lang="en-US" dirty="0"/>
+              <a:t>, reference point, or zero point.</a:t>
+            </a:r>
+          </a:p>
+          <a:p>
+            <a:pPr marL="0" indent="0" defTabSz="939363">
+              <a:buNone/>
+              <a:defRPr/>
+            </a:pPr>
+            <a:endParaRPr lang="en-US" dirty="0"/>
+          </a:p>
+          <a:p>
+            <a:pPr marL="0" indent="0" defTabSz="939363">
+              <a:buNone/>
+              <a:defRPr/>
+            </a:pPr>
+            <a:r>
+              <a:rPr lang="en-US" dirty="0"/>
+              <a:t>=====</a:t>
+            </a:r>
+          </a:p>
+          <a:p>
+            <a:pPr defTabSz="939363">
+              <a:defRPr/>
+            </a:pPr>
+            <a:r>
+              <a:rPr lang="en-US" dirty="0"/>
+              <a:t>Here we apply a three-by-three filter to an image by </a:t>
+            </a:r>
+            <a:r>
+              <a:rPr lang="en-US" b="1" dirty="0"/>
+              <a:t>convolving</a:t>
+            </a:r>
+            <a:r>
+              <a:rPr lang="en-US" dirty="0"/>
+              <a:t> it with that image, sweeping from left to right, top to bottom.  For each input pixel, we imagine centering the three-by-three grid of weights over that pixel, applying the neuron, and creating a single output value, as shown here. We say that the pixel we’re centering the filter over is the anchor (or the reference point or zero point).  But let’s make this concrete with a simulation…</a:t>
+            </a:r>
+          </a:p>
+          <a:p>
+            <a:endParaRPr lang="en-US" dirty="0"/>
           </a:p>
         </p:txBody>
       </p:sp>
@@ -713,7 +726,7 @@
           <a:p>
             <a:fld id="{3148858F-F1DB-4027-9C85-CCA6849540DD}" type="slidenum">
               <a:rPr lang="en-US" smtClean="0"/>
-              <a:t>11</a:t>
+              <a:t>10</a:t>
             </a:fld>
             <a:endParaRPr lang="en-US"/>
           </a:p>
@@ -722,7 +735,7 @@
     </p:spTree>
     <p:extLst>
       <p:ext uri="{BB962C8B-B14F-4D97-AF65-F5344CB8AC3E}">
-        <p14:creationId xmlns:p14="http://schemas.microsoft.com/office/powerpoint/2010/main" val="3112804276"/>
+        <p14:creationId xmlns:p14="http://schemas.microsoft.com/office/powerpoint/2010/main" val="27396389"/>
       </p:ext>
     </p:extLst>
   </p:cSld>
@@ -776,7 +789,31 @@
           <a:bodyPr/>
           <a:lstStyle/>
           <a:p>
-            <a:endParaRPr lang="en-US" dirty="0"/>
+            <a:pPr marL="234841" indent="-234841">
+              <a:buAutoNum type="arabicPeriod"/>
+            </a:pPr>
+            <a:r>
+              <a:rPr lang="en-US" dirty="0"/>
+              <a:t>Okay -- we start off with an input image, a filter or kernel, and an output tensor waiting to be filled.  Note: the asterisk is the mathematical symbol for convolution.  Unfortunately – in Python – this is also the multiplication operator.  </a:t>
+            </a:r>
+          </a:p>
+          <a:p>
+            <a:pPr marL="234841" indent="-234841">
+              <a:buAutoNum type="arabicPeriod"/>
+            </a:pPr>
+            <a:r>
+              <a:rPr lang="en-US" dirty="0"/>
+              <a:t>We start by applying our filter to the upper left corner of our input – now shaded in light blue.  As we can see, the filter’s values appear as superscripts.  The convolution operation is simple.  Multiply each input value by its corresponding filter value.  And then, add everything up to arrive at a single output number – in this case -5.  The addition and multiplication is shown.</a:t>
+            </a:r>
+          </a:p>
+          <a:p>
+            <a:pPr marL="234841" indent="-234841">
+              <a:buAutoNum type="arabicPeriod"/>
+            </a:pPr>
+            <a:r>
+              <a:rPr lang="en-US" dirty="0"/>
+              <a:t>We then slide the filter / kernel over by 1 and repeat the process.  The result this time is a -4, as shown in the output tensor.  Keep in mind: the convolution operation sweeps the kernel from left to right, top to bottom.  And continues until it reaches the bottom right-hand corner.  There are variations we will discuss later. </a:t>
+            </a:r>
           </a:p>
         </p:txBody>
       </p:sp>
@@ -797,7 +834,7 @@
           <a:p>
             <a:fld id="{3148858F-F1DB-4027-9C85-CCA6849540DD}" type="slidenum">
               <a:rPr lang="en-US" smtClean="0"/>
-              <a:t>12</a:t>
+              <a:t>11</a:t>
             </a:fld>
             <a:endParaRPr lang="en-US"/>
           </a:p>
@@ -806,7 +843,7 @@
     </p:spTree>
     <p:extLst>
       <p:ext uri="{BB962C8B-B14F-4D97-AF65-F5344CB8AC3E}">
-        <p14:creationId xmlns:p14="http://schemas.microsoft.com/office/powerpoint/2010/main" val="3991312023"/>
+        <p14:creationId xmlns:p14="http://schemas.microsoft.com/office/powerpoint/2010/main" val="3112804276"/>
       </p:ext>
     </p:extLst>
   </p:cSld>
@@ -860,18 +897,6 @@
           <a:bodyPr/>
           <a:lstStyle/>
           <a:p>
-            <a:pPr defTabSz="939363">
-              <a:defRPr/>
-            </a:pPr>
-            <a:r>
-              <a:rPr lang="en-US" dirty="0"/>
-              <a:t>The exercise for this workshop starts on page 113 of the textbook. </a:t>
-            </a:r>
-          </a:p>
-          <a:p>
-            <a:pPr defTabSz="939363">
-              <a:defRPr/>
-            </a:pPr>
             <a:endParaRPr lang="en-US" dirty="0"/>
           </a:p>
         </p:txBody>
@@ -893,7 +918,7 @@
           <a:p>
             <a:fld id="{3148858F-F1DB-4027-9C85-CCA6849540DD}" type="slidenum">
               <a:rPr lang="en-US" smtClean="0"/>
-              <a:t>13</a:t>
+              <a:t>12</a:t>
             </a:fld>
             <a:endParaRPr lang="en-US"/>
           </a:p>
@@ -902,7 +927,7 @@
     </p:spTree>
     <p:extLst>
       <p:ext uri="{BB962C8B-B14F-4D97-AF65-F5344CB8AC3E}">
-        <p14:creationId xmlns:p14="http://schemas.microsoft.com/office/powerpoint/2010/main" val="1984289498"/>
+        <p14:creationId xmlns:p14="http://schemas.microsoft.com/office/powerpoint/2010/main" val="3991312023"/>
       </p:ext>
     </p:extLst>
   </p:cSld>
@@ -956,52 +981,19 @@
           <a:bodyPr/>
           <a:lstStyle/>
           <a:p>
+            <a:pPr defTabSz="939363">
+              <a:defRPr/>
+            </a:pPr>
             <a:r>
               <a:rPr lang="en-US" dirty="0"/>
-              <a:t>As we saw, during convolution we can imagine starting the filter in the upper-left pixel of the input image. The filter produces an output, then takes one step right, produces another output, moves another step right, and so on until it reaches the right edge of that row. Then it moves down one row and back to the left side, and the process repeats.  </a:t>
-            </a:r>
-          </a:p>
-          <a:p>
+              <a:t>The exercise for this workshop starts on page 113 of the textbook. </a:t>
+            </a:r>
+          </a:p>
+          <a:p>
+            <a:pPr defTabSz="939363">
+              <a:defRPr/>
+            </a:pPr>
             <a:endParaRPr lang="en-US" dirty="0"/>
-          </a:p>
-          <a:p>
-            <a:pPr marL="228600" indent="-228600">
-              <a:buAutoNum type="arabicPeriod"/>
-            </a:pPr>
-            <a:r>
-              <a:rPr lang="en-US" dirty="0"/>
-              <a:t>Simulation:  First click sequence – stride of 1, across and down</a:t>
-            </a:r>
-          </a:p>
-          <a:p>
-            <a:endParaRPr lang="en-US" dirty="0"/>
-          </a:p>
-          <a:p>
-            <a:r>
-              <a:rPr lang="en-US" dirty="0"/>
-              <a:t>But we don’t have to move in single steps. Suppose we move, or stride, more than one pixel to the right, or more than one pixel down, as we sweep our filter. Then our output will end up being smaller than the input. We usually use the word stride (and the related striding) only when we use steps greater than one in any dimension.  </a:t>
-            </a:r>
-          </a:p>
-          <a:p>
-            <a:endParaRPr lang="en-US" dirty="0"/>
-          </a:p>
-          <a:p>
-            <a:pPr marL="228600" indent="-228600">
-              <a:buAutoNum type="arabicPeriod"/>
-            </a:pPr>
-            <a:r>
-              <a:rPr lang="en-US" dirty="0"/>
-              <a:t>Simulation: Second click sequence – stride of 2, across and down</a:t>
-            </a:r>
-          </a:p>
-          <a:p>
-            <a:endParaRPr lang="en-US" dirty="0"/>
-          </a:p>
-          <a:p>
-            <a:r>
-              <a:rPr lang="en-US" dirty="0"/>
-              <a:t>In both simulations, the filter moves starting from the upper left. As the filter moves left to right, it produces a sequence of outputs, and those get placed one after the other, also left to right, in the output. When the filter moves down, the new outputs go on a new line of cells in the output.</a:t>
-            </a:r>
           </a:p>
         </p:txBody>
       </p:sp>
@@ -1022,7 +1014,7 @@
           <a:p>
             <a:fld id="{3148858F-F1DB-4027-9C85-CCA6849540DD}" type="slidenum">
               <a:rPr lang="en-US" smtClean="0"/>
-              <a:t>14</a:t>
+              <a:t>13</a:t>
             </a:fld>
             <a:endParaRPr lang="en-US"/>
           </a:p>
@@ -1031,7 +1023,7 @@
     </p:spTree>
     <p:extLst>
       <p:ext uri="{BB962C8B-B14F-4D97-AF65-F5344CB8AC3E}">
-        <p14:creationId xmlns:p14="http://schemas.microsoft.com/office/powerpoint/2010/main" val="531669300"/>
+        <p14:creationId xmlns:p14="http://schemas.microsoft.com/office/powerpoint/2010/main" val="1984289498"/>
       </p:ext>
     </p:extLst>
   </p:cSld>
@@ -1085,118 +1077,52 @@
           <a:bodyPr/>
           <a:lstStyle/>
           <a:p>
-            <a:pPr algn="l"/>
-            <a:r>
-              <a:rPr lang="en-US" b="0" i="0" dirty="0">
-                <a:solidFill>
-                  <a:srgbClr val="6D737D"/>
-                </a:solidFill>
-                <a:effectLst/>
-                <a:latin typeface="+mn-lt"/>
-              </a:rPr>
-              <a:t>Need for padding – minor issue w/convolution operation.  When we apply a convolution to an image, the output tensor has smaller dimensions than the input.  Let’s simulate the process.  </a:t>
-            </a:r>
-          </a:p>
-          <a:p>
-            <a:pPr algn="l"/>
-            <a:endParaRPr lang="en-US" b="0" i="0" dirty="0">
-              <a:solidFill>
-                <a:srgbClr val="6D737D"/>
-              </a:solidFill>
-              <a:effectLst/>
-              <a:latin typeface="+mn-lt"/>
-            </a:endParaRPr>
-          </a:p>
-          <a:p>
-            <a:pPr marL="228600" indent="-228600" algn="l">
+            <a:r>
+              <a:rPr lang="en-US" dirty="0"/>
+              <a:t>As we saw, during convolution we can imagine starting the filter in the upper-left pixel of the input image. The filter produces an output, then takes one step right, produces another output, moves another step right, and so on until it reaches the right edge of that row. Then it moves down one row and back to the left side, and the process repeats.  </a:t>
+            </a:r>
+          </a:p>
+          <a:p>
+            <a:endParaRPr lang="en-US" dirty="0"/>
+          </a:p>
+          <a:p>
+            <a:pPr marL="228600" indent="-228600">
               <a:buAutoNum type="arabicPeriod"/>
             </a:pPr>
             <a:r>
-              <a:rPr lang="en-US" b="0" i="0" dirty="0">
-                <a:solidFill>
-                  <a:srgbClr val="6D737D"/>
-                </a:solidFill>
-                <a:effectLst/>
-                <a:latin typeface="+mn-lt"/>
-              </a:rPr>
-              <a:t>We first apply a filter to our image.  </a:t>
-            </a:r>
-          </a:p>
-          <a:p>
-            <a:pPr marL="228600" indent="-228600" algn="l">
+              <a:rPr lang="en-US" dirty="0"/>
+              <a:t>Simulation:  First click sequence – stride of 1, across and down</a:t>
+            </a:r>
+          </a:p>
+          <a:p>
+            <a:endParaRPr lang="en-US" dirty="0"/>
+          </a:p>
+          <a:p>
+            <a:r>
+              <a:rPr lang="en-US" dirty="0"/>
+              <a:t>But we don’t have to move in single steps. Suppose we move, or stride, more than one pixel to the right, or more than one pixel down, as we sweep our filter. Then our output will end up being smaller than the input. We usually use the word stride (and the related striding) only when we use steps greater than one in any dimension.  </a:t>
+            </a:r>
+          </a:p>
+          <a:p>
+            <a:endParaRPr lang="en-US" dirty="0"/>
+          </a:p>
+          <a:p>
+            <a:pPr marL="228600" indent="-228600">
               <a:buAutoNum type="arabicPeriod"/>
             </a:pPr>
             <a:r>
-              <a:rPr lang="en-US" b="0" i="0" dirty="0">
-                <a:solidFill>
-                  <a:srgbClr val="6D737D"/>
-                </a:solidFill>
-                <a:effectLst/>
-                <a:latin typeface="+mn-lt"/>
-              </a:rPr>
-              <a:t>The pixel at the center of the filter becomes the anchor or reference point, pictured.</a:t>
-            </a:r>
-          </a:p>
-          <a:p>
-            <a:pPr marL="228600" indent="-228600" algn="l">
-              <a:buAutoNum type="arabicPeriod"/>
-            </a:pPr>
-            <a:r>
-              <a:rPr lang="en-US" b="0" i="0" dirty="0">
-                <a:solidFill>
-                  <a:srgbClr val="6D737D"/>
-                </a:solidFill>
-                <a:effectLst/>
-                <a:latin typeface="+mn-lt"/>
-              </a:rPr>
-              <a:t>The filter values are multiplied by the input values (the convolution is executed) and the output is inserted into the output tensor.</a:t>
-            </a:r>
-          </a:p>
-          <a:p>
-            <a:pPr marL="228600" indent="-228600" algn="l">
-              <a:buAutoNum type="arabicPeriod"/>
-            </a:pPr>
-            <a:r>
-              <a:rPr lang="en-US" b="0" i="0" dirty="0">
-                <a:solidFill>
-                  <a:srgbClr val="6D737D"/>
-                </a:solidFill>
-                <a:effectLst/>
-                <a:latin typeface="+mn-lt"/>
-              </a:rPr>
-              <a:t>However, this leads to an output tensor smaller than the original input.  Let’s visualize this by laying the output tensor on top of the input tensor, using the upper-right corner as our anchor point.  Here the light grey footprint is smaller by 1 square on all sides.</a:t>
-            </a:r>
-          </a:p>
-          <a:p>
-            <a:pPr marL="0" indent="0" algn="l">
-              <a:buNone/>
-            </a:pPr>
-            <a:endParaRPr lang="en-US" b="0" i="0" dirty="0">
-              <a:solidFill>
-                <a:srgbClr val="6D737D"/>
-              </a:solidFill>
-              <a:effectLst/>
-              <a:latin typeface="+mn-lt"/>
-            </a:endParaRPr>
-          </a:p>
-          <a:p>
-            <a:pPr marL="0" indent="0" algn="l">
-              <a:buNone/>
-            </a:pPr>
-            <a:r>
-              <a:rPr lang="en-US" b="0" i="0" dirty="0">
-                <a:solidFill>
-                  <a:srgbClr val="6D737D"/>
-                </a:solidFill>
-                <a:effectLst/>
-                <a:latin typeface="+mn-lt"/>
-              </a:rPr>
-              <a:t>So, how do we fix this problem?</a:t>
-            </a:r>
-          </a:p>
-          <a:p>
-            <a:pPr algn="l"/>
+              <a:rPr lang="en-US" dirty="0"/>
+              <a:t>Simulation: Second click sequence – stride of 2, across and down</a:t>
+            </a:r>
+          </a:p>
+          <a:p>
             <a:endParaRPr lang="en-US" dirty="0"/>
+          </a:p>
+          <a:p>
+            <a:r>
+              <a:rPr lang="en-US" dirty="0"/>
+              <a:t>In both simulations, the filter moves starting from the upper left. As the filter moves left to right, it produces a sequence of outputs, and those get placed one after the other, also left to right, in the output. When the filter moves down, the new outputs go on a new line of cells in the output.</a:t>
+            </a:r>
           </a:p>
         </p:txBody>
       </p:sp>
@@ -1217,7 +1143,7 @@
           <a:p>
             <a:fld id="{3148858F-F1DB-4027-9C85-CCA6849540DD}" type="slidenum">
               <a:rPr lang="en-US" smtClean="0"/>
-              <a:t>15</a:t>
+              <a:t>14</a:t>
             </a:fld>
             <a:endParaRPr lang="en-US"/>
           </a:p>
@@ -1226,7 +1152,7 @@
     </p:spTree>
     <p:extLst>
       <p:ext uri="{BB962C8B-B14F-4D97-AF65-F5344CB8AC3E}">
-        <p14:creationId xmlns:p14="http://schemas.microsoft.com/office/powerpoint/2010/main" val="388873883"/>
+        <p14:creationId xmlns:p14="http://schemas.microsoft.com/office/powerpoint/2010/main" val="531669300"/>
       </p:ext>
     </p:extLst>
   </p:cSld>
@@ -1289,7 +1215,7 @@
                 <a:effectLst/>
                 <a:latin typeface="+mn-lt"/>
               </a:rPr>
-              <a:t>Well, the answer is relatively simple.</a:t>
+              <a:t>Need for padding – minor issue w/convolution operation.  When we apply a convolution to an image, the output tensor has smaller dimensions than the input.  Let’s simulate the process.  </a:t>
             </a:r>
           </a:p>
           <a:p>
@@ -1314,7 +1240,7 @@
                 <a:effectLst/>
                 <a:latin typeface="+mn-lt"/>
               </a:rPr>
-              <a:t>We start with an input tensor.</a:t>
+              <a:t>We first apply a filter to our image.  </a:t>
             </a:r>
           </a:p>
           <a:p>
@@ -1329,11 +1255,43 @@
                 <a:effectLst/>
                 <a:latin typeface="+mn-lt"/>
               </a:rPr>
-              <a:t>… and simply add a layer of padding around it.</a:t>
-            </a:r>
-          </a:p>
-          <a:p>
-            <a:pPr algn="l"/>
+              <a:t>The pixel at the center of the filter becomes the anchor or reference point, pictured.</a:t>
+            </a:r>
+          </a:p>
+          <a:p>
+            <a:pPr marL="228600" indent="-228600" algn="l">
+              <a:buAutoNum type="arabicPeriod"/>
+            </a:pPr>
+            <a:r>
+              <a:rPr lang="en-US" b="0" i="0" dirty="0">
+                <a:solidFill>
+                  <a:srgbClr val="6D737D"/>
+                </a:solidFill>
+                <a:effectLst/>
+                <a:latin typeface="+mn-lt"/>
+              </a:rPr>
+              <a:t>The filter values are multiplied by the input values (the convolution is executed) and the output is inserted into the output tensor.</a:t>
+            </a:r>
+          </a:p>
+          <a:p>
+            <a:pPr marL="228600" indent="-228600" algn="l">
+              <a:buAutoNum type="arabicPeriod"/>
+            </a:pPr>
+            <a:r>
+              <a:rPr lang="en-US" b="0" i="0" dirty="0">
+                <a:solidFill>
+                  <a:srgbClr val="6D737D"/>
+                </a:solidFill>
+                <a:effectLst/>
+                <a:latin typeface="+mn-lt"/>
+              </a:rPr>
+              <a:t>However, this leads to an output tensor smaller than the original input.  Let’s visualize this by laying the output tensor on top of the input tensor, using the upper-right corner as our anchor point.  Here the light grey footprint is smaller by 1 square on all sides.</a:t>
+            </a:r>
+          </a:p>
+          <a:p>
+            <a:pPr marL="0" indent="0" algn="l">
+              <a:buNone/>
+            </a:pPr>
             <a:endParaRPr lang="en-US" b="0" i="0" dirty="0">
               <a:solidFill>
                 <a:srgbClr val="6D737D"/>
@@ -1343,33 +1301,23 @@
             </a:endParaRPr>
           </a:p>
           <a:p>
-            <a:pPr algn="l"/>
-            <a:r>
-              <a:rPr lang="en-US" dirty="0"/>
-              <a:t>Padding allows us create an output image of the same width and height as the input. The idea is that we add a border of extra elements around the outside of the input.  All the elements have the same value. If we place zeros in all the new elements, we call the technique zero-padding. In practice, we almost always use zeros, so people often refer to zero-padding as merely padding, with the understanding that if they mean to use any value other than zero, they say so explicitly.</a:t>
+            <a:pPr marL="0" indent="0" algn="l">
+              <a:buNone/>
+            </a:pPr>
+            <a:r>
+              <a:rPr lang="en-US" b="0" i="0" dirty="0">
+                <a:solidFill>
+                  <a:srgbClr val="6D737D"/>
+                </a:solidFill>
+                <a:effectLst/>
+                <a:latin typeface="+mn-lt"/>
+              </a:rPr>
+              <a:t>So, how do we fix this problem?</a:t>
             </a:r>
           </a:p>
           <a:p>
             <a:pPr algn="l"/>
             <a:endParaRPr lang="en-US" dirty="0"/>
-          </a:p>
-          <a:p>
-            <a:pPr algn="l"/>
-            <a:r>
-              <a:rPr lang="en-US" dirty="0"/>
-              <a:t>The thickness of the border depends on the size of the filter. We usually use just enough padding so that the filter can be centered on every element of the input. Every filter needs to have its input padded if we don’t want to lose information from the sides.</a:t>
-            </a:r>
-          </a:p>
-          <a:p>
-            <a:pPr algn="l"/>
-            <a:endParaRPr lang="en-US" dirty="0"/>
-          </a:p>
-          <a:p>
-            <a:pPr algn="l"/>
-            <a:r>
-              <a:rPr lang="en-US" dirty="0"/>
-              <a:t>Most deep learning libraries automatically calculate the necessary amount of padding so that our output has the same width and height as our input and apply it for us as a default.</a:t>
-            </a:r>
           </a:p>
         </p:txBody>
       </p:sp>
@@ -1390,7 +1338,7 @@
           <a:p>
             <a:fld id="{3148858F-F1DB-4027-9C85-CCA6849540DD}" type="slidenum">
               <a:rPr lang="en-US" smtClean="0"/>
-              <a:t>16</a:t>
+              <a:t>15</a:t>
             </a:fld>
             <a:endParaRPr lang="en-US"/>
           </a:p>
@@ -1399,7 +1347,7 @@
     </p:spTree>
     <p:extLst>
       <p:ext uri="{BB962C8B-B14F-4D97-AF65-F5344CB8AC3E}">
-        <p14:creationId xmlns:p14="http://schemas.microsoft.com/office/powerpoint/2010/main" val="1546276964"/>
+        <p14:creationId xmlns:p14="http://schemas.microsoft.com/office/powerpoint/2010/main" val="388873883"/>
       </p:ext>
     </p:extLst>
   </p:cSld>
@@ -1453,9 +1401,95 @@
           <a:bodyPr/>
           <a:lstStyle/>
           <a:p>
+            <a:pPr algn="l"/>
+            <a:r>
+              <a:rPr lang="en-US" b="0" i="0" dirty="0">
+                <a:solidFill>
+                  <a:srgbClr val="6D737D"/>
+                </a:solidFill>
+                <a:effectLst/>
+                <a:latin typeface="+mn-lt"/>
+              </a:rPr>
+              <a:t>Well, the answer is relatively simple.</a:t>
+            </a:r>
+          </a:p>
+          <a:p>
+            <a:pPr algn="l"/>
+            <a:endParaRPr lang="en-US" b="0" i="0" dirty="0">
+              <a:solidFill>
+                <a:srgbClr val="6D737D"/>
+              </a:solidFill>
+              <a:effectLst/>
+              <a:latin typeface="+mn-lt"/>
+            </a:endParaRPr>
+          </a:p>
+          <a:p>
+            <a:pPr marL="228600" indent="-228600" algn="l">
+              <a:buAutoNum type="arabicPeriod"/>
+            </a:pPr>
+            <a:r>
+              <a:rPr lang="en-US" b="0" i="0" dirty="0">
+                <a:solidFill>
+                  <a:srgbClr val="6D737D"/>
+                </a:solidFill>
+                <a:effectLst/>
+                <a:latin typeface="+mn-lt"/>
+              </a:rPr>
+              <a:t>We start with an input tensor.</a:t>
+            </a:r>
+          </a:p>
+          <a:p>
+            <a:pPr marL="228600" indent="-228600" algn="l">
+              <a:buAutoNum type="arabicPeriod"/>
+            </a:pPr>
+            <a:r>
+              <a:rPr lang="en-US" b="0" i="0" dirty="0">
+                <a:solidFill>
+                  <a:srgbClr val="6D737D"/>
+                </a:solidFill>
+                <a:effectLst/>
+                <a:latin typeface="+mn-lt"/>
+              </a:rPr>
+              <a:t>… and simply add a layer of padding around it.</a:t>
+            </a:r>
+          </a:p>
+          <a:p>
+            <a:pPr algn="l"/>
+            <a:endParaRPr lang="en-US" b="0" i="0" dirty="0">
+              <a:solidFill>
+                <a:srgbClr val="6D737D"/>
+              </a:solidFill>
+              <a:effectLst/>
+              <a:latin typeface="+mn-lt"/>
+            </a:endParaRPr>
+          </a:p>
+          <a:p>
+            <a:pPr algn="l"/>
             <a:r>
               <a:rPr lang="en-US" dirty="0"/>
-              <a:t>Padding simulation.</a:t>
+              <a:t>Padding allows us create an output image of the same width and height as the input. The idea is that we add a border of extra elements around the outside of the input.  All the elements have the same value. If we place zeros in all the new elements, we call the technique zero-padding. In practice, we almost always use zeros, so people often refer to zero-padding as merely padding, with the understanding that if they mean to use any value other than zero, they say so explicitly.</a:t>
+            </a:r>
+          </a:p>
+          <a:p>
+            <a:pPr algn="l"/>
+            <a:endParaRPr lang="en-US" dirty="0"/>
+          </a:p>
+          <a:p>
+            <a:pPr algn="l"/>
+            <a:r>
+              <a:rPr lang="en-US" dirty="0"/>
+              <a:t>The thickness of the border depends on the size of the filter. We usually use just enough padding so that the filter can be centered on every element of the input. Every filter needs to have its input padded if we don’t want to lose information from the sides.</a:t>
+            </a:r>
+          </a:p>
+          <a:p>
+            <a:pPr algn="l"/>
+            <a:endParaRPr lang="en-US" dirty="0"/>
+          </a:p>
+          <a:p>
+            <a:pPr algn="l"/>
+            <a:r>
+              <a:rPr lang="en-US" dirty="0"/>
+              <a:t>Most deep learning libraries automatically calculate the necessary amount of padding so that our output has the same width and height as our input and apply it for us as a default.</a:t>
             </a:r>
           </a:p>
         </p:txBody>
@@ -1477,7 +1511,7 @@
           <a:p>
             <a:fld id="{3148858F-F1DB-4027-9C85-CCA6849540DD}" type="slidenum">
               <a:rPr lang="en-US" smtClean="0"/>
-              <a:t>17</a:t>
+              <a:t>16</a:t>
             </a:fld>
             <a:endParaRPr lang="en-US"/>
           </a:p>
@@ -1486,7 +1520,7 @@
     </p:spTree>
     <p:extLst>
       <p:ext uri="{BB962C8B-B14F-4D97-AF65-F5344CB8AC3E}">
-        <p14:creationId xmlns:p14="http://schemas.microsoft.com/office/powerpoint/2010/main" val="552238523"/>
+        <p14:creationId xmlns:p14="http://schemas.microsoft.com/office/powerpoint/2010/main" val="1546276964"/>
       </p:ext>
     </p:extLst>
   </p:cSld>
@@ -1540,10 +1574,9 @@
           <a:bodyPr/>
           <a:lstStyle/>
           <a:p>
-            <a:pPr algn="l"/>
             <a:r>
               <a:rPr lang="en-US" dirty="0"/>
-              <a:t>As we have already discussed the convolution operation, let’s now take a closer look at pooling, starting with max pooling.</a:t>
+              <a:t>Padding simulation.</a:t>
             </a:r>
           </a:p>
         </p:txBody>
@@ -1565,7 +1598,7 @@
           <a:p>
             <a:fld id="{3148858F-F1DB-4027-9C85-CCA6849540DD}" type="slidenum">
               <a:rPr lang="en-US" smtClean="0"/>
-              <a:t>18</a:t>
+              <a:t>17</a:t>
             </a:fld>
             <a:endParaRPr lang="en-US"/>
           </a:p>
@@ -1574,7 +1607,7 @@
     </p:spTree>
     <p:extLst>
       <p:ext uri="{BB962C8B-B14F-4D97-AF65-F5344CB8AC3E}">
-        <p14:creationId xmlns:p14="http://schemas.microsoft.com/office/powerpoint/2010/main" val="1994588752"/>
+        <p14:creationId xmlns:p14="http://schemas.microsoft.com/office/powerpoint/2010/main" val="552238523"/>
       </p:ext>
     </p:extLst>
   </p:cSld>
@@ -1630,173 +1663,9 @@
           <a:p>
             <a:pPr algn="l"/>
             <a:r>
-              <a:rPr lang="en-US" b="0" i="0" dirty="0">
-                <a:solidFill>
-                  <a:srgbClr val="6D737D"/>
-                </a:solidFill>
-                <a:effectLst/>
-                <a:latin typeface="+mn-lt"/>
-              </a:rPr>
-              <a:t>Pooling layers are used to reduce the dimensions of the feature maps of convolution layers. But why do we need to perform such down sampling</a:t>
-            </a:r>
-            <a:r>
-              <a:rPr lang="en-US" b="0" i="0">
-                <a:solidFill>
-                  <a:srgbClr val="6D737D"/>
-                </a:solidFill>
-                <a:effectLst/>
-                <a:latin typeface="+mn-lt"/>
-              </a:rPr>
-              <a:t>?  One </a:t>
-            </a:r>
-            <a:r>
-              <a:rPr lang="en-US" b="0" i="0" dirty="0">
-                <a:solidFill>
-                  <a:srgbClr val="6D737D"/>
-                </a:solidFill>
-                <a:effectLst/>
-                <a:latin typeface="+mn-lt"/>
-              </a:rPr>
-              <a:t>of the main reasons is to reduce the number of calculations that are performed in the networks. Adding multiple layers of convolution with different filters can have a significant impact on the training time. Also, reducing the dimensions of feature maps can eliminate some of the noise in the feature map and help us focus only on the detected pattern. It is quite typical to add a pooling layer after each convolutional layer in order to reduce the size of the feature maps.</a:t>
-            </a:r>
-          </a:p>
-          <a:p>
-            <a:pPr algn="l"/>
-            <a:endParaRPr lang="en-US" b="0" i="0" dirty="0">
-              <a:solidFill>
-                <a:srgbClr val="6D737D"/>
-              </a:solidFill>
-              <a:effectLst/>
-              <a:latin typeface="+mn-lt"/>
-            </a:endParaRPr>
-          </a:p>
-          <a:p>
-            <a:pPr algn="l"/>
-            <a:r>
-              <a:rPr lang="en-US" b="0" i="0" dirty="0">
-                <a:solidFill>
-                  <a:srgbClr val="6D737D"/>
-                </a:solidFill>
-                <a:effectLst/>
-                <a:latin typeface="+mn-lt"/>
-              </a:rPr>
-              <a:t>A pooling operation acts like a filter, but rather than performing a convolution operation, it uses an aggregation function such as average or max (max is the most widely used function in the current CNN architecture). For instance, </a:t>
-            </a:r>
-            <a:r>
-              <a:rPr lang="en-US" b="1" i="0" dirty="0">
-                <a:solidFill>
-                  <a:srgbClr val="6D737D"/>
-                </a:solidFill>
-                <a:effectLst/>
-                <a:latin typeface="+mn-lt"/>
-              </a:rPr>
-              <a:t>max pooling</a:t>
-            </a:r>
-            <a:r>
-              <a:rPr lang="en-US" b="0" i="0" dirty="0">
-                <a:solidFill>
-                  <a:srgbClr val="6D737D"/>
-                </a:solidFill>
-                <a:effectLst/>
-                <a:latin typeface="+mn-lt"/>
-              </a:rPr>
-              <a:t> will look at a specific area of the feature map and find the maximum values of its pixels. Then, it performs a stride and finds the maximum value among the neighbor pixels. It repeats this process until it processes the entire image.  </a:t>
-            </a:r>
-          </a:p>
-          <a:p>
-            <a:pPr algn="l"/>
-            <a:endParaRPr lang="en-US" b="0" i="0" dirty="0">
-              <a:solidFill>
-                <a:srgbClr val="6D737D"/>
-              </a:solidFill>
-              <a:effectLst/>
-              <a:latin typeface="+mn-lt"/>
-            </a:endParaRPr>
-          </a:p>
-          <a:p>
-            <a:pPr algn="l"/>
-            <a:r>
-              <a:rPr lang="en-US" b="0" i="0" dirty="0">
-                <a:solidFill>
-                  <a:srgbClr val="6D737D"/>
-                </a:solidFill>
-                <a:effectLst/>
-                <a:latin typeface="+mn-lt"/>
-              </a:rPr>
-              <a:t>Let’s simulate this process.</a:t>
-            </a:r>
-          </a:p>
-          <a:p>
-            <a:pPr algn="l"/>
-            <a:endParaRPr lang="en-US" b="0" i="0" dirty="0">
-              <a:solidFill>
-                <a:srgbClr val="6D737D"/>
-              </a:solidFill>
-              <a:effectLst/>
-              <a:latin typeface="+mn-lt"/>
-            </a:endParaRPr>
-          </a:p>
-          <a:p>
-            <a:pPr marL="228600" indent="-228600" algn="l">
-              <a:buAutoNum type="arabicPeriod"/>
-            </a:pPr>
-            <a:r>
-              <a:rPr lang="en-US" b="0" i="0" dirty="0">
-                <a:solidFill>
-                  <a:srgbClr val="6D737D"/>
-                </a:solidFill>
-                <a:effectLst/>
-                <a:latin typeface="+mn-lt"/>
-              </a:rPr>
-              <a:t>The max filter is applied and the largest (max) number in the input image is added to the output tensor.  The colors help us see the connections between the input and the corresponding output.</a:t>
-            </a:r>
-          </a:p>
-          <a:p>
-            <a:pPr marL="228600" indent="-228600" algn="l">
-              <a:buAutoNum type="arabicPeriod"/>
-            </a:pPr>
-            <a:r>
-              <a:rPr lang="en-US" b="0" i="0" dirty="0">
-                <a:solidFill>
-                  <a:srgbClr val="6D737D"/>
-                </a:solidFill>
-                <a:effectLst/>
-                <a:latin typeface="+mn-lt"/>
-              </a:rPr>
-              <a:t>In this example, our stride is two and the max pooling operation is once again applied, resulting in 7 as its output.</a:t>
-            </a:r>
-          </a:p>
-          <a:p>
-            <a:pPr marL="228600" indent="-228600" algn="l">
-              <a:buAutoNum type="arabicPeriod"/>
-            </a:pPr>
-            <a:endParaRPr lang="en-US" b="0" i="0" dirty="0">
-              <a:solidFill>
-                <a:srgbClr val="6D737D"/>
-              </a:solidFill>
-              <a:effectLst/>
-              <a:latin typeface="+mn-lt"/>
-            </a:endParaRPr>
-          </a:p>
-          <a:p>
-            <a:pPr algn="l"/>
-            <a:endParaRPr lang="en-US" b="0" i="0" dirty="0">
-              <a:solidFill>
-                <a:srgbClr val="6D737D"/>
-              </a:solidFill>
-              <a:effectLst/>
-              <a:latin typeface="+mn-lt"/>
-            </a:endParaRPr>
-          </a:p>
-          <a:p>
-            <a:pPr algn="l"/>
-            <a:endParaRPr lang="en-US" dirty="0">
-              <a:latin typeface="+mn-lt"/>
-            </a:endParaRPr>
-          </a:p>
-          <a:p>
-            <a:pPr algn="l"/>
-            <a:endParaRPr lang="en-US" dirty="0"/>
+              <a:rPr lang="en-US" dirty="0"/>
+              <a:t>As we have already discussed the convolution operation, let’s now take a closer look at pooling, starting with max pooling.</a:t>
+            </a:r>
           </a:p>
         </p:txBody>
       </p:sp>
@@ -1817,7 +1686,7 @@
           <a:p>
             <a:fld id="{3148858F-F1DB-4027-9C85-CCA6849540DD}" type="slidenum">
               <a:rPr lang="en-US" smtClean="0"/>
-              <a:t>19</a:t>
+              <a:t>18</a:t>
             </a:fld>
             <a:endParaRPr lang="en-US"/>
           </a:p>
@@ -1826,7 +1695,7 @@
     </p:spTree>
     <p:extLst>
       <p:ext uri="{BB962C8B-B14F-4D97-AF65-F5344CB8AC3E}">
-        <p14:creationId xmlns:p14="http://schemas.microsoft.com/office/powerpoint/2010/main" val="2905873406"/>
+        <p14:creationId xmlns:p14="http://schemas.microsoft.com/office/powerpoint/2010/main" val="1994588752"/>
       </p:ext>
     </p:extLst>
   </p:cSld>
@@ -1880,10 +1749,175 @@
           <a:bodyPr/>
           <a:lstStyle/>
           <a:p>
-            <a:r>
-              <a:rPr lang="en-US" dirty="0"/>
-              <a:t>Simulation of max pooling with a stride of 2.</a:t>
-            </a:r>
+            <a:pPr algn="l"/>
+            <a:r>
+              <a:rPr lang="en-US" b="0" i="0" dirty="0">
+                <a:solidFill>
+                  <a:srgbClr val="6D737D"/>
+                </a:solidFill>
+                <a:effectLst/>
+                <a:latin typeface="+mn-lt"/>
+              </a:rPr>
+              <a:t>Pooling layers are used to reduce the dimensions of the feature maps of convolution layers. But why do we need to perform such down sampling</a:t>
+            </a:r>
+            <a:r>
+              <a:rPr lang="en-US" b="0" i="0">
+                <a:solidFill>
+                  <a:srgbClr val="6D737D"/>
+                </a:solidFill>
+                <a:effectLst/>
+                <a:latin typeface="+mn-lt"/>
+              </a:rPr>
+              <a:t>?  One </a:t>
+            </a:r>
+            <a:r>
+              <a:rPr lang="en-US" b="0" i="0" dirty="0">
+                <a:solidFill>
+                  <a:srgbClr val="6D737D"/>
+                </a:solidFill>
+                <a:effectLst/>
+                <a:latin typeface="+mn-lt"/>
+              </a:rPr>
+              <a:t>of the main reasons is to reduce the number of calculations that are performed in the networks. Adding multiple layers of convolution with different filters can have a significant impact on the training time. Also, reducing the dimensions of feature maps can eliminate some of the noise in the feature map and help us focus only on the detected pattern. It is quite typical to add a pooling layer after each convolutional layer in order to reduce the size of the feature maps.</a:t>
+            </a:r>
+          </a:p>
+          <a:p>
+            <a:pPr algn="l"/>
+            <a:endParaRPr lang="en-US" b="0" i="0" dirty="0">
+              <a:solidFill>
+                <a:srgbClr val="6D737D"/>
+              </a:solidFill>
+              <a:effectLst/>
+              <a:latin typeface="+mn-lt"/>
+            </a:endParaRPr>
+          </a:p>
+          <a:p>
+            <a:pPr algn="l"/>
+            <a:r>
+              <a:rPr lang="en-US" b="0" i="0" dirty="0">
+                <a:solidFill>
+                  <a:srgbClr val="6D737D"/>
+                </a:solidFill>
+                <a:effectLst/>
+                <a:latin typeface="+mn-lt"/>
+              </a:rPr>
+              <a:t>A pooling operation acts like a filter, but rather than performing a convolution operation, it uses an aggregation function such as average or max (max is the most widely used function in the current CNN architecture). For instance, </a:t>
+            </a:r>
+            <a:r>
+              <a:rPr lang="en-US" b="1" i="0" dirty="0">
+                <a:solidFill>
+                  <a:srgbClr val="6D737D"/>
+                </a:solidFill>
+                <a:effectLst/>
+                <a:latin typeface="+mn-lt"/>
+              </a:rPr>
+              <a:t>max pooling</a:t>
+            </a:r>
+            <a:r>
+              <a:rPr lang="en-US" b="0" i="0" dirty="0">
+                <a:solidFill>
+                  <a:srgbClr val="6D737D"/>
+                </a:solidFill>
+                <a:effectLst/>
+                <a:latin typeface="+mn-lt"/>
+              </a:rPr>
+              <a:t> will look at a specific area of the feature map and find the maximum values of its pixels. Then, it performs a stride and finds the maximum value among the neighbor pixels. It repeats this process until it processes the entire image.  </a:t>
+            </a:r>
+          </a:p>
+          <a:p>
+            <a:pPr algn="l"/>
+            <a:endParaRPr lang="en-US" b="0" i="0" dirty="0">
+              <a:solidFill>
+                <a:srgbClr val="6D737D"/>
+              </a:solidFill>
+              <a:effectLst/>
+              <a:latin typeface="+mn-lt"/>
+            </a:endParaRPr>
+          </a:p>
+          <a:p>
+            <a:pPr algn="l"/>
+            <a:r>
+              <a:rPr lang="en-US" b="0" i="0" dirty="0">
+                <a:solidFill>
+                  <a:srgbClr val="6D737D"/>
+                </a:solidFill>
+                <a:effectLst/>
+                <a:latin typeface="+mn-lt"/>
+              </a:rPr>
+              <a:t>Let’s simulate this process.</a:t>
+            </a:r>
+          </a:p>
+          <a:p>
+            <a:pPr algn="l"/>
+            <a:endParaRPr lang="en-US" b="0" i="0" dirty="0">
+              <a:solidFill>
+                <a:srgbClr val="6D737D"/>
+              </a:solidFill>
+              <a:effectLst/>
+              <a:latin typeface="+mn-lt"/>
+            </a:endParaRPr>
+          </a:p>
+          <a:p>
+            <a:pPr marL="228600" indent="-228600" algn="l">
+              <a:buAutoNum type="arabicPeriod"/>
+            </a:pPr>
+            <a:r>
+              <a:rPr lang="en-US" b="0" i="0" dirty="0">
+                <a:solidFill>
+                  <a:srgbClr val="6D737D"/>
+                </a:solidFill>
+                <a:effectLst/>
+                <a:latin typeface="+mn-lt"/>
+              </a:rPr>
+              <a:t>The max filter is applied and the largest (max) number in the input image is added to the output tensor.  The colors help us see the connections between the input and the corresponding output.</a:t>
+            </a:r>
+          </a:p>
+          <a:p>
+            <a:pPr marL="228600" indent="-228600" algn="l">
+              <a:buAutoNum type="arabicPeriod"/>
+            </a:pPr>
+            <a:r>
+              <a:rPr lang="en-US" b="0" i="0" dirty="0">
+                <a:solidFill>
+                  <a:srgbClr val="6D737D"/>
+                </a:solidFill>
+                <a:effectLst/>
+                <a:latin typeface="+mn-lt"/>
+              </a:rPr>
+              <a:t>In this example, our stride is two and the max pooling operation is once again applied, resulting in 7 as its output.</a:t>
+            </a:r>
+          </a:p>
+          <a:p>
+            <a:pPr marL="228600" indent="-228600" algn="l">
+              <a:buAutoNum type="arabicPeriod"/>
+            </a:pPr>
+            <a:endParaRPr lang="en-US" b="0" i="0" dirty="0">
+              <a:solidFill>
+                <a:srgbClr val="6D737D"/>
+              </a:solidFill>
+              <a:effectLst/>
+              <a:latin typeface="+mn-lt"/>
+            </a:endParaRPr>
+          </a:p>
+          <a:p>
+            <a:pPr algn="l"/>
+            <a:endParaRPr lang="en-US" b="0" i="0" dirty="0">
+              <a:solidFill>
+                <a:srgbClr val="6D737D"/>
+              </a:solidFill>
+              <a:effectLst/>
+              <a:latin typeface="+mn-lt"/>
+            </a:endParaRPr>
+          </a:p>
+          <a:p>
+            <a:pPr algn="l"/>
+            <a:endParaRPr lang="en-US" dirty="0">
+              <a:latin typeface="+mn-lt"/>
+            </a:endParaRPr>
+          </a:p>
+          <a:p>
+            <a:pPr algn="l"/>
+            <a:endParaRPr lang="en-US" dirty="0"/>
           </a:p>
         </p:txBody>
       </p:sp>
@@ -1904,7 +1938,7 @@
           <a:p>
             <a:fld id="{3148858F-F1DB-4027-9C85-CCA6849540DD}" type="slidenum">
               <a:rPr lang="en-US" smtClean="0"/>
-              <a:t>20</a:t>
+              <a:t>19</a:t>
             </a:fld>
             <a:endParaRPr lang="en-US"/>
           </a:p>
@@ -1913,7 +1947,7 @@
     </p:spTree>
     <p:extLst>
       <p:ext uri="{BB962C8B-B14F-4D97-AF65-F5344CB8AC3E}">
-        <p14:creationId xmlns:p14="http://schemas.microsoft.com/office/powerpoint/2010/main" val="83312787"/>
+        <p14:creationId xmlns:p14="http://schemas.microsoft.com/office/powerpoint/2010/main" val="2905873406"/>
       </p:ext>
     </p:extLst>
   </p:cSld>
@@ -1967,179 +2001,28 @@
           <a:bodyPr/>
           <a:lstStyle/>
           <a:p>
-            <a:pPr marL="228600" indent="-228600" algn="l">
+            <a:pPr marL="228600" indent="-228600">
               <a:buAutoNum type="arabicPeriod"/>
             </a:pPr>
             <a:r>
-              <a:rPr lang="en-US" b="0" i="0" dirty="0">
-                <a:solidFill>
-                  <a:srgbClr val="6D737D"/>
-                </a:solidFill>
-                <a:effectLst/>
-                <a:latin typeface="+mn-lt"/>
+              <a:rPr lang="en-US" dirty="0">
+                <a:latin typeface="Palatino Linotype" panose="02040502050505030304" pitchFamily="18" charset="0"/>
               </a:rPr>
-              <a:t>Overview of a CNN</a:t>
-            </a:r>
-          </a:p>
-          <a:p>
-            <a:pPr marL="228600" indent="-228600" algn="l">
+              <a:t>Many kinds of layers – some specific to CNN</a:t>
+            </a:r>
+          </a:p>
+          <a:p>
+            <a:pPr marL="228600" indent="-228600">
               <a:buAutoNum type="arabicPeriod"/>
             </a:pPr>
             <a:r>
-              <a:rPr lang="en-US" b="0" i="0" dirty="0">
-                <a:solidFill>
-                  <a:srgbClr val="6D737D"/>
-                </a:solidFill>
-                <a:effectLst/>
-                <a:latin typeface="+mn-lt"/>
+              <a:rPr lang="en-US" dirty="0">
+                <a:latin typeface="Palatino Linotype" panose="02040502050505030304" pitchFamily="18" charset="0"/>
               </a:rPr>
-              <a:t>Model pictured here classifies handwritten digits – famous MNIST digits dataset</a:t>
-            </a:r>
-          </a:p>
-          <a:p>
-            <a:pPr marL="685800" lvl="1" indent="-228600" algn="l">
-              <a:buAutoNum type="arabicPeriod"/>
-            </a:pPr>
-            <a:r>
-              <a:rPr lang="en-US" b="0" i="0" dirty="0">
-                <a:solidFill>
-                  <a:srgbClr val="6D737D"/>
-                </a:solidFill>
-                <a:effectLst/>
-                <a:latin typeface="+mn-lt"/>
-              </a:rPr>
-              <a:t>Three convolution layers, followed by max pooling layers</a:t>
-            </a:r>
-          </a:p>
-          <a:p>
-            <a:pPr marL="685800" lvl="1" indent="-228600" algn="l">
-              <a:buAutoNum type="arabicPeriod"/>
-            </a:pPr>
-            <a:r>
-              <a:rPr lang="en-US" b="0" i="0" dirty="0">
-                <a:solidFill>
-                  <a:srgbClr val="6D737D"/>
-                </a:solidFill>
-                <a:effectLst/>
-                <a:latin typeface="+mn-lt"/>
-              </a:rPr>
-              <a:t>Final two layers are fully connected – discussed in our beginner sequence</a:t>
-            </a:r>
-          </a:p>
-          <a:p>
-            <a:pPr marL="228600" lvl="0" indent="-228600" algn="l">
-              <a:buAutoNum type="arabicPeriod"/>
-            </a:pPr>
-            <a:r>
-              <a:rPr lang="en-US" b="0" i="0" dirty="0">
-                <a:solidFill>
-                  <a:srgbClr val="6D737D"/>
-                </a:solidFill>
-                <a:effectLst/>
-                <a:latin typeface="+mn-lt"/>
-              </a:rPr>
-              <a:t>Convolution and pooling layers are new</a:t>
-            </a:r>
-          </a:p>
-          <a:p>
-            <a:pPr marL="228600" lvl="0" indent="-228600" algn="l">
-              <a:buAutoNum type="arabicPeriod"/>
-            </a:pPr>
-            <a:r>
-              <a:rPr lang="en-US" b="0" i="0" dirty="0">
-                <a:solidFill>
-                  <a:srgbClr val="6D737D"/>
-                </a:solidFill>
-                <a:effectLst/>
-                <a:latin typeface="+mn-lt"/>
-              </a:rPr>
-              <a:t>Variety of layers – just covering a couple now…</a:t>
-            </a:r>
-          </a:p>
-          <a:p>
-            <a:pPr algn="l"/>
-            <a:endParaRPr lang="en-US" b="0" i="0" dirty="0">
-              <a:solidFill>
-                <a:srgbClr val="6D737D"/>
-              </a:solidFill>
-              <a:effectLst/>
-              <a:latin typeface="+mn-lt"/>
-            </a:endParaRPr>
-          </a:p>
-          <a:p>
-            <a:pPr algn="l"/>
-            <a:r>
-              <a:rPr lang="en-US" b="0" i="0" dirty="0">
-                <a:solidFill>
-                  <a:srgbClr val="6D737D"/>
-                </a:solidFill>
-                <a:effectLst/>
-                <a:latin typeface="+mn-lt"/>
-              </a:rPr>
-              <a:t>=====</a:t>
-            </a:r>
-          </a:p>
-          <a:p>
-            <a:pPr algn="l"/>
-            <a:r>
-              <a:rPr lang="en-US" b="0" i="0" dirty="0">
-                <a:solidFill>
-                  <a:srgbClr val="6D737D"/>
-                </a:solidFill>
-                <a:effectLst/>
-                <a:latin typeface="+mn-lt"/>
-              </a:rPr>
-              <a:t>Now in our Deep Learning Foundations series, we introduced you to the basic architecture of a multi-layered neural network.  To frame this learning experience, we begin with a picture of a convolutional neural network or CNN.  Looks familiar, doesn’t it?  </a:t>
-            </a:r>
-          </a:p>
-          <a:p>
-            <a:pPr algn="l"/>
-            <a:endParaRPr lang="en-US" b="0" i="0" dirty="0">
-              <a:solidFill>
-                <a:srgbClr val="6D737D"/>
-              </a:solidFill>
-              <a:effectLst/>
-              <a:latin typeface="+mn-lt"/>
-            </a:endParaRPr>
-          </a:p>
-          <a:p>
-            <a:pPr algn="l"/>
-            <a:r>
-              <a:rPr lang="en-US" b="0" i="0" dirty="0">
-                <a:solidFill>
-                  <a:srgbClr val="6D737D"/>
-                </a:solidFill>
-                <a:effectLst/>
-                <a:latin typeface="+mn-lt"/>
-              </a:rPr>
-              <a:t>The CNN pictured here recognizes and classifies handwritten digits (from 0 to 9). There are three convolution layers in this model, each followed by a max pooling layer. The final layers are fully connected and are responsible for predicting the digit presented to the model.  We have already presented the architecture of these last two layers in our Foundations sequence.  But the convolution and pooling layers are new, and we will discuss those shortly.</a:t>
-            </a:r>
-          </a:p>
-          <a:p>
-            <a:pPr algn="l"/>
-            <a:endParaRPr lang="en-US" b="0" i="0" dirty="0">
-              <a:solidFill>
-                <a:srgbClr val="6D737D"/>
-              </a:solidFill>
-              <a:effectLst/>
-              <a:latin typeface="+mn-lt"/>
-            </a:endParaRPr>
-          </a:p>
-          <a:p>
-            <a:pPr algn="l"/>
-            <a:r>
-              <a:rPr lang="en-US" b="0" i="0" dirty="0">
-                <a:solidFill>
-                  <a:srgbClr val="6D737D"/>
-                </a:solidFill>
-                <a:effectLst/>
-                <a:latin typeface="+mn-lt"/>
-              </a:rPr>
-              <a:t>Let’s start by examining the underlying structure of images.</a:t>
-            </a:r>
-          </a:p>
-          <a:p>
-            <a:pPr algn="l"/>
+              <a:t>Dig into the details of CNN specific operations and layers</a:t>
+            </a:r>
+          </a:p>
+          <a:p>
             <a:endParaRPr lang="en-US" dirty="0"/>
           </a:p>
         </p:txBody>
@@ -2161,7 +2044,7 @@
           <a:p>
             <a:fld id="{3148858F-F1DB-4027-9C85-CCA6849540DD}" type="slidenum">
               <a:rPr lang="en-US" smtClean="0"/>
-              <a:t>3</a:t>
+              <a:t>2</a:t>
             </a:fld>
             <a:endParaRPr lang="en-US"/>
           </a:p>
@@ -2170,7 +2053,7 @@
     </p:spTree>
     <p:extLst>
       <p:ext uri="{BB962C8B-B14F-4D97-AF65-F5344CB8AC3E}">
-        <p14:creationId xmlns:p14="http://schemas.microsoft.com/office/powerpoint/2010/main" val="132940555"/>
+        <p14:creationId xmlns:p14="http://schemas.microsoft.com/office/powerpoint/2010/main" val="3357766850"/>
       </p:ext>
     </p:extLst>
   </p:cSld>
@@ -2224,60 +2107,10 @@
           <a:bodyPr/>
           <a:lstStyle/>
           <a:p>
-            <a:pPr algn="l"/>
             <a:r>
               <a:rPr lang="en-US" dirty="0"/>
-              <a:t>Max pooling is not the only option available to us.  Here’s a simulation of average pooling. </a:t>
-            </a:r>
-          </a:p>
-          <a:p>
-            <a:pPr algn="l"/>
-            <a:endParaRPr lang="en-US" dirty="0"/>
-          </a:p>
-          <a:p>
-            <a:pPr marL="228600" indent="-228600" algn="l">
-              <a:buAutoNum type="arabicPeriod"/>
-            </a:pPr>
-            <a:r>
-              <a:rPr lang="en-US" dirty="0"/>
-              <a:t>As in the previous simulation, we apply the filter, take the average of the 4 cells and update the output tensor.</a:t>
-            </a:r>
-          </a:p>
-          <a:p>
-            <a:pPr marL="228600" marR="0" lvl="0" indent="-228600" algn="l" defTabSz="914400" rtl="0" eaLnBrk="1" fontAlgn="auto" latinLnBrk="0" hangingPunct="1">
-              <a:lnSpc>
-                <a:spcPct val="100000"/>
-              </a:lnSpc>
-              <a:spcBef>
-                <a:spcPts val="0"/>
-              </a:spcBef>
-              <a:spcAft>
-                <a:spcPts val="0"/>
-              </a:spcAft>
-              <a:buClrTx/>
-              <a:buSzTx/>
-              <a:buFontTx/>
-              <a:buAutoNum type="arabicPeriod"/>
-              <a:tabLst/>
-              <a:defRPr/>
-            </a:pPr>
-            <a:r>
-              <a:rPr lang="en-US" b="0" i="0" dirty="0">
-                <a:solidFill>
-                  <a:srgbClr val="6D737D"/>
-                </a:solidFill>
-                <a:effectLst/>
-                <a:latin typeface="+mn-lt"/>
-              </a:rPr>
-              <a:t>Once again, our stride is two and the average pooling operation is applied, resulting in 4.50 as the output (indicated in green)</a:t>
-            </a:r>
-            <a:endParaRPr lang="en-US" dirty="0"/>
-          </a:p>
-          <a:p>
-            <a:pPr marL="228600" indent="-228600" algn="l">
-              <a:buAutoNum type="arabicPeriod"/>
-            </a:pPr>
-            <a:endParaRPr lang="en-US" dirty="0"/>
+              <a:t>Simulation of max pooling with a stride of 2.</a:t>
+            </a:r>
           </a:p>
         </p:txBody>
       </p:sp>
@@ -2298,7 +2131,7 @@
           <a:p>
             <a:fld id="{3148858F-F1DB-4027-9C85-CCA6849540DD}" type="slidenum">
               <a:rPr lang="en-US" smtClean="0"/>
-              <a:t>21</a:t>
+              <a:t>20</a:t>
             </a:fld>
             <a:endParaRPr lang="en-US"/>
           </a:p>
@@ -2307,7 +2140,7 @@
     </p:spTree>
     <p:extLst>
       <p:ext uri="{BB962C8B-B14F-4D97-AF65-F5344CB8AC3E}">
-        <p14:creationId xmlns:p14="http://schemas.microsoft.com/office/powerpoint/2010/main" val="1632607758"/>
+        <p14:creationId xmlns:p14="http://schemas.microsoft.com/office/powerpoint/2010/main" val="83312787"/>
       </p:ext>
     </p:extLst>
   </p:cSld>
@@ -2361,63 +2194,59 @@
           <a:bodyPr/>
           <a:lstStyle/>
           <a:p>
+            <a:pPr algn="l"/>
+            <a:r>
+              <a:rPr lang="en-US" dirty="0"/>
+              <a:t>Max pooling is not the only option available to us.  Here’s a simulation of average pooling. </a:t>
+            </a:r>
+          </a:p>
+          <a:p>
+            <a:pPr algn="l"/>
+            <a:endParaRPr lang="en-US" dirty="0"/>
+          </a:p>
+          <a:p>
             <a:pPr marL="228600" indent="-228600" algn="l">
               <a:buAutoNum type="arabicPeriod"/>
             </a:pPr>
             <a:r>
               <a:rPr lang="en-US" dirty="0"/>
-              <a:t>Focus on last fully connected layer </a:t>
-            </a:r>
-            <a:r>
-              <a:rPr lang="en-US"/>
-              <a:t>– specifically output </a:t>
-            </a:r>
-            <a:r>
-              <a:rPr lang="en-US" dirty="0"/>
-              <a:t>in relation to activation function.</a:t>
-            </a:r>
+              <a:t>As in the previous simulation, we apply the filter, take the average of the 4 cells and update the output tensor.</a:t>
+            </a:r>
+          </a:p>
+          <a:p>
+            <a:pPr marL="228600" marR="0" lvl="0" indent="-228600" algn="l" defTabSz="914400" rtl="0" eaLnBrk="1" fontAlgn="auto" latinLnBrk="0" hangingPunct="1">
+              <a:lnSpc>
+                <a:spcPct val="100000"/>
+              </a:lnSpc>
+              <a:spcBef>
+                <a:spcPts val="0"/>
+              </a:spcBef>
+              <a:spcAft>
+                <a:spcPts val="0"/>
+              </a:spcAft>
+              <a:buClrTx/>
+              <a:buSzTx/>
+              <a:buFontTx/>
+              <a:buAutoNum type="arabicPeriod"/>
+              <a:tabLst/>
+              <a:defRPr/>
+            </a:pPr>
+            <a:r>
+              <a:rPr lang="en-US" b="0" i="0" dirty="0">
+                <a:solidFill>
+                  <a:srgbClr val="6D737D"/>
+                </a:solidFill>
+                <a:effectLst/>
+                <a:latin typeface="+mn-lt"/>
+              </a:rPr>
+              <a:t>Once again, our stride is two and the average pooling operation is applied, resulting in 4.50 as the output (indicated in green)</a:t>
+            </a:r>
+            <a:endParaRPr lang="en-US" dirty="0"/>
           </a:p>
           <a:p>
             <a:pPr marL="228600" indent="-228600" algn="l">
               <a:buAutoNum type="arabicPeriod"/>
             </a:pPr>
-            <a:r>
-              <a:rPr lang="en-US" dirty="0"/>
-              <a:t>For that last layer, activation function will vary, depending on desired final output.</a:t>
-            </a:r>
-          </a:p>
-          <a:p>
-            <a:pPr marL="228600" indent="-228600" algn="l">
-              <a:buAutoNum type="arabicPeriod"/>
-            </a:pPr>
-            <a:endParaRPr lang="en-US" dirty="0"/>
-          </a:p>
-          <a:p>
-            <a:pPr marL="0" indent="0" algn="l">
-              <a:buNone/>
-            </a:pPr>
-            <a:r>
-              <a:rPr lang="en-US" dirty="0"/>
-              <a:t>=====</a:t>
-            </a:r>
-          </a:p>
-          <a:p>
-            <a:pPr algn="l"/>
-            <a:r>
-              <a:rPr lang="en-US" dirty="0"/>
-              <a:t>Now – before concluding this presentation – we need to take a closer look at that last fully connected layer, specifically its output in relation to its activation function.  Indeed, the activation function you select will vary, depending on what the network is designed to do.</a:t>
-            </a:r>
-          </a:p>
-          <a:p>
-            <a:pPr algn="l"/>
-            <a:endParaRPr lang="en-US" dirty="0"/>
-          </a:p>
-          <a:p>
-            <a:pPr algn="l"/>
-            <a:endParaRPr lang="en-US" dirty="0"/>
-          </a:p>
-          <a:p>
-            <a:pPr algn="l"/>
             <a:endParaRPr lang="en-US" dirty="0"/>
           </a:p>
         </p:txBody>
@@ -2439,7 +2268,7 @@
           <a:p>
             <a:fld id="{3148858F-F1DB-4027-9C85-CCA6849540DD}" type="slidenum">
               <a:rPr lang="en-US" smtClean="0"/>
-              <a:t>22</a:t>
+              <a:t>21</a:t>
             </a:fld>
             <a:endParaRPr lang="en-US"/>
           </a:p>
@@ -2448,7 +2277,7 @@
     </p:spTree>
     <p:extLst>
       <p:ext uri="{BB962C8B-B14F-4D97-AF65-F5344CB8AC3E}">
-        <p14:creationId xmlns:p14="http://schemas.microsoft.com/office/powerpoint/2010/main" val="3301850937"/>
+        <p14:creationId xmlns:p14="http://schemas.microsoft.com/office/powerpoint/2010/main" val="1632607758"/>
       </p:ext>
     </p:extLst>
   </p:cSld>
@@ -2506,161 +2335,56 @@
               <a:buAutoNum type="arabicPeriod"/>
             </a:pPr>
             <a:r>
-              <a:rPr lang="en-US" b="0" i="0" dirty="0">
-                <a:solidFill>
-                  <a:srgbClr val="6D737D"/>
-                </a:solidFill>
-                <a:effectLst/>
-                <a:latin typeface="+mn-lt"/>
-              </a:rPr>
-              <a:t>CNNs frequently used for image classification – two types:</a:t>
-            </a:r>
-          </a:p>
-          <a:p>
-            <a:pPr marL="685800" lvl="1" indent="-228600" algn="l">
+              <a:rPr lang="en-US" dirty="0"/>
+              <a:t>Focus on last fully connected layer </a:t>
+            </a:r>
+            <a:r>
+              <a:rPr lang="en-US"/>
+              <a:t>– specifically output </a:t>
+            </a:r>
+            <a:r>
+              <a:rPr lang="en-US" dirty="0"/>
+              <a:t>in relation to activation function.</a:t>
+            </a:r>
+          </a:p>
+          <a:p>
+            <a:pPr marL="228600" indent="-228600" algn="l">
               <a:buAutoNum type="arabicPeriod"/>
             </a:pPr>
             <a:r>
-              <a:rPr lang="en-US" b="0" i="0" dirty="0">
-                <a:solidFill>
-                  <a:srgbClr val="6D737D"/>
-                </a:solidFill>
-                <a:effectLst/>
-                <a:latin typeface="+mn-lt"/>
-              </a:rPr>
-              <a:t>Binary – 2 classes – ex. dogs vs. cats</a:t>
-            </a:r>
-          </a:p>
-          <a:p>
-            <a:pPr marL="685800" lvl="1" indent="-228600" algn="l">
+              <a:rPr lang="en-US" dirty="0"/>
+              <a:t>For that last layer, activation function will vary, depending on desired final output.</a:t>
+            </a:r>
+          </a:p>
+          <a:p>
+            <a:pPr marL="228600" indent="-228600" algn="l">
               <a:buAutoNum type="arabicPeriod"/>
             </a:pPr>
-            <a:r>
-              <a:rPr lang="en-US" b="0" i="0" dirty="0">
-                <a:solidFill>
-                  <a:srgbClr val="6D737D"/>
-                </a:solidFill>
-                <a:effectLst/>
-                <a:latin typeface="+mn-lt"/>
-              </a:rPr>
-              <a:t>Multi-class – &gt; 2 classes – ex. 20 different kinds of fruits</a:t>
-            </a:r>
-          </a:p>
-          <a:p>
-            <a:pPr marL="228600" lvl="0" indent="-228600" algn="l">
-              <a:buAutoNum type="arabicPeriod"/>
+            <a:endParaRPr lang="en-US" dirty="0"/>
+          </a:p>
+          <a:p>
+            <a:pPr marL="0" indent="0" algn="l">
+              <a:buNone/>
             </a:pPr>
             <a:r>
-              <a:rPr lang="en-US" b="0" i="0" dirty="0">
-                <a:solidFill>
-                  <a:srgbClr val="6D737D"/>
-                </a:solidFill>
-                <a:effectLst/>
-                <a:latin typeface="+mn-lt"/>
-              </a:rPr>
-              <a:t>For predictions, last layer fully connected w/appropriate activation function – see list here</a:t>
-            </a:r>
-          </a:p>
-          <a:p>
-            <a:pPr marL="685800" lvl="1" indent="-228600" algn="l">
-              <a:buAutoNum type="arabicPeriod"/>
-            </a:pPr>
-            <a:endParaRPr lang="en-US" b="0" i="0" dirty="0">
-              <a:solidFill>
-                <a:srgbClr val="6D737D"/>
-              </a:solidFill>
-              <a:effectLst/>
-              <a:latin typeface="+mn-lt"/>
-            </a:endParaRPr>
+              <a:rPr lang="en-US" dirty="0"/>
+              <a:t>=====</a:t>
+            </a:r>
           </a:p>
           <a:p>
             <a:pPr algn="l"/>
             <a:r>
-              <a:rPr lang="en-US" b="0" i="0" dirty="0">
-                <a:solidFill>
-                  <a:srgbClr val="6D737D"/>
-                </a:solidFill>
-                <a:effectLst/>
-                <a:latin typeface="+mn-lt"/>
-              </a:rPr>
-              <a:t>=====</a:t>
+              <a:rPr lang="en-US" dirty="0"/>
+              <a:t>Now – before concluding this presentation – we need to take a closer look at that last fully connected layer, specifically its output in relation to its activation function.  Indeed, the activation function you select will vary, depending on what the network is designed to do.</a:t>
             </a:r>
           </a:p>
           <a:p>
             <a:pPr algn="l"/>
-            <a:r>
-              <a:rPr lang="en-US" b="0" i="0" dirty="0">
-                <a:solidFill>
-                  <a:srgbClr val="6D737D"/>
-                </a:solidFill>
-                <a:effectLst/>
-                <a:latin typeface="+mn-lt"/>
-              </a:rPr>
-              <a:t>CNNs are widely used for image classification, where the network predicts the right class for a given input.  In fact, there are traditional machine learning algorithms that do the same thing.  If the output is only from two different classes, it’s a </a:t>
-            </a:r>
-            <a:r>
-              <a:rPr lang="en-US" b="1" i="0" dirty="0">
-                <a:solidFill>
-                  <a:srgbClr val="6D737D"/>
-                </a:solidFill>
-                <a:effectLst/>
-                <a:latin typeface="+mn-lt"/>
-              </a:rPr>
-              <a:t>binary classification</a:t>
-            </a:r>
-            <a:r>
-              <a:rPr lang="en-US" b="0" i="0" dirty="0">
-                <a:solidFill>
-                  <a:srgbClr val="6D737D"/>
-                </a:solidFill>
-                <a:effectLst/>
-                <a:latin typeface="+mn-lt"/>
-              </a:rPr>
-              <a:t>, such as recognizing dogs versus cats. If the output can be more than two classes, it’s a </a:t>
-            </a:r>
-            <a:r>
-              <a:rPr lang="en-US" b="1" i="0" dirty="0">
-                <a:solidFill>
-                  <a:srgbClr val="6D737D"/>
-                </a:solidFill>
-                <a:effectLst/>
-                <a:latin typeface="+mn-lt"/>
-              </a:rPr>
-              <a:t>multi-class classification</a:t>
-            </a:r>
-            <a:r>
-              <a:rPr lang="en-US" b="0" i="0" dirty="0">
-                <a:solidFill>
-                  <a:srgbClr val="6D737D"/>
-                </a:solidFill>
-                <a:effectLst/>
-                <a:latin typeface="+mn-lt"/>
-              </a:rPr>
-              <a:t> task, such as recognizing 20 different sorts of fruits.</a:t>
-            </a:r>
+            <a:endParaRPr lang="en-US" dirty="0"/>
           </a:p>
           <a:p>
             <a:pPr algn="l"/>
-            <a:endParaRPr lang="en-US" b="0" i="0" dirty="0">
-              <a:solidFill>
-                <a:srgbClr val="6D737D"/>
-              </a:solidFill>
-              <a:effectLst/>
-              <a:latin typeface="+mn-lt"/>
-            </a:endParaRPr>
-          </a:p>
-          <a:p>
-            <a:pPr algn="l"/>
-            <a:r>
-              <a:rPr lang="en-US" b="0" i="0" dirty="0">
-                <a:solidFill>
-                  <a:srgbClr val="6D737D"/>
-                </a:solidFill>
-                <a:effectLst/>
-                <a:latin typeface="+mn-lt"/>
-              </a:rPr>
-              <a:t>In order to make such predictions, the last layer of a CNN model needs to be a fully connected and use the appropriate activation function for a given prediction task.  Use the following list of activation functions as a rule of thumb</a:t>
-            </a:r>
+            <a:endParaRPr lang="en-US" dirty="0"/>
           </a:p>
           <a:p>
             <a:pPr algn="l"/>
@@ -2685,7 +2409,7 @@
           <a:p>
             <a:fld id="{3148858F-F1DB-4027-9C85-CCA6849540DD}" type="slidenum">
               <a:rPr lang="en-US" smtClean="0"/>
-              <a:t>23</a:t>
+              <a:t>22</a:t>
             </a:fld>
             <a:endParaRPr lang="en-US"/>
           </a:p>
@@ -2694,7 +2418,7 @@
     </p:spTree>
     <p:extLst>
       <p:ext uri="{BB962C8B-B14F-4D97-AF65-F5344CB8AC3E}">
-        <p14:creationId xmlns:p14="http://schemas.microsoft.com/office/powerpoint/2010/main" val="4018769285"/>
+        <p14:creationId xmlns:p14="http://schemas.microsoft.com/office/powerpoint/2010/main" val="3301850937"/>
       </p:ext>
     </p:extLst>
   </p:cSld>
@@ -2748,24 +2472,168 @@
           <a:bodyPr/>
           <a:lstStyle/>
           <a:p>
-            <a:pPr marL="228600" indent="-228600">
+            <a:pPr marL="228600" indent="-228600" algn="l">
               <a:buAutoNum type="arabicPeriod"/>
             </a:pPr>
             <a:r>
-              <a:rPr lang="en-US" dirty="0"/>
-              <a:t>Post general questions (entire class) in Chat…</a:t>
-            </a:r>
-          </a:p>
-          <a:p>
-            <a:pPr marL="228600" indent="-228600">
+              <a:rPr lang="en-US" b="0" i="0" dirty="0">
+                <a:solidFill>
+                  <a:srgbClr val="6D737D"/>
+                </a:solidFill>
+                <a:effectLst/>
+                <a:latin typeface="+mn-lt"/>
+              </a:rPr>
+              <a:t>CNNs frequently used for image classification – two types:</a:t>
+            </a:r>
+          </a:p>
+          <a:p>
+            <a:pPr marL="685800" lvl="1" indent="-228600" algn="l">
               <a:buAutoNum type="arabicPeriod"/>
             </a:pPr>
             <a:r>
-              <a:rPr lang="en-US" dirty="0"/>
-              <a:t>Discuss specific implementation questions at the Help table during exercise…</a:t>
-            </a:r>
-          </a:p>
-          <a:p>
+              <a:rPr lang="en-US" b="0" i="0" dirty="0">
+                <a:solidFill>
+                  <a:srgbClr val="6D737D"/>
+                </a:solidFill>
+                <a:effectLst/>
+                <a:latin typeface="+mn-lt"/>
+              </a:rPr>
+              <a:t>Binary – 2 classes – ex. dogs vs. cats</a:t>
+            </a:r>
+          </a:p>
+          <a:p>
+            <a:pPr marL="685800" lvl="1" indent="-228600" algn="l">
+              <a:buAutoNum type="arabicPeriod"/>
+            </a:pPr>
+            <a:r>
+              <a:rPr lang="en-US" b="0" i="0" dirty="0">
+                <a:solidFill>
+                  <a:srgbClr val="6D737D"/>
+                </a:solidFill>
+                <a:effectLst/>
+                <a:latin typeface="+mn-lt"/>
+              </a:rPr>
+              <a:t>Multi-class – &gt; 2 classes – ex. 20 different kinds of fruits</a:t>
+            </a:r>
+          </a:p>
+          <a:p>
+            <a:pPr marL="228600" lvl="0" indent="-228600" algn="l">
+              <a:buAutoNum type="arabicPeriod"/>
+            </a:pPr>
+            <a:r>
+              <a:rPr lang="en-US" b="0" i="0" dirty="0">
+                <a:solidFill>
+                  <a:srgbClr val="6D737D"/>
+                </a:solidFill>
+                <a:effectLst/>
+                <a:latin typeface="+mn-lt"/>
+              </a:rPr>
+              <a:t>For predictions, last layer fully connected w/appropriate activation function – see list here</a:t>
+            </a:r>
+          </a:p>
+          <a:p>
+            <a:pPr marL="685800" lvl="1" indent="-228600" algn="l">
+              <a:buAutoNum type="arabicPeriod"/>
+            </a:pPr>
+            <a:endParaRPr lang="en-US" b="0" i="0" dirty="0">
+              <a:solidFill>
+                <a:srgbClr val="6D737D"/>
+              </a:solidFill>
+              <a:effectLst/>
+              <a:latin typeface="+mn-lt"/>
+            </a:endParaRPr>
+          </a:p>
+          <a:p>
+            <a:pPr algn="l"/>
+            <a:r>
+              <a:rPr lang="en-US" b="0" i="0" dirty="0">
+                <a:solidFill>
+                  <a:srgbClr val="6D737D"/>
+                </a:solidFill>
+                <a:effectLst/>
+                <a:latin typeface="+mn-lt"/>
+              </a:rPr>
+              <a:t>=====</a:t>
+            </a:r>
+          </a:p>
+          <a:p>
+            <a:pPr algn="l"/>
+            <a:r>
+              <a:rPr lang="en-US" b="0" i="0" dirty="0">
+                <a:solidFill>
+                  <a:srgbClr val="6D737D"/>
+                </a:solidFill>
+                <a:effectLst/>
+                <a:latin typeface="+mn-lt"/>
+              </a:rPr>
+              <a:t>CNNs are widely used for image classification, where the network predicts the right class for a given input.  In fact, there are traditional machine learning algorithms that do the same thing.  If the output is only from two different classes, it’s a </a:t>
+            </a:r>
+            <a:r>
+              <a:rPr lang="en-US" b="1" i="0" dirty="0">
+                <a:solidFill>
+                  <a:srgbClr val="6D737D"/>
+                </a:solidFill>
+                <a:effectLst/>
+                <a:latin typeface="+mn-lt"/>
+              </a:rPr>
+              <a:t>binary classification</a:t>
+            </a:r>
+            <a:r>
+              <a:rPr lang="en-US" b="0" i="0" dirty="0">
+                <a:solidFill>
+                  <a:srgbClr val="6D737D"/>
+                </a:solidFill>
+                <a:effectLst/>
+                <a:latin typeface="+mn-lt"/>
+              </a:rPr>
+              <a:t>, such as recognizing dogs versus cats. If the output can be more than two classes, it’s a </a:t>
+            </a:r>
+            <a:r>
+              <a:rPr lang="en-US" b="1" i="0" dirty="0">
+                <a:solidFill>
+                  <a:srgbClr val="6D737D"/>
+                </a:solidFill>
+                <a:effectLst/>
+                <a:latin typeface="+mn-lt"/>
+              </a:rPr>
+              <a:t>multi-class classification</a:t>
+            </a:r>
+            <a:r>
+              <a:rPr lang="en-US" b="0" i="0" dirty="0">
+                <a:solidFill>
+                  <a:srgbClr val="6D737D"/>
+                </a:solidFill>
+                <a:effectLst/>
+                <a:latin typeface="+mn-lt"/>
+              </a:rPr>
+              <a:t> task, such as recognizing 20 different sorts of fruits.</a:t>
+            </a:r>
+          </a:p>
+          <a:p>
+            <a:pPr algn="l"/>
+            <a:endParaRPr lang="en-US" b="0" i="0" dirty="0">
+              <a:solidFill>
+                <a:srgbClr val="6D737D"/>
+              </a:solidFill>
+              <a:effectLst/>
+              <a:latin typeface="+mn-lt"/>
+            </a:endParaRPr>
+          </a:p>
+          <a:p>
+            <a:pPr algn="l"/>
+            <a:r>
+              <a:rPr lang="en-US" b="0" i="0" dirty="0">
+                <a:solidFill>
+                  <a:srgbClr val="6D737D"/>
+                </a:solidFill>
+                <a:effectLst/>
+                <a:latin typeface="+mn-lt"/>
+              </a:rPr>
+              <a:t>In order to make such predictions, the last layer of a CNN model needs to be a fully connected and use the appropriate activation function for a given prediction task.  Use the following list of activation functions as a rule of thumb</a:t>
+            </a:r>
+          </a:p>
+          <a:p>
+            <a:pPr algn="l"/>
             <a:endParaRPr lang="en-US" dirty="0"/>
           </a:p>
         </p:txBody>
@@ -2787,7 +2655,7 @@
           <a:p>
             <a:fld id="{3148858F-F1DB-4027-9C85-CCA6849540DD}" type="slidenum">
               <a:rPr lang="en-US" smtClean="0"/>
-              <a:t>24</a:t>
+              <a:t>23</a:t>
             </a:fld>
             <a:endParaRPr lang="en-US"/>
           </a:p>
@@ -2796,7 +2664,7 @@
     </p:spTree>
     <p:extLst>
       <p:ext uri="{BB962C8B-B14F-4D97-AF65-F5344CB8AC3E}">
-        <p14:creationId xmlns:p14="http://schemas.microsoft.com/office/powerpoint/2010/main" val="851494294"/>
+        <p14:creationId xmlns:p14="http://schemas.microsoft.com/office/powerpoint/2010/main" val="4018769285"/>
       </p:ext>
     </p:extLst>
   </p:cSld>
@@ -2850,26 +2718,21 @@
           <a:bodyPr/>
           <a:lstStyle/>
           <a:p>
-            <a:pPr marL="0" marR="0" lvl="0" indent="0" algn="l" defTabSz="939363" rtl="0" eaLnBrk="1" fontAlgn="auto" latinLnBrk="0" hangingPunct="1">
-              <a:lnSpc>
-                <a:spcPct val="100000"/>
-              </a:lnSpc>
-              <a:spcBef>
-                <a:spcPts val="0"/>
-              </a:spcBef>
-              <a:spcAft>
-                <a:spcPts val="0"/>
-              </a:spcAft>
-              <a:buClrTx/>
-              <a:buSzTx/>
-              <a:buFontTx/>
-              <a:buNone/>
-              <a:tabLst/>
-              <a:defRPr/>
+            <a:pPr marL="228600" indent="-228600">
+              <a:buAutoNum type="arabicPeriod"/>
             </a:pPr>
             <a:r>
               <a:rPr lang="en-US" dirty="0"/>
-              <a:t>The learning experience for this exercise starts on page 130 of the textbook.  </a:t>
+              <a:t>Post general questions (entire class) in Chat…</a:t>
+            </a:r>
+          </a:p>
+          <a:p>
+            <a:pPr marL="228600" indent="-228600">
+              <a:buAutoNum type="arabicPeriod"/>
+            </a:pPr>
+            <a:r>
+              <a:rPr lang="en-US" dirty="0"/>
+              <a:t>Discuss specific implementation questions at the Help table during exercise…</a:t>
             </a:r>
           </a:p>
           <a:p>
@@ -2894,7 +2757,7 @@
           <a:p>
             <a:fld id="{3148858F-F1DB-4027-9C85-CCA6849540DD}" type="slidenum">
               <a:rPr lang="en-US" smtClean="0"/>
-              <a:t>25</a:t>
+              <a:t>24</a:t>
             </a:fld>
             <a:endParaRPr lang="en-US"/>
           </a:p>
@@ -2903,7 +2766,7 @@
     </p:spTree>
     <p:extLst>
       <p:ext uri="{BB962C8B-B14F-4D97-AF65-F5344CB8AC3E}">
-        <p14:creationId xmlns:p14="http://schemas.microsoft.com/office/powerpoint/2010/main" val="1401395996"/>
+        <p14:creationId xmlns:p14="http://schemas.microsoft.com/office/powerpoint/2010/main" val="851494294"/>
       </p:ext>
     </p:extLst>
   </p:cSld>
@@ -2957,6 +2820,29 @@
           <a:bodyPr/>
           <a:lstStyle/>
           <a:p>
+            <a:pPr marL="0" marR="0" lvl="0" indent="0" algn="l" defTabSz="939363" rtl="0" eaLnBrk="1" fontAlgn="auto" latinLnBrk="0" hangingPunct="1">
+              <a:lnSpc>
+                <a:spcPct val="100000"/>
+              </a:lnSpc>
+              <a:spcBef>
+                <a:spcPts val="0"/>
+              </a:spcBef>
+              <a:spcAft>
+                <a:spcPts val="0"/>
+              </a:spcAft>
+              <a:buClrTx/>
+              <a:buSzTx/>
+              <a:buFontTx/>
+              <a:buNone/>
+              <a:tabLst/>
+              <a:defRPr/>
+            </a:pPr>
+            <a:r>
+              <a:rPr lang="en-US" dirty="0"/>
+              <a:t>The learning experience for this exercise starts on page 130 of the textbook.  </a:t>
+            </a:r>
+          </a:p>
+          <a:p>
             <a:endParaRPr lang="en-US" dirty="0"/>
           </a:p>
         </p:txBody>
@@ -2978,7 +2864,7 @@
           <a:p>
             <a:fld id="{3148858F-F1DB-4027-9C85-CCA6849540DD}" type="slidenum">
               <a:rPr lang="en-US" smtClean="0"/>
-              <a:t>26</a:t>
+              <a:t>25</a:t>
             </a:fld>
             <a:endParaRPr lang="en-US"/>
           </a:p>
@@ -2987,7 +2873,7 @@
     </p:spTree>
     <p:extLst>
       <p:ext uri="{BB962C8B-B14F-4D97-AF65-F5344CB8AC3E}">
-        <p14:creationId xmlns:p14="http://schemas.microsoft.com/office/powerpoint/2010/main" val="1059485683"/>
+        <p14:creationId xmlns:p14="http://schemas.microsoft.com/office/powerpoint/2010/main" val="1401395996"/>
       </p:ext>
     </p:extLst>
   </p:cSld>
@@ -3062,7 +2948,7 @@
           <a:p>
             <a:fld id="{3148858F-F1DB-4027-9C85-CCA6849540DD}" type="slidenum">
               <a:rPr lang="en-US" smtClean="0"/>
-              <a:t>27</a:t>
+              <a:t>26</a:t>
             </a:fld>
             <a:endParaRPr lang="en-US"/>
           </a:p>
@@ -3071,7 +2957,7 @@
     </p:spTree>
     <p:extLst>
       <p:ext uri="{BB962C8B-B14F-4D97-AF65-F5344CB8AC3E}">
-        <p14:creationId xmlns:p14="http://schemas.microsoft.com/office/powerpoint/2010/main" val="2135372995"/>
+        <p14:creationId xmlns:p14="http://schemas.microsoft.com/office/powerpoint/2010/main" val="1059485683"/>
       </p:ext>
     </p:extLst>
   </p:cSld>
@@ -3125,6 +3011,90 @@
           <a:bodyPr/>
           <a:lstStyle/>
           <a:p>
+            <a:endParaRPr lang="en-US" dirty="0"/>
+          </a:p>
+        </p:txBody>
+      </p:sp>
+      <p:sp>
+        <p:nvSpPr>
+          <p:cNvPr id="4" name="Slide Number Placeholder 3"/>
+          <p:cNvSpPr>
+            <a:spLocks noGrp="1"/>
+          </p:cNvSpPr>
+          <p:nvPr>
+            <p:ph type="sldNum" sz="quarter" idx="5"/>
+          </p:nvPr>
+        </p:nvSpPr>
+        <p:spPr/>
+        <p:txBody>
+          <a:bodyPr/>
+          <a:lstStyle/>
+          <a:p>
+            <a:fld id="{3148858F-F1DB-4027-9C85-CCA6849540DD}" type="slidenum">
+              <a:rPr lang="en-US" smtClean="0"/>
+              <a:t>27</a:t>
+            </a:fld>
+            <a:endParaRPr lang="en-US"/>
+          </a:p>
+        </p:txBody>
+      </p:sp>
+    </p:spTree>
+    <p:extLst>
+      <p:ext uri="{BB962C8B-B14F-4D97-AF65-F5344CB8AC3E}">
+        <p14:creationId xmlns:p14="http://schemas.microsoft.com/office/powerpoint/2010/main" val="2135372995"/>
+      </p:ext>
+    </p:extLst>
+  </p:cSld>
+  <p:clrMapOvr>
+    <a:masterClrMapping/>
+  </p:clrMapOvr>
+</p:notes>
+</file>
+
+<file path=ppt/notesSlides/notesSlide28.xml><?xml version="1.0" encoding="utf-8"?>
+<p:notes xmlns:a="http://schemas.openxmlformats.org/drawingml/2006/main" xmlns:r="http://schemas.openxmlformats.org/officeDocument/2006/relationships" xmlns:p="http://schemas.openxmlformats.org/presentationml/2006/main">
+  <p:cSld>
+    <p:spTree>
+      <p:nvGrpSpPr>
+        <p:cNvPr id="1" name=""/>
+        <p:cNvGrpSpPr/>
+        <p:nvPr/>
+      </p:nvGrpSpPr>
+      <p:grpSpPr>
+        <a:xfrm>
+          <a:off x="0" y="0"/>
+          <a:ext cx="0" cy="0"/>
+          <a:chOff x="0" y="0"/>
+          <a:chExt cx="0" cy="0"/>
+        </a:xfrm>
+      </p:grpSpPr>
+      <p:sp>
+        <p:nvSpPr>
+          <p:cNvPr id="2" name="Slide Image Placeholder 1"/>
+          <p:cNvSpPr>
+            <a:spLocks noGrp="1" noRot="1" noChangeAspect="1"/>
+          </p:cNvSpPr>
+          <p:nvPr>
+            <p:ph type="sldImg"/>
+          </p:nvPr>
+        </p:nvSpPr>
+        <p:spPr/>
+      </p:sp>
+      <p:sp>
+        <p:nvSpPr>
+          <p:cNvPr id="3" name="Notes Placeholder 2"/>
+          <p:cNvSpPr>
+            <a:spLocks noGrp="1"/>
+          </p:cNvSpPr>
+          <p:nvPr>
+            <p:ph type="body" idx="1"/>
+          </p:nvPr>
+        </p:nvSpPr>
+        <p:spPr/>
+        <p:txBody>
+          <a:bodyPr/>
+          <a:lstStyle/>
+          <a:p>
             <a:pPr defTabSz="939363">
               <a:defRPr/>
             </a:pPr>
@@ -3174,7 +3144,7 @@
 </p:notes>
 </file>
 
-<file path=ppt/notesSlides/notesSlide28.xml><?xml version="1.0" encoding="utf-8"?>
+<file path=ppt/notesSlides/notesSlide29.xml><?xml version="1.0" encoding="utf-8"?>
 <p:notes xmlns:a="http://schemas.openxmlformats.org/drawingml/2006/main" xmlns:r="http://schemas.openxmlformats.org/officeDocument/2006/relationships" xmlns:p="http://schemas.openxmlformats.org/presentationml/2006/main">
   <p:cSld>
     <p:spTree>
@@ -3317,22 +3287,8 @@
           <a:bodyPr/>
           <a:lstStyle/>
           <a:p>
-            <a:pPr marL="228600" marR="0" lvl="0" indent="-228600" algn="l" defTabSz="914400" rtl="0" eaLnBrk="1" fontAlgn="auto" latinLnBrk="0" hangingPunct="1">
-              <a:lnSpc>
-                <a:spcPct val="100000"/>
-              </a:lnSpc>
-              <a:spcBef>
-                <a:spcPts val="0"/>
-              </a:spcBef>
-              <a:spcAft>
-                <a:spcPts val="0"/>
-              </a:spcAft>
-              <a:buClrTx/>
-              <a:buSzTx/>
-              <a:buFontTx/>
+            <a:pPr marL="228600" indent="-228600" algn="l">
               <a:buAutoNum type="arabicPeriod"/>
-              <a:tabLst/>
-              <a:defRPr/>
             </a:pPr>
             <a:r>
               <a:rPr lang="en-US" b="0" i="0" dirty="0">
@@ -3342,89 +3298,86 @@
                 <a:effectLst/>
                 <a:latin typeface="+mn-lt"/>
               </a:rPr>
-              <a:t>How do we present data to a CNN?</a:t>
-            </a:r>
-          </a:p>
-          <a:p>
-            <a:pPr marL="228600" marR="0" lvl="0" indent="-228600" algn="l" defTabSz="914400" rtl="0" eaLnBrk="1" fontAlgn="auto" latinLnBrk="0" hangingPunct="1">
-              <a:lnSpc>
-                <a:spcPct val="100000"/>
-              </a:lnSpc>
-              <a:spcBef>
-                <a:spcPts val="0"/>
-              </a:spcBef>
-              <a:spcAft>
-                <a:spcPts val="0"/>
-              </a:spcAft>
-              <a:buClrTx/>
-              <a:buSzTx/>
-              <a:buFontTx/>
+              <a:t>Overview of a CNN</a:t>
+            </a:r>
+          </a:p>
+          <a:p>
+            <a:pPr marL="228600" indent="-228600" algn="l">
               <a:buAutoNum type="arabicPeriod"/>
-              <a:tabLst/>
-              <a:defRPr/>
             </a:pPr>
             <a:r>
-              <a:rPr lang="en-US" dirty="0">
+              <a:rPr lang="en-US" b="0" i="0" dirty="0">
+                <a:solidFill>
+                  <a:srgbClr val="6D737D"/>
+                </a:solidFill>
+                <a:effectLst/>
                 <a:latin typeface="+mn-lt"/>
               </a:rPr>
-              <a:t>Left: When our tensor has one or three channels, we often say that it’s made up of </a:t>
-            </a:r>
-            <a:r>
-              <a:rPr lang="en-US" b="1" dirty="0">
+              <a:t>Model pictured here classifies handwritten digits – famous MNIST digits dataset</a:t>
+            </a:r>
+          </a:p>
+          <a:p>
+            <a:pPr marL="685800" lvl="1" indent="-228600" algn="l">
+              <a:buAutoNum type="arabicPeriod"/>
+            </a:pPr>
+            <a:r>
+              <a:rPr lang="en-US" b="0" i="0" dirty="0">
+                <a:solidFill>
+                  <a:srgbClr val="6D737D"/>
+                </a:solidFill>
+                <a:effectLst/>
                 <a:latin typeface="+mn-lt"/>
               </a:rPr>
-              <a:t>pixels</a:t>
-            </a:r>
-          </a:p>
-          <a:p>
-            <a:pPr marL="228600" marR="0" lvl="0" indent="-228600" algn="l" defTabSz="914400" rtl="0" eaLnBrk="1" fontAlgn="auto" latinLnBrk="0" hangingPunct="1">
-              <a:lnSpc>
-                <a:spcPct val="100000"/>
-              </a:lnSpc>
-              <a:spcBef>
-                <a:spcPts val="0"/>
-              </a:spcBef>
-              <a:spcAft>
-                <a:spcPts val="0"/>
-              </a:spcAft>
-              <a:buClrTx/>
-              <a:buSzTx/>
-              <a:buFontTx/>
+              <a:t>Three convolution layers, followed by max pooling layers</a:t>
+            </a:r>
+          </a:p>
+          <a:p>
+            <a:pPr marL="685800" lvl="1" indent="-228600" algn="l">
               <a:buAutoNum type="arabicPeriod"/>
-              <a:tabLst/>
-              <a:defRPr/>
             </a:pPr>
             <a:r>
-              <a:rPr lang="en-US" dirty="0">
+              <a:rPr lang="en-US" b="0" i="0" dirty="0">
+                <a:solidFill>
+                  <a:srgbClr val="6D737D"/>
+                </a:solidFill>
+                <a:effectLst/>
                 <a:latin typeface="+mn-lt"/>
               </a:rPr>
-              <a:t>Right: For tensors with many channels, we call each slice through the channels an </a:t>
-            </a:r>
-            <a:r>
-              <a:rPr lang="en-US" b="1" dirty="0">
+              <a:t>Final two layers are fully connected – discussed in our beginner sequence</a:t>
+            </a:r>
+          </a:p>
+          <a:p>
+            <a:pPr marL="228600" lvl="0" indent="-228600" algn="l">
+              <a:buAutoNum type="arabicPeriod"/>
+            </a:pPr>
+            <a:r>
+              <a:rPr lang="en-US" b="0" i="0" dirty="0">
+                <a:solidFill>
+                  <a:srgbClr val="6D737D"/>
+                </a:solidFill>
+                <a:effectLst/>
                 <a:latin typeface="+mn-lt"/>
               </a:rPr>
-              <a:t>element</a:t>
-            </a:r>
-          </a:p>
-          <a:p>
-            <a:pPr marL="0" marR="0" lvl="0" indent="0" algn="l" defTabSz="914400" rtl="0" eaLnBrk="1" fontAlgn="auto" latinLnBrk="0" hangingPunct="1">
-              <a:lnSpc>
-                <a:spcPct val="100000"/>
-              </a:lnSpc>
-              <a:spcBef>
-                <a:spcPts val="0"/>
-              </a:spcBef>
-              <a:spcAft>
-                <a:spcPts val="0"/>
-              </a:spcAft>
-              <a:buClrTx/>
-              <a:buSzTx/>
-              <a:buFontTx/>
-              <a:buNone/>
-              <a:tabLst/>
-              <a:defRPr/>
+              <a:t>Convolution and pooling layers are new</a:t>
+            </a:r>
+          </a:p>
+          <a:p>
+            <a:pPr marL="228600" lvl="0" indent="-228600" algn="l">
+              <a:buAutoNum type="arabicPeriod"/>
             </a:pPr>
+            <a:r>
+              <a:rPr lang="en-US" b="0" i="0" dirty="0">
+                <a:solidFill>
+                  <a:srgbClr val="6D737D"/>
+                </a:solidFill>
+                <a:effectLst/>
+                <a:latin typeface="+mn-lt"/>
+              </a:rPr>
+              <a:t>Variety of layers – just covering a couple now…</a:t>
+            </a:r>
+          </a:p>
+          <a:p>
+            <a:pPr algn="l"/>
             <a:endParaRPr lang="en-US" b="0" i="0" dirty="0">
               <a:solidFill>
                 <a:srgbClr val="6D737D"/>
@@ -3434,23 +3387,7 @@
             </a:endParaRPr>
           </a:p>
           <a:p>
-            <a:pPr marL="0" marR="0" lvl="0" indent="0" algn="l" defTabSz="914400" rtl="0" eaLnBrk="1" fontAlgn="auto" latinLnBrk="0" hangingPunct="1">
-              <a:lnSpc>
-                <a:spcPct val="100000"/>
-              </a:lnSpc>
-              <a:spcBef>
-                <a:spcPts val="0"/>
-              </a:spcBef>
-              <a:spcAft>
-                <a:spcPts val="0"/>
-              </a:spcAft>
-              <a:buClrTx/>
-              <a:buSzTx/>
-              <a:buFontTx/>
-              <a:buNone/>
-              <a:tabLst/>
-              <a:defRPr/>
-            </a:pPr>
+            <a:pPr algn="l"/>
             <a:r>
               <a:rPr lang="en-US" b="0" i="0" dirty="0">
                 <a:solidFill>
@@ -3463,50 +3400,67 @@
             </a:r>
           </a:p>
           <a:p>
-            <a:r>
-              <a:rPr lang="en-US" dirty="0">
+            <a:pPr algn="l"/>
+            <a:r>
+              <a:rPr lang="en-US" b="0" i="0" dirty="0">
+                <a:solidFill>
+                  <a:srgbClr val="6D737D"/>
+                </a:solidFill>
+                <a:effectLst/>
                 <a:latin typeface="+mn-lt"/>
               </a:rPr>
-              <a:t>As noted in our introductory presentation, images must be first converted to tensors before they can be” “understood” by a CNN.  On the left, a small color image has been converted to a tensor with 3 channels.  If this had been a grayscale image, it would have had but one channel.  When a tensor has more than 3 channels,  it’s probably best not to think of it as an image anymore.  Thus – for large tensors with many channels or dimensions, we call individual slices of the tensor </a:t>
-            </a:r>
-            <a:r>
-              <a:rPr lang="en-US" b="1" dirty="0">
+              <a:t>Now in our Deep Learning Foundations series, we introduced you to the basic architecture of a multi-layered neural network.  To frame this learning experience, we begin with a picture of a convolutional neural network or CNN.  Looks familiar, doesn’t it?  </a:t>
+            </a:r>
+          </a:p>
+          <a:p>
+            <a:pPr algn="l"/>
+            <a:endParaRPr lang="en-US" b="0" i="0" dirty="0">
+              <a:solidFill>
+                <a:srgbClr val="6D737D"/>
+              </a:solidFill>
+              <a:effectLst/>
+              <a:latin typeface="+mn-lt"/>
+            </a:endParaRPr>
+          </a:p>
+          <a:p>
+            <a:pPr algn="l"/>
+            <a:r>
+              <a:rPr lang="en-US" b="0" i="0" dirty="0">
+                <a:solidFill>
+                  <a:srgbClr val="6D737D"/>
+                </a:solidFill>
+                <a:effectLst/>
                 <a:latin typeface="+mn-lt"/>
               </a:rPr>
-              <a:t>elements</a:t>
-            </a:r>
-            <a:r>
-              <a:rPr lang="en-US" dirty="0">
+              <a:t>The CNN pictured here recognizes and classifies handwritten digits (from 0 to 9). There are three convolution layers in this model, each followed by a max pooling layer. The final layers are fully connected and are responsible for predicting the digit presented to the model.  We have already presented the architecture of these last two layers in our Foundations sequence.  But the convolution and pooling layers are new, and we will discuss those shortly.</a:t>
+            </a:r>
+          </a:p>
+          <a:p>
+            <a:pPr algn="l"/>
+            <a:endParaRPr lang="en-US" b="0" i="0" dirty="0">
+              <a:solidFill>
+                <a:srgbClr val="6D737D"/>
+              </a:solidFill>
+              <a:effectLst/>
+              <a:latin typeface="+mn-lt"/>
+            </a:endParaRPr>
+          </a:p>
+          <a:p>
+            <a:pPr algn="l"/>
+            <a:r>
+              <a:rPr lang="en-US" b="0" i="0" dirty="0">
+                <a:solidFill>
+                  <a:srgbClr val="6D737D"/>
+                </a:solidFill>
+                <a:effectLst/>
                 <a:latin typeface="+mn-lt"/>
               </a:rPr>
-              <a:t>. </a:t>
-            </a:r>
-          </a:p>
-          <a:p>
-            <a:endParaRPr lang="en-US" dirty="0">
-              <a:latin typeface="+mn-lt"/>
-            </a:endParaRPr>
-          </a:p>
-          <a:p>
-            <a:r>
-              <a:rPr lang="en-US" dirty="0">
-                <a:latin typeface="+mn-lt"/>
-              </a:rPr>
-              <a:t>Left: When our tensor has one or three channels, we often say that it’s made up of pixels. </a:t>
-            </a:r>
-          </a:p>
-          <a:p>
-            <a:endParaRPr lang="en-US" dirty="0">
-              <a:latin typeface="+mn-lt"/>
-            </a:endParaRPr>
-          </a:p>
-          <a:p>
-            <a:r>
-              <a:rPr lang="en-US" dirty="0">
-                <a:latin typeface="+mn-lt"/>
-              </a:rPr>
-              <a:t>Right: For tensors with many channels, we call each slice through the channels an element</a:t>
-            </a:r>
+              <a:t>Let’s start by examining the underlying structure of images.</a:t>
+            </a:r>
+          </a:p>
+          <a:p>
+            <a:pPr algn="l"/>
+            <a:endParaRPr lang="en-US" dirty="0"/>
           </a:p>
         </p:txBody>
       </p:sp>
@@ -3527,7 +3481,7 @@
           <a:p>
             <a:fld id="{3148858F-F1DB-4027-9C85-CCA6849540DD}" type="slidenum">
               <a:rPr lang="en-US" smtClean="0"/>
-              <a:t>4</a:t>
+              <a:t>3</a:t>
             </a:fld>
             <a:endParaRPr lang="en-US"/>
           </a:p>
@@ -3536,7 +3490,7 @@
     </p:spTree>
     <p:extLst>
       <p:ext uri="{BB962C8B-B14F-4D97-AF65-F5344CB8AC3E}">
-        <p14:creationId xmlns:p14="http://schemas.microsoft.com/office/powerpoint/2010/main" val="2838364458"/>
+        <p14:creationId xmlns:p14="http://schemas.microsoft.com/office/powerpoint/2010/main" val="132940555"/>
       </p:ext>
     </p:extLst>
   </p:cSld>
@@ -3590,102 +3544,195 @@
           <a:bodyPr/>
           <a:lstStyle/>
           <a:p>
-            <a:pPr marL="228600" indent="-228600">
+            <a:pPr marL="228600" marR="0" lvl="0" indent="-228600" algn="l" defTabSz="914400" rtl="0" eaLnBrk="1" fontAlgn="auto" latinLnBrk="0" hangingPunct="1">
+              <a:lnSpc>
+                <a:spcPct val="100000"/>
+              </a:lnSpc>
+              <a:spcBef>
+                <a:spcPts val="0"/>
+              </a:spcBef>
+              <a:spcAft>
+                <a:spcPts val="0"/>
+              </a:spcAft>
+              <a:buClrTx/>
+              <a:buSzTx/>
+              <a:buFontTx/>
               <a:buAutoNum type="arabicPeriod"/>
+              <a:tabLst/>
+              <a:defRPr/>
             </a:pPr>
             <a:r>
-              <a:rPr lang="en-US" dirty="0"/>
-              <a:t>Process a color image – each pixel in our image contains three numbers: one each for red, green, and blue</a:t>
-            </a:r>
-          </a:p>
-          <a:p>
-            <a:pPr marL="228600" indent="-228600">
+              <a:rPr lang="en-US" b="0" i="0" dirty="0">
+                <a:solidFill>
+                  <a:srgbClr val="6D737D"/>
+                </a:solidFill>
+                <a:effectLst/>
+                <a:latin typeface="+mn-lt"/>
+              </a:rPr>
+              <a:t>How do we present data to a CNN?</a:t>
+            </a:r>
+          </a:p>
+          <a:p>
+            <a:pPr marL="228600" marR="0" lvl="0" indent="-228600" algn="l" defTabSz="914400" rtl="0" eaLnBrk="1" fontAlgn="auto" latinLnBrk="0" hangingPunct="1">
+              <a:lnSpc>
+                <a:spcPct val="100000"/>
+              </a:lnSpc>
+              <a:spcBef>
+                <a:spcPts val="0"/>
+              </a:spcBef>
+              <a:spcAft>
+                <a:spcPts val="0"/>
+              </a:spcAft>
+              <a:buClrTx/>
+              <a:buSzTx/>
+              <a:buFontTx/>
               <a:buAutoNum type="arabicPeriod"/>
+              <a:tabLst/>
+              <a:defRPr/>
             </a:pPr>
             <a:r>
-              <a:rPr lang="en-US" dirty="0"/>
-              <a:t>(Example) create greyscale output with same width / height but where amount of white corresponds to yellow in original image.</a:t>
-            </a:r>
-          </a:p>
-          <a:p>
-            <a:pPr marL="228600" indent="-228600">
+              <a:rPr lang="en-US" dirty="0">
+                <a:latin typeface="+mn-lt"/>
+              </a:rPr>
+              <a:t>Left: When our tensor has one or three channels, we often say that it’s made up of </a:t>
+            </a:r>
+            <a:r>
+              <a:rPr lang="en-US" b="1" dirty="0">
+                <a:latin typeface="+mn-lt"/>
+              </a:rPr>
+              <a:t>pixels</a:t>
+            </a:r>
+          </a:p>
+          <a:p>
+            <a:pPr marL="228600" marR="0" lvl="0" indent="-228600" algn="l" defTabSz="914400" rtl="0" eaLnBrk="1" fontAlgn="auto" latinLnBrk="0" hangingPunct="1">
+              <a:lnSpc>
+                <a:spcPct val="100000"/>
+              </a:lnSpc>
+              <a:spcBef>
+                <a:spcPts val="0"/>
+              </a:spcBef>
+              <a:spcAft>
+                <a:spcPts val="0"/>
+              </a:spcAft>
+              <a:buClrTx/>
+              <a:buSzTx/>
+              <a:buFontTx/>
               <a:buAutoNum type="arabicPeriod"/>
+              <a:tabLst/>
+              <a:defRPr/>
             </a:pPr>
             <a:r>
-              <a:rPr lang="en-US" dirty="0"/>
-              <a:t>RGB values – -1 to 1.</a:t>
-            </a:r>
-          </a:p>
-          <a:p>
-            <a:pPr marL="685800" lvl="1" indent="-228600">
-              <a:buAutoNum type="arabicPeriod"/>
+              <a:rPr lang="en-US" dirty="0">
+                <a:latin typeface="+mn-lt"/>
+              </a:rPr>
+              <a:t>Right: For tensors with many channels, we call each slice through the channels an </a:t>
+            </a:r>
+            <a:r>
+              <a:rPr lang="en-US" b="1" dirty="0">
+                <a:latin typeface="+mn-lt"/>
+              </a:rPr>
+              <a:t>element</a:t>
+            </a:r>
+          </a:p>
+          <a:p>
+            <a:pPr marL="0" marR="0" lvl="0" indent="0" algn="l" defTabSz="914400" rtl="0" eaLnBrk="1" fontAlgn="auto" latinLnBrk="0" hangingPunct="1">
+              <a:lnSpc>
+                <a:spcPct val="100000"/>
+              </a:lnSpc>
+              <a:spcBef>
+                <a:spcPts val="0"/>
+              </a:spcBef>
+              <a:spcAft>
+                <a:spcPts val="0"/>
+              </a:spcAft>
+              <a:buClrTx/>
+              <a:buSzTx/>
+              <a:buFontTx/>
+              <a:buNone/>
+              <a:tabLst/>
+              <a:defRPr/>
             </a:pPr>
-            <a:r>
-              <a:rPr lang="en-US" dirty="0"/>
-              <a:t>Pure yellow: red &amp; green = 1, blue = 0 </a:t>
-            </a:r>
-          </a:p>
-          <a:p>
-            <a:pPr marL="685800" lvl="1" indent="-228600">
-              <a:buAutoNum type="arabicPeriod"/>
+            <a:endParaRPr lang="en-US" b="0" i="0" dirty="0">
+              <a:solidFill>
+                <a:srgbClr val="6D737D"/>
+              </a:solidFill>
+              <a:effectLst/>
+              <a:latin typeface="+mn-lt"/>
+            </a:endParaRPr>
+          </a:p>
+          <a:p>
+            <a:pPr marL="0" marR="0" lvl="0" indent="0" algn="l" defTabSz="914400" rtl="0" eaLnBrk="1" fontAlgn="auto" latinLnBrk="0" hangingPunct="1">
+              <a:lnSpc>
+                <a:spcPct val="100000"/>
+              </a:lnSpc>
+              <a:spcBef>
+                <a:spcPts val="0"/>
+              </a:spcBef>
+              <a:spcAft>
+                <a:spcPts val="0"/>
+              </a:spcAft>
+              <a:buClrTx/>
+              <a:buSzTx/>
+              <a:buFontTx/>
+              <a:buNone/>
+              <a:tabLst/>
+              <a:defRPr/>
             </a:pPr>
             <a:r>
-              <a:rPr lang="en-US" dirty="0"/>
-              <a:t>As red and green values decrease, or blue value increases, pixel’s color shifts away from yellow</a:t>
-            </a:r>
-          </a:p>
-          <a:p>
-            <a:pPr marL="685800" lvl="1" indent="-228600">
-              <a:buAutoNum type="arabicPeriod"/>
-            </a:pPr>
-            <a:r>
-              <a:rPr lang="en-US" dirty="0"/>
-              <a:t>Combine three values to represent ‘yellowness’ – output</a:t>
-            </a:r>
-          </a:p>
-          <a:p>
-            <a:pPr marL="228600" lvl="0" indent="-228600">
-              <a:buAutoNum type="arabicPeriod"/>
-            </a:pPr>
-            <a:r>
-              <a:rPr lang="en-US" dirty="0"/>
-              <a:t>Artificial neuron: +1, +1, and -1 are weights – fed into the net input (summation) function before activation function</a:t>
-            </a:r>
-          </a:p>
-          <a:p>
-            <a:pPr marL="685800" lvl="1" indent="-228600">
-              <a:buAutoNum type="arabicPeriod"/>
-            </a:pPr>
-            <a:endParaRPr lang="en-US" dirty="0"/>
-          </a:p>
-          <a:p>
-            <a:r>
-              <a:rPr lang="en-US" dirty="0"/>
+              <a:rPr lang="en-US" b="0" i="0" dirty="0">
+                <a:solidFill>
+                  <a:srgbClr val="6D737D"/>
+                </a:solidFill>
+                <a:effectLst/>
+                <a:latin typeface="+mn-lt"/>
+              </a:rPr>
               <a:t>=====</a:t>
             </a:r>
           </a:p>
           <a:p>
             <a:r>
-              <a:rPr lang="en-US" dirty="0"/>
-              <a:t>To kick off our discussion of convolution, let’s consider processing a color image.  Now each pixel in our image contains three numbers: one each for red, green, and blue. Suppose we want to create a grayscale output that has the same height and width as our color image, but where the amount of white in each pixel corresponds to the amount of yellow in its input pixel.</a:t>
-            </a:r>
-          </a:p>
-          <a:p>
-            <a:endParaRPr lang="en-US" dirty="0"/>
-          </a:p>
-          <a:p>
-            <a:r>
-              <a:rPr lang="en-US" dirty="0"/>
-              <a:t>For simplicity, let’s assume our RGB values are numbers from 0 to 1. Then a pixel that’s pure yellow has red and green values of 1, and a blue value of 0. As the red and green values decrease, or the blue value increases, the pixel’s color shifts away from yellow.  We want to combine each input pixel’s RGB values into a single number from 0 to 1 that represents “yellowness,” which is the output pixel’s value.</a:t>
-            </a:r>
-          </a:p>
-          <a:p>
-            <a:endParaRPr lang="en-US" dirty="0"/>
-          </a:p>
-          <a:p>
-            <a:r>
-              <a:rPr lang="en-US" dirty="0"/>
-              <a:t>This sure looks familiar. It has the same structure as an artificial neuron. When we interpret this figure as a neuron, +1, +1, and −1 are the three weights, and the numbers associated with the color values are the three inputs.</a:t>
+              <a:rPr lang="en-US" dirty="0">
+                <a:latin typeface="+mn-lt"/>
+              </a:rPr>
+              <a:t>As noted in our introductory presentation, images must be first converted to tensors before they can be” “understood” by a CNN.  On the left, a small color image has been converted to a tensor with 3 channels.  If this had been a grayscale image, it would have had but one channel.  When a tensor has more than 3 channels,  it’s probably best not to think of it as an image anymore.  Thus – for large tensors with many channels or dimensions, we call individual slices of the tensor </a:t>
+            </a:r>
+            <a:r>
+              <a:rPr lang="en-US" b="1" dirty="0">
+                <a:latin typeface="+mn-lt"/>
+              </a:rPr>
+              <a:t>elements</a:t>
+            </a:r>
+            <a:r>
+              <a:rPr lang="en-US" dirty="0">
+                <a:latin typeface="+mn-lt"/>
+              </a:rPr>
+              <a:t>. </a:t>
+            </a:r>
+          </a:p>
+          <a:p>
+            <a:endParaRPr lang="en-US" dirty="0">
+              <a:latin typeface="+mn-lt"/>
+            </a:endParaRPr>
+          </a:p>
+          <a:p>
+            <a:r>
+              <a:rPr lang="en-US" dirty="0">
+                <a:latin typeface="+mn-lt"/>
+              </a:rPr>
+              <a:t>Left: When our tensor has one or three channels, we often say that it’s made up of pixels. </a:t>
+            </a:r>
+          </a:p>
+          <a:p>
+            <a:endParaRPr lang="en-US" dirty="0">
+              <a:latin typeface="+mn-lt"/>
+            </a:endParaRPr>
+          </a:p>
+          <a:p>
+            <a:r>
+              <a:rPr lang="en-US" dirty="0">
+                <a:latin typeface="+mn-lt"/>
+              </a:rPr>
+              <a:t>Right: For tensors with many channels, we call each slice through the channels an element</a:t>
             </a:r>
           </a:p>
         </p:txBody>
@@ -3707,7 +3754,7 @@
           <a:p>
             <a:fld id="{3148858F-F1DB-4027-9C85-CCA6849540DD}" type="slidenum">
               <a:rPr lang="en-US" smtClean="0"/>
-              <a:t>5</a:t>
+              <a:t>4</a:t>
             </a:fld>
             <a:endParaRPr lang="en-US"/>
           </a:p>
@@ -3716,7 +3763,7 @@
     </p:spTree>
     <p:extLst>
       <p:ext uri="{BB962C8B-B14F-4D97-AF65-F5344CB8AC3E}">
-        <p14:creationId xmlns:p14="http://schemas.microsoft.com/office/powerpoint/2010/main" val="4101578026"/>
+        <p14:creationId xmlns:p14="http://schemas.microsoft.com/office/powerpoint/2010/main" val="2838364458"/>
       </p:ext>
     </p:extLst>
   </p:cSld>
@@ -3775,7 +3822,7 @@
             </a:pPr>
             <a:r>
               <a:rPr lang="en-US" dirty="0"/>
-              <a:t>Picture of single pixel (3 channels) fed to a single neuron.</a:t>
+              <a:t>Process a color image – each pixel in our image contains three numbers: one each for red, green, and blue</a:t>
             </a:r>
           </a:p>
           <a:p>
@@ -3784,19 +3831,61 @@
             </a:pPr>
             <a:r>
               <a:rPr lang="en-US" dirty="0"/>
-              <a:t>Apply operation to every pixel in the image</a:t>
+              <a:t>(Example) create greyscale output with same width / height but where amount of white corresponds to yellow in original image.</a:t>
             </a:r>
           </a:p>
           <a:p>
             <a:pPr marL="228600" indent="-228600">
               <a:buAutoNum type="arabicPeriod"/>
             </a:pPr>
+            <a:r>
+              <a:rPr lang="en-US" dirty="0"/>
+              <a:t>RGB values – -1 to 1.</a:t>
+            </a:r>
+          </a:p>
+          <a:p>
+            <a:pPr marL="685800" lvl="1" indent="-228600">
+              <a:buAutoNum type="arabicPeriod"/>
+            </a:pPr>
+            <a:r>
+              <a:rPr lang="en-US" dirty="0"/>
+              <a:t>Pure yellow: red &amp; green = 1, blue = 0 </a:t>
+            </a:r>
+          </a:p>
+          <a:p>
+            <a:pPr marL="685800" lvl="1" indent="-228600">
+              <a:buAutoNum type="arabicPeriod"/>
+            </a:pPr>
+            <a:r>
+              <a:rPr lang="en-US" dirty="0"/>
+              <a:t>As red and green values decrease, or blue value increases, pixel’s color shifts away from yellow</a:t>
+            </a:r>
+          </a:p>
+          <a:p>
+            <a:pPr marL="685800" lvl="1" indent="-228600">
+              <a:buAutoNum type="arabicPeriod"/>
+            </a:pPr>
+            <a:r>
+              <a:rPr lang="en-US" dirty="0"/>
+              <a:t>Combine three values to represent ‘yellowness’ – output</a:t>
+            </a:r>
+          </a:p>
+          <a:p>
+            <a:pPr marL="228600" lvl="0" indent="-228600">
+              <a:buAutoNum type="arabicPeriod"/>
+            </a:pPr>
+            <a:r>
+              <a:rPr lang="en-US" dirty="0"/>
+              <a:t>Artificial neuron: +1, +1, and -1 are weights – fed into the net input (summation) function before activation function</a:t>
+            </a:r>
+          </a:p>
+          <a:p>
+            <a:pPr marL="685800" lvl="1" indent="-228600">
+              <a:buAutoNum type="arabicPeriod"/>
+            </a:pPr>
             <a:endParaRPr lang="en-US" dirty="0"/>
           </a:p>
           <a:p>
-            <a:pPr marL="0" indent="0">
-              <a:buNone/>
-            </a:pPr>
             <a:r>
               <a:rPr lang="en-US" dirty="0"/>
               <a:t>=====</a:t>
@@ -3805,7 +3894,25 @@
           <a:p>
             <a:r>
               <a:rPr lang="en-US" dirty="0"/>
-              <a:t>This figure shows how to apply this neuron to a single pixel in an image. We can apply this operation to every pixel in the input, creating a single output value for every pixel. The result is a new tensor with the same width and height as the input, but only one channel, as shown in the next figure.</a:t>
+              <a:t>To kick off our discussion of convolution, let’s consider processing a color image.  Now each pixel in our image contains three numbers: one each for red, green, and blue. Suppose we want to create a grayscale output that has the same height and width as our color image, but where the amount of white in each pixel corresponds to the amount of yellow in its input pixel.</a:t>
+            </a:r>
+          </a:p>
+          <a:p>
+            <a:endParaRPr lang="en-US" dirty="0"/>
+          </a:p>
+          <a:p>
+            <a:r>
+              <a:rPr lang="en-US" dirty="0"/>
+              <a:t>For simplicity, let’s assume our RGB values are numbers from 0 to 1. Then a pixel that’s pure yellow has red and green values of 1, and a blue value of 0. As the red and green values decrease, or the blue value increases, the pixel’s color shifts away from yellow.  We want to combine each input pixel’s RGB values into a single number from 0 to 1 that represents “yellowness,” which is the output pixel’s value.</a:t>
+            </a:r>
+          </a:p>
+          <a:p>
+            <a:endParaRPr lang="en-US" dirty="0"/>
+          </a:p>
+          <a:p>
+            <a:r>
+              <a:rPr lang="en-US" dirty="0"/>
+              <a:t>This sure looks familiar. It has the same structure as an artificial neuron. When we interpret this figure as a neuron, +1, +1, and −1 are the three weights, and the numbers associated with the color values are the three inputs.</a:t>
             </a:r>
           </a:p>
         </p:txBody>
@@ -3827,7 +3934,7 @@
           <a:p>
             <a:fld id="{3148858F-F1DB-4027-9C85-CCA6849540DD}" type="slidenum">
               <a:rPr lang="en-US" smtClean="0"/>
-              <a:t>6</a:t>
+              <a:t>5</a:t>
             </a:fld>
             <a:endParaRPr lang="en-US"/>
           </a:p>
@@ -3836,7 +3943,7 @@
     </p:spTree>
     <p:extLst>
       <p:ext uri="{BB962C8B-B14F-4D97-AF65-F5344CB8AC3E}">
-        <p14:creationId xmlns:p14="http://schemas.microsoft.com/office/powerpoint/2010/main" val="2468772990"/>
+        <p14:creationId xmlns:p14="http://schemas.microsoft.com/office/powerpoint/2010/main" val="4101578026"/>
       </p:ext>
     </p:extLst>
   </p:cSld>
@@ -3895,19 +4002,28 @@
             </a:pPr>
             <a:r>
               <a:rPr lang="en-US" dirty="0"/>
-              <a:t>Start at upper-left – sweep across and down until entire image scanned.</a:t>
-            </a:r>
+              <a:t>Picture of single pixel (3 channels) fed to a single neuron.</a:t>
+            </a:r>
+          </a:p>
+          <a:p>
+            <a:pPr marL="228600" indent="-228600">
+              <a:buAutoNum type="arabicPeriod"/>
+            </a:pPr>
+            <a:r>
+              <a:rPr lang="en-US" dirty="0"/>
+              <a:t>Apply operation to every pixel in the image</a:t>
+            </a:r>
+          </a:p>
+          <a:p>
+            <a:pPr marL="228600" indent="-228600">
+              <a:buAutoNum type="arabicPeriod"/>
+            </a:pPr>
+            <a:endParaRPr lang="en-US" dirty="0"/>
           </a:p>
           <a:p>
             <a:pPr marL="0" indent="0">
               <a:buNone/>
             </a:pPr>
-            <a:endParaRPr lang="en-US" dirty="0"/>
-          </a:p>
-          <a:p>
-            <a:pPr marL="0" indent="0">
-              <a:buNone/>
-            </a:pPr>
             <a:r>
               <a:rPr lang="en-US" dirty="0"/>
               <a:t>=====</a:t>
@@ -3916,7 +4032,7 @@
           <a:p>
             <a:r>
               <a:rPr lang="en-US" dirty="0"/>
-              <a:t>We often imagine applying the neuron to the upper-left pixel, then moving it one step at a time to the right until we reach the end of the row, then repeating this for the next row, and the next, until we reach the bottom right pixel. We say that we’re sweeping the neuron over the input or scanning the input.</a:t>
+              <a:t>This figure shows how to apply this neuron to a single pixel in an image. We can apply this operation to every pixel in the input, creating a single output value for every pixel. The result is a new tensor with the same width and height as the input, but only one channel, as shown in the next figure.</a:t>
             </a:r>
           </a:p>
         </p:txBody>
@@ -3938,7 +4054,7 @@
           <a:p>
             <a:fld id="{3148858F-F1DB-4027-9C85-CCA6849540DD}" type="slidenum">
               <a:rPr lang="en-US" smtClean="0"/>
-              <a:t>7</a:t>
+              <a:t>6</a:t>
             </a:fld>
             <a:endParaRPr lang="en-US"/>
           </a:p>
@@ -3947,7 +4063,7 @@
     </p:spTree>
     <p:extLst>
       <p:ext uri="{BB962C8B-B14F-4D97-AF65-F5344CB8AC3E}">
-        <p14:creationId xmlns:p14="http://schemas.microsoft.com/office/powerpoint/2010/main" val="3905502363"/>
+        <p14:creationId xmlns:p14="http://schemas.microsoft.com/office/powerpoint/2010/main" val="2468772990"/>
       </p:ext>
     </p:extLst>
   </p:cSld>
@@ -4001,12 +4117,12 @@
           <a:bodyPr/>
           <a:lstStyle/>
           <a:p>
-            <a:pPr marL="0" indent="0">
-              <a:buNone/>
+            <a:pPr marL="228600" indent="-228600">
+              <a:buAutoNum type="arabicPeriod"/>
             </a:pPr>
             <a:r>
               <a:rPr lang="en-US" dirty="0"/>
-              <a:t>Concrete example – image of a yellow frog converted to greyscale…</a:t>
+              <a:t>Start at upper-left – sweep across and down until entire image scanned.</a:t>
             </a:r>
           </a:p>
           <a:p>
@@ -4016,70 +4132,9 @@
             <a:endParaRPr lang="en-US" dirty="0"/>
           </a:p>
           <a:p>
-            <a:pPr marL="228600" indent="-228600">
-              <a:buAutoNum type="arabicPeriod"/>
+            <a:pPr marL="0" indent="0">
+              <a:buNone/>
             </a:pPr>
-            <a:r>
-              <a:rPr lang="en-US" dirty="0"/>
-              <a:t>Greyscale output – more yellow a pixel is, the whiter its corresponding output.</a:t>
-            </a:r>
-          </a:p>
-          <a:p>
-            <a:pPr marL="228600" indent="-228600">
-              <a:buAutoNum type="arabicPeriod"/>
-            </a:pPr>
-            <a:r>
-              <a:rPr lang="en-US" dirty="0"/>
-              <a:t>Neuron is identifying or detecting yellow.</a:t>
-            </a:r>
-          </a:p>
-          <a:p>
-            <a:pPr marL="228600" indent="-228600">
-              <a:buAutoNum type="arabicPeriod"/>
-            </a:pPr>
-            <a:r>
-              <a:rPr lang="en-US" dirty="0"/>
-              <a:t>We say the neurons </a:t>
-            </a:r>
-            <a:r>
-              <a:rPr lang="en-US" b="1" dirty="0"/>
-              <a:t>filter</a:t>
-            </a:r>
-            <a:r>
-              <a:rPr lang="en-US" dirty="0"/>
-              <a:t> the input.</a:t>
-            </a:r>
-          </a:p>
-          <a:p>
-            <a:pPr marL="228600" indent="-228600">
-              <a:buAutoNum type="arabicPeriod"/>
-            </a:pPr>
-            <a:r>
-              <a:rPr lang="en-US" dirty="0"/>
-              <a:t>In ML, filters are called </a:t>
-            </a:r>
-            <a:r>
-              <a:rPr lang="en-US" b="1" dirty="0"/>
-              <a:t>kernels </a:t>
-            </a:r>
-            <a:r>
-              <a:rPr lang="en-US" b="0" dirty="0"/>
-              <a:t>(mathematical term)</a:t>
-            </a:r>
-          </a:p>
-          <a:p>
-            <a:pPr marL="228600" indent="-228600">
-              <a:buAutoNum type="arabicPeriod"/>
-            </a:pPr>
-            <a:r>
-              <a:rPr lang="en-US" b="0" dirty="0"/>
-              <a:t>Generalizable – neurons to detect any color</a:t>
-            </a:r>
-          </a:p>
-          <a:p>
-            <a:endParaRPr lang="en-US" dirty="0"/>
-          </a:p>
-          <a:p>
             <a:r>
               <a:rPr lang="en-US" dirty="0"/>
               <a:t>=====</a:t>
@@ -4088,24 +4143,7 @@
           <a:p>
             <a:r>
               <a:rPr lang="en-US" dirty="0"/>
-              <a:t>The image here shows the result of this process on a picture of a yellow frog. As we intended, the more yellow that’s present in each input pixel, the more white we see in its corresponding output. We say that the neuron is identifying or detecting yellow in the input.</a:t>
-            </a:r>
-          </a:p>
-          <a:p>
-            <a:endParaRPr lang="en-US" dirty="0"/>
-          </a:p>
-          <a:p>
-            <a:r>
-              <a:rPr lang="en-US" dirty="0"/>
-              <a:t>Of course, there’s nothing special about yellow. We can build a little neuron to detect any color. When we use a neuron in this way, we often say that it is filtering the input. In this context, the weights are sometimes collectively called the filter values or just the filter. Inheriting language from their mathematical roots, the weights are also called the filter kernel or just the </a:t>
-            </a:r>
-            <a:r>
-              <a:rPr lang="en-US" b="1" dirty="0"/>
-              <a:t>kernel</a:t>
-            </a:r>
-            <a:r>
-              <a:rPr lang="en-US" dirty="0"/>
-              <a:t>.</a:t>
+              <a:t>We often imagine applying the neuron to the upper-left pixel, then moving it one step at a time to the right until we reach the end of the row, then repeating this for the next row, and the next, until we reach the bottom right pixel. We say that we’re sweeping the neuron over the input or scanning the input.</a:t>
             </a:r>
           </a:p>
         </p:txBody>
@@ -4127,7 +4165,7 @@
           <a:p>
             <a:fld id="{3148858F-F1DB-4027-9C85-CCA6849540DD}" type="slidenum">
               <a:rPr lang="en-US" smtClean="0"/>
-              <a:t>8</a:t>
+              <a:t>7</a:t>
             </a:fld>
             <a:endParaRPr lang="en-US"/>
           </a:p>
@@ -4136,7 +4174,7 @@
     </p:spTree>
     <p:extLst>
       <p:ext uri="{BB962C8B-B14F-4D97-AF65-F5344CB8AC3E}">
-        <p14:creationId xmlns:p14="http://schemas.microsoft.com/office/powerpoint/2010/main" val="3753012606"/>
+        <p14:creationId xmlns:p14="http://schemas.microsoft.com/office/powerpoint/2010/main" val="3905502363"/>
       </p:ext>
     </p:extLst>
   </p:cSld>
@@ -4190,19 +4228,19 @@
           <a:bodyPr/>
           <a:lstStyle/>
           <a:p>
+            <a:pPr marL="0" indent="0">
+              <a:buNone/>
+            </a:pPr>
             <a:r>
               <a:rPr lang="en-US" dirty="0"/>
-              <a:t>So far, we’ve been sweeping our neuron over the image, processing one pixel at a time, using only that pixel’s values for input. In many situations, it’s also useful to look at the pixels near the one we’re processing. Usually, we consider a pixel’s eight immediate neighbors. That is, we use the values in a little three by three box that’s centered on the pixel.</a:t>
-            </a:r>
-          </a:p>
-          <a:p>
+              <a:t>Concrete example – image of a yellow frog converted to greyscale…</a:t>
+            </a:r>
+          </a:p>
+          <a:p>
+            <a:pPr marL="0" indent="0">
+              <a:buNone/>
+            </a:pPr>
             <a:endParaRPr lang="en-US" dirty="0"/>
-          </a:p>
-          <a:p>
-            <a:r>
-              <a:rPr lang="en-US" dirty="0"/>
-              <a:t>This figure shows three different operations we can apply using a three-by-three block of numbers in this way: </a:t>
-            </a:r>
           </a:p>
           <a:p>
             <a:pPr marL="228600" indent="-228600">
@@ -4210,7 +4248,7 @@
             </a:pPr>
             <a:r>
               <a:rPr lang="en-US" dirty="0"/>
-              <a:t>blurring </a:t>
+              <a:t>Greyscale output – more yellow a pixel is, the whiter its corresponding output.</a:t>
             </a:r>
           </a:p>
           <a:p>
@@ -4219,7 +4257,7 @@
             </a:pPr>
             <a:r>
               <a:rPr lang="en-US" dirty="0"/>
-              <a:t>detecting horizontal edges </a:t>
+              <a:t>Neuron is identifying or detecting yellow.</a:t>
             </a:r>
           </a:p>
           <a:p>
@@ -4228,7 +4266,41 @@
             </a:pPr>
             <a:r>
               <a:rPr lang="en-US" dirty="0"/>
-              <a:t>… and detecting vertical edges</a:t>
+              <a:t>We say the neurons </a:t>
+            </a:r>
+            <a:r>
+              <a:rPr lang="en-US" b="1" dirty="0"/>
+              <a:t>filter</a:t>
+            </a:r>
+            <a:r>
+              <a:rPr lang="en-US" dirty="0"/>
+              <a:t> the input.</a:t>
+            </a:r>
+          </a:p>
+          <a:p>
+            <a:pPr marL="228600" indent="-228600">
+              <a:buAutoNum type="arabicPeriod"/>
+            </a:pPr>
+            <a:r>
+              <a:rPr lang="en-US" dirty="0"/>
+              <a:t>In ML, filters are called </a:t>
+            </a:r>
+            <a:r>
+              <a:rPr lang="en-US" b="1" dirty="0"/>
+              <a:t>kernels </a:t>
+            </a:r>
+            <a:r>
+              <a:rPr lang="en-US" b="0" dirty="0"/>
+              <a:t>(mathematical term)</a:t>
+            </a:r>
+          </a:p>
+          <a:p>
+            <a:pPr marL="228600" indent="-228600">
+              <a:buAutoNum type="arabicPeriod"/>
+            </a:pPr>
+            <a:r>
+              <a:rPr lang="en-US" b="0" dirty="0"/>
+              <a:t>Generalizable – neurons to detect any color</a:t>
             </a:r>
           </a:p>
           <a:p>
@@ -4237,7 +4309,30 @@
           <a:p>
             <a:r>
               <a:rPr lang="en-US" dirty="0"/>
-              <a:t>To compute each image, we center the block of weights over each pixel in turn and multiply each of the nine values under it by the corresponding weight. We add up the results and use their sum as the output value for that pixel. Let’s visualize this operation.</a:t>
+              <a:t>=====</a:t>
+            </a:r>
+          </a:p>
+          <a:p>
+            <a:r>
+              <a:rPr lang="en-US" dirty="0"/>
+              <a:t>The image here shows the result of this process on a picture of a yellow frog. As we intended, the more yellow that’s present in each input pixel, the more white we see in its corresponding output. We say that the neuron is identifying or detecting yellow in the input.</a:t>
+            </a:r>
+          </a:p>
+          <a:p>
+            <a:endParaRPr lang="en-US" dirty="0"/>
+          </a:p>
+          <a:p>
+            <a:r>
+              <a:rPr lang="en-US" dirty="0"/>
+              <a:t>Of course, there’s nothing special about yellow. We can build a little neuron to detect any color. When we use a neuron in this way, we often say that it is filtering the input. In this context, the weights are sometimes collectively called the filter values or just the filter. Inheriting language from their mathematical roots, the weights are also called the filter kernel or just the </a:t>
+            </a:r>
+            <a:r>
+              <a:rPr lang="en-US" b="1" dirty="0"/>
+              <a:t>kernel</a:t>
+            </a:r>
+            <a:r>
+              <a:rPr lang="en-US" dirty="0"/>
+              <a:t>.</a:t>
             </a:r>
           </a:p>
         </p:txBody>
@@ -4259,7 +4354,7 @@
           <a:p>
             <a:fld id="{3148858F-F1DB-4027-9C85-CCA6849540DD}" type="slidenum">
               <a:rPr lang="en-US" smtClean="0"/>
-              <a:t>9</a:t>
+              <a:t>8</a:t>
             </a:fld>
             <a:endParaRPr lang="en-US"/>
           </a:p>
@@ -4268,7 +4363,7 @@
     </p:spTree>
     <p:extLst>
       <p:ext uri="{BB962C8B-B14F-4D97-AF65-F5344CB8AC3E}">
-        <p14:creationId xmlns:p14="http://schemas.microsoft.com/office/powerpoint/2010/main" val="878620353"/>
+        <p14:creationId xmlns:p14="http://schemas.microsoft.com/office/powerpoint/2010/main" val="3753012606"/>
       </p:ext>
     </p:extLst>
   </p:cSld>
@@ -4322,79 +4417,55 @@
           <a:bodyPr/>
           <a:lstStyle/>
           <a:p>
-            <a:pPr marL="228600" indent="-228600" defTabSz="939363">
+            <a:r>
+              <a:rPr lang="en-US" dirty="0"/>
+              <a:t>So far, we’ve been sweeping our neuron over the image, processing one pixel at a time, using only that pixel’s values for input. In many situations, it’s also useful to look at the pixels near the one we’re processing. Usually, we consider a pixel’s eight immediate neighbors. That is, we use the values in a little three by three box that’s centered on the pixel.</a:t>
+            </a:r>
+          </a:p>
+          <a:p>
+            <a:endParaRPr lang="en-US" dirty="0"/>
+          </a:p>
+          <a:p>
+            <a:r>
+              <a:rPr lang="en-US" dirty="0"/>
+              <a:t>This figure shows three different operations we can apply using a three-by-three block of numbers in this way: </a:t>
+            </a:r>
+          </a:p>
+          <a:p>
+            <a:pPr marL="228600" indent="-228600">
               <a:buAutoNum type="arabicPeriod"/>
-              <a:defRPr/>
             </a:pPr>
             <a:r>
               <a:rPr lang="en-US" dirty="0"/>
-              <a:t>Apply a 3 x 3 filter to an image by convolving it with that image, sweeping left to right, top to bottom</a:t>
-            </a:r>
-          </a:p>
-          <a:p>
-            <a:pPr marL="228600" indent="-228600" defTabSz="939363">
+              <a:t>blurring </a:t>
+            </a:r>
+          </a:p>
+          <a:p>
+            <a:pPr marL="228600" indent="-228600">
               <a:buAutoNum type="arabicPeriod"/>
-              <a:defRPr/>
             </a:pPr>
             <a:r>
               <a:rPr lang="en-US" dirty="0"/>
-              <a:t>Center the 3 x 3 grid of weights over each pixel – apply neuron to create single output.</a:t>
-            </a:r>
-          </a:p>
-          <a:p>
-            <a:pPr marL="228600" indent="-228600" defTabSz="939363">
+              <a:t>detecting horizontal edges </a:t>
+            </a:r>
+          </a:p>
+          <a:p>
+            <a:pPr marL="228600" indent="-228600">
               <a:buAutoNum type="arabicPeriod"/>
-              <a:defRPr/>
             </a:pPr>
             <a:r>
               <a:rPr lang="en-US" dirty="0"/>
-              <a:t>The underlying pixel at the center of the filter is the </a:t>
-            </a:r>
-            <a:r>
-              <a:rPr lang="en-US" b="1" dirty="0"/>
-              <a:t>anchor</a:t>
-            </a:r>
+              <a:t>… and detecting vertical edges</a:t>
+            </a:r>
+          </a:p>
+          <a:p>
+            <a:endParaRPr lang="en-US" dirty="0"/>
+          </a:p>
+          <a:p>
             <a:r>
               <a:rPr lang="en-US" dirty="0"/>
-              <a:t>, reference point, or zero point.</a:t>
-            </a:r>
-          </a:p>
-          <a:p>
-            <a:pPr marL="0" indent="0" defTabSz="939363">
-              <a:buNone/>
-              <a:defRPr/>
-            </a:pPr>
-            <a:endParaRPr lang="en-US" dirty="0"/>
-          </a:p>
-          <a:p>
-            <a:pPr marL="0" indent="0" defTabSz="939363">
-              <a:buNone/>
-              <a:defRPr/>
-            </a:pPr>
-            <a:r>
-              <a:rPr lang="en-US" dirty="0"/>
-              <a:t>=====</a:t>
-            </a:r>
-          </a:p>
-          <a:p>
-            <a:pPr defTabSz="939363">
-              <a:defRPr/>
-            </a:pPr>
-            <a:r>
-              <a:rPr lang="en-US" dirty="0"/>
-              <a:t>Here we apply a three-by-three filter to an image by </a:t>
-            </a:r>
-            <a:r>
-              <a:rPr lang="en-US" b="1" dirty="0"/>
-              <a:t>convolving</a:t>
-            </a:r>
-            <a:r>
-              <a:rPr lang="en-US" dirty="0"/>
-              <a:t> it with that image, sweeping from left to right, top to bottom.  For each input pixel, we imagine centering the three-by-three grid of weights over that pixel, applying the neuron, and creating a single output value, as shown here. We say that the pixel we’re centering the filter over is the anchor (or the reference point or zero point).  But let’s make this concrete with a simulation…</a:t>
-            </a:r>
-          </a:p>
-          <a:p>
-            <a:endParaRPr lang="en-US" dirty="0"/>
+              <a:t>To compute each image, we center the block of weights over each pixel in turn and multiply each of the nine values under it by the corresponding weight. We add up the results and use their sum as the output value for that pixel. Let’s visualize this operation.</a:t>
+            </a:r>
           </a:p>
         </p:txBody>
       </p:sp>
@@ -4415,7 +4486,7 @@
           <a:p>
             <a:fld id="{3148858F-F1DB-4027-9C85-CCA6849540DD}" type="slidenum">
               <a:rPr lang="en-US" smtClean="0"/>
-              <a:t>10</a:t>
+              <a:t>9</a:t>
             </a:fld>
             <a:endParaRPr lang="en-US"/>
           </a:p>
@@ -4424,7 +4495,7 @@
     </p:spTree>
     <p:extLst>
       <p:ext uri="{BB962C8B-B14F-4D97-AF65-F5344CB8AC3E}">
-        <p14:creationId xmlns:p14="http://schemas.microsoft.com/office/powerpoint/2010/main" val="27396389"/>
+        <p14:creationId xmlns:p14="http://schemas.microsoft.com/office/powerpoint/2010/main" val="878620353"/>
       </p:ext>
     </p:extLst>
   </p:cSld>
@@ -4581,7 +4652,7 @@
           <a:p>
             <a:fld id="{C3F78080-8D0A-4BE8-A5B4-CB115102D524}" type="datetimeFigureOut">
               <a:rPr lang="en-US" smtClean="0"/>
-              <a:t>8/25/2022</a:t>
+              <a:t>9/12/2022</a:t>
             </a:fld>
             <a:endParaRPr lang="en-US"/>
           </a:p>
@@ -4779,7 +4850,7 @@
           <a:p>
             <a:fld id="{C3F78080-8D0A-4BE8-A5B4-CB115102D524}" type="datetimeFigureOut">
               <a:rPr lang="en-US" smtClean="0"/>
-              <a:t>8/25/2022</a:t>
+              <a:t>9/12/2022</a:t>
             </a:fld>
             <a:endParaRPr lang="en-US"/>
           </a:p>
@@ -4987,7 +5058,7 @@
           <a:p>
             <a:fld id="{C3F78080-8D0A-4BE8-A5B4-CB115102D524}" type="datetimeFigureOut">
               <a:rPr lang="en-US" smtClean="0"/>
-              <a:t>8/25/2022</a:t>
+              <a:t>9/12/2022</a:t>
             </a:fld>
             <a:endParaRPr lang="en-US"/>
           </a:p>
@@ -5185,7 +5256,7 @@
           <a:p>
             <a:fld id="{C3F78080-8D0A-4BE8-A5B4-CB115102D524}" type="datetimeFigureOut">
               <a:rPr lang="en-US" smtClean="0"/>
-              <a:t>8/25/2022</a:t>
+              <a:t>9/12/2022</a:t>
             </a:fld>
             <a:endParaRPr lang="en-US"/>
           </a:p>
@@ -5460,7 +5531,7 @@
           <a:p>
             <a:fld id="{C3F78080-8D0A-4BE8-A5B4-CB115102D524}" type="datetimeFigureOut">
               <a:rPr lang="en-US" smtClean="0"/>
-              <a:t>8/25/2022</a:t>
+              <a:t>9/12/2022</a:t>
             </a:fld>
             <a:endParaRPr lang="en-US"/>
           </a:p>
@@ -5725,7 +5796,7 @@
           <a:p>
             <a:fld id="{C3F78080-8D0A-4BE8-A5B4-CB115102D524}" type="datetimeFigureOut">
               <a:rPr lang="en-US" smtClean="0"/>
-              <a:t>8/25/2022</a:t>
+              <a:t>9/12/2022</a:t>
             </a:fld>
             <a:endParaRPr lang="en-US"/>
           </a:p>
@@ -6137,7 +6208,7 @@
           <a:p>
             <a:fld id="{C3F78080-8D0A-4BE8-A5B4-CB115102D524}" type="datetimeFigureOut">
               <a:rPr lang="en-US" smtClean="0"/>
-              <a:t>8/25/2022</a:t>
+              <a:t>9/12/2022</a:t>
             </a:fld>
             <a:endParaRPr lang="en-US"/>
           </a:p>
@@ -6278,7 +6349,7 @@
           <a:p>
             <a:fld id="{C3F78080-8D0A-4BE8-A5B4-CB115102D524}" type="datetimeFigureOut">
               <a:rPr lang="en-US" smtClean="0"/>
-              <a:t>8/25/2022</a:t>
+              <a:t>9/12/2022</a:t>
             </a:fld>
             <a:endParaRPr lang="en-US"/>
           </a:p>
@@ -6391,7 +6462,7 @@
           <a:p>
             <a:fld id="{C3F78080-8D0A-4BE8-A5B4-CB115102D524}" type="datetimeFigureOut">
               <a:rPr lang="en-US" smtClean="0"/>
-              <a:t>8/25/2022</a:t>
+              <a:t>9/12/2022</a:t>
             </a:fld>
             <a:endParaRPr lang="en-US"/>
           </a:p>
@@ -6702,7 +6773,7 @@
           <a:p>
             <a:fld id="{C3F78080-8D0A-4BE8-A5B4-CB115102D524}" type="datetimeFigureOut">
               <a:rPr lang="en-US" smtClean="0"/>
-              <a:t>8/25/2022</a:t>
+              <a:t>9/12/2022</a:t>
             </a:fld>
             <a:endParaRPr lang="en-US"/>
           </a:p>
@@ -6990,7 +7061,7 @@
           <a:p>
             <a:fld id="{C3F78080-8D0A-4BE8-A5B4-CB115102D524}" type="datetimeFigureOut">
               <a:rPr lang="en-US" smtClean="0"/>
-              <a:t>8/25/2022</a:t>
+              <a:t>9/12/2022</a:t>
             </a:fld>
             <a:endParaRPr lang="en-US"/>
           </a:p>
@@ -7231,7 +7302,7 @@
           <a:p>
             <a:fld id="{C3F78080-8D0A-4BE8-A5B4-CB115102D524}" type="datetimeFigureOut">
               <a:rPr lang="en-US" smtClean="0"/>
-              <a:t>8/25/2022</a:t>
+              <a:t>9/12/2022</a:t>
             </a:fld>
             <a:endParaRPr lang="en-US"/>
           </a:p>
@@ -12766,7 +12837,7 @@
                 </a:solidFill>
                 <a:latin typeface="Palatino Linotype" panose="02040502050505030304" pitchFamily="18" charset="0"/>
               </a:rPr>
-              <a:t>Learning Objective 1</a:t>
+              <a:t>Quick Review</a:t>
             </a:r>
           </a:p>
         </p:txBody>
@@ -12988,7 +13059,7 @@
                 </a:solidFill>
                 <a:latin typeface="Palatino Linotype" panose="02040502050505030304" pitchFamily="18" charset="0"/>
               </a:rPr>
-              <a:t>Learning Objective 1</a:t>
+              <a:t>Pixels and Filters</a:t>
             </a:r>
           </a:p>
         </p:txBody>
@@ -13210,229 +13281,7 @@
                 </a:solidFill>
                 <a:latin typeface="Palatino Linotype" panose="02040502050505030304" pitchFamily="18" charset="0"/>
               </a:rPr>
-              <a:t>Learning Objective 1</a:t>
-            </a:r>
-          </a:p>
-        </p:txBody>
-      </p:sp>
-      <p:sp>
-        <p:nvSpPr>
-          <p:cNvPr id="7" name="Content Placeholder 2">
-            <a:extLst>
-              <a:ext uri="{FF2B5EF4-FFF2-40B4-BE49-F238E27FC236}">
-                <a16:creationId xmlns:a16="http://schemas.microsoft.com/office/drawing/2014/main" id="{6D3279E5-D518-B484-9FCF-B12663A4E8FF}"/>
-              </a:ext>
-            </a:extLst>
-          </p:cNvPr>
-          <p:cNvSpPr txBox="1">
-            <a:spLocks/>
-          </p:cNvSpPr>
-          <p:nvPr/>
-        </p:nvSpPr>
-        <p:spPr>
-          <a:xfrm>
-            <a:off x="1013564" y="3743082"/>
-            <a:ext cx="10515600" cy="504215"/>
-          </a:xfrm>
-          <a:prstGeom prst="rect">
-            <a:avLst/>
-          </a:prstGeom>
-        </p:spPr>
-        <p:txBody>
-          <a:bodyPr vert="horz" lIns="91440" tIns="45720" rIns="91440" bIns="45720" rtlCol="0">
-            <a:normAutofit/>
-          </a:bodyPr>
-          <a:lstStyle>
-            <a:lvl1pPr marL="228600" indent="-228600" algn="l" defTabSz="914400" rtl="0" eaLnBrk="1" latinLnBrk="0" hangingPunct="1">
-              <a:lnSpc>
-                <a:spcPct val="90000"/>
-              </a:lnSpc>
-              <a:spcBef>
-                <a:spcPts val="1000"/>
-              </a:spcBef>
-              <a:buFont typeface="Arial" panose="020B0604020202020204" pitchFamily="34" charset="0"/>
-              <a:buChar char="•"/>
-              <a:defRPr sz="2800" kern="1200">
-                <a:solidFill>
-                  <a:schemeClr val="tx1"/>
-                </a:solidFill>
-                <a:latin typeface="+mn-lt"/>
-                <a:ea typeface="+mn-ea"/>
-                <a:cs typeface="+mn-cs"/>
-              </a:defRPr>
-            </a:lvl1pPr>
-            <a:lvl2pPr marL="685800" indent="-228600" algn="l" defTabSz="914400" rtl="0" eaLnBrk="1" latinLnBrk="0" hangingPunct="1">
-              <a:lnSpc>
-                <a:spcPct val="90000"/>
-              </a:lnSpc>
-              <a:spcBef>
-                <a:spcPts val="500"/>
-              </a:spcBef>
-              <a:buFont typeface="Arial" panose="020B0604020202020204" pitchFamily="34" charset="0"/>
-              <a:buChar char="•"/>
-              <a:defRPr sz="2400" kern="1200">
-                <a:solidFill>
-                  <a:schemeClr val="tx1"/>
-                </a:solidFill>
-                <a:latin typeface="+mn-lt"/>
-                <a:ea typeface="+mn-ea"/>
-                <a:cs typeface="+mn-cs"/>
-              </a:defRPr>
-            </a:lvl2pPr>
-            <a:lvl3pPr marL="1143000" indent="-228600" algn="l" defTabSz="914400" rtl="0" eaLnBrk="1" latinLnBrk="0" hangingPunct="1">
-              <a:lnSpc>
-                <a:spcPct val="90000"/>
-              </a:lnSpc>
-              <a:spcBef>
-                <a:spcPts val="500"/>
-              </a:spcBef>
-              <a:buFont typeface="Arial" panose="020B0604020202020204" pitchFamily="34" charset="0"/>
-              <a:buChar char="•"/>
-              <a:defRPr sz="2000" kern="1200">
-                <a:solidFill>
-                  <a:schemeClr val="tx1"/>
-                </a:solidFill>
-                <a:latin typeface="+mn-lt"/>
-                <a:ea typeface="+mn-ea"/>
-                <a:cs typeface="+mn-cs"/>
-              </a:defRPr>
-            </a:lvl3pPr>
-            <a:lvl4pPr marL="1600200" indent="-228600" algn="l" defTabSz="914400" rtl="0" eaLnBrk="1" latinLnBrk="0" hangingPunct="1">
-              <a:lnSpc>
-                <a:spcPct val="90000"/>
-              </a:lnSpc>
-              <a:spcBef>
-                <a:spcPts val="500"/>
-              </a:spcBef>
-              <a:buFont typeface="Arial" panose="020B0604020202020204" pitchFamily="34" charset="0"/>
-              <a:buChar char="•"/>
-              <a:defRPr sz="1800" kern="1200">
-                <a:solidFill>
-                  <a:schemeClr val="tx1"/>
-                </a:solidFill>
-                <a:latin typeface="+mn-lt"/>
-                <a:ea typeface="+mn-ea"/>
-                <a:cs typeface="+mn-cs"/>
-              </a:defRPr>
-            </a:lvl4pPr>
-            <a:lvl5pPr marL="2057400" indent="-228600" algn="l" defTabSz="914400" rtl="0" eaLnBrk="1" latinLnBrk="0" hangingPunct="1">
-              <a:lnSpc>
-                <a:spcPct val="90000"/>
-              </a:lnSpc>
-              <a:spcBef>
-                <a:spcPts val="500"/>
-              </a:spcBef>
-              <a:buFont typeface="Arial" panose="020B0604020202020204" pitchFamily="34" charset="0"/>
-              <a:buChar char="•"/>
-              <a:defRPr sz="1800" kern="1200">
-                <a:solidFill>
-                  <a:schemeClr val="tx1"/>
-                </a:solidFill>
-                <a:latin typeface="+mn-lt"/>
-                <a:ea typeface="+mn-ea"/>
-                <a:cs typeface="+mn-cs"/>
-              </a:defRPr>
-            </a:lvl5pPr>
-            <a:lvl6pPr marL="2514600" indent="-228600" algn="l" defTabSz="914400" rtl="0" eaLnBrk="1" latinLnBrk="0" hangingPunct="1">
-              <a:lnSpc>
-                <a:spcPct val="90000"/>
-              </a:lnSpc>
-              <a:spcBef>
-                <a:spcPts val="500"/>
-              </a:spcBef>
-              <a:buFont typeface="Arial" panose="020B0604020202020204" pitchFamily="34" charset="0"/>
-              <a:buChar char="•"/>
-              <a:defRPr sz="1800" kern="1200">
-                <a:solidFill>
-                  <a:schemeClr val="tx1"/>
-                </a:solidFill>
-                <a:latin typeface="+mn-lt"/>
-                <a:ea typeface="+mn-ea"/>
-                <a:cs typeface="+mn-cs"/>
-              </a:defRPr>
-            </a:lvl6pPr>
-            <a:lvl7pPr marL="2971800" indent="-228600" algn="l" defTabSz="914400" rtl="0" eaLnBrk="1" latinLnBrk="0" hangingPunct="1">
-              <a:lnSpc>
-                <a:spcPct val="90000"/>
-              </a:lnSpc>
-              <a:spcBef>
-                <a:spcPts val="500"/>
-              </a:spcBef>
-              <a:buFont typeface="Arial" panose="020B0604020202020204" pitchFamily="34" charset="0"/>
-              <a:buChar char="•"/>
-              <a:defRPr sz="1800" kern="1200">
-                <a:solidFill>
-                  <a:schemeClr val="tx1"/>
-                </a:solidFill>
-                <a:latin typeface="+mn-lt"/>
-                <a:ea typeface="+mn-ea"/>
-                <a:cs typeface="+mn-cs"/>
-              </a:defRPr>
-            </a:lvl7pPr>
-            <a:lvl8pPr marL="3429000" indent="-228600" algn="l" defTabSz="914400" rtl="0" eaLnBrk="1" latinLnBrk="0" hangingPunct="1">
-              <a:lnSpc>
-                <a:spcPct val="90000"/>
-              </a:lnSpc>
-              <a:spcBef>
-                <a:spcPts val="500"/>
-              </a:spcBef>
-              <a:buFont typeface="Arial" panose="020B0604020202020204" pitchFamily="34" charset="0"/>
-              <a:buChar char="•"/>
-              <a:defRPr sz="1800" kern="1200">
-                <a:solidFill>
-                  <a:schemeClr val="tx1"/>
-                </a:solidFill>
-                <a:latin typeface="+mn-lt"/>
-                <a:ea typeface="+mn-ea"/>
-                <a:cs typeface="+mn-cs"/>
-              </a:defRPr>
-            </a:lvl8pPr>
-            <a:lvl9pPr marL="3886200" indent="-228600" algn="l" defTabSz="914400" rtl="0" eaLnBrk="1" latinLnBrk="0" hangingPunct="1">
-              <a:lnSpc>
-                <a:spcPct val="90000"/>
-              </a:lnSpc>
-              <a:spcBef>
-                <a:spcPts val="500"/>
-              </a:spcBef>
-              <a:buFont typeface="Arial" panose="020B0604020202020204" pitchFamily="34" charset="0"/>
-              <a:buChar char="•"/>
-              <a:defRPr sz="1800" kern="1200">
-                <a:solidFill>
-                  <a:schemeClr val="tx1"/>
-                </a:solidFill>
-                <a:latin typeface="+mn-lt"/>
-                <a:ea typeface="+mn-ea"/>
-                <a:cs typeface="+mn-cs"/>
-              </a:defRPr>
-            </a:lvl9pPr>
-          </a:lstStyle>
-          <a:p>
-            <a:pPr>
-              <a:buFont typeface="Wingdings" panose="05000000000000000000" pitchFamily="2" charset="2"/>
-              <a:buChar char="Ø"/>
-            </a:pPr>
-            <a:r>
-              <a:rPr lang="en-US" dirty="0">
-                <a:solidFill>
-                  <a:schemeClr val="tx1">
-                    <a:lumMod val="75000"/>
-                    <a:lumOff val="25000"/>
-                  </a:schemeClr>
-                </a:solidFill>
-              </a:rPr>
-              <a:t> </a:t>
-            </a:r>
-            <a:r>
-              <a:rPr lang="en-US" dirty="0">
-                <a:solidFill>
-                  <a:schemeClr val="tx1">
-                    <a:lumMod val="75000"/>
-                    <a:lumOff val="25000"/>
-                  </a:schemeClr>
-                </a:solidFill>
-                <a:latin typeface="Palatino Linotype" panose="02040502050505030304" pitchFamily="18" charset="0"/>
-              </a:rPr>
-              <a:t>Learning Objective 1</a:t>
+              <a:t>Stride, Padding, Pooling</a:t>
             </a:r>
           </a:p>
         </p:txBody>

--- a/presentations/02_cnn_anatomy.pptx
+++ b/presentations/02_cnn_anatomy.pptx
@@ -31,8 +31,8 @@
     <p:sldId id="340" r:id="rId22"/>
     <p:sldId id="342" r:id="rId23"/>
     <p:sldId id="304" r:id="rId24"/>
-    <p:sldId id="346" r:id="rId25"/>
-    <p:sldId id="309" r:id="rId26"/>
+    <p:sldId id="309" r:id="rId25"/>
+    <p:sldId id="346" r:id="rId26"/>
     <p:sldId id="345" r:id="rId27"/>
     <p:sldId id="349" r:id="rId28"/>
     <p:sldId id="344" r:id="rId29"/>
@@ -236,7 +236,7 @@
           <a:p>
             <a:fld id="{FD93C9B2-20F6-4DB1-B471-224337D0AC79}" type="datetimeFigureOut">
               <a:rPr lang="en-US" smtClean="0"/>
-              <a:t>9/12/2022</a:t>
+              <a:t>9/15/2022</a:t>
             </a:fld>
             <a:endParaRPr lang="en-US"/>
           </a:p>
@@ -649,7 +649,7 @@
             </a:pPr>
             <a:r>
               <a:rPr lang="en-US" dirty="0"/>
-              <a:t>Center the 3 x 3 grid of weights over each pixel – apply neuron to create single output.</a:t>
+              <a:t>Center the 3 x 3 grid of weights over each pixel and apply the neuron to create a single output.</a:t>
             </a:r>
           </a:p>
           <a:p>
@@ -815,6 +815,15 @@
               <a:t>We then slide the filter / kernel over by 1 and repeat the process.  The result this time is a -4, as shown in the output tensor.  Keep in mind: the convolution operation sweeps the kernel from left to right, top to bottom.  And continues until it reaches the bottom right-hand corner.  There are variations we will discuss later. </a:t>
             </a:r>
           </a:p>
+          <a:p>
+            <a:pPr marL="234841" indent="-234841">
+              <a:buAutoNum type="arabicPeriod"/>
+            </a:pPr>
+            <a:r>
+              <a:rPr lang="en-US" dirty="0"/>
+              <a:t>Let’s simulate this process…</a:t>
+            </a:r>
+          </a:p>
         </p:txBody>
       </p:sp>
       <p:sp>
@@ -897,7 +906,19 @@
           <a:bodyPr/>
           <a:lstStyle/>
           <a:p>
+            <a:r>
+              <a:rPr lang="en-US" dirty="0"/>
+              <a:t>Here we see 3 kernels – one each for the red, green, and blue channels.  As the kernel moves across the underlying input, the two matrices are multiplied.  The results of that multiplication are summed, resulting in a single number for each channel.  And finally, these three numbers are added together end the result placed in the output matrix. </a:t>
+            </a:r>
+          </a:p>
+          <a:p>
             <a:endParaRPr lang="en-US" dirty="0"/>
+          </a:p>
+          <a:p>
+            <a:r>
+              <a:rPr lang="en-US" dirty="0"/>
+              <a:t>Around the edges, you see cells with values of zero.  We will talk about those shortly. </a:t>
+            </a:r>
           </a:p>
         </p:txBody>
       </p:sp>
@@ -1215,7 +1236,7 @@
                 <a:effectLst/>
                 <a:latin typeface="+mn-lt"/>
               </a:rPr>
-              <a:t>Need for padding – minor issue w/convolution operation.  When we apply a convolution to an image, the output tensor has smaller dimensions than the input.  Let’s simulate the process.  </a:t>
+              <a:t>There’s a minor issue w/convolution operation.  When we convolve an image, the output tensor has smaller dimensions than the input.  </a:t>
             </a:r>
           </a:p>
           <a:p>
@@ -1229,6 +1250,29 @@
             </a:endParaRPr>
           </a:p>
           <a:p>
+            <a:pPr algn="l"/>
+            <a:r>
+              <a:rPr lang="en-US" b="0" i="0" dirty="0">
+                <a:solidFill>
+                  <a:srgbClr val="6D737D"/>
+                </a:solidFill>
+                <a:effectLst/>
+                <a:latin typeface="+mn-lt"/>
+              </a:rPr>
+              <a:t>Let’s simulate the process.  </a:t>
+            </a:r>
+          </a:p>
+          <a:p>
+            <a:pPr algn="l"/>
+            <a:endParaRPr lang="en-US" b="0" i="0" dirty="0">
+              <a:solidFill>
+                <a:srgbClr val="6D737D"/>
+              </a:solidFill>
+              <a:effectLst/>
+              <a:latin typeface="+mn-lt"/>
+            </a:endParaRPr>
+          </a:p>
+          <a:p>
             <a:pPr marL="228600" indent="-228600" algn="l">
               <a:buAutoNum type="arabicPeriod"/>
             </a:pPr>
@@ -1270,7 +1314,7 @@
                 <a:effectLst/>
                 <a:latin typeface="+mn-lt"/>
               </a:rPr>
-              <a:t>The filter values are multiplied by the input values (the convolution is executed) and the output is inserted into the output tensor.</a:t>
+              <a:t>The filter values are multiplied by the input values (the convolution is executed) and the summed value is inserted into the output tensor.</a:t>
             </a:r>
           </a:p>
           <a:p>
@@ -1285,7 +1329,7 @@
                 <a:effectLst/>
                 <a:latin typeface="+mn-lt"/>
               </a:rPr>
-              <a:t>However, this leads to an output tensor smaller than the original input.  Let’s visualize this by laying the output tensor on top of the input tensor, using the upper-right corner as our anchor point.  Here the light grey footprint is smaller by 1 square on all sides.</a:t>
+              <a:t>However, this leads to an output tensor smaller than the original input.  Let’s visualize this by laying the output tensor on top of the input tensor, using the upper-left corner as our anchor point.  Here the light grey footprint is smaller by 1 square on all sides.</a:t>
             </a:r>
           </a:p>
           <a:p>
@@ -1467,7 +1511,23 @@
             <a:pPr algn="l"/>
             <a:r>
               <a:rPr lang="en-US" dirty="0"/>
-              <a:t>Padding allows us create an output image of the same width and height as the input. The idea is that we add a border of extra elements around the outside of the input.  All the elements have the same value. If we place zeros in all the new elements, we call the technique zero-padding. In practice, we almost always use zeros, so people often refer to zero-padding as merely padding, with the understanding that if they mean to use any value other than zero, they say so explicitly.</a:t>
+              <a:t>Padding allows us to create an output image of the same width and height as the input.  If we place zeros in these cells, it’s called </a:t>
+            </a:r>
+            <a:r>
+              <a:rPr lang="en-US" b="1" dirty="0"/>
+              <a:t>zero-padding</a:t>
+            </a:r>
+            <a:r>
+              <a:rPr lang="en-US" dirty="0"/>
+              <a:t>.  In practice, this is usually done.  Or you can mirror the edge pixels in what’s called </a:t>
+            </a:r>
+            <a:r>
+              <a:rPr lang="en-US" b="1" dirty="0"/>
+              <a:t>mirror-padding</a:t>
+            </a:r>
+            <a:r>
+              <a:rPr lang="en-US" dirty="0"/>
+              <a:t>.</a:t>
             </a:r>
           </a:p>
           <a:p>
@@ -1475,10 +1535,26 @@
             <a:endParaRPr lang="en-US" dirty="0"/>
           </a:p>
           <a:p>
-            <a:pPr algn="l"/>
+            <a:pPr marL="0" marR="0" lvl="0" indent="0" algn="l" defTabSz="914400" rtl="0" eaLnBrk="1" fontAlgn="auto" latinLnBrk="0" hangingPunct="1">
+              <a:lnSpc>
+                <a:spcPct val="100000"/>
+              </a:lnSpc>
+              <a:spcBef>
+                <a:spcPts val="0"/>
+              </a:spcBef>
+              <a:spcAft>
+                <a:spcPts val="0"/>
+              </a:spcAft>
+              <a:buClrTx/>
+              <a:buSzTx/>
+              <a:buFontTx/>
+              <a:buNone/>
+              <a:tabLst/>
+              <a:defRPr/>
+            </a:pPr>
             <a:r>
               <a:rPr lang="en-US" dirty="0"/>
-              <a:t>The thickness of the border depends on the size of the filter. We usually use just enough padding so that the filter can be centered on every element of the input. Every filter needs to have its input padded if we don’t want to lose information from the sides.</a:t>
+              <a:t>The thickness of the border depends on the size of the filter. We typically use just enough padding so that the filter can be centered on every element of the input. Every filter needs to have its input padded if we don’t want to lose information from the sides.</a:t>
             </a:r>
           </a:p>
           <a:p>
@@ -1489,8 +1565,12 @@
             <a:pPr algn="l"/>
             <a:r>
               <a:rPr lang="en-US" dirty="0"/>
-              <a:t>Most deep learning libraries automatically calculate the necessary amount of padding so that our output has the same width and height as our input and apply it for us as a default.</a:t>
-            </a:r>
+              <a:t>Most deep learning libraries automatically calculate the necessary amount of padding.  We don’t have to worry about it!</a:t>
+            </a:r>
+          </a:p>
+          <a:p>
+            <a:pPr algn="l"/>
+            <a:endParaRPr lang="en-US" dirty="0"/>
           </a:p>
         </p:txBody>
       </p:sp>
@@ -2001,28 +2081,6 @@
           <a:bodyPr/>
           <a:lstStyle/>
           <a:p>
-            <a:pPr marL="228600" indent="-228600">
-              <a:buAutoNum type="arabicPeriod"/>
-            </a:pPr>
-            <a:r>
-              <a:rPr lang="en-US" dirty="0">
-                <a:latin typeface="Palatino Linotype" panose="02040502050505030304" pitchFamily="18" charset="0"/>
-              </a:rPr>
-              <a:t>Many kinds of layers – some specific to CNN</a:t>
-            </a:r>
-          </a:p>
-          <a:p>
-            <a:pPr marL="228600" indent="-228600">
-              <a:buAutoNum type="arabicPeriod"/>
-            </a:pPr>
-            <a:r>
-              <a:rPr lang="en-US" dirty="0">
-                <a:latin typeface="Palatino Linotype" panose="02040502050505030304" pitchFamily="18" charset="0"/>
-              </a:rPr>
-              <a:t>Dig into the details of CNN specific operations and layers</a:t>
-            </a:r>
-          </a:p>
-          <a:p>
             <a:endParaRPr lang="en-US" dirty="0"/>
           </a:p>
         </p:txBody>
@@ -2483,7 +2541,7 @@
                 <a:effectLst/>
                 <a:latin typeface="+mn-lt"/>
               </a:rPr>
-              <a:t>CNNs frequently used for image classification – two types:</a:t>
+              <a:t>CNNs are frequently used for image classification – two types:</a:t>
             </a:r>
           </a:p>
           <a:p>
@@ -2528,7 +2586,52 @@
                 <a:effectLst/>
                 <a:latin typeface="+mn-lt"/>
               </a:rPr>
-              <a:t>For predictions, last layer fully connected w/appropriate activation function – see list here</a:t>
+              <a:t>For predictions, last layer fully connected w/appropriate activation function</a:t>
+            </a:r>
+          </a:p>
+          <a:p>
+            <a:pPr marL="685800" lvl="1" indent="-228600" algn="l">
+              <a:buAutoNum type="arabicPeriod"/>
+            </a:pPr>
+            <a:r>
+              <a:rPr lang="en-US" b="0" i="0" dirty="0">
+                <a:solidFill>
+                  <a:srgbClr val="6D737D"/>
+                </a:solidFill>
+                <a:effectLst/>
+                <a:latin typeface="+mn-lt"/>
+              </a:rPr>
+              <a:t>Regression: activation function is usually linear</a:t>
+            </a:r>
+          </a:p>
+          <a:p>
+            <a:pPr marL="685800" lvl="1" indent="-228600" algn="l">
+              <a:buAutoNum type="arabicPeriod"/>
+            </a:pPr>
+            <a:r>
+              <a:rPr lang="en-US" b="0" i="0" dirty="0">
+                <a:solidFill>
+                  <a:srgbClr val="6D737D"/>
+                </a:solidFill>
+                <a:effectLst/>
+                <a:latin typeface="+mn-lt"/>
+              </a:rPr>
+              <a:t>Binary: activation is sigmoid – you’ll see this in our next exercise</a:t>
+            </a:r>
+          </a:p>
+          <a:p>
+            <a:pPr marL="685800" lvl="1" indent="-228600" algn="l">
+              <a:buAutoNum type="arabicPeriod"/>
+            </a:pPr>
+            <a:r>
+              <a:rPr lang="en-US" b="0" i="0" dirty="0">
+                <a:solidFill>
+                  <a:srgbClr val="6D737D"/>
+                </a:solidFill>
+                <a:effectLst/>
+                <a:latin typeface="+mn-lt"/>
+              </a:rPr>
+              <a:t>Multi-class: activation is softmax – calculates the probability for each class, with all those probabilities summing to one</a:t>
             </a:r>
           </a:p>
           <a:p>
@@ -2718,21 +2821,26 @@
           <a:bodyPr/>
           <a:lstStyle/>
           <a:p>
-            <a:pPr marL="228600" indent="-228600">
-              <a:buAutoNum type="arabicPeriod"/>
+            <a:pPr marL="0" marR="0" lvl="0" indent="0" algn="l" defTabSz="939363" rtl="0" eaLnBrk="1" fontAlgn="auto" latinLnBrk="0" hangingPunct="1">
+              <a:lnSpc>
+                <a:spcPct val="100000"/>
+              </a:lnSpc>
+              <a:spcBef>
+                <a:spcPts val="0"/>
+              </a:spcBef>
+              <a:spcAft>
+                <a:spcPts val="0"/>
+              </a:spcAft>
+              <a:buClrTx/>
+              <a:buSzTx/>
+              <a:buFontTx/>
+              <a:buNone/>
+              <a:tabLst/>
+              <a:defRPr/>
             </a:pPr>
             <a:r>
               <a:rPr lang="en-US" dirty="0"/>
-              <a:t>Post general questions (entire class) in Chat…</a:t>
-            </a:r>
-          </a:p>
-          <a:p>
-            <a:pPr marL="228600" indent="-228600">
-              <a:buAutoNum type="arabicPeriod"/>
-            </a:pPr>
-            <a:r>
-              <a:rPr lang="en-US" dirty="0"/>
-              <a:t>Discuss specific implementation questions at the Help table during exercise…</a:t>
+              <a:t>The learning experience for this exercise starts on page 130 of the textbook.  </a:t>
             </a:r>
           </a:p>
           <a:p>
@@ -2766,7 +2874,7 @@
     </p:spTree>
     <p:extLst>
       <p:ext uri="{BB962C8B-B14F-4D97-AF65-F5344CB8AC3E}">
-        <p14:creationId xmlns:p14="http://schemas.microsoft.com/office/powerpoint/2010/main" val="851494294"/>
+        <p14:creationId xmlns:p14="http://schemas.microsoft.com/office/powerpoint/2010/main" val="1401395996"/>
       </p:ext>
     </p:extLst>
   </p:cSld>
@@ -2820,26 +2928,21 @@
           <a:bodyPr/>
           <a:lstStyle/>
           <a:p>
-            <a:pPr marL="0" marR="0" lvl="0" indent="0" algn="l" defTabSz="939363" rtl="0" eaLnBrk="1" fontAlgn="auto" latinLnBrk="0" hangingPunct="1">
-              <a:lnSpc>
-                <a:spcPct val="100000"/>
-              </a:lnSpc>
-              <a:spcBef>
-                <a:spcPts val="0"/>
-              </a:spcBef>
-              <a:spcAft>
-                <a:spcPts val="0"/>
-              </a:spcAft>
-              <a:buClrTx/>
-              <a:buSzTx/>
-              <a:buFontTx/>
-              <a:buNone/>
-              <a:tabLst/>
-              <a:defRPr/>
+            <a:pPr marL="228600" indent="-228600">
+              <a:buAutoNum type="arabicPeriod"/>
             </a:pPr>
             <a:r>
               <a:rPr lang="en-US" dirty="0"/>
-              <a:t>The learning experience for this exercise starts on page 130 of the textbook.  </a:t>
+              <a:t>Post general questions (entire class) in Chat…</a:t>
+            </a:r>
+          </a:p>
+          <a:p>
+            <a:pPr marL="228600" indent="-228600">
+              <a:buAutoNum type="arabicPeriod"/>
+            </a:pPr>
+            <a:r>
+              <a:rPr lang="en-US" dirty="0"/>
+              <a:t>Discuss specific implementation questions at the Help table during exercise…</a:t>
             </a:r>
           </a:p>
           <a:p>
@@ -2873,7 +2976,7 @@
     </p:spTree>
     <p:extLst>
       <p:ext uri="{BB962C8B-B14F-4D97-AF65-F5344CB8AC3E}">
-        <p14:creationId xmlns:p14="http://schemas.microsoft.com/office/powerpoint/2010/main" val="1401395996"/>
+        <p14:creationId xmlns:p14="http://schemas.microsoft.com/office/powerpoint/2010/main" val="851494294"/>
       </p:ext>
     </p:extLst>
   </p:cSld>
@@ -3313,7 +3416,7 @@
                 <a:effectLst/>
                 <a:latin typeface="+mn-lt"/>
               </a:rPr>
-              <a:t>Model pictured here classifies handwritten digits – famous MNIST digits dataset</a:t>
+              <a:t>Model pictured here classifies handwritten digits – famous MNIST digits dataset – we already introduced you to this model in our last session. </a:t>
             </a:r>
           </a:p>
           <a:p>
@@ -3343,7 +3446,7 @@
                 <a:effectLst/>
                 <a:latin typeface="+mn-lt"/>
               </a:rPr>
-              <a:t>Final two layers are fully connected – discussed in our beginner sequence</a:t>
+              <a:t>Final two layers are fully connected – discussed in our beginner sequence.</a:t>
             </a:r>
           </a:p>
           <a:p>
@@ -3594,13 +3697,13 @@
               <a:rPr lang="en-US" dirty="0">
                 <a:latin typeface="+mn-lt"/>
               </a:rPr>
-              <a:t>Left: When our tensor has one or three channels, we often say that it’s made up of </a:t>
+              <a:t>Left: When our tensor has one to three channels, we call each point a </a:t>
             </a:r>
             <a:r>
               <a:rPr lang="en-US" b="1" dirty="0">
                 <a:latin typeface="+mn-lt"/>
               </a:rPr>
-              <a:t>pixels</a:t>
+              <a:t>pixel</a:t>
             </a:r>
           </a:p>
           <a:p>
@@ -3713,27 +3816,6 @@
             <a:endParaRPr lang="en-US" dirty="0">
               <a:latin typeface="+mn-lt"/>
             </a:endParaRPr>
-          </a:p>
-          <a:p>
-            <a:r>
-              <a:rPr lang="en-US" dirty="0">
-                <a:latin typeface="+mn-lt"/>
-              </a:rPr>
-              <a:t>Left: When our tensor has one or three channels, we often say that it’s made up of pixels. </a:t>
-            </a:r>
-          </a:p>
-          <a:p>
-            <a:endParaRPr lang="en-US" dirty="0">
-              <a:latin typeface="+mn-lt"/>
-            </a:endParaRPr>
-          </a:p>
-          <a:p>
-            <a:r>
-              <a:rPr lang="en-US" dirty="0">
-                <a:latin typeface="+mn-lt"/>
-              </a:rPr>
-              <a:t>Right: For tensors with many channels, we call each slice through the channels an element</a:t>
-            </a:r>
           </a:p>
         </p:txBody>
       </p:sp>
@@ -3822,7 +3904,7 @@
             </a:pPr>
             <a:r>
               <a:rPr lang="en-US" dirty="0"/>
-              <a:t>Process a color image – each pixel in our image contains three numbers: one each for red, green, and blue</a:t>
+              <a:t>Let’s pretend we want to take a color image and create a greyscale image where the amount of white corresponds to yellow in the original.</a:t>
             </a:r>
           </a:p>
           <a:p>
@@ -3831,7 +3913,7 @@
             </a:pPr>
             <a:r>
               <a:rPr lang="en-US" dirty="0"/>
-              <a:t>(Example) create greyscale output with same width / height but where amount of white corresponds to yellow in original image.</a:t>
+              <a:t>Process a color image – each pixel in our image contains three numbers: one each for red, green, and blue</a:t>
             </a:r>
           </a:p>
           <a:p>
@@ -3840,7 +3922,7 @@
             </a:pPr>
             <a:r>
               <a:rPr lang="en-US" dirty="0"/>
-              <a:t>RGB values – -1 to 1.</a:t>
+              <a:t>For simplicity, let’s assume our RGB values are from -1 to 1.</a:t>
             </a:r>
           </a:p>
           <a:p>
@@ -3876,7 +3958,7 @@
             </a:pPr>
             <a:r>
               <a:rPr lang="en-US" dirty="0"/>
-              <a:t>Artificial neuron: +1, +1, and -1 are weights – fed into the net input (summation) function before activation function</a:t>
+              <a:t>As shown here, the +1, +1, and -1 boxes are weights – these are multiplied by each pixel value and then summed up by the net input (summation) function before being passed off to the activation function</a:t>
             </a:r>
           </a:p>
           <a:p>
@@ -4419,7 +4501,7 @@
           <a:p>
             <a:r>
               <a:rPr lang="en-US" dirty="0"/>
-              <a:t>So far, we’ve been sweeping our neuron over the image, processing one pixel at a time, using only that pixel’s values for input. In many situations, it’s also useful to look at the pixels near the one we’re processing. Usually, we consider a pixel’s eight immediate neighbors. That is, we use the values in a little three by three box that’s centered on the pixel.</a:t>
+              <a:t>So far, we’ve been sweeping a single neuron over the image, processing one pixel at a time. But in many situations, it’s also useful to look at the pixels near the one we’re processing. Usually, we consider a pixel’s eight immediate neighbors. That is, we use the values in a little three by three box that’s centered on the pixel.</a:t>
             </a:r>
           </a:p>
           <a:p>
@@ -4428,7 +4510,7 @@
           <a:p>
             <a:r>
               <a:rPr lang="en-US" dirty="0"/>
-              <a:t>This figure shows three different operations we can apply using a three-by-three block of numbers in this way: </a:t>
+              <a:t>This figure shows three different operations we can apply using a three-by-three filter or kernel: </a:t>
             </a:r>
           </a:p>
           <a:p>
@@ -4652,7 +4734,7 @@
           <a:p>
             <a:fld id="{C3F78080-8D0A-4BE8-A5B4-CB115102D524}" type="datetimeFigureOut">
               <a:rPr lang="en-US" smtClean="0"/>
-              <a:t>9/12/2022</a:t>
+              <a:t>9/15/2022</a:t>
             </a:fld>
             <a:endParaRPr lang="en-US"/>
           </a:p>
@@ -4850,7 +4932,7 @@
           <a:p>
             <a:fld id="{C3F78080-8D0A-4BE8-A5B4-CB115102D524}" type="datetimeFigureOut">
               <a:rPr lang="en-US" smtClean="0"/>
-              <a:t>9/12/2022</a:t>
+              <a:t>9/15/2022</a:t>
             </a:fld>
             <a:endParaRPr lang="en-US"/>
           </a:p>
@@ -5058,7 +5140,7 @@
           <a:p>
             <a:fld id="{C3F78080-8D0A-4BE8-A5B4-CB115102D524}" type="datetimeFigureOut">
               <a:rPr lang="en-US" smtClean="0"/>
-              <a:t>9/12/2022</a:t>
+              <a:t>9/15/2022</a:t>
             </a:fld>
             <a:endParaRPr lang="en-US"/>
           </a:p>
@@ -5256,7 +5338,7 @@
           <a:p>
             <a:fld id="{C3F78080-8D0A-4BE8-A5B4-CB115102D524}" type="datetimeFigureOut">
               <a:rPr lang="en-US" smtClean="0"/>
-              <a:t>9/12/2022</a:t>
+              <a:t>9/15/2022</a:t>
             </a:fld>
             <a:endParaRPr lang="en-US"/>
           </a:p>
@@ -5531,7 +5613,7 @@
           <a:p>
             <a:fld id="{C3F78080-8D0A-4BE8-A5B4-CB115102D524}" type="datetimeFigureOut">
               <a:rPr lang="en-US" smtClean="0"/>
-              <a:t>9/12/2022</a:t>
+              <a:t>9/15/2022</a:t>
             </a:fld>
             <a:endParaRPr lang="en-US"/>
           </a:p>
@@ -5796,7 +5878,7 @@
           <a:p>
             <a:fld id="{C3F78080-8D0A-4BE8-A5B4-CB115102D524}" type="datetimeFigureOut">
               <a:rPr lang="en-US" smtClean="0"/>
-              <a:t>9/12/2022</a:t>
+              <a:t>9/15/2022</a:t>
             </a:fld>
             <a:endParaRPr lang="en-US"/>
           </a:p>
@@ -6208,7 +6290,7 @@
           <a:p>
             <a:fld id="{C3F78080-8D0A-4BE8-A5B4-CB115102D524}" type="datetimeFigureOut">
               <a:rPr lang="en-US" smtClean="0"/>
-              <a:t>9/12/2022</a:t>
+              <a:t>9/15/2022</a:t>
             </a:fld>
             <a:endParaRPr lang="en-US"/>
           </a:p>
@@ -6349,7 +6431,7 @@
           <a:p>
             <a:fld id="{C3F78080-8D0A-4BE8-A5B4-CB115102D524}" type="datetimeFigureOut">
               <a:rPr lang="en-US" smtClean="0"/>
-              <a:t>9/12/2022</a:t>
+              <a:t>9/15/2022</a:t>
             </a:fld>
             <a:endParaRPr lang="en-US"/>
           </a:p>
@@ -6462,7 +6544,7 @@
           <a:p>
             <a:fld id="{C3F78080-8D0A-4BE8-A5B4-CB115102D524}" type="datetimeFigureOut">
               <a:rPr lang="en-US" smtClean="0"/>
-              <a:t>9/12/2022</a:t>
+              <a:t>9/15/2022</a:t>
             </a:fld>
             <a:endParaRPr lang="en-US"/>
           </a:p>
@@ -6773,7 +6855,7 @@
           <a:p>
             <a:fld id="{C3F78080-8D0A-4BE8-A5B4-CB115102D524}" type="datetimeFigureOut">
               <a:rPr lang="en-US" smtClean="0"/>
-              <a:t>9/12/2022</a:t>
+              <a:t>9/15/2022</a:t>
             </a:fld>
             <a:endParaRPr lang="en-US"/>
           </a:p>
@@ -7061,7 +7143,7 @@
           <a:p>
             <a:fld id="{C3F78080-8D0A-4BE8-A5B4-CB115102D524}" type="datetimeFigureOut">
               <a:rPr lang="en-US" smtClean="0"/>
-              <a:t>9/12/2022</a:t>
+              <a:t>9/15/2022</a:t>
             </a:fld>
             <a:endParaRPr lang="en-US"/>
           </a:p>
@@ -7302,7 +7384,7 @@
           <a:p>
             <a:fld id="{C3F78080-8D0A-4BE8-A5B4-CB115102D524}" type="datetimeFigureOut">
               <a:rPr lang="en-US" smtClean="0"/>
-              <a:t>9/12/2022</a:t>
+              <a:t>9/15/2022</a:t>
             </a:fld>
             <a:endParaRPr lang="en-US"/>
           </a:p>
@@ -13059,7 +13141,7 @@
                 </a:solidFill>
                 <a:latin typeface="Palatino Linotype" panose="02040502050505030304" pitchFamily="18" charset="0"/>
               </a:rPr>
-              <a:t>Pixels and Filters</a:t>
+              <a:t>Images and Filters</a:t>
             </a:r>
           </a:p>
         </p:txBody>
@@ -13081,6 +13163,228 @@
         <p:spPr>
           <a:xfrm>
             <a:off x="1013564" y="3103930"/>
+            <a:ext cx="10515600" cy="504215"/>
+          </a:xfrm>
+          <a:prstGeom prst="rect">
+            <a:avLst/>
+          </a:prstGeom>
+        </p:spPr>
+        <p:txBody>
+          <a:bodyPr vert="horz" lIns="91440" tIns="45720" rIns="91440" bIns="45720" rtlCol="0">
+            <a:normAutofit/>
+          </a:bodyPr>
+          <a:lstStyle>
+            <a:lvl1pPr marL="228600" indent="-228600" algn="l" defTabSz="914400" rtl="0" eaLnBrk="1" latinLnBrk="0" hangingPunct="1">
+              <a:lnSpc>
+                <a:spcPct val="90000"/>
+              </a:lnSpc>
+              <a:spcBef>
+                <a:spcPts val="1000"/>
+              </a:spcBef>
+              <a:buFont typeface="Arial" panose="020B0604020202020204" pitchFamily="34" charset="0"/>
+              <a:buChar char="•"/>
+              <a:defRPr sz="2800" kern="1200">
+                <a:solidFill>
+                  <a:schemeClr val="tx1"/>
+                </a:solidFill>
+                <a:latin typeface="+mn-lt"/>
+                <a:ea typeface="+mn-ea"/>
+                <a:cs typeface="+mn-cs"/>
+              </a:defRPr>
+            </a:lvl1pPr>
+            <a:lvl2pPr marL="685800" indent="-228600" algn="l" defTabSz="914400" rtl="0" eaLnBrk="1" latinLnBrk="0" hangingPunct="1">
+              <a:lnSpc>
+                <a:spcPct val="90000"/>
+              </a:lnSpc>
+              <a:spcBef>
+                <a:spcPts val="500"/>
+              </a:spcBef>
+              <a:buFont typeface="Arial" panose="020B0604020202020204" pitchFamily="34" charset="0"/>
+              <a:buChar char="•"/>
+              <a:defRPr sz="2400" kern="1200">
+                <a:solidFill>
+                  <a:schemeClr val="tx1"/>
+                </a:solidFill>
+                <a:latin typeface="+mn-lt"/>
+                <a:ea typeface="+mn-ea"/>
+                <a:cs typeface="+mn-cs"/>
+              </a:defRPr>
+            </a:lvl2pPr>
+            <a:lvl3pPr marL="1143000" indent="-228600" algn="l" defTabSz="914400" rtl="0" eaLnBrk="1" latinLnBrk="0" hangingPunct="1">
+              <a:lnSpc>
+                <a:spcPct val="90000"/>
+              </a:lnSpc>
+              <a:spcBef>
+                <a:spcPts val="500"/>
+              </a:spcBef>
+              <a:buFont typeface="Arial" panose="020B0604020202020204" pitchFamily="34" charset="0"/>
+              <a:buChar char="•"/>
+              <a:defRPr sz="2000" kern="1200">
+                <a:solidFill>
+                  <a:schemeClr val="tx1"/>
+                </a:solidFill>
+                <a:latin typeface="+mn-lt"/>
+                <a:ea typeface="+mn-ea"/>
+                <a:cs typeface="+mn-cs"/>
+              </a:defRPr>
+            </a:lvl3pPr>
+            <a:lvl4pPr marL="1600200" indent="-228600" algn="l" defTabSz="914400" rtl="0" eaLnBrk="1" latinLnBrk="0" hangingPunct="1">
+              <a:lnSpc>
+                <a:spcPct val="90000"/>
+              </a:lnSpc>
+              <a:spcBef>
+                <a:spcPts val="500"/>
+              </a:spcBef>
+              <a:buFont typeface="Arial" panose="020B0604020202020204" pitchFamily="34" charset="0"/>
+              <a:buChar char="•"/>
+              <a:defRPr sz="1800" kern="1200">
+                <a:solidFill>
+                  <a:schemeClr val="tx1"/>
+                </a:solidFill>
+                <a:latin typeface="+mn-lt"/>
+                <a:ea typeface="+mn-ea"/>
+                <a:cs typeface="+mn-cs"/>
+              </a:defRPr>
+            </a:lvl4pPr>
+            <a:lvl5pPr marL="2057400" indent="-228600" algn="l" defTabSz="914400" rtl="0" eaLnBrk="1" latinLnBrk="0" hangingPunct="1">
+              <a:lnSpc>
+                <a:spcPct val="90000"/>
+              </a:lnSpc>
+              <a:spcBef>
+                <a:spcPts val="500"/>
+              </a:spcBef>
+              <a:buFont typeface="Arial" panose="020B0604020202020204" pitchFamily="34" charset="0"/>
+              <a:buChar char="•"/>
+              <a:defRPr sz="1800" kern="1200">
+                <a:solidFill>
+                  <a:schemeClr val="tx1"/>
+                </a:solidFill>
+                <a:latin typeface="+mn-lt"/>
+                <a:ea typeface="+mn-ea"/>
+                <a:cs typeface="+mn-cs"/>
+              </a:defRPr>
+            </a:lvl5pPr>
+            <a:lvl6pPr marL="2514600" indent="-228600" algn="l" defTabSz="914400" rtl="0" eaLnBrk="1" latinLnBrk="0" hangingPunct="1">
+              <a:lnSpc>
+                <a:spcPct val="90000"/>
+              </a:lnSpc>
+              <a:spcBef>
+                <a:spcPts val="500"/>
+              </a:spcBef>
+              <a:buFont typeface="Arial" panose="020B0604020202020204" pitchFamily="34" charset="0"/>
+              <a:buChar char="•"/>
+              <a:defRPr sz="1800" kern="1200">
+                <a:solidFill>
+                  <a:schemeClr val="tx1"/>
+                </a:solidFill>
+                <a:latin typeface="+mn-lt"/>
+                <a:ea typeface="+mn-ea"/>
+                <a:cs typeface="+mn-cs"/>
+              </a:defRPr>
+            </a:lvl6pPr>
+            <a:lvl7pPr marL="2971800" indent="-228600" algn="l" defTabSz="914400" rtl="0" eaLnBrk="1" latinLnBrk="0" hangingPunct="1">
+              <a:lnSpc>
+                <a:spcPct val="90000"/>
+              </a:lnSpc>
+              <a:spcBef>
+                <a:spcPts val="500"/>
+              </a:spcBef>
+              <a:buFont typeface="Arial" panose="020B0604020202020204" pitchFamily="34" charset="0"/>
+              <a:buChar char="•"/>
+              <a:defRPr sz="1800" kern="1200">
+                <a:solidFill>
+                  <a:schemeClr val="tx1"/>
+                </a:solidFill>
+                <a:latin typeface="+mn-lt"/>
+                <a:ea typeface="+mn-ea"/>
+                <a:cs typeface="+mn-cs"/>
+              </a:defRPr>
+            </a:lvl7pPr>
+            <a:lvl8pPr marL="3429000" indent="-228600" algn="l" defTabSz="914400" rtl="0" eaLnBrk="1" latinLnBrk="0" hangingPunct="1">
+              <a:lnSpc>
+                <a:spcPct val="90000"/>
+              </a:lnSpc>
+              <a:spcBef>
+                <a:spcPts val="500"/>
+              </a:spcBef>
+              <a:buFont typeface="Arial" panose="020B0604020202020204" pitchFamily="34" charset="0"/>
+              <a:buChar char="•"/>
+              <a:defRPr sz="1800" kern="1200">
+                <a:solidFill>
+                  <a:schemeClr val="tx1"/>
+                </a:solidFill>
+                <a:latin typeface="+mn-lt"/>
+                <a:ea typeface="+mn-ea"/>
+                <a:cs typeface="+mn-cs"/>
+              </a:defRPr>
+            </a:lvl8pPr>
+            <a:lvl9pPr marL="3886200" indent="-228600" algn="l" defTabSz="914400" rtl="0" eaLnBrk="1" latinLnBrk="0" hangingPunct="1">
+              <a:lnSpc>
+                <a:spcPct val="90000"/>
+              </a:lnSpc>
+              <a:spcBef>
+                <a:spcPts val="500"/>
+              </a:spcBef>
+              <a:buFont typeface="Arial" panose="020B0604020202020204" pitchFamily="34" charset="0"/>
+              <a:buChar char="•"/>
+              <a:defRPr sz="1800" kern="1200">
+                <a:solidFill>
+                  <a:schemeClr val="tx1"/>
+                </a:solidFill>
+                <a:latin typeface="+mn-lt"/>
+                <a:ea typeface="+mn-ea"/>
+                <a:cs typeface="+mn-cs"/>
+              </a:defRPr>
+            </a:lvl9pPr>
+          </a:lstStyle>
+          <a:p>
+            <a:pPr>
+              <a:buFont typeface="Wingdings" panose="05000000000000000000" pitchFamily="2" charset="2"/>
+              <a:buChar char="Ø"/>
+            </a:pPr>
+            <a:r>
+              <a:rPr lang="en-US" dirty="0">
+                <a:solidFill>
+                  <a:schemeClr val="tx1">
+                    <a:lumMod val="75000"/>
+                    <a:lumOff val="25000"/>
+                  </a:schemeClr>
+                </a:solidFill>
+              </a:rPr>
+              <a:t> </a:t>
+            </a:r>
+            <a:r>
+              <a:rPr lang="en-US" dirty="0">
+                <a:solidFill>
+                  <a:schemeClr val="tx1">
+                    <a:lumMod val="75000"/>
+                    <a:lumOff val="25000"/>
+                  </a:schemeClr>
+                </a:solidFill>
+                <a:latin typeface="Palatino Linotype" panose="02040502050505030304" pitchFamily="18" charset="0"/>
+              </a:rPr>
+              <a:t>Convolution</a:t>
+            </a:r>
+          </a:p>
+        </p:txBody>
+      </p:sp>
+      <p:sp>
+        <p:nvSpPr>
+          <p:cNvPr id="7" name="Content Placeholder 2">
+            <a:extLst>
+              <a:ext uri="{FF2B5EF4-FFF2-40B4-BE49-F238E27FC236}">
+                <a16:creationId xmlns:a16="http://schemas.microsoft.com/office/drawing/2014/main" id="{5B95ACA0-3AD3-8719-93E2-6F228B1E1ED2}"/>
+              </a:ext>
+            </a:extLst>
+          </p:cNvPr>
+          <p:cNvSpPr txBox="1">
+            <a:spLocks/>
+          </p:cNvSpPr>
+          <p:nvPr/>
+        </p:nvSpPr>
+        <p:spPr>
+          <a:xfrm>
+            <a:off x="1013564" y="3743082"/>
             <a:ext cx="10515600" cy="504215"/>
           </a:xfrm>
           <a:prstGeom prst="rect">
@@ -14343,6 +14647,197 @@
       </p:grpSpPr>
       <p:sp>
         <p:nvSpPr>
+          <p:cNvPr id="3" name="Text Placeholder 2">
+            <a:extLst>
+              <a:ext uri="{FF2B5EF4-FFF2-40B4-BE49-F238E27FC236}">
+                <a16:creationId xmlns:a16="http://schemas.microsoft.com/office/drawing/2014/main" id="{098BC2D2-CCF7-4C63-8489-B46BF394FCA2}"/>
+              </a:ext>
+            </a:extLst>
+          </p:cNvPr>
+          <p:cNvSpPr>
+            <a:spLocks noGrp="1"/>
+          </p:cNvSpPr>
+          <p:nvPr>
+            <p:ph type="body" idx="1"/>
+          </p:nvPr>
+        </p:nvSpPr>
+        <p:spPr>
+          <a:xfrm>
+            <a:off x="0" y="4285400"/>
+            <a:ext cx="12192000" cy="518830"/>
+          </a:xfrm>
+        </p:spPr>
+        <p:txBody>
+          <a:bodyPr>
+            <a:normAutofit/>
+          </a:bodyPr>
+          <a:lstStyle/>
+          <a:p>
+            <a:endParaRPr lang="en-US" dirty="0">
+              <a:latin typeface="Palatino Linotype" panose="02040502050505030304" pitchFamily="18" charset="0"/>
+              <a:cs typeface="Segoe UI" panose="020B0502040204020203" pitchFamily="34" charset="0"/>
+            </a:endParaRPr>
+          </a:p>
+          <a:p>
+            <a:endParaRPr lang="en-US" dirty="0">
+              <a:latin typeface="Palatino Linotype" panose="02040502050505030304" pitchFamily="18" charset="0"/>
+              <a:cs typeface="Segoe UI" panose="020B0502040204020203" pitchFamily="34" charset="0"/>
+            </a:endParaRPr>
+          </a:p>
+          <a:p>
+            <a:endParaRPr lang="en-US" dirty="0">
+              <a:latin typeface="Palatino Linotype" panose="02040502050505030304" pitchFamily="18" charset="0"/>
+              <a:cs typeface="Segoe UI" panose="020B0502040204020203" pitchFamily="34" charset="0"/>
+            </a:endParaRPr>
+          </a:p>
+          <a:p>
+            <a:endParaRPr lang="en-US" dirty="0">
+              <a:latin typeface="Palatino Linotype" panose="02040502050505030304" pitchFamily="18" charset="0"/>
+              <a:cs typeface="Segoe UI" panose="020B0502040204020203" pitchFamily="34" charset="0"/>
+            </a:endParaRPr>
+          </a:p>
+          <a:p>
+            <a:endParaRPr lang="en-US" dirty="0">
+              <a:latin typeface="Palatino Linotype" panose="02040502050505030304" pitchFamily="18" charset="0"/>
+              <a:cs typeface="Segoe UI" panose="020B0502040204020203" pitchFamily="34" charset="0"/>
+            </a:endParaRPr>
+          </a:p>
+        </p:txBody>
+      </p:sp>
+      <p:pic>
+        <p:nvPicPr>
+          <p:cNvPr id="4" name="Picture 3">
+            <a:extLst>
+              <a:ext uri="{FF2B5EF4-FFF2-40B4-BE49-F238E27FC236}">
+                <a16:creationId xmlns:a16="http://schemas.microsoft.com/office/drawing/2014/main" id="{BF227EC8-F25E-46CD-8CAE-24E18DBDE5CC}"/>
+              </a:ext>
+            </a:extLst>
+          </p:cNvPr>
+          <p:cNvPicPr>
+            <a:picLocks noChangeAspect="1"/>
+          </p:cNvPicPr>
+          <p:nvPr/>
+        </p:nvPicPr>
+        <p:blipFill>
+          <a:blip r:embed="rId3"/>
+          <a:stretch>
+            <a:fillRect/>
+          </a:stretch>
+        </p:blipFill>
+        <p:spPr>
+          <a:xfrm>
+            <a:off x="0" y="365760"/>
+            <a:ext cx="3233668" cy="805144"/>
+          </a:xfrm>
+          <a:prstGeom prst="rect">
+            <a:avLst/>
+          </a:prstGeom>
+        </p:spPr>
+      </p:pic>
+      <p:sp>
+        <p:nvSpPr>
+          <p:cNvPr id="5" name="TextBox 4">
+            <a:extLst>
+              <a:ext uri="{FF2B5EF4-FFF2-40B4-BE49-F238E27FC236}">
+                <a16:creationId xmlns:a16="http://schemas.microsoft.com/office/drawing/2014/main" id="{8760F1F0-4F7C-4834-B8EC-922F9AF83899}"/>
+              </a:ext>
+            </a:extLst>
+          </p:cNvPr>
+          <p:cNvSpPr txBox="1"/>
+          <p:nvPr/>
+        </p:nvSpPr>
+        <p:spPr>
+          <a:xfrm>
+            <a:off x="0" y="3291840"/>
+            <a:ext cx="12192000" cy="1200329"/>
+          </a:xfrm>
+          <a:prstGeom prst="rect">
+            <a:avLst/>
+          </a:prstGeom>
+          <a:noFill/>
+        </p:spPr>
+        <p:txBody>
+          <a:bodyPr wrap="square" rtlCol="0">
+            <a:spAutoFit/>
+          </a:bodyPr>
+          <a:lstStyle/>
+          <a:p>
+            <a:pPr algn="ctr"/>
+            <a:r>
+              <a:rPr lang="en-US" sz="3600" dirty="0">
+                <a:solidFill>
+                  <a:schemeClr val="tx1">
+                    <a:lumMod val="65000"/>
+                    <a:lumOff val="35000"/>
+                  </a:schemeClr>
+                </a:solidFill>
+                <a:latin typeface="Palatino Linotype" panose="02040502050505030304" pitchFamily="18" charset="0"/>
+              </a:rPr>
+              <a:t>A Cat &amp; Dog Classifier</a:t>
+            </a:r>
+          </a:p>
+          <a:p>
+            <a:pPr algn="ctr"/>
+            <a:r>
+              <a:rPr lang="en-US" sz="3600" dirty="0">
+                <a:solidFill>
+                  <a:schemeClr val="tx1">
+                    <a:lumMod val="65000"/>
+                    <a:lumOff val="35000"/>
+                  </a:schemeClr>
+                </a:solidFill>
+                <a:latin typeface="Palatino Linotype" panose="02040502050505030304" pitchFamily="18" charset="0"/>
+              </a:rPr>
+              <a:t>02.2_catdog.ipynb</a:t>
+            </a:r>
+            <a:endParaRPr lang="en-US" sz="3600" dirty="0"/>
+          </a:p>
+        </p:txBody>
+      </p:sp>
+    </p:spTree>
+    <p:extLst>
+      <p:ext uri="{BB962C8B-B14F-4D97-AF65-F5344CB8AC3E}">
+        <p14:creationId xmlns:p14="http://schemas.microsoft.com/office/powerpoint/2010/main" val="4096204018"/>
+      </p:ext>
+    </p:extLst>
+  </p:cSld>
+  <p:clrMapOvr>
+    <a:masterClrMapping/>
+  </p:clrMapOvr>
+  <mc:AlternateContent xmlns:mc="http://schemas.openxmlformats.org/markup-compatibility/2006" xmlns:p14="http://schemas.microsoft.com/office/powerpoint/2010/main">
+    <mc:Choice Requires="p14">
+      <p:transition spd="med" p14:dur="700">
+        <p:fade/>
+      </p:transition>
+    </mc:Choice>
+    <mc:Fallback xmlns="">
+      <p:transition spd="med">
+        <p:fade/>
+      </p:transition>
+    </mc:Fallback>
+  </mc:AlternateContent>
+</p:sld>
+</file>
+
+<file path=ppt/slides/slide25.xml><?xml version="1.0" encoding="utf-8"?>
+<p:sld xmlns:a="http://schemas.openxmlformats.org/drawingml/2006/main" xmlns:r="http://schemas.openxmlformats.org/officeDocument/2006/relationships" xmlns:p="http://schemas.openxmlformats.org/presentationml/2006/main">
+  <p:cSld>
+    <p:spTree>
+      <p:nvGrpSpPr>
+        <p:cNvPr id="1" name=""/>
+        <p:cNvGrpSpPr/>
+        <p:nvPr/>
+      </p:nvGrpSpPr>
+      <p:grpSpPr>
+        <a:xfrm>
+          <a:off x="0" y="0"/>
+          <a:ext cx="0" cy="0"/>
+          <a:chOff x="0" y="0"/>
+          <a:chExt cx="0" cy="0"/>
+        </a:xfrm>
+      </p:grpSpPr>
+      <p:sp>
+        <p:nvSpPr>
           <p:cNvPr id="2" name="Title 1">
             <a:extLst>
               <a:ext uri="{FF2B5EF4-FFF2-40B4-BE49-F238E27FC236}">
@@ -14443,197 +14938,6 @@
     </mc:Choice>
     <mc:Fallback xmlns="">
       <p:transition spd="slow">
-        <p:fade/>
-      </p:transition>
-    </mc:Fallback>
-  </mc:AlternateContent>
-</p:sld>
-</file>
-
-<file path=ppt/slides/slide25.xml><?xml version="1.0" encoding="utf-8"?>
-<p:sld xmlns:a="http://schemas.openxmlformats.org/drawingml/2006/main" xmlns:r="http://schemas.openxmlformats.org/officeDocument/2006/relationships" xmlns:p="http://schemas.openxmlformats.org/presentationml/2006/main">
-  <p:cSld>
-    <p:spTree>
-      <p:nvGrpSpPr>
-        <p:cNvPr id="1" name=""/>
-        <p:cNvGrpSpPr/>
-        <p:nvPr/>
-      </p:nvGrpSpPr>
-      <p:grpSpPr>
-        <a:xfrm>
-          <a:off x="0" y="0"/>
-          <a:ext cx="0" cy="0"/>
-          <a:chOff x="0" y="0"/>
-          <a:chExt cx="0" cy="0"/>
-        </a:xfrm>
-      </p:grpSpPr>
-      <p:sp>
-        <p:nvSpPr>
-          <p:cNvPr id="3" name="Text Placeholder 2">
-            <a:extLst>
-              <a:ext uri="{FF2B5EF4-FFF2-40B4-BE49-F238E27FC236}">
-                <a16:creationId xmlns:a16="http://schemas.microsoft.com/office/drawing/2014/main" id="{098BC2D2-CCF7-4C63-8489-B46BF394FCA2}"/>
-              </a:ext>
-            </a:extLst>
-          </p:cNvPr>
-          <p:cNvSpPr>
-            <a:spLocks noGrp="1"/>
-          </p:cNvSpPr>
-          <p:nvPr>
-            <p:ph type="body" idx="1"/>
-          </p:nvPr>
-        </p:nvSpPr>
-        <p:spPr>
-          <a:xfrm>
-            <a:off x="0" y="4285400"/>
-            <a:ext cx="12192000" cy="518830"/>
-          </a:xfrm>
-        </p:spPr>
-        <p:txBody>
-          <a:bodyPr>
-            <a:normAutofit/>
-          </a:bodyPr>
-          <a:lstStyle/>
-          <a:p>
-            <a:endParaRPr lang="en-US" dirty="0">
-              <a:latin typeface="Palatino Linotype" panose="02040502050505030304" pitchFamily="18" charset="0"/>
-              <a:cs typeface="Segoe UI" panose="020B0502040204020203" pitchFamily="34" charset="0"/>
-            </a:endParaRPr>
-          </a:p>
-          <a:p>
-            <a:endParaRPr lang="en-US" dirty="0">
-              <a:latin typeface="Palatino Linotype" panose="02040502050505030304" pitchFamily="18" charset="0"/>
-              <a:cs typeface="Segoe UI" panose="020B0502040204020203" pitchFamily="34" charset="0"/>
-            </a:endParaRPr>
-          </a:p>
-          <a:p>
-            <a:endParaRPr lang="en-US" dirty="0">
-              <a:latin typeface="Palatino Linotype" panose="02040502050505030304" pitchFamily="18" charset="0"/>
-              <a:cs typeface="Segoe UI" panose="020B0502040204020203" pitchFamily="34" charset="0"/>
-            </a:endParaRPr>
-          </a:p>
-          <a:p>
-            <a:endParaRPr lang="en-US" dirty="0">
-              <a:latin typeface="Palatino Linotype" panose="02040502050505030304" pitchFamily="18" charset="0"/>
-              <a:cs typeface="Segoe UI" panose="020B0502040204020203" pitchFamily="34" charset="0"/>
-            </a:endParaRPr>
-          </a:p>
-          <a:p>
-            <a:endParaRPr lang="en-US" dirty="0">
-              <a:latin typeface="Palatino Linotype" panose="02040502050505030304" pitchFamily="18" charset="0"/>
-              <a:cs typeface="Segoe UI" panose="020B0502040204020203" pitchFamily="34" charset="0"/>
-            </a:endParaRPr>
-          </a:p>
-        </p:txBody>
-      </p:sp>
-      <p:pic>
-        <p:nvPicPr>
-          <p:cNvPr id="4" name="Picture 3">
-            <a:extLst>
-              <a:ext uri="{FF2B5EF4-FFF2-40B4-BE49-F238E27FC236}">
-                <a16:creationId xmlns:a16="http://schemas.microsoft.com/office/drawing/2014/main" id="{BF227EC8-F25E-46CD-8CAE-24E18DBDE5CC}"/>
-              </a:ext>
-            </a:extLst>
-          </p:cNvPr>
-          <p:cNvPicPr>
-            <a:picLocks noChangeAspect="1"/>
-          </p:cNvPicPr>
-          <p:nvPr/>
-        </p:nvPicPr>
-        <p:blipFill>
-          <a:blip r:embed="rId3"/>
-          <a:stretch>
-            <a:fillRect/>
-          </a:stretch>
-        </p:blipFill>
-        <p:spPr>
-          <a:xfrm>
-            <a:off x="0" y="365760"/>
-            <a:ext cx="3233668" cy="805144"/>
-          </a:xfrm>
-          <a:prstGeom prst="rect">
-            <a:avLst/>
-          </a:prstGeom>
-        </p:spPr>
-      </p:pic>
-      <p:sp>
-        <p:nvSpPr>
-          <p:cNvPr id="5" name="TextBox 4">
-            <a:extLst>
-              <a:ext uri="{FF2B5EF4-FFF2-40B4-BE49-F238E27FC236}">
-                <a16:creationId xmlns:a16="http://schemas.microsoft.com/office/drawing/2014/main" id="{8760F1F0-4F7C-4834-B8EC-922F9AF83899}"/>
-              </a:ext>
-            </a:extLst>
-          </p:cNvPr>
-          <p:cNvSpPr txBox="1"/>
-          <p:nvPr/>
-        </p:nvSpPr>
-        <p:spPr>
-          <a:xfrm>
-            <a:off x="0" y="3291840"/>
-            <a:ext cx="12192000" cy="1200329"/>
-          </a:xfrm>
-          <a:prstGeom prst="rect">
-            <a:avLst/>
-          </a:prstGeom>
-          <a:noFill/>
-        </p:spPr>
-        <p:txBody>
-          <a:bodyPr wrap="square" rtlCol="0">
-            <a:spAutoFit/>
-          </a:bodyPr>
-          <a:lstStyle/>
-          <a:p>
-            <a:pPr algn="ctr"/>
-            <a:r>
-              <a:rPr lang="en-US" sz="3600" dirty="0">
-                <a:solidFill>
-                  <a:schemeClr val="tx1">
-                    <a:lumMod val="65000"/>
-                    <a:lumOff val="35000"/>
-                  </a:schemeClr>
-                </a:solidFill>
-                <a:latin typeface="Palatino Linotype" panose="02040502050505030304" pitchFamily="18" charset="0"/>
-              </a:rPr>
-              <a:t>A Cat &amp; Dog Classifier</a:t>
-            </a:r>
-          </a:p>
-          <a:p>
-            <a:pPr algn="ctr"/>
-            <a:r>
-              <a:rPr lang="en-US" sz="3600" dirty="0">
-                <a:solidFill>
-                  <a:schemeClr val="tx1">
-                    <a:lumMod val="65000"/>
-                    <a:lumOff val="35000"/>
-                  </a:schemeClr>
-                </a:solidFill>
-                <a:latin typeface="Palatino Linotype" panose="02040502050505030304" pitchFamily="18" charset="0"/>
-              </a:rPr>
-              <a:t>02.2_catdog.ipynb</a:t>
-            </a:r>
-            <a:endParaRPr lang="en-US" sz="3600" dirty="0"/>
-          </a:p>
-        </p:txBody>
-      </p:sp>
-    </p:spTree>
-    <p:extLst>
-      <p:ext uri="{BB962C8B-B14F-4D97-AF65-F5344CB8AC3E}">
-        <p14:creationId xmlns:p14="http://schemas.microsoft.com/office/powerpoint/2010/main" val="4096204018"/>
-      </p:ext>
-    </p:extLst>
-  </p:cSld>
-  <p:clrMapOvr>
-    <a:masterClrMapping/>
-  </p:clrMapOvr>
-  <mc:AlternateContent xmlns:mc="http://schemas.openxmlformats.org/markup-compatibility/2006" xmlns:p14="http://schemas.microsoft.com/office/powerpoint/2010/main">
-    <mc:Choice Requires="p14">
-      <p:transition spd="med" p14:dur="700">
-        <p:fade/>
-      </p:transition>
-    </mc:Choice>
-    <mc:Fallback xmlns="">
-      <p:transition spd="med">
         <p:fade/>
       </p:transition>
     </mc:Fallback>

--- a/presentations/02_cnn_anatomy.pptx
+++ b/presentations/02_cnn_anatomy.pptx
@@ -236,7 +236,7 @@
           <a:p>
             <a:fld id="{FD93C9B2-20F6-4DB1-B471-224337D0AC79}" type="datetimeFigureOut">
               <a:rPr lang="en-US" smtClean="0"/>
-              <a:t>9/15/2022</a:t>
+              <a:t>9/16/2022</a:t>
             </a:fld>
             <a:endParaRPr lang="en-US"/>
           </a:p>
@@ -1100,7 +1100,7 @@
           <a:p>
             <a:r>
               <a:rPr lang="en-US" dirty="0"/>
-              <a:t>As we saw, during convolution we can imagine starting the filter in the upper-left pixel of the input image. The filter produces an output, then takes one step right, produces another output, moves another step right, and so on until it reaches the right edge of that row. Then it moves down one row and back to the left side, and the process repeats.  </a:t>
+              <a:t>With convolution,  we start the filter in the upper-left pixel of the input image. The filter produces an output, then takes one step right, produces another output, moves another step right, and so on until it reaches the right edge of that row. Then it moves down one row and back to the left side.  </a:t>
             </a:r>
           </a:p>
           <a:p>
@@ -1121,7 +1121,15 @@
           <a:p>
             <a:r>
               <a:rPr lang="en-US" dirty="0"/>
-              <a:t>But we don’t have to move in single steps. Suppose we move, or stride, more than one pixel to the right, or more than one pixel down, as we sweep our filter. Then our output will end up being smaller than the input. We usually use the word stride (and the related striding) only when we use steps greater than one in any dimension.  </a:t>
+              <a:t>But we don’t have to move in single steps.  We can move, or </a:t>
+            </a:r>
+            <a:r>
+              <a:rPr lang="en-US" b="1" dirty="0"/>
+              <a:t>stride</a:t>
+            </a:r>
+            <a:r>
+              <a:rPr lang="en-US" dirty="0"/>
+              <a:t>, more than one pixel to the right, or more than one pixel down, as we sweep our filter.  </a:t>
             </a:r>
           </a:p>
           <a:p>
@@ -1138,12 +1146,6 @@
           </a:p>
           <a:p>
             <a:endParaRPr lang="en-US" dirty="0"/>
-          </a:p>
-          <a:p>
-            <a:r>
-              <a:rPr lang="en-US" dirty="0"/>
-              <a:t>In both simulations, the filter moves starting from the upper left. As the filter moves left to right, it produces a sequence of outputs, and those get placed one after the other, also left to right, in the output. When the filter moves down, the new outputs go on a new line of cells in the output.</a:t>
-            </a:r>
           </a:p>
         </p:txBody>
       </p:sp>
@@ -1236,7 +1238,7 @@
                 <a:effectLst/>
                 <a:latin typeface="+mn-lt"/>
               </a:rPr>
-              <a:t>There’s a minor issue w/convolution operation.  When we convolve an image, the output tensor has smaller dimensions than the input.  </a:t>
+              <a:t>However, there’s a minor issue with convolution.  When we convolve an image, the output tensor has smaller dimensions than the input.  </a:t>
             </a:r>
           </a:p>
           <a:p>
@@ -1838,17 +1840,17 @@
                 <a:effectLst/>
                 <a:latin typeface="+mn-lt"/>
               </a:rPr>
-              <a:t>Pooling layers are used to reduce the dimensions of the feature maps of convolution layers. But why do we need to perform such down sampling</a:t>
-            </a:r>
-            <a:r>
-              <a:rPr lang="en-US" b="0" i="0">
+              <a:t>Pooling layers are used to reduce the dimensions of the feature maps of convolution layers. But why do we perform </a:t>
+            </a:r>
+            <a:r>
+              <a:rPr lang="en-US" b="1" i="0" dirty="0">
                 <a:solidFill>
                   <a:srgbClr val="6D737D"/>
                 </a:solidFill>
                 <a:effectLst/>
                 <a:latin typeface="+mn-lt"/>
               </a:rPr>
-              <a:t>?  One </a:t>
+              <a:t>down sampling</a:t>
             </a:r>
             <a:r>
               <a:rPr lang="en-US" b="0" i="0" dirty="0">
@@ -1858,7 +1860,7 @@
                 <a:effectLst/>
                 <a:latin typeface="+mn-lt"/>
               </a:rPr>
-              <a:t>of the main reasons is to reduce the number of calculations that are performed in the networks. Adding multiple layers of convolution with different filters can have a significant impact on the training time. Also, reducing the dimensions of feature maps can eliminate some of the noise in the feature map and help us focus only on the detected pattern. It is quite typical to add a pooling layer after each convolutional layer in order to reduce the size of the feature maps.</a:t>
+              <a:t>?   First, we do it to reduce the number of calculations a network must perform.  This speeds up the training process.  Second, down sampling eliminates some of the noise in the feature map.  It helps the model detect underlying patterns.</a:t>
             </a:r>
           </a:p>
           <a:p>
@@ -1881,27 +1883,7 @@
                 <a:effectLst/>
                 <a:latin typeface="+mn-lt"/>
               </a:rPr>
-              <a:t>A pooling operation acts like a filter, but rather than performing a convolution operation, it uses an aggregation function such as average or max (max is the most widely used function in the current CNN architecture). For instance, </a:t>
-            </a:r>
-            <a:r>
-              <a:rPr lang="en-US" b="1" i="0" dirty="0">
-                <a:solidFill>
-                  <a:srgbClr val="6D737D"/>
-                </a:solidFill>
-                <a:effectLst/>
-                <a:latin typeface="+mn-lt"/>
-              </a:rPr>
-              <a:t>max pooling</a:t>
-            </a:r>
-            <a:r>
-              <a:rPr lang="en-US" b="0" i="0" dirty="0">
-                <a:solidFill>
-                  <a:srgbClr val="6D737D"/>
-                </a:solidFill>
-                <a:effectLst/>
-                <a:latin typeface="+mn-lt"/>
-              </a:rPr>
-              <a:t> will look at a specific area of the feature map and find the maximum values of its pixels. Then, it performs a stride and finds the maximum value among the neighbor pixels. It repeats this process until it processes the entire image.  </a:t>
+              <a:t>A pooling operation acts like a filter.  But rather than performing a convolution operation, it uses an aggregation function such as average or max. </a:t>
             </a:r>
           </a:p>
           <a:p>
@@ -1949,7 +1931,7 @@
                 <a:effectLst/>
                 <a:latin typeface="+mn-lt"/>
               </a:rPr>
-              <a:t>The max filter is applied and the largest (max) number in the input image is added to the output tensor.  The colors help us see the connections between the input and the corresponding output.</a:t>
+              <a:t>The max filter is applied and the largest (max) number in the input image is added to the output tensor.  The result is 8 in the blue cell.</a:t>
             </a:r>
           </a:p>
           <a:p>
@@ -1964,20 +1946,8 @@
                 <a:effectLst/>
                 <a:latin typeface="+mn-lt"/>
               </a:rPr>
-              <a:t>In this example, our stride is two and the max pooling operation is once again applied, resulting in 7 as its output.</a:t>
-            </a:r>
-          </a:p>
-          <a:p>
-            <a:pPr marL="228600" indent="-228600" algn="l">
-              <a:buAutoNum type="arabicPeriod"/>
-            </a:pPr>
-            <a:endParaRPr lang="en-US" b="0" i="0" dirty="0">
-              <a:solidFill>
-                <a:srgbClr val="6D737D"/>
-              </a:solidFill>
-              <a:effectLst/>
-              <a:latin typeface="+mn-lt"/>
-            </a:endParaRPr>
+              <a:t>In this example, our stride is two and the max pooling operation is once again applied.  The result is 7 in the green cell.</a:t>
+            </a:r>
           </a:p>
           <a:p>
             <a:pPr algn="l"/>
@@ -3476,7 +3446,7 @@
                 <a:effectLst/>
                 <a:latin typeface="+mn-lt"/>
               </a:rPr>
-              <a:t>Variety of layers – just covering a couple now…</a:t>
+              <a:t>Many types and variations of layers – we just cover a few here.</a:t>
             </a:r>
           </a:p>
           <a:p>
@@ -3949,7 +3919,7 @@
             </a:pPr>
             <a:r>
               <a:rPr lang="en-US" dirty="0"/>
-              <a:t>Combine three values to represent ‘yellowness’ – output</a:t>
+              <a:t>We combine the three values to calculate the ‘yellowness’ of the pixel</a:t>
             </a:r>
           </a:p>
           <a:p>
@@ -4734,7 +4704,7 @@
           <a:p>
             <a:fld id="{C3F78080-8D0A-4BE8-A5B4-CB115102D524}" type="datetimeFigureOut">
               <a:rPr lang="en-US" smtClean="0"/>
-              <a:t>9/15/2022</a:t>
+              <a:t>9/16/2022</a:t>
             </a:fld>
             <a:endParaRPr lang="en-US"/>
           </a:p>
@@ -4932,7 +4902,7 @@
           <a:p>
             <a:fld id="{C3F78080-8D0A-4BE8-A5B4-CB115102D524}" type="datetimeFigureOut">
               <a:rPr lang="en-US" smtClean="0"/>
-              <a:t>9/15/2022</a:t>
+              <a:t>9/16/2022</a:t>
             </a:fld>
             <a:endParaRPr lang="en-US"/>
           </a:p>
@@ -5140,7 +5110,7 @@
           <a:p>
             <a:fld id="{C3F78080-8D0A-4BE8-A5B4-CB115102D524}" type="datetimeFigureOut">
               <a:rPr lang="en-US" smtClean="0"/>
-              <a:t>9/15/2022</a:t>
+              <a:t>9/16/2022</a:t>
             </a:fld>
             <a:endParaRPr lang="en-US"/>
           </a:p>
@@ -5338,7 +5308,7 @@
           <a:p>
             <a:fld id="{C3F78080-8D0A-4BE8-A5B4-CB115102D524}" type="datetimeFigureOut">
               <a:rPr lang="en-US" smtClean="0"/>
-              <a:t>9/15/2022</a:t>
+              <a:t>9/16/2022</a:t>
             </a:fld>
             <a:endParaRPr lang="en-US"/>
           </a:p>
@@ -5613,7 +5583,7 @@
           <a:p>
             <a:fld id="{C3F78080-8D0A-4BE8-A5B4-CB115102D524}" type="datetimeFigureOut">
               <a:rPr lang="en-US" smtClean="0"/>
-              <a:t>9/15/2022</a:t>
+              <a:t>9/16/2022</a:t>
             </a:fld>
             <a:endParaRPr lang="en-US"/>
           </a:p>
@@ -5878,7 +5848,7 @@
           <a:p>
             <a:fld id="{C3F78080-8D0A-4BE8-A5B4-CB115102D524}" type="datetimeFigureOut">
               <a:rPr lang="en-US" smtClean="0"/>
-              <a:t>9/15/2022</a:t>
+              <a:t>9/16/2022</a:t>
             </a:fld>
             <a:endParaRPr lang="en-US"/>
           </a:p>
@@ -6290,7 +6260,7 @@
           <a:p>
             <a:fld id="{C3F78080-8D0A-4BE8-A5B4-CB115102D524}" type="datetimeFigureOut">
               <a:rPr lang="en-US" smtClean="0"/>
-              <a:t>9/15/2022</a:t>
+              <a:t>9/16/2022</a:t>
             </a:fld>
             <a:endParaRPr lang="en-US"/>
           </a:p>
@@ -6431,7 +6401,7 @@
           <a:p>
             <a:fld id="{C3F78080-8D0A-4BE8-A5B4-CB115102D524}" type="datetimeFigureOut">
               <a:rPr lang="en-US" smtClean="0"/>
-              <a:t>9/15/2022</a:t>
+              <a:t>9/16/2022</a:t>
             </a:fld>
             <a:endParaRPr lang="en-US"/>
           </a:p>
@@ -6544,7 +6514,7 @@
           <a:p>
             <a:fld id="{C3F78080-8D0A-4BE8-A5B4-CB115102D524}" type="datetimeFigureOut">
               <a:rPr lang="en-US" smtClean="0"/>
-              <a:t>9/15/2022</a:t>
+              <a:t>9/16/2022</a:t>
             </a:fld>
             <a:endParaRPr lang="en-US"/>
           </a:p>
@@ -6855,7 +6825,7 @@
           <a:p>
             <a:fld id="{C3F78080-8D0A-4BE8-A5B4-CB115102D524}" type="datetimeFigureOut">
               <a:rPr lang="en-US" smtClean="0"/>
-              <a:t>9/15/2022</a:t>
+              <a:t>9/16/2022</a:t>
             </a:fld>
             <a:endParaRPr lang="en-US"/>
           </a:p>
@@ -7143,7 +7113,7 @@
           <a:p>
             <a:fld id="{C3F78080-8D0A-4BE8-A5B4-CB115102D524}" type="datetimeFigureOut">
               <a:rPr lang="en-US" smtClean="0"/>
-              <a:t>9/15/2022</a:t>
+              <a:t>9/16/2022</a:t>
             </a:fld>
             <a:endParaRPr lang="en-US"/>
           </a:p>
@@ -7384,7 +7354,7 @@
           <a:p>
             <a:fld id="{C3F78080-8D0A-4BE8-A5B4-CB115102D524}" type="datetimeFigureOut">
               <a:rPr lang="en-US" smtClean="0"/>
-              <a:t>9/15/2022</a:t>
+              <a:t>9/16/2022</a:t>
             </a:fld>
             <a:endParaRPr lang="en-US"/>
           </a:p>
@@ -13141,7 +13111,7 @@
                 </a:solidFill>
                 <a:latin typeface="Palatino Linotype" panose="02040502050505030304" pitchFamily="18" charset="0"/>
               </a:rPr>
-              <a:t>Images and Filters</a:t>
+              <a:t>Filters and Images</a:t>
             </a:r>
           </a:p>
         </p:txBody>
